--- a/Day 4/Day 4.pptx
+++ b/Day 4/Day 4.pptx
@@ -2,26 +2,29 @@
 <file path=ppt/presentation.xml><?xml version="1.0" encoding="utf-8"?>
 <p:presentation xmlns:a="http://schemas.openxmlformats.org/drawingml/2006/main" xmlns:r="http://schemas.openxmlformats.org/officeDocument/2006/relationships" xmlns:p="http://schemas.openxmlformats.org/presentationml/2006/main" firstSlideNum="0" strictFirstAndLastChars="0" saveSubsetFonts="1">
   <p:sldMasterIdLst>
-    <p:sldMasterId id="2147484183" r:id="rId2"/>
-    <p:sldMasterId id="2147484199" r:id="rId3"/>
+    <p:sldMasterId id="2147484199" r:id="rId2"/>
+    <p:sldMasterId id="2147484215" r:id="rId3"/>
   </p:sldMasterIdLst>
   <p:notesMasterIdLst>
-    <p:notesMasterId r:id="rId9"/>
+    <p:notesMasterId r:id="rId12"/>
   </p:notesMasterIdLst>
   <p:handoutMasterIdLst>
-    <p:handoutMasterId r:id="rId10"/>
+    <p:handoutMasterId r:id="rId13"/>
   </p:handoutMasterIdLst>
   <p:sldIdLst>
     <p:sldId id="267" r:id="rId4"/>
-    <p:sldId id="266" r:id="rId5"/>
-    <p:sldId id="258" r:id="rId6"/>
-    <p:sldId id="264" r:id="rId7"/>
-    <p:sldId id="263" r:id="rId8"/>
+    <p:sldId id="269" r:id="rId5"/>
+    <p:sldId id="270" r:id="rId6"/>
+    <p:sldId id="271" r:id="rId7"/>
+    <p:sldId id="272" r:id="rId8"/>
+    <p:sldId id="273" r:id="rId9"/>
+    <p:sldId id="274" r:id="rId10"/>
+    <p:sldId id="275" r:id="rId11"/>
   </p:sldIdLst>
   <p:sldSz cx="13404850" cy="7543800"/>
   <p:notesSz cx="6996113" cy="9282113"/>
   <p:custDataLst>
-    <p:tags r:id="rId11"/>
+    <p:tags r:id="rId14"/>
   </p:custDataLst>
   <p:defaultTextStyle>
     <a:defPPr>
@@ -154,24 +157,25 @@
         <p14:section name="Untitled Section" id="{1030C549-4C55-4C9A-8619-56AC5A5EDCB9}">
           <p14:sldIdLst>
             <p14:sldId id="267"/>
-            <p14:sldId id="266"/>
+            <p14:sldId id="269"/>
+            <p14:sldId id="270"/>
+            <p14:sldId id="271"/>
+            <p14:sldId id="272"/>
+            <p14:sldId id="273"/>
+            <p14:sldId id="274"/>
+            <p14:sldId id="275"/>
           </p14:sldIdLst>
         </p14:section>
         <p14:section name="Untitled Section" id="{B84B32C3-02CE-4382-A6AF-5E9B2CF4795D}">
-          <p14:sldIdLst>
-            <p14:sldId id="258"/>
-            <p14:sldId id="264"/>
-          </p14:sldIdLst>
+          <p14:sldIdLst/>
         </p14:section>
         <p14:section name="Untitled Section" id="{0C18BB5A-D0E1-48EA-A9BF-533F32D6E2B4}">
-          <p14:sldIdLst>
-            <p14:sldId id="263"/>
-          </p14:sldIdLst>
+          <p14:sldIdLst/>
         </p14:section>
       </p14:sectionLst>
     </p:ext>
     <p:ext uri="{EFAFB233-063F-42B5-8137-9DF3F51BA10A}">
-      <p15:sldGuideLst xmlns:p15="http://schemas.microsoft.com/office/powerpoint/2012/main" xmlns="">
+      <p15:sldGuideLst xmlns="" xmlns:p15="http://schemas.microsoft.com/office/powerpoint/2012/main">
         <p15:guide id="1" orient="horz" pos="4579" userDrawn="1">
           <p15:clr>
             <a:srgbClr val="A4A3A4"/>
@@ -235,7 +239,7 @@
       </p15:sldGuideLst>
     </p:ext>
     <p:ext uri="{2D200454-40CA-4A62-9FC3-DE9A4176ACB9}">
-      <p15:notesGuideLst xmlns:p15="http://schemas.microsoft.com/office/powerpoint/2012/main" xmlns="">
+      <p15:notesGuideLst xmlns="" xmlns:p15="http://schemas.microsoft.com/office/powerpoint/2012/main">
         <p15:guide id="1" orient="horz" pos="2923">
           <p15:clr>
             <a:srgbClr val="A4A3A4"/>
@@ -249,7 +253,7 @@
       </p15:notesGuideLst>
     </p:ext>
     <p:ext uri="{50385BFA-195E-4E9F-9E8A-86900EEC6D5D}">
-      <p14:sectionPr xmlns:p14="http://schemas.microsoft.com/office/powerpoint/2007/7/12/main" xmlns="">
+      <p14:sectionPr xmlns="" xmlns:p14="http://schemas.microsoft.com/office/powerpoint/2007/7/12/main">
         <p14:section name="Default Section" slideIdLst="263 258" id="{F3A50AD0-1C96-4FFB-A588-4C2E07833EC5}"/>
         <p14:section name="Untitled Section" slideIdLst="259 260" id="{731A7D92-B090-44AE-BDF3-5EDBB7844CCD}"/>
         <p14:section name="Untitled Section" slideIdLst="261 262" id="{8A1131A8-562D-483F-B678-EACC5503E90B}"/>
@@ -1011,18 +1015,26 @@
           <a:lstStyle/>
           <a:p>
             <a:fld id="{2A45EEF0-2412-4E74-8042-71FA5C916756}" type="slidenum">
-              <a:rPr lang="en-US" altLang="zh-TW" smtClean="0"/>
+              <a:rPr altLang="zh-TW" smtClean="0">
+                <a:solidFill>
+                  <a:prstClr val="black"/>
+                </a:solidFill>
+              </a:rPr>
               <a:pPr/>
-              <a:t>2</a:t>
+              <a:t>1</a:t>
             </a:fld>
-            <a:endParaRPr lang="en-US" altLang="zh-TW" dirty="0"/>
+            <a:endParaRPr altLang="zh-TW" dirty="0">
+              <a:solidFill>
+                <a:prstClr val="black"/>
+              </a:solidFill>
+            </a:endParaRPr>
           </a:p>
         </p:txBody>
       </p:sp>
     </p:spTree>
     <p:extLst>
       <p:ext uri="{BB962C8B-B14F-4D97-AF65-F5344CB8AC3E}">
-        <p14:creationId xmlns:p14="http://schemas.microsoft.com/office/powerpoint/2010/main" val="1720078526"/>
+        <p14:creationId xmlns:p14="http://schemas.microsoft.com/office/powerpoint/2010/main" val="548757771"/>
       </p:ext>
     </p:extLst>
   </p:cSld>
@@ -1096,18 +1108,26 @@
           <a:lstStyle/>
           <a:p>
             <a:fld id="{2A45EEF0-2412-4E74-8042-71FA5C916756}" type="slidenum">
-              <a:rPr lang="en-US" altLang="zh-TW" smtClean="0"/>
+              <a:rPr altLang="zh-TW" smtClean="0">
+                <a:solidFill>
+                  <a:prstClr val="black"/>
+                </a:solidFill>
+              </a:rPr>
               <a:pPr/>
-              <a:t>3</a:t>
+              <a:t>2</a:t>
             </a:fld>
-            <a:endParaRPr lang="en-US" altLang="zh-TW" dirty="0"/>
+            <a:endParaRPr altLang="zh-TW" dirty="0">
+              <a:solidFill>
+                <a:prstClr val="black"/>
+              </a:solidFill>
+            </a:endParaRPr>
           </a:p>
         </p:txBody>
       </p:sp>
     </p:spTree>
     <p:extLst>
       <p:ext uri="{BB962C8B-B14F-4D97-AF65-F5344CB8AC3E}">
-        <p14:creationId xmlns:p14="http://schemas.microsoft.com/office/powerpoint/2010/main" val="547889115"/>
+        <p14:creationId xmlns:p14="http://schemas.microsoft.com/office/powerpoint/2010/main" val="3516102724"/>
       </p:ext>
     </p:extLst>
   </p:cSld>
@@ -1181,18 +1201,119 @@
           <a:lstStyle/>
           <a:p>
             <a:fld id="{2A45EEF0-2412-4E74-8042-71FA5C916756}" type="slidenum">
-              <a:rPr lang="en-US" altLang="zh-TW" smtClean="0"/>
+              <a:rPr lang="zh-TW" altLang="en-US" smtClean="0">
+                <a:solidFill>
+                  <a:prstClr val="black"/>
+                </a:solidFill>
+              </a:rPr>
               <a:pPr/>
               <a:t>4</a:t>
             </a:fld>
-            <a:endParaRPr lang="en-US" altLang="zh-TW" dirty="0"/>
+            <a:endParaRPr altLang="zh-TW" dirty="0">
+              <a:solidFill>
+                <a:prstClr val="black"/>
+              </a:solidFill>
+            </a:endParaRPr>
           </a:p>
         </p:txBody>
       </p:sp>
     </p:spTree>
     <p:extLst>
       <p:ext uri="{BB962C8B-B14F-4D97-AF65-F5344CB8AC3E}">
-        <p14:creationId xmlns:p14="http://schemas.microsoft.com/office/powerpoint/2010/main" val="4042528746"/>
+        <p14:creationId xmlns:p14="http://schemas.microsoft.com/office/powerpoint/2010/main" val="3706060435"/>
+      </p:ext>
+    </p:extLst>
+  </p:cSld>
+  <p:clrMapOvr>
+    <a:masterClrMapping/>
+  </p:clrMapOvr>
+</p:notes>
+</file>
+
+<file path=ppt/notesSlides/notesSlide5.xml><?xml version="1.0" encoding="utf-8"?>
+<p:notes xmlns:a="http://schemas.openxmlformats.org/drawingml/2006/main" xmlns:r="http://schemas.openxmlformats.org/officeDocument/2006/relationships" xmlns:p="http://schemas.openxmlformats.org/presentationml/2006/main">
+  <p:cSld>
+    <p:spTree>
+      <p:nvGrpSpPr>
+        <p:cNvPr id="1" name=""/>
+        <p:cNvGrpSpPr/>
+        <p:nvPr/>
+      </p:nvGrpSpPr>
+      <p:grpSpPr>
+        <a:xfrm>
+          <a:off x="0" y="0"/>
+          <a:ext cx="0" cy="0"/>
+          <a:chOff x="0" y="0"/>
+          <a:chExt cx="0" cy="0"/>
+        </a:xfrm>
+      </p:grpSpPr>
+      <p:sp>
+        <p:nvSpPr>
+          <p:cNvPr id="2" name="Slide Image Placeholder 1"/>
+          <p:cNvSpPr>
+            <a:spLocks noGrp="1" noRot="1" noChangeAspect="1"/>
+          </p:cNvSpPr>
+          <p:nvPr>
+            <p:ph type="sldImg"/>
+          </p:nvPr>
+        </p:nvSpPr>
+        <p:spPr/>
+      </p:sp>
+      <p:sp>
+        <p:nvSpPr>
+          <p:cNvPr id="3" name="Notes Placeholder 2"/>
+          <p:cNvSpPr>
+            <a:spLocks noGrp="1"/>
+          </p:cNvSpPr>
+          <p:nvPr>
+            <p:ph type="body" idx="1"/>
+          </p:nvPr>
+        </p:nvSpPr>
+        <p:spPr/>
+        <p:txBody>
+          <a:bodyPr/>
+          <a:lstStyle/>
+          <a:p>
+            <a:endParaRPr lang="en-US" dirty="0"/>
+          </a:p>
+        </p:txBody>
+      </p:sp>
+      <p:sp>
+        <p:nvSpPr>
+          <p:cNvPr id="4" name="Slide Number Placeholder 3"/>
+          <p:cNvSpPr>
+            <a:spLocks noGrp="1"/>
+          </p:cNvSpPr>
+          <p:nvPr>
+            <p:ph type="sldNum" sz="quarter" idx="10"/>
+          </p:nvPr>
+        </p:nvSpPr>
+        <p:spPr/>
+        <p:txBody>
+          <a:bodyPr/>
+          <a:lstStyle/>
+          <a:p>
+            <a:fld id="{2A45EEF0-2412-4E74-8042-71FA5C916756}" type="slidenum">
+              <a:rPr lang="zh-TW" altLang="en-US" smtClean="0">
+                <a:solidFill>
+                  <a:prstClr val="black"/>
+                </a:solidFill>
+              </a:rPr>
+              <a:pPr/>
+              <a:t>5</a:t>
+            </a:fld>
+            <a:endParaRPr altLang="zh-TW" dirty="0">
+              <a:solidFill>
+                <a:prstClr val="black"/>
+              </a:solidFill>
+            </a:endParaRPr>
+          </a:p>
+        </p:txBody>
+      </p:sp>
+    </p:spTree>
+    <p:extLst>
+      <p:ext uri="{BB962C8B-B14F-4D97-AF65-F5344CB8AC3E}">
+        <p14:creationId xmlns:p14="http://schemas.microsoft.com/office/powerpoint/2010/main" val="1721401234"/>
       </p:ext>
     </p:extLst>
   </p:cSld>
@@ -1646,13 +1767,17 @@
           <a:p>
             <a:pPr algn="r"/>
             <a:r>
-              <a:rPr lang="en-US" sz="1200" dirty="0" smtClean="0">
-                <a:latin typeface="Frutiger 55 Roman"/>
+              <a:rPr dirty="0" smtClean="0">
+                <a:solidFill>
+                  <a:prstClr val="black"/>
+                </a:solidFill>
               </a:rPr>
               <a:t>Confidential</a:t>
             </a:r>
-            <a:endParaRPr lang="en-US" sz="1200" dirty="0">
-              <a:latin typeface="Frutiger 55 Roman"/>
+            <a:endParaRPr dirty="0">
+              <a:solidFill>
+                <a:prstClr val="black"/>
+              </a:solidFill>
             </a:endParaRPr>
           </a:p>
         </p:txBody>
@@ -1692,7 +1817,6 @@
               <a:rPr lang="en-US" dirty="0" smtClean="0"/>
               <a:t>&lt;&lt;Infoline: presentation description&gt;&gt;</a:t>
             </a:r>
-            <a:endParaRPr lang="en-US" dirty="0" smtClean="0"/>
           </a:p>
         </p:txBody>
       </p:sp>
@@ -1722,31 +1846,23 @@
           </a:bodyPr>
           <a:lstStyle/>
           <a:p>
-            <a:pPr algn="l">
-              <a:lnSpc>
-                <a:spcPct val="100000"/>
-              </a:lnSpc>
+            <a:pPr>
               <a:spcBef>
                 <a:spcPct val="0"/>
               </a:spcBef>
-              <a:spcAft>
-                <a:spcPct val="0"/>
-              </a:spcAft>
             </a:pPr>
             <a:r>
-              <a:rPr kumimoji="0" lang="en-US" sz="2400" b="1" i="0" u="none" baseline="0" dirty="0" smtClean="0">
+              <a:rPr sz="2400" b="1" dirty="0" smtClean="0">
                 <a:solidFill>
                   <a:srgbClr val="E60000"/>
                 </a:solidFill>
-                <a:latin typeface="Frutiger 55 Roman"/>
               </a:rPr>
               <a:t>Draft</a:t>
             </a:r>
-            <a:endParaRPr kumimoji="0" lang="en-US" sz="2400" b="1" i="0" u="none" baseline="0" dirty="0">
+            <a:endParaRPr sz="2400" b="1" dirty="0">
               <a:solidFill>
                 <a:srgbClr val="E60000"/>
               </a:solidFill>
-              <a:latin typeface="Frutiger 55 Roman"/>
             </a:endParaRPr>
           </a:p>
         </p:txBody>
@@ -1786,6 +1902,11 @@
         </p:spPr>
       </p:pic>
     </p:spTree>
+    <p:extLst>
+      <p:ext uri="{BB962C8B-B14F-4D97-AF65-F5344CB8AC3E}">
+        <p14:creationId xmlns:p14="http://schemas.microsoft.com/office/powerpoint/2010/main" val="3723246705"/>
+      </p:ext>
+    </p:extLst>
   </p:cSld>
   <p:clrMapOvr>
     <a:masterClrMapping/>
@@ -2926,11 +3047,19 @@
           <a:p>
             <a:pPr algn="r"/>
             <a:fld id="{C04BB5FE-21AD-4A47-B7F8-7792A0111F81}" type="slidenum">
-              <a:rPr lang="en-US" sz="700" smtClean="0"/>
+              <a:rPr sz="700" smtClean="0">
+                <a:solidFill>
+                  <a:prstClr val="black"/>
+                </a:solidFill>
+              </a:rPr>
               <a:pPr algn="r"/>
               <a:t>‹#›</a:t>
             </a:fld>
-            <a:endParaRPr lang="en-US" sz="700" dirty="0"/>
+            <a:endParaRPr sz="700" dirty="0">
+              <a:solidFill>
+                <a:prstClr val="black"/>
+              </a:solidFill>
+            </a:endParaRPr>
           </a:p>
         </p:txBody>
       </p:sp>
@@ -3055,12 +3184,10 @@
             </a:lvl9pPr>
           </a:lstStyle>
           <a:p>
-            <a:pPr lvl="0"/>
-            <a:r>
-              <a:rPr lang="en-US" sz="600" dirty="0" smtClean="0"/>
-              <a:t>UBSPROD\t608113 [printed: ____] [saved: May 14, 2019 10:12 AM] \\UBSPROD.MSAD.UBS.NET\UserData\T608113\Home\Documents\Teaching\Day 4.pptx </a:t>
-            </a:r>
-            <a:endParaRPr lang="en-US" sz="600" dirty="0" smtClean="0"/>
+            <a:r>
+              <a:rPr lang="en-US" dirty="0" smtClean="0"/>
+              <a:t>UBSPROD\t608113 [printed: ____] [saved: May 14, 2019 10:03 AM] \\UBSPROD.MSAD.UBS.NET\UserData\T608113\Home\Documents\Teaching\Day 1.pptx </a:t>
+            </a:r>
           </a:p>
         </p:txBody>
       </p:sp>
@@ -3490,31 +3617,23 @@
           </a:bodyPr>
           <a:lstStyle/>
           <a:p>
-            <a:pPr algn="l">
-              <a:lnSpc>
-                <a:spcPct val="100000"/>
-              </a:lnSpc>
+            <a:pPr>
               <a:spcBef>
                 <a:spcPct val="0"/>
               </a:spcBef>
-              <a:spcAft>
-                <a:spcPct val="0"/>
-              </a:spcAft>
             </a:pPr>
             <a:r>
-              <a:rPr kumimoji="0" lang="en-US" sz="2400" b="1" i="0" u="none" baseline="0" dirty="0" smtClean="0">
+              <a:rPr sz="2400" b="1" dirty="0" smtClean="0">
                 <a:solidFill>
                   <a:srgbClr val="E60000"/>
                 </a:solidFill>
-                <a:latin typeface="Frutiger 55 Roman"/>
               </a:rPr>
               <a:t>Draft</a:t>
             </a:r>
-            <a:endParaRPr kumimoji="0" lang="en-US" sz="2400" b="1" i="0" u="none" baseline="0" dirty="0">
+            <a:endParaRPr sz="2400" b="1" dirty="0">
               <a:solidFill>
                 <a:srgbClr val="E60000"/>
               </a:solidFill>
-              <a:latin typeface="Frutiger 55 Roman"/>
             </a:endParaRPr>
           </a:p>
         </p:txBody>
@@ -3554,6 +3673,11 @@
         </p:spPr>
       </p:pic>
     </p:spTree>
+    <p:extLst>
+      <p:ext uri="{BB962C8B-B14F-4D97-AF65-F5344CB8AC3E}">
+        <p14:creationId xmlns:p14="http://schemas.microsoft.com/office/powerpoint/2010/main" val="514786272"/>
+      </p:ext>
+    </p:extLst>
   </p:cSld>
   <p:clrMapOvr>
     <a:masterClrMapping/>
@@ -4442,11 +4566,19 @@
           <a:p>
             <a:pPr algn="r"/>
             <a:fld id="{7CCF9807-4BDC-4D68-8676-381180632DE6}" type="slidenum">
-              <a:rPr lang="en-US" sz="700" smtClean="0"/>
+              <a:rPr sz="700" smtClean="0">
+                <a:solidFill>
+                  <a:prstClr val="black"/>
+                </a:solidFill>
+              </a:rPr>
               <a:pPr algn="r"/>
               <a:t>‹#›</a:t>
             </a:fld>
-            <a:endParaRPr lang="en-US" sz="700" dirty="0"/>
+            <a:endParaRPr sz="700" dirty="0">
+              <a:solidFill>
+                <a:prstClr val="black"/>
+              </a:solidFill>
+            </a:endParaRPr>
           </a:p>
         </p:txBody>
       </p:sp>
@@ -4571,12 +4703,10 @@
             </a:lvl9pPr>
           </a:lstStyle>
           <a:p>
-            <a:pPr lvl="0"/>
-            <a:r>
-              <a:rPr lang="en-US" sz="600" dirty="0" smtClean="0"/>
-              <a:t>UBSPROD\t608113 [printed: ____] [saved: May 14, 2019 10:12 AM] \\UBSPROD.MSAD.UBS.NET\UserData\T608113\Home\Documents\Teaching\Day 4.pptx </a:t>
-            </a:r>
-            <a:endParaRPr lang="en-US" sz="600" dirty="0" smtClean="0"/>
+            <a:r>
+              <a:rPr lang="en-US" dirty="0" smtClean="0"/>
+              <a:t>UBSPROD\t608113 [printed: ____] [saved: May 14, 2019 10:03 AM] \\UBSPROD.MSAD.UBS.NET\UserData\T608113\Home\Documents\Teaching\Day 1.pptx </a:t>
+            </a:r>
           </a:p>
         </p:txBody>
       </p:sp>
@@ -5006,31 +5136,23 @@
           </a:bodyPr>
           <a:lstStyle/>
           <a:p>
-            <a:pPr algn="l">
-              <a:lnSpc>
-                <a:spcPct val="100000"/>
-              </a:lnSpc>
+            <a:pPr>
               <a:spcBef>
                 <a:spcPct val="0"/>
               </a:spcBef>
-              <a:spcAft>
-                <a:spcPct val="0"/>
-              </a:spcAft>
             </a:pPr>
             <a:r>
-              <a:rPr kumimoji="0" lang="en-US" sz="2400" b="1" i="0" u="none" baseline="0" dirty="0" smtClean="0">
+              <a:rPr sz="2400" b="1" dirty="0" smtClean="0">
                 <a:solidFill>
                   <a:srgbClr val="E60000"/>
                 </a:solidFill>
-                <a:latin typeface="Frutiger 55 Roman"/>
               </a:rPr>
               <a:t>Draft</a:t>
             </a:r>
-            <a:endParaRPr kumimoji="0" lang="en-US" sz="2400" b="1" i="0" u="none" baseline="0" dirty="0">
+            <a:endParaRPr sz="2400" b="1" dirty="0">
               <a:solidFill>
                 <a:srgbClr val="E60000"/>
               </a:solidFill>
-              <a:latin typeface="Frutiger 55 Roman"/>
             </a:endParaRPr>
           </a:p>
         </p:txBody>
@@ -5070,6 +5192,11 @@
         </p:spPr>
       </p:pic>
     </p:spTree>
+    <p:extLst>
+      <p:ext uri="{BB962C8B-B14F-4D97-AF65-F5344CB8AC3E}">
+        <p14:creationId xmlns:p14="http://schemas.microsoft.com/office/powerpoint/2010/main" val="2541734584"/>
+      </p:ext>
+    </p:extLst>
   </p:cSld>
   <p:clrMapOvr>
     <a:masterClrMapping/>
@@ -5958,11 +6085,19 @@
           <a:p>
             <a:pPr algn="r"/>
             <a:fld id="{EB71FFF7-9F05-4969-ABC0-23146D694E35}" type="slidenum">
-              <a:rPr lang="en-US" sz="700" smtClean="0"/>
+              <a:rPr sz="700" smtClean="0">
+                <a:solidFill>
+                  <a:prstClr val="black"/>
+                </a:solidFill>
+              </a:rPr>
               <a:pPr algn="r"/>
               <a:t>‹#›</a:t>
             </a:fld>
-            <a:endParaRPr lang="en-US" sz="700" dirty="0"/>
+            <a:endParaRPr sz="700" dirty="0">
+              <a:solidFill>
+                <a:prstClr val="black"/>
+              </a:solidFill>
+            </a:endParaRPr>
           </a:p>
         </p:txBody>
       </p:sp>
@@ -6087,12 +6222,10 @@
             </a:lvl9pPr>
           </a:lstStyle>
           <a:p>
-            <a:pPr lvl="0"/>
-            <a:r>
-              <a:rPr lang="en-US" sz="600" dirty="0" smtClean="0"/>
-              <a:t>UBSPROD\t608113 [printed: ____] [saved: May 14, 2019 10:12 AM] \\UBSPROD.MSAD.UBS.NET\UserData\T608113\Home\Documents\Teaching\Day 4.pptx </a:t>
-            </a:r>
-            <a:endParaRPr lang="en-US" sz="600" dirty="0" smtClean="0"/>
+            <a:r>
+              <a:rPr lang="en-US" dirty="0" smtClean="0"/>
+              <a:t>UBSPROD\t608113 [printed: ____] [saved: May 14, 2019 10:03 AM] \\UBSPROD.MSAD.UBS.NET\UserData\T608113\Home\Documents\Teaching\Day 1.pptx </a:t>
+            </a:r>
           </a:p>
         </p:txBody>
       </p:sp>
@@ -6522,31 +6655,23 @@
           </a:bodyPr>
           <a:lstStyle/>
           <a:p>
-            <a:pPr algn="l">
-              <a:lnSpc>
-                <a:spcPct val="100000"/>
-              </a:lnSpc>
+            <a:pPr>
               <a:spcBef>
                 <a:spcPct val="0"/>
               </a:spcBef>
-              <a:spcAft>
-                <a:spcPct val="0"/>
-              </a:spcAft>
             </a:pPr>
             <a:r>
-              <a:rPr kumimoji="0" lang="en-US" sz="2400" b="1" i="0" u="none" baseline="0" dirty="0" smtClean="0">
+              <a:rPr sz="2400" b="1" dirty="0" smtClean="0">
                 <a:solidFill>
                   <a:srgbClr val="E60000"/>
                 </a:solidFill>
-                <a:latin typeface="Frutiger 55 Roman"/>
               </a:rPr>
               <a:t>Draft</a:t>
             </a:r>
-            <a:endParaRPr kumimoji="0" lang="en-US" sz="2400" b="1" i="0" u="none" baseline="0" dirty="0">
+            <a:endParaRPr sz="2400" b="1" dirty="0">
               <a:solidFill>
                 <a:srgbClr val="E60000"/>
               </a:solidFill>
-              <a:latin typeface="Frutiger 55 Roman"/>
             </a:endParaRPr>
           </a:p>
         </p:txBody>
@@ -6586,6 +6711,11 @@
         </p:spPr>
       </p:pic>
     </p:spTree>
+    <p:extLst>
+      <p:ext uri="{BB962C8B-B14F-4D97-AF65-F5344CB8AC3E}">
+        <p14:creationId xmlns:p14="http://schemas.microsoft.com/office/powerpoint/2010/main" val="2815280997"/>
+      </p:ext>
+    </p:extLst>
   </p:cSld>
   <p:clrMapOvr>
     <a:masterClrMapping/>
@@ -8232,11 +8362,19 @@
           <a:p>
             <a:pPr algn="r"/>
             <a:fld id="{86A79529-9704-412A-9627-88623531B893}" type="slidenum">
-              <a:rPr lang="en-US" sz="700" smtClean="0"/>
+              <a:rPr sz="700" smtClean="0">
+                <a:solidFill>
+                  <a:prstClr val="black"/>
+                </a:solidFill>
+              </a:rPr>
               <a:pPr algn="r"/>
               <a:t>‹#›</a:t>
             </a:fld>
-            <a:endParaRPr lang="en-US" sz="700" dirty="0"/>
+            <a:endParaRPr sz="700" dirty="0">
+              <a:solidFill>
+                <a:prstClr val="black"/>
+              </a:solidFill>
+            </a:endParaRPr>
           </a:p>
         </p:txBody>
       </p:sp>
@@ -8361,12 +8499,10 @@
             </a:lvl9pPr>
           </a:lstStyle>
           <a:p>
-            <a:pPr lvl="0"/>
-            <a:r>
-              <a:rPr lang="en-US" sz="600" dirty="0" smtClean="0"/>
-              <a:t>UBSPROD\t608113 [printed: ____] [saved: May 14, 2019 10:12 AM] \\UBSPROD.MSAD.UBS.NET\UserData\T608113\Home\Documents\Teaching\Day 4.pptx </a:t>
-            </a:r>
-            <a:endParaRPr lang="en-US" sz="600" dirty="0" smtClean="0"/>
+            <a:r>
+              <a:rPr lang="en-US" dirty="0" smtClean="0"/>
+              <a:t>UBSPROD\t608113 [printed: ____] [saved: May 14, 2019 10:03 AM] \\UBSPROD.MSAD.UBS.NET\UserData\T608113\Home\Documents\Teaching\Day 1.pptx </a:t>
+            </a:r>
           </a:p>
         </p:txBody>
       </p:sp>
@@ -8796,31 +8932,23 @@
           </a:bodyPr>
           <a:lstStyle/>
           <a:p>
-            <a:pPr algn="l">
-              <a:lnSpc>
-                <a:spcPct val="100000"/>
-              </a:lnSpc>
+            <a:pPr>
               <a:spcBef>
                 <a:spcPct val="0"/>
               </a:spcBef>
-              <a:spcAft>
-                <a:spcPct val="0"/>
-              </a:spcAft>
             </a:pPr>
             <a:r>
-              <a:rPr kumimoji="0" lang="en-US" sz="2400" b="1" i="0" u="none" baseline="0" dirty="0" smtClean="0">
+              <a:rPr sz="2400" b="1" dirty="0" smtClean="0">
                 <a:solidFill>
                   <a:srgbClr val="E60000"/>
                 </a:solidFill>
-                <a:latin typeface="Frutiger 55 Roman"/>
               </a:rPr>
               <a:t>Draft</a:t>
             </a:r>
-            <a:endParaRPr kumimoji="0" lang="en-US" sz="2400" b="1" i="0" u="none" baseline="0" dirty="0">
+            <a:endParaRPr sz="2400" b="1" dirty="0">
               <a:solidFill>
                 <a:srgbClr val="E60000"/>
               </a:solidFill>
-              <a:latin typeface="Frutiger 55 Roman"/>
             </a:endParaRPr>
           </a:p>
         </p:txBody>
@@ -8860,6 +8988,11 @@
         </p:spPr>
       </p:pic>
     </p:spTree>
+    <p:extLst>
+      <p:ext uri="{BB962C8B-B14F-4D97-AF65-F5344CB8AC3E}">
+        <p14:creationId xmlns:p14="http://schemas.microsoft.com/office/powerpoint/2010/main" val="1345918501"/>
+      </p:ext>
+    </p:extLst>
   </p:cSld>
   <p:clrMapOvr>
     <a:masterClrMapping/>
@@ -8950,11 +9083,19 @@
           <a:p>
             <a:pPr algn="r"/>
             <a:fld id="{FD2363B6-C2A5-4798-A9CC-51C31EECAC2F}" type="slidenum">
-              <a:rPr lang="en-US" sz="700" smtClean="0"/>
+              <a:rPr sz="700" smtClean="0">
+                <a:solidFill>
+                  <a:prstClr val="black"/>
+                </a:solidFill>
+              </a:rPr>
               <a:pPr algn="r"/>
               <a:t>‹#›</a:t>
             </a:fld>
-            <a:endParaRPr lang="en-US" sz="700" dirty="0"/>
+            <a:endParaRPr sz="700" dirty="0">
+              <a:solidFill>
+                <a:prstClr val="black"/>
+              </a:solidFill>
+            </a:endParaRPr>
           </a:p>
         </p:txBody>
       </p:sp>
@@ -9079,12 +9220,10 @@
             </a:lvl9pPr>
           </a:lstStyle>
           <a:p>
-            <a:pPr lvl="0"/>
-            <a:r>
-              <a:rPr lang="en-US" sz="600" dirty="0" smtClean="0"/>
-              <a:t>UBSPROD\t608113 [printed: ____] [saved: May 14, 2019 10:12 AM] \\UBSPROD.MSAD.UBS.NET\UserData\T608113\Home\Documents\Teaching\Day 4.pptx </a:t>
-            </a:r>
-            <a:endParaRPr lang="en-US" sz="600" dirty="0" smtClean="0"/>
+            <a:r>
+              <a:rPr lang="en-US" dirty="0" smtClean="0"/>
+              <a:t>UBSPROD\t608113 [printed: ____] [saved: May 14, 2019 10:03 AM] \\UBSPROD.MSAD.UBS.NET\UserData\T608113\Home\Documents\Teaching\Day 1.pptx </a:t>
+            </a:r>
           </a:p>
         </p:txBody>
       </p:sp>
@@ -9514,31 +9653,23 @@
           </a:bodyPr>
           <a:lstStyle/>
           <a:p>
-            <a:pPr algn="l">
-              <a:lnSpc>
-                <a:spcPct val="100000"/>
-              </a:lnSpc>
+            <a:pPr>
               <a:spcBef>
                 <a:spcPct val="0"/>
               </a:spcBef>
-              <a:spcAft>
-                <a:spcPct val="0"/>
-              </a:spcAft>
             </a:pPr>
             <a:r>
-              <a:rPr kumimoji="0" lang="en-US" sz="2400" b="1" i="0" u="none" baseline="0" dirty="0" smtClean="0">
+              <a:rPr sz="2400" b="1" dirty="0" smtClean="0">
                 <a:solidFill>
                   <a:srgbClr val="E60000"/>
                 </a:solidFill>
-                <a:latin typeface="Frutiger 55 Roman"/>
               </a:rPr>
               <a:t>Draft</a:t>
             </a:r>
-            <a:endParaRPr kumimoji="0" lang="en-US" sz="2400" b="1" i="0" u="none" baseline="0" dirty="0">
+            <a:endParaRPr sz="2400" b="1" dirty="0">
               <a:solidFill>
                 <a:srgbClr val="E60000"/>
               </a:solidFill>
-              <a:latin typeface="Frutiger 55 Roman"/>
             </a:endParaRPr>
           </a:p>
         </p:txBody>
@@ -9578,6 +9709,11 @@
         </p:spPr>
       </p:pic>
     </p:spTree>
+    <p:extLst>
+      <p:ext uri="{BB962C8B-B14F-4D97-AF65-F5344CB8AC3E}">
+        <p14:creationId xmlns:p14="http://schemas.microsoft.com/office/powerpoint/2010/main" val="1334381201"/>
+      </p:ext>
+    </p:extLst>
   </p:cSld>
   <p:clrMapOvr>
     <a:masterClrMapping/>
@@ -9701,11 +9837,19 @@
           <a:p>
             <a:pPr algn="r"/>
             <a:fld id="{F844A95E-171B-43E0-919B-08407017EAD1}" type="slidenum">
-              <a:rPr lang="en-US" sz="700" smtClean="0"/>
+              <a:rPr sz="700" smtClean="0">
+                <a:solidFill>
+                  <a:prstClr val="black"/>
+                </a:solidFill>
+              </a:rPr>
               <a:pPr algn="r"/>
               <a:t>‹#›</a:t>
             </a:fld>
-            <a:endParaRPr lang="en-US" sz="700" dirty="0"/>
+            <a:endParaRPr sz="700" dirty="0">
+              <a:solidFill>
+                <a:prstClr val="black"/>
+              </a:solidFill>
+            </a:endParaRPr>
           </a:p>
         </p:txBody>
       </p:sp>
@@ -9830,12 +9974,10 @@
             </a:lvl9pPr>
           </a:lstStyle>
           <a:p>
-            <a:pPr lvl="0"/>
-            <a:r>
-              <a:rPr lang="en-US" sz="600" dirty="0" smtClean="0"/>
-              <a:t>UBSPROD\t608113 [printed: ____] [saved: May 14, 2019 10:12 AM] \\UBSPROD.MSAD.UBS.NET\UserData\T608113\Home\Documents\Teaching\Day 4.pptx </a:t>
-            </a:r>
-            <a:endParaRPr lang="en-US" sz="600" dirty="0" smtClean="0"/>
+            <a:r>
+              <a:rPr lang="en-US" dirty="0" smtClean="0"/>
+              <a:t>UBSPROD\t608113 [printed: ____] [saved: May 14, 2019 10:03 AM] \\UBSPROD.MSAD.UBS.NET\UserData\T608113\Home\Documents\Teaching\Day 1.pptx </a:t>
+            </a:r>
           </a:p>
         </p:txBody>
       </p:sp>
@@ -10265,31 +10407,23 @@
           </a:bodyPr>
           <a:lstStyle/>
           <a:p>
-            <a:pPr algn="l">
-              <a:lnSpc>
-                <a:spcPct val="100000"/>
-              </a:lnSpc>
+            <a:pPr>
               <a:spcBef>
                 <a:spcPct val="0"/>
               </a:spcBef>
-              <a:spcAft>
-                <a:spcPct val="0"/>
-              </a:spcAft>
             </a:pPr>
             <a:r>
-              <a:rPr kumimoji="0" lang="en-US" sz="2400" b="1" i="0" u="none" baseline="0" dirty="0" smtClean="0">
+              <a:rPr sz="2400" b="1" dirty="0" smtClean="0">
                 <a:solidFill>
                   <a:srgbClr val="E60000"/>
                 </a:solidFill>
-                <a:latin typeface="Frutiger 55 Roman"/>
               </a:rPr>
               <a:t>Draft</a:t>
             </a:r>
-            <a:endParaRPr kumimoji="0" lang="en-US" sz="2400" b="1" i="0" u="none" baseline="0" dirty="0">
+            <a:endParaRPr sz="2400" b="1" dirty="0">
               <a:solidFill>
                 <a:srgbClr val="E60000"/>
               </a:solidFill>
-              <a:latin typeface="Frutiger 55 Roman"/>
             </a:endParaRPr>
           </a:p>
         </p:txBody>
@@ -10329,6 +10463,11 @@
         </p:spPr>
       </p:pic>
     </p:spTree>
+    <p:extLst>
+      <p:ext uri="{BB962C8B-B14F-4D97-AF65-F5344CB8AC3E}">
+        <p14:creationId xmlns:p14="http://schemas.microsoft.com/office/powerpoint/2010/main" val="2765728405"/>
+      </p:ext>
+    </p:extLst>
   </p:cSld>
   <p:clrMapOvr>
     <a:masterClrMapping/>
@@ -10792,7 +10931,7 @@
                   <a:prstClr val="black"/>
                 </a:solidFill>
               </a:rPr>
-              <a:t>Confidential</a:t>
+              <a:t>Internal</a:t>
             </a:r>
             <a:endParaRPr dirty="0">
               <a:solidFill>
@@ -10837,13 +10976,12 @@
               <a:rPr lang="en-US" dirty="0" smtClean="0"/>
               <a:t>&lt;&lt;Infoline: presentation description&gt;&gt;</a:t>
             </a:r>
-            <a:endParaRPr lang="en-US" dirty="0" smtClean="0"/>
           </a:p>
         </p:txBody>
       </p:sp>
       <p:sp>
         <p:nvSpPr>
-          <p:cNvPr id="4" name="DraftStamp"/>
+          <p:cNvPr id="4" name="DraftStamp" hidden="1"/>
           <p:cNvSpPr txBox="1"/>
           <p:nvPr userDrawn="1">
             <p:custDataLst>
@@ -10873,7 +11011,7 @@
               </a:spcBef>
             </a:pPr>
             <a:r>
-              <a:rPr sz="2400" b="1" dirty="0" smtClean="0">
+              <a:rPr sz="2400" b="1" smtClean="0">
                 <a:solidFill>
                   <a:srgbClr val="E60000"/>
                 </a:solidFill>
@@ -10925,7 +11063,7 @@
     </p:spTree>
     <p:extLst>
       <p:ext uri="{BB962C8B-B14F-4D97-AF65-F5344CB8AC3E}">
-        <p14:creationId xmlns:p14="http://schemas.microsoft.com/office/powerpoint/2010/main" val="3723246705"/>
+        <p14:creationId xmlns:p14="http://schemas.microsoft.com/office/powerpoint/2010/main" val="869390140"/>
       </p:ext>
     </p:extLst>
   </p:cSld>
@@ -11160,7 +11298,7 @@
     </p:spTree>
     <p:extLst>
       <p:ext uri="{BB962C8B-B14F-4D97-AF65-F5344CB8AC3E}">
-        <p14:creationId xmlns:p14="http://schemas.microsoft.com/office/powerpoint/2010/main" val="2544871653"/>
+        <p14:creationId xmlns:p14="http://schemas.microsoft.com/office/powerpoint/2010/main" val="2794954390"/>
       </p:ext>
     </p:extLst>
   </p:cSld>
@@ -11493,7 +11631,7 @@
           <a:p>
             <a:r>
               <a:rPr lang="en-US" dirty="0" smtClean="0"/>
-              <a:t>UBSPROD\t608113 [printed: ____] [saved: May 14, 2019 10:03 AM] \\UBSPROD.MSAD.UBS.NET\UserData\T608113\Home\Documents\Teaching\Day 1.pptx </a:t>
+              <a:t>UBSPROD\t608113 [printed: ____] [saved: May 16, 2019 6:13 PM] P:\Documents\Teaching\Day 3\Day 3.pptx </a:t>
             </a:r>
           </a:p>
         </p:txBody>
@@ -11900,7 +12038,7 @@
       </p:grpSp>
       <p:sp>
         <p:nvSpPr>
-          <p:cNvPr id="3" name="DraftStamp"/>
+          <p:cNvPr id="3" name="DraftStamp" hidden="1"/>
           <p:cNvSpPr txBox="1"/>
           <p:nvPr userDrawn="1">
             <p:custDataLst>
@@ -11930,7 +12068,7 @@
               </a:spcBef>
             </a:pPr>
             <a:r>
-              <a:rPr sz="2400" b="1" dirty="0" smtClean="0">
+              <a:rPr sz="2400" b="1" smtClean="0">
                 <a:solidFill>
                   <a:srgbClr val="E60000"/>
                 </a:solidFill>
@@ -11982,7 +12120,7 @@
     </p:spTree>
     <p:extLst>
       <p:ext uri="{BB962C8B-B14F-4D97-AF65-F5344CB8AC3E}">
-        <p14:creationId xmlns:p14="http://schemas.microsoft.com/office/powerpoint/2010/main" val="2173992757"/>
+        <p14:creationId xmlns:p14="http://schemas.microsoft.com/office/powerpoint/2010/main" val="2745496286"/>
       </p:ext>
     </p:extLst>
   </p:cSld>
@@ -12350,7 +12488,7 @@
           <a:p>
             <a:r>
               <a:rPr lang="en-US" dirty="0" smtClean="0"/>
-              <a:t>UBSPROD\t608113 [printed: ____] [saved: May 14, 2019 10:03 AM] \\UBSPROD.MSAD.UBS.NET\UserData\T608113\Home\Documents\Teaching\Day 1.pptx </a:t>
+              <a:t>UBSPROD\t608113 [printed: ____] [saved: May 16, 2019 6:13 PM] P:\Documents\Teaching\Day 3\Day 3.pptx </a:t>
             </a:r>
           </a:p>
         </p:txBody>
@@ -12757,7 +12895,7 @@
       </p:grpSp>
       <p:sp>
         <p:nvSpPr>
-          <p:cNvPr id="4" name="DraftStamp"/>
+          <p:cNvPr id="4" name="DraftStamp" hidden="1"/>
           <p:cNvSpPr txBox="1"/>
           <p:nvPr userDrawn="1">
             <p:custDataLst>
@@ -12787,7 +12925,7 @@
               </a:spcBef>
             </a:pPr>
             <a:r>
-              <a:rPr sz="2400" b="1" dirty="0" smtClean="0">
+              <a:rPr sz="2400" b="1" smtClean="0">
                 <a:solidFill>
                   <a:srgbClr val="E60000"/>
                 </a:solidFill>
@@ -12839,7 +12977,7 @@
     </p:spTree>
     <p:extLst>
       <p:ext uri="{BB962C8B-B14F-4D97-AF65-F5344CB8AC3E}">
-        <p14:creationId xmlns:p14="http://schemas.microsoft.com/office/powerpoint/2010/main" val="2351240810"/>
+        <p14:creationId xmlns:p14="http://schemas.microsoft.com/office/powerpoint/2010/main" val="3119289637"/>
       </p:ext>
     </p:extLst>
   </p:cSld>
@@ -13074,7 +13212,7 @@
     </p:spTree>
     <p:extLst>
       <p:ext uri="{BB962C8B-B14F-4D97-AF65-F5344CB8AC3E}">
-        <p14:creationId xmlns:p14="http://schemas.microsoft.com/office/powerpoint/2010/main" val="3692483270"/>
+        <p14:creationId xmlns:p14="http://schemas.microsoft.com/office/powerpoint/2010/main" val="2544871653"/>
       </p:ext>
     </p:extLst>
   </p:cSld>
@@ -13344,7 +13482,7 @@
           <a:p>
             <a:r>
               <a:rPr lang="en-US" dirty="0" smtClean="0"/>
-              <a:t>UBSPROD\t608113 [printed: ____] [saved: May 14, 2019 10:03 AM] \\UBSPROD.MSAD.UBS.NET\UserData\T608113\Home\Documents\Teaching\Day 1.pptx </a:t>
+              <a:t>UBSPROD\t608113 [printed: ____] [saved: May 16, 2019 6:13 PM] P:\Documents\Teaching\Day 3\Day 3.pptx </a:t>
             </a:r>
           </a:p>
         </p:txBody>
@@ -13751,7 +13889,7 @@
       </p:grpSp>
       <p:sp>
         <p:nvSpPr>
-          <p:cNvPr id="2" name="DraftStamp"/>
+          <p:cNvPr id="2" name="DraftStamp" hidden="1"/>
           <p:cNvSpPr txBox="1"/>
           <p:nvPr userDrawn="1">
             <p:custDataLst>
@@ -13781,7 +13919,7 @@
               </a:spcBef>
             </a:pPr>
             <a:r>
-              <a:rPr sz="2400" b="1" dirty="0" smtClean="0">
+              <a:rPr sz="2400" b="1" smtClean="0">
                 <a:solidFill>
                   <a:srgbClr val="E60000"/>
                 </a:solidFill>
@@ -13833,7 +13971,7 @@
     </p:spTree>
     <p:extLst>
       <p:ext uri="{BB962C8B-B14F-4D97-AF65-F5344CB8AC3E}">
-        <p14:creationId xmlns:p14="http://schemas.microsoft.com/office/powerpoint/2010/main" val="3775353164"/>
+        <p14:creationId xmlns:p14="http://schemas.microsoft.com/office/powerpoint/2010/main" val="1913450010"/>
       </p:ext>
     </p:extLst>
   </p:cSld>
@@ -14356,7 +14494,7 @@
           <a:p>
             <a:r>
               <a:rPr lang="en-US" dirty="0" smtClean="0"/>
-              <a:t>UBSPROD\t608113 [printed: ____] [saved: May 14, 2019 10:03 AM] \\UBSPROD.MSAD.UBS.NET\UserData\T608113\Home\Documents\Teaching\Day 1.pptx </a:t>
+              <a:t>UBSPROD\t608113 [printed: ____] [saved: May 16, 2019 6:13 PM] P:\Documents\Teaching\Day 3\Day 3.pptx </a:t>
             </a:r>
           </a:p>
         </p:txBody>
@@ -14763,7 +14901,7 @@
       </p:grpSp>
       <p:sp>
         <p:nvSpPr>
-          <p:cNvPr id="2" name="DraftStamp"/>
+          <p:cNvPr id="2" name="DraftStamp" hidden="1"/>
           <p:cNvSpPr txBox="1"/>
           <p:nvPr userDrawn="1">
             <p:custDataLst>
@@ -14793,7 +14931,7 @@
               </a:spcBef>
             </a:pPr>
             <a:r>
-              <a:rPr sz="2400" b="1" dirty="0" smtClean="0">
+              <a:rPr sz="2400" b="1" smtClean="0">
                 <a:solidFill>
                   <a:srgbClr val="E60000"/>
                 </a:solidFill>
@@ -14845,7 +14983,7 @@
     </p:spTree>
     <p:extLst>
       <p:ext uri="{BB962C8B-B14F-4D97-AF65-F5344CB8AC3E}">
-        <p14:creationId xmlns:p14="http://schemas.microsoft.com/office/powerpoint/2010/main" val="1952958962"/>
+        <p14:creationId xmlns:p14="http://schemas.microsoft.com/office/powerpoint/2010/main" val="336904314"/>
       </p:ext>
     </p:extLst>
   </p:cSld>
@@ -15621,7 +15759,7 @@
           <a:p>
             <a:r>
               <a:rPr lang="en-US" dirty="0" smtClean="0"/>
-              <a:t>UBSPROD\t608113 [printed: ____] [saved: May 14, 2019 10:03 AM] \\UBSPROD.MSAD.UBS.NET\UserData\T608113\Home\Documents\Teaching\Day 1.pptx </a:t>
+              <a:t>UBSPROD\t608113 [printed: ____] [saved: May 16, 2019 6:13 PM] P:\Documents\Teaching\Day 3\Day 3.pptx </a:t>
             </a:r>
           </a:p>
         </p:txBody>
@@ -16028,7 +16166,7 @@
       </p:grpSp>
       <p:sp>
         <p:nvSpPr>
-          <p:cNvPr id="2" name="DraftStamp"/>
+          <p:cNvPr id="2" name="DraftStamp" hidden="1"/>
           <p:cNvSpPr txBox="1"/>
           <p:nvPr userDrawn="1">
             <p:custDataLst>
@@ -16058,7 +16196,7 @@
               </a:spcBef>
             </a:pPr>
             <a:r>
-              <a:rPr sz="2400" b="1" dirty="0" smtClean="0">
+              <a:rPr sz="2400" b="1" smtClean="0">
                 <a:solidFill>
                   <a:srgbClr val="E60000"/>
                 </a:solidFill>
@@ -16110,7 +16248,7 @@
     </p:spTree>
     <p:extLst>
       <p:ext uri="{BB962C8B-B14F-4D97-AF65-F5344CB8AC3E}">
-        <p14:creationId xmlns:p14="http://schemas.microsoft.com/office/powerpoint/2010/main" val="1681931972"/>
+        <p14:creationId xmlns:p14="http://schemas.microsoft.com/office/powerpoint/2010/main" val="3493995184"/>
       </p:ext>
     </p:extLst>
   </p:cSld>
@@ -16888,7 +17026,7 @@
           <a:p>
             <a:r>
               <a:rPr lang="en-US" dirty="0" smtClean="0"/>
-              <a:t>UBSPROD\t608113 [printed: ____] [saved: May 14, 2019 10:03 AM] \\UBSPROD.MSAD.UBS.NET\UserData\T608113\Home\Documents\Teaching\Day 1.pptx </a:t>
+              <a:t>UBSPROD\t608113 [printed: ____] [saved: May 16, 2019 6:13 PM] P:\Documents\Teaching\Day 3\Day 3.pptx </a:t>
             </a:r>
           </a:p>
         </p:txBody>
@@ -17295,7 +17433,7 @@
       </p:grpSp>
       <p:sp>
         <p:nvSpPr>
-          <p:cNvPr id="2" name="DraftStamp"/>
+          <p:cNvPr id="2" name="DraftStamp" hidden="1"/>
           <p:cNvSpPr txBox="1"/>
           <p:nvPr userDrawn="1">
             <p:custDataLst>
@@ -17325,7 +17463,7 @@
               </a:spcBef>
             </a:pPr>
             <a:r>
-              <a:rPr sz="2400" b="1" dirty="0" smtClean="0">
+              <a:rPr sz="2400" b="1" smtClean="0">
                 <a:solidFill>
                   <a:srgbClr val="E60000"/>
                 </a:solidFill>
@@ -17377,7 +17515,7 @@
     </p:spTree>
     <p:extLst>
       <p:ext uri="{BB962C8B-B14F-4D97-AF65-F5344CB8AC3E}">
-        <p14:creationId xmlns:p14="http://schemas.microsoft.com/office/powerpoint/2010/main" val="172685417"/>
+        <p14:creationId xmlns:p14="http://schemas.microsoft.com/office/powerpoint/2010/main" val="2657676493"/>
       </p:ext>
     </p:extLst>
   </p:cSld>
@@ -18409,7 +18547,7 @@
           <a:p>
             <a:r>
               <a:rPr lang="en-US" dirty="0" smtClean="0"/>
-              <a:t>UBSPROD\t608113 [printed: ____] [saved: May 14, 2019 10:03 AM] \\UBSPROD.MSAD.UBS.NET\UserData\T608113\Home\Documents\Teaching\Day 1.pptx </a:t>
+              <a:t>UBSPROD\t608113 [printed: ____] [saved: May 16, 2019 6:13 PM] P:\Documents\Teaching\Day 3\Day 3.pptx </a:t>
             </a:r>
           </a:p>
         </p:txBody>
@@ -18816,7 +18954,7 @@
       </p:grpSp>
       <p:sp>
         <p:nvSpPr>
-          <p:cNvPr id="2" name="DraftStamp"/>
+          <p:cNvPr id="2" name="DraftStamp" hidden="1"/>
           <p:cNvSpPr txBox="1"/>
           <p:nvPr userDrawn="1">
             <p:custDataLst>
@@ -18846,7 +18984,7 @@
               </a:spcBef>
             </a:pPr>
             <a:r>
-              <a:rPr sz="2400" b="1" dirty="0" smtClean="0">
+              <a:rPr sz="2400" b="1" smtClean="0">
                 <a:solidFill>
                   <a:srgbClr val="E60000"/>
                 </a:solidFill>
@@ -18898,7 +19036,7 @@
     </p:spTree>
     <p:extLst>
       <p:ext uri="{BB962C8B-B14F-4D97-AF65-F5344CB8AC3E}">
-        <p14:creationId xmlns:p14="http://schemas.microsoft.com/office/powerpoint/2010/main" val="1793759632"/>
+        <p14:creationId xmlns:p14="http://schemas.microsoft.com/office/powerpoint/2010/main" val="1268358571"/>
       </p:ext>
     </p:extLst>
   </p:cSld>
@@ -20180,7 +20318,7 @@
           <a:p>
             <a:r>
               <a:rPr lang="en-US" dirty="0" smtClean="0"/>
-              <a:t>UBSPROD\t608113 [printed: ____] [saved: May 14, 2019 10:03 AM] \\UBSPROD.MSAD.UBS.NET\UserData\T608113\Home\Documents\Teaching\Day 1.pptx </a:t>
+              <a:t>UBSPROD\t608113 [printed: ____] [saved: May 16, 2019 6:13 PM] P:\Documents\Teaching\Day 3\Day 3.pptx </a:t>
             </a:r>
           </a:p>
         </p:txBody>
@@ -20587,7 +20725,7 @@
       </p:grpSp>
       <p:sp>
         <p:nvSpPr>
-          <p:cNvPr id="2" name="DraftStamp"/>
+          <p:cNvPr id="2" name="DraftStamp" hidden="1"/>
           <p:cNvSpPr txBox="1"/>
           <p:nvPr userDrawn="1">
             <p:custDataLst>
@@ -20617,7 +20755,7 @@
               </a:spcBef>
             </a:pPr>
             <a:r>
-              <a:rPr sz="2400" b="1" dirty="0" smtClean="0">
+              <a:rPr sz="2400" b="1" smtClean="0">
                 <a:solidFill>
                   <a:srgbClr val="E60000"/>
                 </a:solidFill>
@@ -20669,7 +20807,7 @@
     </p:spTree>
     <p:extLst>
       <p:ext uri="{BB962C8B-B14F-4D97-AF65-F5344CB8AC3E}">
-        <p14:creationId xmlns:p14="http://schemas.microsoft.com/office/powerpoint/2010/main" val="514786272"/>
+        <p14:creationId xmlns:p14="http://schemas.microsoft.com/office/powerpoint/2010/main" val="1390986552"/>
       </p:ext>
     </p:extLst>
   </p:cSld>
@@ -21699,7 +21837,7 @@
           <a:p>
             <a:r>
               <a:rPr lang="en-US" dirty="0" smtClean="0"/>
-              <a:t>UBSPROD\t608113 [printed: ____] [saved: May 14, 2019 10:03 AM] \\UBSPROD.MSAD.UBS.NET\UserData\T608113\Home\Documents\Teaching\Day 1.pptx </a:t>
+              <a:t>UBSPROD\t608113 [printed: ____] [saved: May 16, 2019 6:13 PM] P:\Documents\Teaching\Day 3\Day 3.pptx </a:t>
             </a:r>
           </a:p>
         </p:txBody>
@@ -22106,7 +22244,7 @@
       </p:grpSp>
       <p:sp>
         <p:nvSpPr>
-          <p:cNvPr id="2" name="DraftStamp"/>
+          <p:cNvPr id="2" name="DraftStamp" hidden="1"/>
           <p:cNvSpPr txBox="1"/>
           <p:nvPr userDrawn="1">
             <p:custDataLst>
@@ -22136,7 +22274,7 @@
               </a:spcBef>
             </a:pPr>
             <a:r>
-              <a:rPr sz="2400" b="1" dirty="0" smtClean="0">
+              <a:rPr sz="2400" b="1" smtClean="0">
                 <a:solidFill>
                   <a:srgbClr val="E60000"/>
                 </a:solidFill>
@@ -22188,7 +22326,7 @@
     </p:spTree>
     <p:extLst>
       <p:ext uri="{BB962C8B-B14F-4D97-AF65-F5344CB8AC3E}">
-        <p14:creationId xmlns:p14="http://schemas.microsoft.com/office/powerpoint/2010/main" val="2541734584"/>
+        <p14:creationId xmlns:p14="http://schemas.microsoft.com/office/powerpoint/2010/main" val="2276812764"/>
       </p:ext>
     </p:extLst>
   </p:cSld>
@@ -23218,7 +23356,7 @@
           <a:p>
             <a:r>
               <a:rPr lang="en-US" dirty="0" smtClean="0"/>
-              <a:t>UBSPROD\t608113 [printed: ____] [saved: May 14, 2019 10:03 AM] \\UBSPROD.MSAD.UBS.NET\UserData\T608113\Home\Documents\Teaching\Day 1.pptx </a:t>
+              <a:t>UBSPROD\t608113 [printed: ____] [saved: May 16, 2019 6:13 PM] P:\Documents\Teaching\Day 3\Day 3.pptx </a:t>
             </a:r>
           </a:p>
         </p:txBody>
@@ -23625,7 +23763,7 @@
       </p:grpSp>
       <p:sp>
         <p:nvSpPr>
-          <p:cNvPr id="2" name="DraftStamp"/>
+          <p:cNvPr id="2" name="DraftStamp" hidden="1"/>
           <p:cNvSpPr txBox="1"/>
           <p:nvPr userDrawn="1">
             <p:custDataLst>
@@ -23655,7 +23793,7 @@
               </a:spcBef>
             </a:pPr>
             <a:r>
-              <a:rPr sz="2400" b="1" dirty="0" smtClean="0">
+              <a:rPr sz="2400" b="1" smtClean="0">
                 <a:solidFill>
                   <a:srgbClr val="E60000"/>
                 </a:solidFill>
@@ -23707,7 +23845,7 @@
     </p:spTree>
     <p:extLst>
       <p:ext uri="{BB962C8B-B14F-4D97-AF65-F5344CB8AC3E}">
-        <p14:creationId xmlns:p14="http://schemas.microsoft.com/office/powerpoint/2010/main" val="2815280997"/>
+        <p14:creationId xmlns:p14="http://schemas.microsoft.com/office/powerpoint/2010/main" val="3051586689"/>
       </p:ext>
     </p:extLst>
   </p:cSld>
@@ -25495,7 +25633,7 @@
           <a:p>
             <a:r>
               <a:rPr lang="en-US" dirty="0" smtClean="0"/>
-              <a:t>UBSPROD\t608113 [printed: ____] [saved: May 14, 2019 10:03 AM] \\UBSPROD.MSAD.UBS.NET\UserData\T608113\Home\Documents\Teaching\Day 1.pptx </a:t>
+              <a:t>UBSPROD\t608113 [printed: ____] [saved: May 16, 2019 6:13 PM] P:\Documents\Teaching\Day 3\Day 3.pptx </a:t>
             </a:r>
           </a:p>
         </p:txBody>
@@ -25902,7 +26040,7 @@
       </p:grpSp>
       <p:sp>
         <p:nvSpPr>
-          <p:cNvPr id="2" name="DraftStamp"/>
+          <p:cNvPr id="2" name="DraftStamp" hidden="1"/>
           <p:cNvSpPr txBox="1"/>
           <p:nvPr userDrawn="1">
             <p:custDataLst>
@@ -25932,7 +26070,7 @@
               </a:spcBef>
             </a:pPr>
             <a:r>
-              <a:rPr sz="2400" b="1" dirty="0" smtClean="0">
+              <a:rPr sz="2400" b="1" smtClean="0">
                 <a:solidFill>
                   <a:srgbClr val="E60000"/>
                 </a:solidFill>
@@ -25984,7 +26122,7 @@
     </p:spTree>
     <p:extLst>
       <p:ext uri="{BB962C8B-B14F-4D97-AF65-F5344CB8AC3E}">
-        <p14:creationId xmlns:p14="http://schemas.microsoft.com/office/powerpoint/2010/main" val="1345918501"/>
+        <p14:creationId xmlns:p14="http://schemas.microsoft.com/office/powerpoint/2010/main" val="3648673782"/>
       </p:ext>
     </p:extLst>
   </p:cSld>
@@ -26216,7 +26354,7 @@
           <a:p>
             <a:r>
               <a:rPr lang="en-US" dirty="0" smtClean="0"/>
-              <a:t>UBSPROD\t608113 [printed: ____] [saved: May 14, 2019 10:03 AM] \\UBSPROD.MSAD.UBS.NET\UserData\T608113\Home\Documents\Teaching\Day 1.pptx </a:t>
+              <a:t>UBSPROD\t608113 [printed: ____] [saved: May 16, 2019 6:13 PM] P:\Documents\Teaching\Day 3\Day 3.pptx </a:t>
             </a:r>
           </a:p>
         </p:txBody>
@@ -26623,7 +26761,7 @@
       </p:grpSp>
       <p:sp>
         <p:nvSpPr>
-          <p:cNvPr id="2" name="DraftStamp"/>
+          <p:cNvPr id="2" name="DraftStamp" hidden="1"/>
           <p:cNvSpPr txBox="1"/>
           <p:nvPr userDrawn="1">
             <p:custDataLst>
@@ -26653,7 +26791,7 @@
               </a:spcBef>
             </a:pPr>
             <a:r>
-              <a:rPr sz="2400" b="1" dirty="0" smtClean="0">
+              <a:rPr sz="2400" b="1" smtClean="0">
                 <a:solidFill>
                   <a:srgbClr val="E60000"/>
                 </a:solidFill>
@@ -26705,7 +26843,7 @@
     </p:spTree>
     <p:extLst>
       <p:ext uri="{BB962C8B-B14F-4D97-AF65-F5344CB8AC3E}">
-        <p14:creationId xmlns:p14="http://schemas.microsoft.com/office/powerpoint/2010/main" val="1334381201"/>
+        <p14:creationId xmlns:p14="http://schemas.microsoft.com/office/powerpoint/2010/main" val="3447689733"/>
       </p:ext>
     </p:extLst>
   </p:cSld>
@@ -26899,11 +27037,19 @@
           <a:p>
             <a:pPr algn="r"/>
             <a:fld id="{259A56D2-6EE4-40D3-BDE6-F5CD68556C61}" type="slidenum">
-              <a:rPr lang="en-US" sz="700" smtClean="0"/>
+              <a:rPr sz="700" smtClean="0">
+                <a:solidFill>
+                  <a:prstClr val="black"/>
+                </a:solidFill>
+              </a:rPr>
               <a:pPr algn="r"/>
               <a:t>‹#›</a:t>
             </a:fld>
-            <a:endParaRPr lang="en-US" sz="700" dirty="0"/>
+            <a:endParaRPr sz="700" dirty="0">
+              <a:solidFill>
+                <a:prstClr val="black"/>
+              </a:solidFill>
+            </a:endParaRPr>
           </a:p>
         </p:txBody>
       </p:sp>
@@ -27028,12 +27174,10 @@
             </a:lvl9pPr>
           </a:lstStyle>
           <a:p>
-            <a:pPr lvl="0"/>
-            <a:r>
-              <a:rPr lang="en-US" sz="600" dirty="0" smtClean="0"/>
-              <a:t>UBSPROD\t608113 [printed: ____] [saved: May 14, 2019 10:12 AM] \\UBSPROD.MSAD.UBS.NET\UserData\T608113\Home\Documents\Teaching\Day 4.pptx </a:t>
-            </a:r>
-            <a:endParaRPr lang="en-US" sz="600" dirty="0" smtClean="0"/>
+            <a:r>
+              <a:rPr lang="en-US" dirty="0" smtClean="0"/>
+              <a:t>UBSPROD\t608113 [printed: ____] [saved: May 14, 2019 10:03 AM] \\UBSPROD.MSAD.UBS.NET\UserData\T608113\Home\Documents\Teaching\Day 1.pptx </a:t>
+            </a:r>
           </a:p>
         </p:txBody>
       </p:sp>
@@ -27463,31 +27607,23 @@
           </a:bodyPr>
           <a:lstStyle/>
           <a:p>
-            <a:pPr algn="l">
-              <a:lnSpc>
-                <a:spcPct val="100000"/>
-              </a:lnSpc>
+            <a:pPr>
               <a:spcBef>
                 <a:spcPct val="0"/>
               </a:spcBef>
-              <a:spcAft>
-                <a:spcPct val="0"/>
-              </a:spcAft>
             </a:pPr>
             <a:r>
-              <a:rPr kumimoji="0" lang="en-US" sz="2400" b="1" i="0" u="none" baseline="0" dirty="0" smtClean="0">
+              <a:rPr sz="2400" b="1" dirty="0" smtClean="0">
                 <a:solidFill>
                   <a:srgbClr val="E60000"/>
                 </a:solidFill>
-                <a:latin typeface="Frutiger 55 Roman"/>
               </a:rPr>
               <a:t>Draft</a:t>
             </a:r>
-            <a:endParaRPr kumimoji="0" lang="en-US" sz="2400" b="1" i="0" u="none" baseline="0" dirty="0">
+            <a:endParaRPr sz="2400" b="1" dirty="0">
               <a:solidFill>
                 <a:srgbClr val="E60000"/>
               </a:solidFill>
-              <a:latin typeface="Frutiger 55 Roman"/>
             </a:endParaRPr>
           </a:p>
         </p:txBody>
@@ -27527,6 +27663,11 @@
         </p:spPr>
       </p:pic>
     </p:spTree>
+    <p:extLst>
+      <p:ext uri="{BB962C8B-B14F-4D97-AF65-F5344CB8AC3E}">
+        <p14:creationId xmlns:p14="http://schemas.microsoft.com/office/powerpoint/2010/main" val="2173992757"/>
+      </p:ext>
+    </p:extLst>
   </p:cSld>
   <p:clrMapOvr>
     <a:masterClrMapping/>
@@ -27789,7 +27930,7 @@
           <a:p>
             <a:r>
               <a:rPr lang="en-US" dirty="0" smtClean="0"/>
-              <a:t>UBSPROD\t608113 [printed: ____] [saved: May 14, 2019 10:03 AM] \\UBSPROD.MSAD.UBS.NET\UserData\T608113\Home\Documents\Teaching\Day 1.pptx </a:t>
+              <a:t>UBSPROD\t608113 [printed: ____] [saved: May 16, 2019 6:13 PM] P:\Documents\Teaching\Day 3\Day 3.pptx </a:t>
             </a:r>
           </a:p>
         </p:txBody>
@@ -28196,7 +28337,7 @@
       </p:grpSp>
       <p:sp>
         <p:nvSpPr>
-          <p:cNvPr id="3" name="DraftStamp"/>
+          <p:cNvPr id="3" name="DraftStamp" hidden="1"/>
           <p:cNvSpPr txBox="1"/>
           <p:nvPr userDrawn="1">
             <p:custDataLst>
@@ -28226,7 +28367,7 @@
               </a:spcBef>
             </a:pPr>
             <a:r>
-              <a:rPr sz="2400" b="1" dirty="0" smtClean="0">
+              <a:rPr sz="2400" b="1" smtClean="0">
                 <a:solidFill>
                   <a:srgbClr val="E60000"/>
                 </a:solidFill>
@@ -28278,7 +28419,7 @@
     </p:spTree>
     <p:extLst>
       <p:ext uri="{BB962C8B-B14F-4D97-AF65-F5344CB8AC3E}">
-        <p14:creationId xmlns:p14="http://schemas.microsoft.com/office/powerpoint/2010/main" val="2765728405"/>
+        <p14:creationId xmlns:p14="http://schemas.microsoft.com/office/powerpoint/2010/main" val="823839855"/>
       </p:ext>
     </p:extLst>
   </p:cSld>
@@ -28507,11 +28648,19 @@
           <a:p>
             <a:pPr algn="r"/>
             <a:fld id="{C9C5D969-4CAD-4F29-8B51-07B8CBAF6BF4}" type="slidenum">
-              <a:rPr lang="en-US" sz="700" smtClean="0"/>
+              <a:rPr sz="700" smtClean="0">
+                <a:solidFill>
+                  <a:prstClr val="black"/>
+                </a:solidFill>
+              </a:rPr>
               <a:pPr algn="r"/>
               <a:t>‹#›</a:t>
             </a:fld>
-            <a:endParaRPr lang="en-US" sz="700" dirty="0"/>
+            <a:endParaRPr sz="700" dirty="0">
+              <a:solidFill>
+                <a:prstClr val="black"/>
+              </a:solidFill>
+            </a:endParaRPr>
           </a:p>
         </p:txBody>
       </p:sp>
@@ -28636,12 +28785,10 @@
             </a:lvl9pPr>
           </a:lstStyle>
           <a:p>
-            <a:pPr lvl="0"/>
-            <a:r>
-              <a:rPr lang="en-US" sz="600" dirty="0" smtClean="0"/>
-              <a:t>UBSPROD\t608113 [printed: ____] [saved: May 14, 2019 10:12 AM] \\UBSPROD.MSAD.UBS.NET\UserData\T608113\Home\Documents\Teaching\Day 4.pptx </a:t>
-            </a:r>
-            <a:endParaRPr lang="en-US" sz="600" dirty="0" smtClean="0"/>
+            <a:r>
+              <a:rPr lang="en-US" dirty="0" smtClean="0"/>
+              <a:t>UBSPROD\t608113 [printed: ____] [saved: May 14, 2019 10:03 AM] \\UBSPROD.MSAD.UBS.NET\UserData\T608113\Home\Documents\Teaching\Day 1.pptx </a:t>
+            </a:r>
           </a:p>
         </p:txBody>
       </p:sp>
@@ -29071,31 +29218,23 @@
           </a:bodyPr>
           <a:lstStyle/>
           <a:p>
-            <a:pPr algn="l">
-              <a:lnSpc>
-                <a:spcPct val="100000"/>
-              </a:lnSpc>
+            <a:pPr>
               <a:spcBef>
                 <a:spcPct val="0"/>
               </a:spcBef>
-              <a:spcAft>
-                <a:spcPct val="0"/>
-              </a:spcAft>
             </a:pPr>
             <a:r>
-              <a:rPr kumimoji="0" lang="en-US" sz="2400" b="1" i="0" u="none" baseline="0" dirty="0" smtClean="0">
+              <a:rPr sz="2400" b="1" dirty="0" smtClean="0">
                 <a:solidFill>
                   <a:srgbClr val="E60000"/>
                 </a:solidFill>
-                <a:latin typeface="Frutiger 55 Roman"/>
               </a:rPr>
               <a:t>Draft</a:t>
             </a:r>
-            <a:endParaRPr kumimoji="0" lang="en-US" sz="2400" b="1" i="0" u="none" baseline="0" dirty="0">
+            <a:endParaRPr sz="2400" b="1" dirty="0">
               <a:solidFill>
                 <a:srgbClr val="E60000"/>
               </a:solidFill>
-              <a:latin typeface="Frutiger 55 Roman"/>
             </a:endParaRPr>
           </a:p>
         </p:txBody>
@@ -29135,6 +29274,11 @@
         </p:spPr>
       </p:pic>
     </p:spTree>
+    <p:extLst>
+      <p:ext uri="{BB962C8B-B14F-4D97-AF65-F5344CB8AC3E}">
+        <p14:creationId xmlns:p14="http://schemas.microsoft.com/office/powerpoint/2010/main" val="2351240810"/>
+      </p:ext>
+    </p:extLst>
   </p:cSld>
   <p:clrMapOvr>
     <a:masterClrMapping/>
@@ -29263,11 +29407,19 @@
           <a:p>
             <a:pPr algn="r"/>
             <a:fld id="{94976F55-9089-48EE-AE68-8E9544398D42}" type="slidenum">
-              <a:rPr lang="en-US" sz="700" smtClean="0"/>
+              <a:rPr sz="700" smtClean="0">
+                <a:solidFill>
+                  <a:prstClr val="black"/>
+                </a:solidFill>
+              </a:rPr>
               <a:pPr algn="r"/>
               <a:t>‹#›</a:t>
             </a:fld>
-            <a:endParaRPr lang="en-US" sz="700" dirty="0"/>
+            <a:endParaRPr sz="700" dirty="0">
+              <a:solidFill>
+                <a:prstClr val="black"/>
+              </a:solidFill>
+            </a:endParaRPr>
           </a:p>
         </p:txBody>
       </p:sp>
@@ -29392,12 +29544,10 @@
             </a:lvl9pPr>
           </a:lstStyle>
           <a:p>
-            <a:pPr lvl="0"/>
-            <a:r>
-              <a:rPr lang="en-US" sz="600" dirty="0" smtClean="0"/>
-              <a:t>UBSPROD\t608113 [printed: ____] [saved: May 14, 2019 10:12 AM] \\UBSPROD.MSAD.UBS.NET\UserData\T608113\Home\Documents\Teaching\Day 4.pptx </a:t>
-            </a:r>
-            <a:endParaRPr lang="en-US" sz="600" dirty="0" smtClean="0"/>
+            <a:r>
+              <a:rPr lang="en-US" dirty="0" smtClean="0"/>
+              <a:t>UBSPROD\t608113 [printed: ____] [saved: May 14, 2019 10:03 AM] \\UBSPROD.MSAD.UBS.NET\UserData\T608113\Home\Documents\Teaching\Day 1.pptx </a:t>
+            </a:r>
           </a:p>
         </p:txBody>
       </p:sp>
@@ -29827,31 +29977,23 @@
           </a:bodyPr>
           <a:lstStyle/>
           <a:p>
-            <a:pPr algn="l">
-              <a:lnSpc>
-                <a:spcPct val="100000"/>
-              </a:lnSpc>
+            <a:pPr>
               <a:spcBef>
                 <a:spcPct val="0"/>
               </a:spcBef>
-              <a:spcAft>
-                <a:spcPct val="0"/>
-              </a:spcAft>
             </a:pPr>
             <a:r>
-              <a:rPr kumimoji="0" lang="en-US" sz="2400" b="1" i="0" u="none" baseline="0" dirty="0" smtClean="0">
+              <a:rPr sz="2400" b="1" dirty="0" smtClean="0">
                 <a:solidFill>
                   <a:srgbClr val="E60000"/>
                 </a:solidFill>
-                <a:latin typeface="Frutiger 55 Roman"/>
               </a:rPr>
               <a:t>Draft</a:t>
             </a:r>
-            <a:endParaRPr kumimoji="0" lang="en-US" sz="2400" b="1" i="0" u="none" baseline="0" dirty="0">
+            <a:endParaRPr sz="2400" b="1" dirty="0">
               <a:solidFill>
                 <a:srgbClr val="E60000"/>
               </a:solidFill>
-              <a:latin typeface="Frutiger 55 Roman"/>
             </a:endParaRPr>
           </a:p>
         </p:txBody>
@@ -29891,6 +30033,11 @@
         </p:spPr>
       </p:pic>
     </p:spTree>
+    <p:extLst>
+      <p:ext uri="{BB962C8B-B14F-4D97-AF65-F5344CB8AC3E}">
+        <p14:creationId xmlns:p14="http://schemas.microsoft.com/office/powerpoint/2010/main" val="3775353164"/>
+      </p:ext>
+    </p:extLst>
   </p:cSld>
   <p:clrMapOvr>
     <a:masterClrMapping/>
@@ -30272,11 +30419,19 @@
           <a:p>
             <a:pPr algn="r"/>
             <a:fld id="{855E24D6-7D0A-470C-80AD-CB9E4DCBF649}" type="slidenum">
-              <a:rPr lang="en-US" sz="700" smtClean="0"/>
+              <a:rPr sz="700" smtClean="0">
+                <a:solidFill>
+                  <a:prstClr val="black"/>
+                </a:solidFill>
+              </a:rPr>
               <a:pPr algn="r"/>
               <a:t>‹#›</a:t>
             </a:fld>
-            <a:endParaRPr lang="en-US" sz="700" dirty="0"/>
+            <a:endParaRPr sz="700" dirty="0">
+              <a:solidFill>
+                <a:prstClr val="black"/>
+              </a:solidFill>
+            </a:endParaRPr>
           </a:p>
         </p:txBody>
       </p:sp>
@@ -30401,12 +30556,10 @@
             </a:lvl9pPr>
           </a:lstStyle>
           <a:p>
-            <a:pPr lvl="0"/>
-            <a:r>
-              <a:rPr lang="en-US" sz="600" dirty="0" smtClean="0"/>
-              <a:t>UBSPROD\t608113 [printed: ____] [saved: May 14, 2019 10:12 AM] \\UBSPROD.MSAD.UBS.NET\UserData\T608113\Home\Documents\Teaching\Day 4.pptx </a:t>
-            </a:r>
-            <a:endParaRPr lang="en-US" sz="600" dirty="0" smtClean="0"/>
+            <a:r>
+              <a:rPr lang="en-US" dirty="0" smtClean="0"/>
+              <a:t>UBSPROD\t608113 [printed: ____] [saved: May 14, 2019 10:03 AM] \\UBSPROD.MSAD.UBS.NET\UserData\T608113\Home\Documents\Teaching\Day 1.pptx </a:t>
+            </a:r>
           </a:p>
         </p:txBody>
       </p:sp>
@@ -30836,31 +30989,23 @@
           </a:bodyPr>
           <a:lstStyle/>
           <a:p>
-            <a:pPr algn="l">
-              <a:lnSpc>
-                <a:spcPct val="100000"/>
-              </a:lnSpc>
+            <a:pPr>
               <a:spcBef>
                 <a:spcPct val="0"/>
               </a:spcBef>
-              <a:spcAft>
-                <a:spcPct val="0"/>
-              </a:spcAft>
             </a:pPr>
             <a:r>
-              <a:rPr kumimoji="0" lang="en-US" sz="2400" b="1" i="0" u="none" baseline="0" dirty="0" smtClean="0">
+              <a:rPr sz="2400" b="1" dirty="0" smtClean="0">
                 <a:solidFill>
                   <a:srgbClr val="E60000"/>
                 </a:solidFill>
-                <a:latin typeface="Frutiger 55 Roman"/>
               </a:rPr>
               <a:t>Draft</a:t>
             </a:r>
-            <a:endParaRPr kumimoji="0" lang="en-US" sz="2400" b="1" i="0" u="none" baseline="0" dirty="0">
+            <a:endParaRPr sz="2400" b="1" dirty="0">
               <a:solidFill>
                 <a:srgbClr val="E60000"/>
               </a:solidFill>
-              <a:latin typeface="Frutiger 55 Roman"/>
             </a:endParaRPr>
           </a:p>
         </p:txBody>
@@ -30900,6 +31045,11 @@
         </p:spPr>
       </p:pic>
     </p:spTree>
+    <p:extLst>
+      <p:ext uri="{BB962C8B-B14F-4D97-AF65-F5344CB8AC3E}">
+        <p14:creationId xmlns:p14="http://schemas.microsoft.com/office/powerpoint/2010/main" val="1952958962"/>
+      </p:ext>
+    </p:extLst>
   </p:cSld>
   <p:clrMapOvr>
     <a:masterClrMapping/>
@@ -31534,11 +31684,19 @@
           <a:p>
             <a:pPr algn="r"/>
             <a:fld id="{2451735E-85A4-4643-8094-642905B783F2}" type="slidenum">
-              <a:rPr lang="en-US" sz="700" smtClean="0"/>
+              <a:rPr sz="700" smtClean="0">
+                <a:solidFill>
+                  <a:prstClr val="black"/>
+                </a:solidFill>
+              </a:rPr>
               <a:pPr algn="r"/>
               <a:t>‹#›</a:t>
             </a:fld>
-            <a:endParaRPr lang="en-US" sz="700" dirty="0"/>
+            <a:endParaRPr sz="700" dirty="0">
+              <a:solidFill>
+                <a:prstClr val="black"/>
+              </a:solidFill>
+            </a:endParaRPr>
           </a:p>
         </p:txBody>
       </p:sp>
@@ -31663,12 +31821,10 @@
             </a:lvl9pPr>
           </a:lstStyle>
           <a:p>
-            <a:pPr lvl="0"/>
-            <a:r>
-              <a:rPr lang="en-US" sz="600" dirty="0" smtClean="0"/>
-              <a:t>UBSPROD\t608113 [printed: ____] [saved: May 14, 2019 10:12 AM] \\UBSPROD.MSAD.UBS.NET\UserData\T608113\Home\Documents\Teaching\Day 4.pptx </a:t>
-            </a:r>
-            <a:endParaRPr lang="en-US" sz="600" dirty="0" smtClean="0"/>
+            <a:r>
+              <a:rPr lang="en-US" dirty="0" smtClean="0"/>
+              <a:t>UBSPROD\t608113 [printed: ____] [saved: May 14, 2019 10:03 AM] \\UBSPROD.MSAD.UBS.NET\UserData\T608113\Home\Documents\Teaching\Day 1.pptx </a:t>
+            </a:r>
           </a:p>
         </p:txBody>
       </p:sp>
@@ -32098,31 +32254,23 @@
           </a:bodyPr>
           <a:lstStyle/>
           <a:p>
-            <a:pPr algn="l">
-              <a:lnSpc>
-                <a:spcPct val="100000"/>
-              </a:lnSpc>
+            <a:pPr>
               <a:spcBef>
                 <a:spcPct val="0"/>
               </a:spcBef>
-              <a:spcAft>
-                <a:spcPct val="0"/>
-              </a:spcAft>
             </a:pPr>
             <a:r>
-              <a:rPr kumimoji="0" lang="en-US" sz="2400" b="1" i="0" u="none" baseline="0" dirty="0" smtClean="0">
+              <a:rPr sz="2400" b="1" dirty="0" smtClean="0">
                 <a:solidFill>
                   <a:srgbClr val="E60000"/>
                 </a:solidFill>
-                <a:latin typeface="Frutiger 55 Roman"/>
               </a:rPr>
               <a:t>Draft</a:t>
             </a:r>
-            <a:endParaRPr kumimoji="0" lang="en-US" sz="2400" b="1" i="0" u="none" baseline="0" dirty="0">
+            <a:endParaRPr sz="2400" b="1" dirty="0">
               <a:solidFill>
                 <a:srgbClr val="E60000"/>
               </a:solidFill>
-              <a:latin typeface="Frutiger 55 Roman"/>
             </a:endParaRPr>
           </a:p>
         </p:txBody>
@@ -32162,6 +32310,11 @@
         </p:spPr>
       </p:pic>
     </p:spTree>
+    <p:extLst>
+      <p:ext uri="{BB962C8B-B14F-4D97-AF65-F5344CB8AC3E}">
+        <p14:creationId xmlns:p14="http://schemas.microsoft.com/office/powerpoint/2010/main" val="1681931972"/>
+      </p:ext>
+    </p:extLst>
   </p:cSld>
   <p:clrMapOvr>
     <a:masterClrMapping/>
@@ -32798,11 +32951,19 @@
           <a:p>
             <a:pPr algn="r"/>
             <a:fld id="{D70D6585-CB7C-4CFA-BD76-44C70BE2929C}" type="slidenum">
-              <a:rPr lang="en-US" sz="700" smtClean="0"/>
+              <a:rPr sz="700" smtClean="0">
+                <a:solidFill>
+                  <a:prstClr val="black"/>
+                </a:solidFill>
+              </a:rPr>
               <a:pPr algn="r"/>
               <a:t>‹#›</a:t>
             </a:fld>
-            <a:endParaRPr lang="en-US" sz="700" dirty="0"/>
+            <a:endParaRPr sz="700" dirty="0">
+              <a:solidFill>
+                <a:prstClr val="black"/>
+              </a:solidFill>
+            </a:endParaRPr>
           </a:p>
         </p:txBody>
       </p:sp>
@@ -32927,12 +33088,10 @@
             </a:lvl9pPr>
           </a:lstStyle>
           <a:p>
-            <a:pPr lvl="0"/>
-            <a:r>
-              <a:rPr lang="en-US" sz="600" dirty="0" smtClean="0"/>
-              <a:t>UBSPROD\t608113 [printed: ____] [saved: May 14, 2019 10:12 AM] \\UBSPROD.MSAD.UBS.NET\UserData\T608113\Home\Documents\Teaching\Day 4.pptx </a:t>
-            </a:r>
-            <a:endParaRPr lang="en-US" sz="600" dirty="0" smtClean="0"/>
+            <a:r>
+              <a:rPr lang="en-US" dirty="0" smtClean="0"/>
+              <a:t>UBSPROD\t608113 [printed: ____] [saved: May 14, 2019 10:03 AM] \\UBSPROD.MSAD.UBS.NET\UserData\T608113\Home\Documents\Teaching\Day 1.pptx </a:t>
+            </a:r>
           </a:p>
         </p:txBody>
       </p:sp>
@@ -33362,31 +33521,23 @@
           </a:bodyPr>
           <a:lstStyle/>
           <a:p>
-            <a:pPr algn="l">
-              <a:lnSpc>
-                <a:spcPct val="100000"/>
-              </a:lnSpc>
+            <a:pPr>
               <a:spcBef>
                 <a:spcPct val="0"/>
               </a:spcBef>
-              <a:spcAft>
-                <a:spcPct val="0"/>
-              </a:spcAft>
             </a:pPr>
             <a:r>
-              <a:rPr kumimoji="0" lang="en-US" sz="2400" b="1" i="0" u="none" baseline="0" dirty="0" smtClean="0">
+              <a:rPr sz="2400" b="1" dirty="0" smtClean="0">
                 <a:solidFill>
                   <a:srgbClr val="E60000"/>
                 </a:solidFill>
-                <a:latin typeface="Frutiger 55 Roman"/>
               </a:rPr>
               <a:t>Draft</a:t>
             </a:r>
-            <a:endParaRPr kumimoji="0" lang="en-US" sz="2400" b="1" i="0" u="none" baseline="0" dirty="0">
+            <a:endParaRPr sz="2400" b="1" dirty="0">
               <a:solidFill>
                 <a:srgbClr val="E60000"/>
               </a:solidFill>
-              <a:latin typeface="Frutiger 55 Roman"/>
             </a:endParaRPr>
           </a:p>
         </p:txBody>
@@ -33426,6 +33577,11 @@
         </p:spPr>
       </p:pic>
     </p:spTree>
+    <p:extLst>
+      <p:ext uri="{BB962C8B-B14F-4D97-AF65-F5344CB8AC3E}">
+        <p14:creationId xmlns:p14="http://schemas.microsoft.com/office/powerpoint/2010/main" val="172685417"/>
+      </p:ext>
+    </p:extLst>
   </p:cSld>
   <p:clrMapOvr>
     <a:masterClrMapping/>
@@ -34316,11 +34472,19 @@
           <a:p>
             <a:pPr algn="r"/>
             <a:fld id="{9489627C-F79B-4DF9-998A-207B47061EFD}" type="slidenum">
-              <a:rPr lang="en-US" sz="700" smtClean="0"/>
+              <a:rPr sz="700" smtClean="0">
+                <a:solidFill>
+                  <a:prstClr val="black"/>
+                </a:solidFill>
+              </a:rPr>
               <a:pPr algn="r"/>
               <a:t>‹#›</a:t>
             </a:fld>
-            <a:endParaRPr lang="en-US" sz="700" dirty="0"/>
+            <a:endParaRPr sz="700" dirty="0">
+              <a:solidFill>
+                <a:prstClr val="black"/>
+              </a:solidFill>
+            </a:endParaRPr>
           </a:p>
         </p:txBody>
       </p:sp>
@@ -34445,12 +34609,10 @@
             </a:lvl9pPr>
           </a:lstStyle>
           <a:p>
-            <a:pPr lvl="0"/>
-            <a:r>
-              <a:rPr lang="en-US" sz="600" dirty="0" smtClean="0"/>
-              <a:t>UBSPROD\t608113 [printed: ____] [saved: May 14, 2019 10:12 AM] \\UBSPROD.MSAD.UBS.NET\UserData\T608113\Home\Documents\Teaching\Day 4.pptx </a:t>
-            </a:r>
-            <a:endParaRPr lang="en-US" sz="600" dirty="0" smtClean="0"/>
+            <a:r>
+              <a:rPr lang="en-US" dirty="0" smtClean="0"/>
+              <a:t>UBSPROD\t608113 [printed: ____] [saved: May 14, 2019 10:03 AM] \\UBSPROD.MSAD.UBS.NET\UserData\T608113\Home\Documents\Teaching\Day 1.pptx </a:t>
+            </a:r>
           </a:p>
         </p:txBody>
       </p:sp>
@@ -34880,31 +35042,23 @@
           </a:bodyPr>
           <a:lstStyle/>
           <a:p>
-            <a:pPr algn="l">
-              <a:lnSpc>
-                <a:spcPct val="100000"/>
-              </a:lnSpc>
+            <a:pPr>
               <a:spcBef>
                 <a:spcPct val="0"/>
               </a:spcBef>
-              <a:spcAft>
-                <a:spcPct val="0"/>
-              </a:spcAft>
             </a:pPr>
             <a:r>
-              <a:rPr kumimoji="0" lang="en-US" sz="2400" b="1" i="0" u="none" baseline="0" dirty="0" smtClean="0">
+              <a:rPr sz="2400" b="1" dirty="0" smtClean="0">
                 <a:solidFill>
                   <a:srgbClr val="E60000"/>
                 </a:solidFill>
-                <a:latin typeface="Frutiger 55 Roman"/>
               </a:rPr>
               <a:t>Draft</a:t>
             </a:r>
-            <a:endParaRPr kumimoji="0" lang="en-US" sz="2400" b="1" i="0" u="none" baseline="0" dirty="0">
+            <a:endParaRPr sz="2400" b="1" dirty="0">
               <a:solidFill>
                 <a:srgbClr val="E60000"/>
               </a:solidFill>
-              <a:latin typeface="Frutiger 55 Roman"/>
             </a:endParaRPr>
           </a:p>
         </p:txBody>
@@ -34944,6 +35098,11 @@
         </p:spPr>
       </p:pic>
     </p:spTree>
+    <p:extLst>
+      <p:ext uri="{BB962C8B-B14F-4D97-AF65-F5344CB8AC3E}">
+        <p14:creationId xmlns:p14="http://schemas.microsoft.com/office/powerpoint/2010/main" val="1793759632"/>
+      </p:ext>
+    </p:extLst>
   </p:cSld>
   <p:clrMapOvr>
     <a:masterClrMapping/>
@@ -35079,24 +35238,29 @@
         </p:txBody>
       </p:sp>
     </p:spTree>
+    <p:extLst>
+      <p:ext uri="{BB962C8B-B14F-4D97-AF65-F5344CB8AC3E}">
+        <p14:creationId xmlns:p14="http://schemas.microsoft.com/office/powerpoint/2010/main" val="2642320096"/>
+      </p:ext>
+    </p:extLst>
   </p:cSld>
   <p:clrMap bg1="lt1" tx1="dk1" bg2="lt2" tx2="dk2" accent1="accent1" accent2="accent2" accent3="accent3" accent4="accent4" accent5="accent5" accent6="accent6" hlink="hlink" folHlink="folHlink"/>
   <p:sldLayoutIdLst>
-    <p:sldLayoutId id="2147484184" r:id="rId1"/>
-    <p:sldLayoutId id="2147484185" r:id="rId2"/>
-    <p:sldLayoutId id="2147484186" r:id="rId3"/>
-    <p:sldLayoutId id="2147484187" r:id="rId4"/>
-    <p:sldLayoutId id="2147484188" r:id="rId5"/>
-    <p:sldLayoutId id="2147484189" r:id="rId6"/>
-    <p:sldLayoutId id="2147484190" r:id="rId7"/>
-    <p:sldLayoutId id="2147484191" r:id="rId8"/>
-    <p:sldLayoutId id="2147484192" r:id="rId9"/>
-    <p:sldLayoutId id="2147484193" r:id="rId10"/>
-    <p:sldLayoutId id="2147484194" r:id="rId11"/>
-    <p:sldLayoutId id="2147484195" r:id="rId12"/>
-    <p:sldLayoutId id="2147484196" r:id="rId13"/>
-    <p:sldLayoutId id="2147484197" r:id="rId14"/>
-    <p:sldLayoutId id="2147484198" r:id="rId15"/>
+    <p:sldLayoutId id="2147484200" r:id="rId1"/>
+    <p:sldLayoutId id="2147484201" r:id="rId2"/>
+    <p:sldLayoutId id="2147484202" r:id="rId3"/>
+    <p:sldLayoutId id="2147484203" r:id="rId4"/>
+    <p:sldLayoutId id="2147484204" r:id="rId5"/>
+    <p:sldLayoutId id="2147484205" r:id="rId6"/>
+    <p:sldLayoutId id="2147484206" r:id="rId7"/>
+    <p:sldLayoutId id="2147484207" r:id="rId8"/>
+    <p:sldLayoutId id="2147484208" r:id="rId9"/>
+    <p:sldLayoutId id="2147484209" r:id="rId10"/>
+    <p:sldLayoutId id="2147484210" r:id="rId11"/>
+    <p:sldLayoutId id="2147484211" r:id="rId12"/>
+    <p:sldLayoutId id="2147484212" r:id="rId13"/>
+    <p:sldLayoutId id="2147484213" r:id="rId14"/>
+    <p:sldLayoutId id="2147484214" r:id="rId15"/>
   </p:sldLayoutIdLst>
   <p:timing>
     <p:tnLst>
@@ -35519,27 +35683,27 @@
     </p:spTree>
     <p:extLst>
       <p:ext uri="{BB962C8B-B14F-4D97-AF65-F5344CB8AC3E}">
-        <p14:creationId xmlns:p14="http://schemas.microsoft.com/office/powerpoint/2010/main" val="2642320096"/>
+        <p14:creationId xmlns:p14="http://schemas.microsoft.com/office/powerpoint/2010/main" val="2596550994"/>
       </p:ext>
     </p:extLst>
   </p:cSld>
   <p:clrMap bg1="lt1" tx1="dk1" bg2="lt2" tx2="dk2" accent1="accent1" accent2="accent2" accent3="accent3" accent4="accent4" accent5="accent5" accent6="accent6" hlink="hlink" folHlink="folHlink"/>
   <p:sldLayoutIdLst>
-    <p:sldLayoutId id="2147484200" r:id="rId1"/>
-    <p:sldLayoutId id="2147484201" r:id="rId2"/>
-    <p:sldLayoutId id="2147484202" r:id="rId3"/>
-    <p:sldLayoutId id="2147484203" r:id="rId4"/>
-    <p:sldLayoutId id="2147484204" r:id="rId5"/>
-    <p:sldLayoutId id="2147484205" r:id="rId6"/>
-    <p:sldLayoutId id="2147484206" r:id="rId7"/>
-    <p:sldLayoutId id="2147484207" r:id="rId8"/>
-    <p:sldLayoutId id="2147484208" r:id="rId9"/>
-    <p:sldLayoutId id="2147484209" r:id="rId10"/>
-    <p:sldLayoutId id="2147484210" r:id="rId11"/>
-    <p:sldLayoutId id="2147484211" r:id="rId12"/>
-    <p:sldLayoutId id="2147484212" r:id="rId13"/>
-    <p:sldLayoutId id="2147484213" r:id="rId14"/>
-    <p:sldLayoutId id="2147484214" r:id="rId15"/>
+    <p:sldLayoutId id="2147484216" r:id="rId1"/>
+    <p:sldLayoutId id="2147484217" r:id="rId2"/>
+    <p:sldLayoutId id="2147484218" r:id="rId3"/>
+    <p:sldLayoutId id="2147484219" r:id="rId4"/>
+    <p:sldLayoutId id="2147484220" r:id="rId5"/>
+    <p:sldLayoutId id="2147484221" r:id="rId6"/>
+    <p:sldLayoutId id="2147484222" r:id="rId7"/>
+    <p:sldLayoutId id="2147484223" r:id="rId8"/>
+    <p:sldLayoutId id="2147484224" r:id="rId9"/>
+    <p:sldLayoutId id="2147484225" r:id="rId10"/>
+    <p:sldLayoutId id="2147484226" r:id="rId11"/>
+    <p:sldLayoutId id="2147484227" r:id="rId12"/>
+    <p:sldLayoutId id="2147484228" r:id="rId13"/>
+    <p:sldLayoutId id="2147484229" r:id="rId14"/>
+    <p:sldLayoutId id="2147484230" r:id="rId15"/>
   </p:sldLayoutIdLst>
   <p:timing>
     <p:tnLst>
@@ -36016,12 +36180,12 @@
               <a:t>A mother identifies her twin </a:t>
             </a:r>
             <a:r>
-              <a:rPr lang="en-US" dirty="0" err="1" smtClean="0"/>
-              <a:t>offsprings</a:t>
-            </a:r>
-            <a:r>
-              <a:rPr lang="en-US" dirty="0" smtClean="0"/>
-              <a:t> uniquely; not-so-naïve?</a:t>
+              <a:rPr lang="en-US" dirty="0" smtClean="0"/>
+              <a:t>off-springs </a:t>
+            </a:r>
+            <a:r>
+              <a:rPr lang="en-US" dirty="0" smtClean="0"/>
+              <a:t>uniquely; not-so-naïve?</a:t>
             </a:r>
             <a:endParaRPr lang="en-US" dirty="0"/>
           </a:p>
@@ -36099,12 +36263,12 @@
       </p:grpSpPr>
       <p:sp>
         <p:nvSpPr>
-          <p:cNvPr id="3" name="TOC TITLE"/>
+          <p:cNvPr id="6" name="DIVIDER TITLE"/>
           <p:cNvSpPr>
             <a:spLocks noGrp="1"/>
           </p:cNvSpPr>
           <p:nvPr>
-            <p:ph type="title"/>
+            <p:ph type="subTitle" idx="1"/>
             <p:custDataLst>
               <p:tags r:id="rId2"/>
             </p:custDataLst>
@@ -36112,14 +36276,12 @@
         </p:nvSpPr>
         <p:spPr/>
         <p:txBody>
-          <a:bodyPr>
-            <a:normAutofit/>
-          </a:bodyPr>
+          <a:bodyPr/>
           <a:lstStyle/>
           <a:p>
             <a:r>
-              <a:rPr lang="en-US" dirty="0" smtClean="0"/>
-              <a:t>Table of contents</a:t>
+              <a:rPr lang="en-US" dirty="0"/>
+              <a:t>Set, Dictionary, Membership</a:t>
             </a:r>
             <a:endParaRPr lang="en-US" dirty="0"/>
           </a:p>
@@ -36127,148 +36289,27 @@
       </p:sp>
       <p:sp>
         <p:nvSpPr>
-          <p:cNvPr id="4" name="TOC BODY"/>
-          <p:cNvSpPr/>
+          <p:cNvPr id="3" name="DIVIDER NUMBER"/>
+          <p:cNvSpPr>
+            <a:spLocks noGrp="1"/>
+          </p:cNvSpPr>
           <p:nvPr>
+            <p:ph type="ctrTitle"/>
             <p:custDataLst>
               <p:tags r:id="rId3"/>
             </p:custDataLst>
           </p:nvPr>
         </p:nvSpPr>
-        <p:spPr>
-          <a:xfrm>
-            <a:off x="559382" y="1362457"/>
-            <a:ext cx="12247158" cy="523220"/>
-          </a:xfrm>
-          <a:prstGeom prst="rect">
-            <a:avLst/>
-          </a:prstGeom>
-          <a:noFill/>
-          <a:ln w="19050" cap="flat" cmpd="sng" algn="ctr">
-            <a:noFill/>
-            <a:prstDash val="solid"/>
-          </a:ln>
-          <a:effectLst/>
-          <a:extLst>
-            <a:ext uri="{91240B29-F687-4F45-9708-019B960494DF}">
-              <a14:hiddenLine xmlns:a14="http://schemas.microsoft.com/office/drawing/2010/main" w="19050" cap="flat" cmpd="sng" algn="ctr">
-                <a:solidFill>
-                  <a:srgbClr val="7B7D80"/>
-                </a:solidFill>
-                <a:prstDash val="solid"/>
-              </a14:hiddenLine>
-            </a:ext>
-          </a:extLst>
-        </p:spPr>
-        <p:style>
-          <a:lnRef idx="2">
-            <a:schemeClr val="accent1">
-              <a:shade val="50000"/>
-            </a:schemeClr>
-          </a:lnRef>
-          <a:fillRef idx="1">
-            <a:schemeClr val="accent1"/>
-          </a:fillRef>
-          <a:effectRef idx="0">
-            <a:schemeClr val="accent1"/>
-          </a:effectRef>
-          <a:fontRef idx="minor">
-            <a:schemeClr val="lt1"/>
-          </a:fontRef>
-        </p:style>
+        <p:spPr/>
         <p:txBody>
-          <a:bodyPr rot="0" spcFirstLastPara="0" vertOverflow="overflow" horzOverflow="overflow" vert="horz" wrap="square" lIns="0" tIns="0" rIns="0" bIns="0" numCol="1" spcCol="0" rtlCol="0" fromWordArt="0" anchor="t" anchorCtr="0" forceAA="0" compatLnSpc="1">
-            <a:prstTxWarp prst="textNoShape">
-              <a:avLst/>
-            </a:prstTxWarp>
-            <a:spAutoFit/>
-          </a:bodyPr>
+          <a:bodyPr/>
           <a:lstStyle/>
           <a:p>
-            <a:pPr marL="1450023" indent="-1450023" eaLnBrk="1" fontAlgn="auto" hangingPunct="1">
-              <a:spcBef>
-                <a:spcPct val="65000"/>
-              </a:spcBef>
-              <a:spcAft>
-                <a:spcPts val="0"/>
-              </a:spcAft>
-              <a:tabLst>
-                <a:tab pos="12243816" algn="r"/>
-              </a:tabLst>
-            </a:pPr>
-            <a:r>
-              <a:rPr lang="en-US" sz="1600" smtClean="0">
-                <a:solidFill>
-                  <a:srgbClr val="000000"/>
-                </a:solidFill>
-                <a:latin typeface="Frutiger 55 Roman"/>
-              </a:rPr>
-              <a:t>Section 1	</a:t>
-            </a:r>
-            <a:r>
-              <a:rPr lang="en-US" sz="1600" b="1" smtClean="0">
-                <a:solidFill>
-                  <a:srgbClr val="000000"/>
-                </a:solidFill>
-                <a:latin typeface="Frutiger 55 Roman"/>
-              </a:rPr>
-              <a:t>Divider title</a:t>
-            </a:r>
-            <a:r>
-              <a:rPr lang="en-US" sz="1600" u="sng" smtClean="0">
-                <a:solidFill>
-                  <a:srgbClr val="7B7D80"/>
-                </a:solidFill>
-                <a:latin typeface="Frutiger 55 Roman"/>
-              </a:rPr>
-              <a:t>	</a:t>
-            </a:r>
-            <a:r>
-              <a:rPr kumimoji="0" lang="en-US" sz="1600" b="0" i="0" u="sng" strike="noStrike" kern="0" cap="none" spc="0" normalizeH="0" baseline="0" noProof="0" dirty="0" smtClean="0">
-                <a:ln>
-                  <a:noFill/>
-                </a:ln>
-                <a:solidFill>
-                  <a:srgbClr val="000000"/>
-                </a:solidFill>
-                <a:effectLst/>
-                <a:uLnTx/>
-                <a:uFill>
-                  <a:solidFill>
-                    <a:srgbClr val="FFFFFF"/>
-                  </a:solidFill>
-                </a:uFill>
-                <a:latin typeface="Frutiger 55 Roman"/>
-                <a:hlinkClick r:id="rId5" action="ppaction://hlinksldjump"/>
-              </a:rPr>
-              <a:t>2</a:t>
-            </a:r>
-          </a:p>
-          <a:p>
-            <a:pPr marL="1450023" marR="0" indent="-1450023" defTabSz="914400" eaLnBrk="1" fontAlgn="auto" latinLnBrk="0" hangingPunct="1">
-              <a:lnSpc>
-                <a:spcPct val="100000"/>
-              </a:lnSpc>
-              <a:spcBef>
-                <a:spcPts val="0"/>
-              </a:spcBef>
-              <a:spcAft>
-                <a:spcPts val="0"/>
-              </a:spcAft>
-              <a:buClrTx/>
-              <a:buSzTx/>
-              <a:buNone/>
-              <a:tabLst>
-                <a:tab pos="12243816" algn="r"/>
-              </a:tabLst>
-              <a:defRPr/>
-            </a:pPr>
-            <a:endParaRPr lang="en-US" dirty="0" smtClean="0">
-              <a:solidFill>
-                <a:srgbClr val="000000"/>
-              </a:solidFill>
-              <a:latin typeface="Frutiger 55 Roman"/>
-            </a:endParaRPr>
+            <a:r>
+              <a:rPr lang="en-US" smtClean="0"/>
+              <a:t>Section 1</a:t>
+            </a:r>
+            <a:endParaRPr lang="en-US" dirty="0"/>
           </a:p>
         </p:txBody>
       </p:sp>
@@ -36278,13 +36319,20 @@
     </p:custDataLst>
     <p:extLst>
       <p:ext uri="{BB962C8B-B14F-4D97-AF65-F5344CB8AC3E}">
-        <p14:creationId xmlns:p14="http://schemas.microsoft.com/office/powerpoint/2010/main" val="2647805589"/>
+        <p14:creationId xmlns:p14="http://schemas.microsoft.com/office/powerpoint/2010/main" val="3593314134"/>
       </p:ext>
     </p:extLst>
   </p:cSld>
   <p:clrMapOvr>
     <a:masterClrMapping/>
   </p:clrMapOvr>
+  <p:timing>
+    <p:tnLst>
+      <p:par>
+        <p:cTn id="1" dur="indefinite" restart="never" nodeType="tmRoot"/>
+      </p:par>
+    </p:tnLst>
+  </p:timing>
 </p:sld>
 </file>
 
@@ -36307,12 +36355,12 @@
       </p:grpSpPr>
       <p:sp>
         <p:nvSpPr>
-          <p:cNvPr id="6" name="DIVIDER TITLE"/>
+          <p:cNvPr id="4" name="PAGE HEADING"/>
           <p:cNvSpPr>
             <a:spLocks noGrp="1"/>
           </p:cNvSpPr>
           <p:nvPr>
-            <p:ph type="subTitle" idx="1"/>
+            <p:ph type="title"/>
             <p:custDataLst>
               <p:tags r:id="rId2"/>
             </p:custDataLst>
@@ -36320,52 +36368,584 @@
         </p:nvSpPr>
         <p:spPr/>
         <p:txBody>
-          <a:bodyPr/>
+          <a:bodyPr>
+            <a:normAutofit/>
+          </a:bodyPr>
           <a:lstStyle/>
           <a:p>
-            <a:endParaRPr lang="en-US"/>
+            <a:r>
+              <a:rPr lang="en-US" dirty="0" smtClean="0"/>
+              <a:t>Sets</a:t>
+            </a:r>
+            <a:endParaRPr lang="en-US" dirty="0"/>
           </a:p>
         </p:txBody>
       </p:sp>
       <p:sp>
         <p:nvSpPr>
-          <p:cNvPr id="3" name="DIVIDER NUMBER"/>
-          <p:cNvSpPr>
-            <a:spLocks noGrp="1"/>
-          </p:cNvSpPr>
-          <p:nvPr>
-            <p:ph type="ctrTitle"/>
-            <p:custDataLst>
-              <p:tags r:id="rId3"/>
-            </p:custDataLst>
-          </p:nvPr>
+          <p:cNvPr id="16" name="pole tekstowe 2"/>
+          <p:cNvSpPr txBox="1"/>
+          <p:nvPr/>
         </p:nvSpPr>
-        <p:spPr/>
+        <p:spPr>
+          <a:xfrm>
+            <a:off x="683567" y="1268760"/>
+            <a:ext cx="6330076" cy="646331"/>
+          </a:xfrm>
+          <a:prstGeom prst="rect">
+            <a:avLst/>
+          </a:prstGeom>
+          <a:noFill/>
+        </p:spPr>
         <p:txBody>
-          <a:bodyPr/>
+          <a:bodyPr wrap="square" rtlCol="0">
+            <a:spAutoFit/>
+          </a:bodyPr>
           <a:lstStyle/>
           <a:p>
             <a:r>
-              <a:rPr lang="en-US" smtClean="0"/>
-              <a:t>Section 1</a:t>
-            </a:r>
-            <a:endParaRPr lang="en-US" dirty="0"/>
+              <a:rPr lang="en-US" dirty="0"/>
+              <a:t>Set – unordered collection of items with no duplicate elements</a:t>
+            </a:r>
+            <a:endParaRPr lang="en-GB" dirty="0"/>
           </a:p>
         </p:txBody>
       </p:sp>
+      <p:sp>
+        <p:nvSpPr>
+          <p:cNvPr id="21" name="pole tekstowe 1"/>
+          <p:cNvSpPr txBox="1"/>
+          <p:nvPr/>
+        </p:nvSpPr>
+        <p:spPr>
+          <a:xfrm>
+            <a:off x="7315201" y="1149024"/>
+            <a:ext cx="5525310" cy="4939814"/>
+          </a:xfrm>
+          <a:prstGeom prst="rect">
+            <a:avLst/>
+          </a:prstGeom>
+          <a:noFill/>
+        </p:spPr>
+        <p:txBody>
+          <a:bodyPr wrap="square" numCol="2" rtlCol="0">
+            <a:spAutoFit/>
+          </a:bodyPr>
+          <a:lstStyle/>
+          <a:p>
+            <a:r>
+              <a:rPr u="sng" dirty="0" smtClean="0">
+                <a:solidFill>
+                  <a:prstClr val="black"/>
+                </a:solidFill>
+              </a:rPr>
+              <a:t>Sample Methods</a:t>
+            </a:r>
+            <a:r>
+              <a:rPr u="sng" dirty="0" smtClean="0">
+                <a:solidFill>
+                  <a:prstClr val="black"/>
+                </a:solidFill>
+              </a:rPr>
+              <a:t>:</a:t>
+            </a:r>
+            <a:endParaRPr dirty="0" smtClean="0">
+              <a:solidFill>
+                <a:prstClr val="black"/>
+              </a:solidFill>
+            </a:endParaRPr>
+          </a:p>
+          <a:p>
+            <a:pPr marL="285750" indent="-285750">
+              <a:buFont typeface="Arial" panose="020B0604020202020204" pitchFamily="34" charset="0"/>
+              <a:buChar char="•"/>
+            </a:pPr>
+            <a:r>
+              <a:rPr lang="en-US" dirty="0" smtClean="0"/>
+              <a:t>add</a:t>
+            </a:r>
+            <a:endParaRPr lang="en-US" dirty="0"/>
+          </a:p>
+          <a:p>
+            <a:pPr marL="285750" indent="-285750">
+              <a:buFont typeface="Arial" panose="020B0604020202020204" pitchFamily="34" charset="0"/>
+              <a:buChar char="•"/>
+            </a:pPr>
+            <a:r>
+              <a:rPr lang="en-US" dirty="0"/>
+              <a:t>remove</a:t>
+            </a:r>
+          </a:p>
+          <a:p>
+            <a:pPr marL="285750" indent="-285750">
+              <a:buFont typeface="Arial" panose="020B0604020202020204" pitchFamily="34" charset="0"/>
+              <a:buChar char="•"/>
+            </a:pPr>
+            <a:r>
+              <a:rPr lang="en-US" dirty="0"/>
+              <a:t>copy</a:t>
+            </a:r>
+          </a:p>
+          <a:p>
+            <a:pPr marL="285750" indent="-285750">
+              <a:buFont typeface="Arial" panose="020B0604020202020204" pitchFamily="34" charset="0"/>
+              <a:buChar char="•"/>
+            </a:pPr>
+            <a:r>
+              <a:rPr lang="en-US" dirty="0"/>
+              <a:t>clear</a:t>
+            </a:r>
+          </a:p>
+          <a:p>
+            <a:pPr marL="285750" indent="-285750">
+              <a:buFont typeface="Arial" panose="020B0604020202020204" pitchFamily="34" charset="0"/>
+              <a:buChar char="•"/>
+            </a:pPr>
+            <a:r>
+              <a:rPr lang="en-US" dirty="0"/>
+              <a:t>difference</a:t>
+            </a:r>
+          </a:p>
+          <a:p>
+            <a:pPr marL="285750" indent="-285750">
+              <a:buFont typeface="Arial" panose="020B0604020202020204" pitchFamily="34" charset="0"/>
+              <a:buChar char="•"/>
+            </a:pPr>
+            <a:r>
+              <a:rPr lang="en-US" dirty="0" err="1"/>
+              <a:t>difference_update</a:t>
+            </a:r>
+            <a:endParaRPr lang="en-US" dirty="0"/>
+          </a:p>
+          <a:p>
+            <a:pPr marL="285750" indent="-285750">
+              <a:buFont typeface="Arial" panose="020B0604020202020204" pitchFamily="34" charset="0"/>
+              <a:buChar char="•"/>
+            </a:pPr>
+            <a:r>
+              <a:rPr lang="en-US" dirty="0"/>
+              <a:t>pop</a:t>
+            </a:r>
+          </a:p>
+          <a:p>
+            <a:pPr marL="285750" indent="-285750">
+              <a:buFont typeface="Arial" panose="020B0604020202020204" pitchFamily="34" charset="0"/>
+              <a:buChar char="•"/>
+            </a:pPr>
+            <a:r>
+              <a:rPr lang="en-US" dirty="0"/>
+              <a:t>update</a:t>
+            </a:r>
+          </a:p>
+          <a:p>
+            <a:pPr marL="285750" indent="-285750">
+              <a:buFont typeface="Arial" panose="020B0604020202020204" pitchFamily="34" charset="0"/>
+              <a:buChar char="•"/>
+            </a:pPr>
+            <a:r>
+              <a:rPr lang="en-US" dirty="0" smtClean="0"/>
+              <a:t>discard</a:t>
+            </a:r>
+            <a:endParaRPr lang="en-US" dirty="0"/>
+          </a:p>
+          <a:p>
+            <a:pPr marL="285750" indent="-285750">
+              <a:buFont typeface="Arial" panose="020B0604020202020204" pitchFamily="34" charset="0"/>
+              <a:buChar char="•"/>
+            </a:pPr>
+            <a:r>
+              <a:rPr lang="en-US" dirty="0"/>
+              <a:t>intersection</a:t>
+            </a:r>
+          </a:p>
+          <a:p>
+            <a:pPr marL="285750" indent="-285750">
+              <a:buFont typeface="Arial" panose="020B0604020202020204" pitchFamily="34" charset="0"/>
+              <a:buChar char="•"/>
+            </a:pPr>
+            <a:r>
+              <a:rPr lang="en-US" dirty="0" err="1" smtClean="0"/>
+              <a:t>intersection_update</a:t>
+            </a:r>
+            <a:endParaRPr lang="en-US" dirty="0" smtClean="0"/>
+          </a:p>
+          <a:p>
+            <a:pPr marL="285750" indent="-285750">
+              <a:buFont typeface="Arial" panose="020B0604020202020204" pitchFamily="34" charset="0"/>
+              <a:buChar char="•"/>
+            </a:pPr>
+            <a:r>
+              <a:rPr lang="en-US" dirty="0" err="1"/>
+              <a:t>isdisjoint</a:t>
+            </a:r>
+            <a:endParaRPr lang="en-US" dirty="0"/>
+          </a:p>
+          <a:p>
+            <a:pPr marL="285750" indent="-285750">
+              <a:buFont typeface="Arial" panose="020B0604020202020204" pitchFamily="34" charset="0"/>
+              <a:buChar char="•"/>
+            </a:pPr>
+            <a:r>
+              <a:rPr lang="en-US" dirty="0" err="1"/>
+              <a:t>issubset</a:t>
+            </a:r>
+            <a:endParaRPr lang="en-US" dirty="0"/>
+          </a:p>
+          <a:p>
+            <a:pPr marL="285750" indent="-285750">
+              <a:buFont typeface="Arial" panose="020B0604020202020204" pitchFamily="34" charset="0"/>
+              <a:buChar char="•"/>
+            </a:pPr>
+            <a:r>
+              <a:rPr lang="en-US" dirty="0" err="1"/>
+              <a:t>issuperset</a:t>
+            </a:r>
+            <a:endParaRPr lang="en-US" dirty="0"/>
+          </a:p>
+          <a:p>
+            <a:pPr marL="285750" indent="-285750">
+              <a:buFont typeface="Arial" panose="020B0604020202020204" pitchFamily="34" charset="0"/>
+              <a:buChar char="•"/>
+            </a:pPr>
+            <a:r>
+              <a:rPr lang="en-US" dirty="0" err="1"/>
+              <a:t>symmetric_difference</a:t>
+            </a:r>
+            <a:endParaRPr lang="en-US" dirty="0"/>
+          </a:p>
+          <a:p>
+            <a:pPr marL="285750" indent="-285750">
+              <a:buFont typeface="Arial" panose="020B0604020202020204" pitchFamily="34" charset="0"/>
+              <a:buChar char="•"/>
+            </a:pPr>
+            <a:r>
+              <a:rPr lang="en-US" dirty="0" err="1"/>
+              <a:t>symmetric_difference_update</a:t>
+            </a:r>
+            <a:endParaRPr lang="en-US" dirty="0"/>
+          </a:p>
+          <a:p>
+            <a:pPr marL="285750" indent="-285750">
+              <a:buFont typeface="Arial" panose="020B0604020202020204" pitchFamily="34" charset="0"/>
+              <a:buChar char="•"/>
+            </a:pPr>
+            <a:r>
+              <a:rPr lang="en-US" dirty="0"/>
+              <a:t>union</a:t>
+            </a:r>
+            <a:r>
+              <a:rPr lang="en-US" dirty="0">
+                <a:solidFill>
+                  <a:prstClr val="black"/>
+                </a:solidFill>
+              </a:rPr>
+              <a:t>	</a:t>
+            </a:r>
+          </a:p>
+          <a:p>
+            <a:pPr marL="285750" indent="-285750">
+              <a:buFont typeface="Arial" panose="020B0604020202020204" pitchFamily="34" charset="0"/>
+              <a:buChar char="•"/>
+            </a:pPr>
+            <a:endParaRPr lang="en-US" dirty="0"/>
+          </a:p>
+        </p:txBody>
+      </p:sp>
+      <p:sp>
+        <p:nvSpPr>
+          <p:cNvPr id="10" name="pole tekstowe 3"/>
+          <p:cNvSpPr txBox="1"/>
+          <p:nvPr/>
+        </p:nvSpPr>
+        <p:spPr>
+          <a:xfrm>
+            <a:off x="683567" y="2224555"/>
+            <a:ext cx="1195327" cy="1477328"/>
+          </a:xfrm>
+          <a:prstGeom prst="rect">
+            <a:avLst/>
+          </a:prstGeom>
+          <a:noFill/>
+        </p:spPr>
+        <p:txBody>
+          <a:bodyPr wrap="none" rtlCol="0">
+            <a:spAutoFit/>
+          </a:bodyPr>
+          <a:lstStyle/>
+          <a:p>
+            <a:r>
+              <a:rPr lang="en-US" dirty="0" smtClean="0"/>
+              <a:t>Create set:</a:t>
+            </a:r>
+          </a:p>
+          <a:p>
+            <a:endParaRPr lang="en-US" dirty="0"/>
+          </a:p>
+          <a:p>
+            <a:endParaRPr lang="en-US" dirty="0" smtClean="0"/>
+          </a:p>
+          <a:p>
+            <a:endParaRPr lang="en-US" dirty="0"/>
+          </a:p>
+          <a:p>
+            <a:endParaRPr lang="en-GB" dirty="0"/>
+          </a:p>
+        </p:txBody>
+      </p:sp>
+      <p:grpSp>
+        <p:nvGrpSpPr>
+          <p:cNvPr id="11" name="Group 10"/>
+          <p:cNvGrpSpPr/>
+          <p:nvPr/>
+        </p:nvGrpSpPr>
+        <p:grpSpPr>
+          <a:xfrm>
+            <a:off x="752986" y="2695985"/>
+            <a:ext cx="5065851" cy="1005898"/>
+            <a:chOff x="512777" y="2460270"/>
+            <a:chExt cx="5065851" cy="1005898"/>
+          </a:xfrm>
+        </p:grpSpPr>
+        <p:pic>
+          <p:nvPicPr>
+            <p:cNvPr id="12" name="Picture 3"/>
+            <p:cNvPicPr>
+              <a:picLocks noChangeAspect="1" noChangeArrowheads="1"/>
+            </p:cNvPicPr>
+            <p:nvPr/>
+          </p:nvPicPr>
+          <p:blipFill>
+            <a:blip r:embed="rId5">
+              <a:extLst>
+                <a:ext uri="{28A0092B-C50C-407E-A947-70E740481C1C}">
+                  <a14:useLocalDpi xmlns:a14="http://schemas.microsoft.com/office/drawing/2010/main" val="0"/>
+                </a:ext>
+              </a:extLst>
+            </a:blip>
+            <a:srcRect/>
+            <a:stretch>
+              <a:fillRect/>
+            </a:stretch>
+          </p:blipFill>
+          <p:spPr bwMode="auto">
+            <a:xfrm>
+              <a:off x="512777" y="2460270"/>
+              <a:ext cx="5065851" cy="1005898"/>
+            </a:xfrm>
+            <a:prstGeom prst="rect">
+              <a:avLst/>
+            </a:prstGeom>
+            <a:noFill/>
+            <a:ln>
+              <a:noFill/>
+            </a:ln>
+            <a:extLst>
+              <a:ext uri="{909E8E84-426E-40DD-AFC4-6F175D3DCCD1}">
+                <a14:hiddenFill xmlns:a14="http://schemas.microsoft.com/office/drawing/2010/main">
+                  <a:solidFill>
+                    <a:schemeClr val="accent1"/>
+                  </a:solidFill>
+                </a14:hiddenFill>
+              </a:ext>
+              <a:ext uri="{91240B29-F687-4F45-9708-019B960494DF}">
+                <a14:hiddenLine xmlns:a14="http://schemas.microsoft.com/office/drawing/2010/main" w="9525">
+                  <a:solidFill>
+                    <a:schemeClr val="tx1"/>
+                  </a:solidFill>
+                  <a:miter lim="800000"/>
+                  <a:headEnd/>
+                  <a:tailEnd/>
+                </a14:hiddenLine>
+              </a:ext>
+            </a:extLst>
+          </p:spPr>
+        </p:pic>
+        <p:cxnSp>
+          <p:nvCxnSpPr>
+            <p:cNvPr id="13" name="Łącznik prostoliniowy 5"/>
+            <p:cNvCxnSpPr/>
+            <p:nvPr/>
+          </p:nvCxnSpPr>
+          <p:spPr>
+            <a:xfrm>
+              <a:off x="4993091" y="2780928"/>
+              <a:ext cx="298989" cy="0"/>
+            </a:xfrm>
+            <a:prstGeom prst="line">
+              <a:avLst/>
+            </a:prstGeom>
+            <a:ln w="34925">
+              <a:solidFill>
+                <a:schemeClr val="accent5">
+                  <a:lumMod val="75000"/>
+                </a:schemeClr>
+              </a:solidFill>
+            </a:ln>
+          </p:spPr>
+          <p:style>
+            <a:lnRef idx="1">
+              <a:schemeClr val="accent1"/>
+            </a:lnRef>
+            <a:fillRef idx="0">
+              <a:schemeClr val="accent1"/>
+            </a:fillRef>
+            <a:effectRef idx="0">
+              <a:schemeClr val="accent1"/>
+            </a:effectRef>
+            <a:fontRef idx="minor">
+              <a:schemeClr val="tx1"/>
+            </a:fontRef>
+          </p:style>
+        </p:cxnSp>
+        <p:cxnSp>
+          <p:nvCxnSpPr>
+            <p:cNvPr id="14" name="Łącznik prostoliniowy 10"/>
+            <p:cNvCxnSpPr/>
+            <p:nvPr/>
+          </p:nvCxnSpPr>
+          <p:spPr>
+            <a:xfrm>
+              <a:off x="1824739" y="2780928"/>
+              <a:ext cx="298989" cy="0"/>
+            </a:xfrm>
+            <a:prstGeom prst="line">
+              <a:avLst/>
+            </a:prstGeom>
+            <a:ln w="34925">
+              <a:solidFill>
+                <a:schemeClr val="accent5">
+                  <a:lumMod val="75000"/>
+                </a:schemeClr>
+              </a:solidFill>
+            </a:ln>
+          </p:spPr>
+          <p:style>
+            <a:lnRef idx="1">
+              <a:schemeClr val="accent1"/>
+            </a:lnRef>
+            <a:fillRef idx="0">
+              <a:schemeClr val="accent1"/>
+            </a:fillRef>
+            <a:effectRef idx="0">
+              <a:schemeClr val="accent1"/>
+            </a:effectRef>
+            <a:fontRef idx="minor">
+              <a:schemeClr val="tx1"/>
+            </a:fontRef>
+          </p:style>
+        </p:cxnSp>
+        <p:cxnSp>
+          <p:nvCxnSpPr>
+            <p:cNvPr id="15" name="Łącznik prostoliniowy 11"/>
+            <p:cNvCxnSpPr/>
+            <p:nvPr/>
+          </p:nvCxnSpPr>
+          <p:spPr>
+            <a:xfrm>
+              <a:off x="1907704" y="3356992"/>
+              <a:ext cx="298989" cy="0"/>
+            </a:xfrm>
+            <a:prstGeom prst="line">
+              <a:avLst/>
+            </a:prstGeom>
+            <a:ln w="34925">
+              <a:solidFill>
+                <a:schemeClr val="accent5">
+                  <a:lumMod val="75000"/>
+                </a:schemeClr>
+              </a:solidFill>
+            </a:ln>
+          </p:spPr>
+          <p:style>
+            <a:lnRef idx="1">
+              <a:schemeClr val="accent1"/>
+            </a:lnRef>
+            <a:fillRef idx="0">
+              <a:schemeClr val="accent1"/>
+            </a:fillRef>
+            <a:effectRef idx="0">
+              <a:schemeClr val="accent1"/>
+            </a:effectRef>
+            <a:fontRef idx="minor">
+              <a:schemeClr val="tx1"/>
+            </a:fontRef>
+          </p:style>
+        </p:cxnSp>
+      </p:grpSp>
+      <p:pic>
+        <p:nvPicPr>
+          <p:cNvPr id="17" name="Picture 2"/>
+          <p:cNvPicPr>
+            <a:picLocks noChangeAspect="1" noChangeArrowheads="1"/>
+          </p:cNvPicPr>
+          <p:nvPr/>
+        </p:nvPicPr>
+        <p:blipFill>
+          <a:blip r:embed="rId6">
+            <a:extLst>
+              <a:ext uri="{28A0092B-C50C-407E-A947-70E740481C1C}">
+                <a14:useLocalDpi xmlns:a14="http://schemas.microsoft.com/office/drawing/2010/main" val="0"/>
+              </a:ext>
+            </a:extLst>
+          </a:blip>
+          <a:srcRect/>
+          <a:stretch>
+            <a:fillRect/>
+          </a:stretch>
+        </p:blipFill>
+        <p:spPr bwMode="auto">
+          <a:xfrm>
+            <a:off x="683567" y="4149080"/>
+            <a:ext cx="6136295" cy="2349624"/>
+          </a:xfrm>
+          <a:prstGeom prst="rect">
+            <a:avLst/>
+          </a:prstGeom>
+          <a:noFill/>
+          <a:ln>
+            <a:noFill/>
+          </a:ln>
+          <a:extLst>
+            <a:ext uri="{909E8E84-426E-40DD-AFC4-6F175D3DCCD1}">
+              <a14:hiddenFill xmlns:a14="http://schemas.microsoft.com/office/drawing/2010/main">
+                <a:solidFill>
+                  <a:schemeClr val="accent1"/>
+                </a:solidFill>
+              </a14:hiddenFill>
+            </a:ext>
+            <a:ext uri="{91240B29-F687-4F45-9708-019B960494DF}">
+              <a14:hiddenLine xmlns:a14="http://schemas.microsoft.com/office/drawing/2010/main" w="9525">
+                <a:solidFill>
+                  <a:schemeClr val="tx1"/>
+                </a:solidFill>
+                <a:miter lim="800000"/>
+                <a:headEnd/>
+                <a:tailEnd/>
+              </a14:hiddenLine>
+            </a:ext>
+          </a:extLst>
+        </p:spPr>
+      </p:pic>
     </p:spTree>
     <p:custDataLst>
       <p:tags r:id="rId1"/>
     </p:custDataLst>
     <p:extLst>
       <p:ext uri="{BB962C8B-B14F-4D97-AF65-F5344CB8AC3E}">
-        <p14:creationId xmlns:p14="http://schemas.microsoft.com/office/powerpoint/2010/main" val="728398462"/>
+        <p14:creationId xmlns:p14="http://schemas.microsoft.com/office/powerpoint/2010/main" val="3662321565"/>
       </p:ext>
     </p:extLst>
   </p:cSld>
   <p:clrMapOvr>
     <a:masterClrMapping/>
   </p:clrMapOvr>
+  <p:timing>
+    <p:tnLst>
+      <p:par>
+        <p:cTn id="1" dur="indefinite" restart="never" nodeType="tmRoot"/>
+      </p:par>
+    </p:tnLst>
+  </p:timing>
 </p:sld>
 </file>
 
@@ -36388,26 +36968,7 @@
       </p:grpSpPr>
       <p:sp>
         <p:nvSpPr>
-          <p:cNvPr id="5" name="Content Placeholder 4"/>
-          <p:cNvSpPr>
-            <a:spLocks noGrp="1"/>
-          </p:cNvSpPr>
-          <p:nvPr>
-            <p:ph idx="1"/>
-          </p:nvPr>
-        </p:nvSpPr>
-        <p:spPr/>
-        <p:txBody>
-          <a:bodyPr/>
-          <a:lstStyle/>
-          <a:p>
-            <a:endParaRPr lang="en-US" dirty="0"/>
-          </a:p>
-        </p:txBody>
-      </p:sp>
-      <p:sp>
-        <p:nvSpPr>
-          <p:cNvPr id="4" name="PAGE HEADING"/>
+          <p:cNvPr id="5" name="Title 4"/>
           <p:cNvSpPr>
             <a:spLocks noGrp="1"/>
           </p:cNvSpPr>
@@ -36425,24 +36986,32 @@
           </a:bodyPr>
           <a:lstStyle/>
           <a:p>
-            <a:endParaRPr lang="en-US" dirty="0"/>
+            <a:r>
+              <a:rPr lang="en-US" dirty="0" smtClean="0">
+                <a:solidFill>
+                  <a:srgbClr val="000000"/>
+                </a:solidFill>
+              </a:rPr>
+              <a:t>Dictionaries</a:t>
+            </a:r>
+            <a:endParaRPr lang="en-US" dirty="0">
+              <a:solidFill>
+                <a:srgbClr val="000000"/>
+              </a:solidFill>
+            </a:endParaRPr>
           </a:p>
         </p:txBody>
       </p:sp>
       <p:sp>
         <p:nvSpPr>
-          <p:cNvPr id="2" name="TextBox 1"/>
+          <p:cNvPr id="9" name="pole tekstowe 3"/>
           <p:cNvSpPr txBox="1"/>
-          <p:nvPr>
-            <p:custDataLst>
-              <p:tags r:id="rId3"/>
-            </p:custDataLst>
-          </p:nvPr>
+          <p:nvPr/>
         </p:nvSpPr>
         <p:spPr>
           <a:xfrm>
-            <a:off x="557784" y="1120775"/>
-            <a:ext cx="12252960" cy="274320"/>
+            <a:off x="461714" y="1268760"/>
+            <a:ext cx="6629750" cy="369332"/>
           </a:xfrm>
           <a:prstGeom prst="rect">
             <a:avLst/>
@@ -36450,34 +37019,407 @@
           <a:noFill/>
         </p:spPr>
         <p:txBody>
-          <a:bodyPr vert="horz" wrap="square" lIns="0" tIns="0" rIns="0" bIns="0" rtlCol="0" anchor="t">
+          <a:bodyPr wrap="square" rtlCol="0">
+            <a:spAutoFit/>
+          </a:bodyPr>
+          <a:lstStyle/>
+          <a:p>
+            <a:r>
+              <a:rPr lang="en-GB" dirty="0" smtClean="0">
+                <a:solidFill>
+                  <a:prstClr val="black"/>
+                </a:solidFill>
+              </a:rPr>
+              <a:t>- </a:t>
+            </a:r>
+            <a:r>
+              <a:rPr lang="en-US" dirty="0"/>
+              <a:t>Dictionary – unordered and mutable collection of items</a:t>
+            </a:r>
+            <a:endParaRPr lang="en-GB" dirty="0"/>
+          </a:p>
+        </p:txBody>
+      </p:sp>
+      <p:pic>
+        <p:nvPicPr>
+          <p:cNvPr id="15" name="Picture 3"/>
+          <p:cNvPicPr>
+            <a:picLocks noChangeAspect="1" noChangeArrowheads="1"/>
+          </p:cNvPicPr>
+          <p:nvPr/>
+        </p:nvPicPr>
+        <p:blipFill>
+          <a:blip r:embed="rId4">
+            <a:extLst>
+              <a:ext uri="{28A0092B-C50C-407E-A947-70E740481C1C}">
+                <a14:useLocalDpi xmlns:a14="http://schemas.microsoft.com/office/drawing/2010/main" val="0"/>
+              </a:ext>
+            </a:extLst>
+          </a:blip>
+          <a:srcRect/>
+          <a:stretch>
+            <a:fillRect/>
+          </a:stretch>
+        </p:blipFill>
+        <p:spPr bwMode="auto">
+          <a:xfrm>
+            <a:off x="7382821" y="1806212"/>
+            <a:ext cx="4571824" cy="2484078"/>
+          </a:xfrm>
+          <a:prstGeom prst="rect">
+            <a:avLst/>
+          </a:prstGeom>
+          <a:noFill/>
+          <a:ln>
+            <a:noFill/>
+          </a:ln>
+          <a:extLst>
+            <a:ext uri="{909E8E84-426E-40DD-AFC4-6F175D3DCCD1}">
+              <a14:hiddenFill xmlns:a14="http://schemas.microsoft.com/office/drawing/2010/main">
+                <a:solidFill>
+                  <a:schemeClr val="accent1"/>
+                </a:solidFill>
+              </a14:hiddenFill>
+            </a:ext>
+            <a:ext uri="{91240B29-F687-4F45-9708-019B960494DF}">
+              <a14:hiddenLine xmlns:a14="http://schemas.microsoft.com/office/drawing/2010/main" w="9525">
+                <a:solidFill>
+                  <a:schemeClr val="tx1"/>
+                </a:solidFill>
+                <a:miter lim="800000"/>
+                <a:headEnd/>
+                <a:tailEnd/>
+              </a14:hiddenLine>
+            </a:ext>
+          </a:extLst>
+        </p:spPr>
+      </p:pic>
+      <p:sp>
+        <p:nvSpPr>
+          <p:cNvPr id="16" name="pole tekstowe 3"/>
+          <p:cNvSpPr txBox="1"/>
+          <p:nvPr/>
+        </p:nvSpPr>
+        <p:spPr>
+          <a:xfrm>
+            <a:off x="461714" y="1608091"/>
+            <a:ext cx="2095445" cy="3693319"/>
+          </a:xfrm>
+          <a:prstGeom prst="rect">
+            <a:avLst/>
+          </a:prstGeom>
+          <a:noFill/>
+        </p:spPr>
+        <p:txBody>
+          <a:bodyPr wrap="none" rtlCol="0">
+            <a:spAutoFit/>
+          </a:bodyPr>
+          <a:lstStyle/>
+          <a:p>
+            <a:r>
+              <a:rPr lang="en-US" dirty="0" smtClean="0"/>
+              <a:t>Create dictionary:</a:t>
+            </a:r>
+          </a:p>
+          <a:p>
+            <a:endParaRPr lang="en-US" dirty="0"/>
+          </a:p>
+          <a:p>
+            <a:endParaRPr lang="en-US" dirty="0" smtClean="0"/>
+          </a:p>
+          <a:p>
+            <a:endParaRPr lang="en-US" dirty="0"/>
+          </a:p>
+          <a:p>
+            <a:endParaRPr lang="en-US" dirty="0" smtClean="0"/>
+          </a:p>
+          <a:p>
+            <a:endParaRPr lang="en-US" dirty="0" smtClean="0"/>
+          </a:p>
+          <a:p>
+            <a:endParaRPr lang="en-US" dirty="0"/>
+          </a:p>
+          <a:p>
+            <a:endParaRPr lang="en-US" dirty="0"/>
+          </a:p>
+          <a:p>
+            <a:endParaRPr lang="en-US" dirty="0" smtClean="0"/>
+          </a:p>
+        </p:txBody>
+      </p:sp>
+      <p:pic>
+        <p:nvPicPr>
+          <p:cNvPr id="17" name="Picture 4"/>
+          <p:cNvPicPr>
+            <a:picLocks noChangeAspect="1" noChangeArrowheads="1"/>
+          </p:cNvPicPr>
+          <p:nvPr/>
+        </p:nvPicPr>
+        <p:blipFill>
+          <a:blip r:embed="rId5">
+            <a:extLst>
+              <a:ext uri="{28A0092B-C50C-407E-A947-70E740481C1C}">
+                <a14:useLocalDpi xmlns:a14="http://schemas.microsoft.com/office/drawing/2010/main" val="0"/>
+              </a:ext>
+            </a:extLst>
+          </a:blip>
+          <a:srcRect/>
+          <a:stretch>
+            <a:fillRect/>
+          </a:stretch>
+        </p:blipFill>
+        <p:spPr bwMode="auto">
+          <a:xfrm>
+            <a:off x="514689" y="2019631"/>
+            <a:ext cx="5221152" cy="912118"/>
+          </a:xfrm>
+          <a:prstGeom prst="rect">
+            <a:avLst/>
+          </a:prstGeom>
+          <a:noFill/>
+          <a:ln>
+            <a:noFill/>
+          </a:ln>
+          <a:extLst>
+            <a:ext uri="{909E8E84-426E-40DD-AFC4-6F175D3DCCD1}">
+              <a14:hiddenFill xmlns:a14="http://schemas.microsoft.com/office/drawing/2010/main">
+                <a:solidFill>
+                  <a:schemeClr val="accent1"/>
+                </a:solidFill>
+              </a14:hiddenFill>
+            </a:ext>
+            <a:ext uri="{91240B29-F687-4F45-9708-019B960494DF}">
+              <a14:hiddenLine xmlns:a14="http://schemas.microsoft.com/office/drawing/2010/main" w="9525">
+                <a:solidFill>
+                  <a:schemeClr val="tx1"/>
+                </a:solidFill>
+                <a:miter lim="800000"/>
+                <a:headEnd/>
+                <a:tailEnd/>
+              </a14:hiddenLine>
+            </a:ext>
+          </a:extLst>
+        </p:spPr>
+      </p:pic>
+      <p:pic>
+        <p:nvPicPr>
+          <p:cNvPr id="18" name="Picture 5"/>
+          <p:cNvPicPr>
+            <a:picLocks noChangeAspect="1" noChangeArrowheads="1"/>
+          </p:cNvPicPr>
+          <p:nvPr/>
+        </p:nvPicPr>
+        <p:blipFill>
+          <a:blip r:embed="rId6">
+            <a:extLst>
+              <a:ext uri="{28A0092B-C50C-407E-A947-70E740481C1C}">
+                <a14:useLocalDpi xmlns:a14="http://schemas.microsoft.com/office/drawing/2010/main" val="0"/>
+              </a:ext>
+            </a:extLst>
+          </a:blip>
+          <a:srcRect/>
+          <a:stretch>
+            <a:fillRect/>
+          </a:stretch>
+        </p:blipFill>
+        <p:spPr bwMode="auto">
+          <a:xfrm>
+            <a:off x="533723" y="4747490"/>
+            <a:ext cx="1712518" cy="670116"/>
+          </a:xfrm>
+          <a:prstGeom prst="rect">
+            <a:avLst/>
+          </a:prstGeom>
+          <a:noFill/>
+          <a:ln>
+            <a:noFill/>
+          </a:ln>
+          <a:extLst>
+            <a:ext uri="{909E8E84-426E-40DD-AFC4-6F175D3DCCD1}">
+              <a14:hiddenFill xmlns:a14="http://schemas.microsoft.com/office/drawing/2010/main">
+                <a:solidFill>
+                  <a:schemeClr val="accent1"/>
+                </a:solidFill>
+              </a14:hiddenFill>
+            </a:ext>
+            <a:ext uri="{91240B29-F687-4F45-9708-019B960494DF}">
+              <a14:hiddenLine xmlns:a14="http://schemas.microsoft.com/office/drawing/2010/main" w="9525">
+                <a:solidFill>
+                  <a:schemeClr val="tx1"/>
+                </a:solidFill>
+                <a:miter lim="800000"/>
+                <a:headEnd/>
+                <a:tailEnd/>
+              </a14:hiddenLine>
+            </a:ext>
+          </a:extLst>
+        </p:spPr>
+      </p:pic>
+      <p:pic>
+        <p:nvPicPr>
+          <p:cNvPr id="19" name="Picture 6"/>
+          <p:cNvPicPr>
+            <a:picLocks noChangeAspect="1" noChangeArrowheads="1"/>
+          </p:cNvPicPr>
+          <p:nvPr/>
+        </p:nvPicPr>
+        <p:blipFill>
+          <a:blip r:embed="rId7">
+            <a:extLst>
+              <a:ext uri="{28A0092B-C50C-407E-A947-70E740481C1C}">
+                <a14:useLocalDpi xmlns:a14="http://schemas.microsoft.com/office/drawing/2010/main" val="0"/>
+              </a:ext>
+            </a:extLst>
+          </a:blip>
+          <a:srcRect/>
+          <a:stretch>
+            <a:fillRect/>
+          </a:stretch>
+        </p:blipFill>
+        <p:spPr bwMode="auto">
+          <a:xfrm>
+            <a:off x="3144299" y="5121126"/>
+            <a:ext cx="5724525" cy="1447800"/>
+          </a:xfrm>
+          <a:prstGeom prst="rect">
+            <a:avLst/>
+          </a:prstGeom>
+          <a:noFill/>
+          <a:ln>
+            <a:noFill/>
+          </a:ln>
+          <a:extLst>
+            <a:ext uri="{909E8E84-426E-40DD-AFC4-6F175D3DCCD1}">
+              <a14:hiddenFill xmlns:a14="http://schemas.microsoft.com/office/drawing/2010/main">
+                <a:solidFill>
+                  <a:schemeClr val="accent1"/>
+                </a:solidFill>
+              </a14:hiddenFill>
+            </a:ext>
+            <a:ext uri="{91240B29-F687-4F45-9708-019B960494DF}">
+              <a14:hiddenLine xmlns:a14="http://schemas.microsoft.com/office/drawing/2010/main" w="9525">
+                <a:solidFill>
+                  <a:schemeClr val="tx1"/>
+                </a:solidFill>
+                <a:miter lim="800000"/>
+                <a:headEnd/>
+                <a:tailEnd/>
+              </a14:hiddenLine>
+            </a:ext>
+          </a:extLst>
+        </p:spPr>
+      </p:pic>
+      <p:pic>
+        <p:nvPicPr>
+          <p:cNvPr id="20" name="Picture 7"/>
+          <p:cNvPicPr>
+            <a:picLocks noChangeAspect="1" noChangeArrowheads="1"/>
+          </p:cNvPicPr>
+          <p:nvPr/>
+        </p:nvPicPr>
+        <p:blipFill>
+          <a:blip r:embed="rId8">
+            <a:extLst>
+              <a:ext uri="{28A0092B-C50C-407E-A947-70E740481C1C}">
+                <a14:useLocalDpi xmlns:a14="http://schemas.microsoft.com/office/drawing/2010/main" val="0"/>
+              </a:ext>
+            </a:extLst>
+          </a:blip>
+          <a:srcRect/>
+          <a:stretch>
+            <a:fillRect/>
+          </a:stretch>
+        </p:blipFill>
+        <p:spPr bwMode="auto">
+          <a:xfrm>
+            <a:off x="514689" y="3099751"/>
+            <a:ext cx="4979141" cy="935538"/>
+          </a:xfrm>
+          <a:prstGeom prst="rect">
+            <a:avLst/>
+          </a:prstGeom>
+          <a:noFill/>
+          <a:ln>
+            <a:noFill/>
+          </a:ln>
+          <a:extLst>
+            <a:ext uri="{909E8E84-426E-40DD-AFC4-6F175D3DCCD1}">
+              <a14:hiddenFill xmlns:a14="http://schemas.microsoft.com/office/drawing/2010/main">
+                <a:solidFill>
+                  <a:schemeClr val="accent1"/>
+                </a:solidFill>
+              </a14:hiddenFill>
+            </a:ext>
+            <a:ext uri="{91240B29-F687-4F45-9708-019B960494DF}">
+              <a14:hiddenLine xmlns:a14="http://schemas.microsoft.com/office/drawing/2010/main" w="9525">
+                <a:solidFill>
+                  <a:schemeClr val="tx1"/>
+                </a:solidFill>
+                <a:miter lim="800000"/>
+                <a:headEnd/>
+                <a:tailEnd/>
+              </a14:hiddenLine>
+            </a:ext>
+          </a:extLst>
+        </p:spPr>
+      </p:pic>
+      <p:sp>
+        <p:nvSpPr>
+          <p:cNvPr id="2" name="TextBox 1"/>
+          <p:cNvSpPr txBox="1"/>
+          <p:nvPr/>
+        </p:nvSpPr>
+        <p:spPr>
+          <a:xfrm>
+            <a:off x="533723" y="4290290"/>
+            <a:ext cx="914400" cy="914400"/>
+          </a:xfrm>
+          <a:prstGeom prst="rect">
+            <a:avLst/>
+          </a:prstGeom>
+          <a:noFill/>
+        </p:spPr>
+        <p:txBody>
+          <a:bodyPr wrap="none" lIns="0" tIns="0" rIns="0" bIns="0" rtlCol="0">
             <a:noAutofit/>
           </a:bodyPr>
           <a:lstStyle/>
           <a:p>
-            <a:pPr eaLnBrk="1">
-              <a:spcBef>
-                <a:spcPts val="0"/>
-              </a:spcBef>
-              <a:spcAft>
-                <a:spcPts val="600"/>
-              </a:spcAft>
-            </a:pPr>
-            <a:r>
-              <a:rPr lang="en-US" sz="2000" kern="0" dirty="0" smtClean="0">
-                <a:solidFill>
-                  <a:srgbClr val="464749"/>
-                </a:solidFill>
-                <a:latin typeface="UBSHeadline"/>
-              </a:rPr>
-              <a:t>&lt;&lt;Message&gt;&gt;</a:t>
-            </a:r>
-            <a:endParaRPr lang="en-US" sz="2000" kern="0" dirty="0">
-              <a:solidFill>
-                <a:srgbClr val="464749"/>
-              </a:solidFill>
-              <a:latin typeface="UBSHeadline"/>
-            </a:endParaRPr>
+            <a:r>
+              <a:rPr lang="en-US" dirty="0" smtClean="0"/>
+              <a:t>Accessing Items</a:t>
+            </a:r>
+            <a:endParaRPr lang="en-US" dirty="0"/>
+          </a:p>
+        </p:txBody>
+      </p:sp>
+      <p:sp>
+        <p:nvSpPr>
+          <p:cNvPr id="3" name="TextBox 2"/>
+          <p:cNvSpPr txBox="1"/>
+          <p:nvPr/>
+        </p:nvSpPr>
+        <p:spPr>
+          <a:xfrm>
+            <a:off x="3125265" y="4747490"/>
+            <a:ext cx="914400" cy="914400"/>
+          </a:xfrm>
+          <a:prstGeom prst="rect">
+            <a:avLst/>
+          </a:prstGeom>
+          <a:noFill/>
+        </p:spPr>
+        <p:txBody>
+          <a:bodyPr wrap="none" lIns="0" tIns="0" rIns="0" bIns="0" rtlCol="0">
+            <a:noAutofit/>
+          </a:bodyPr>
+          <a:lstStyle/>
+          <a:p>
+            <a:r>
+              <a:rPr lang="en-US" dirty="0" smtClean="0"/>
+              <a:t>The wrong way</a:t>
+            </a:r>
+            <a:endParaRPr lang="en-US" dirty="0"/>
           </a:p>
         </p:txBody>
       </p:sp>
@@ -36487,13 +37429,20 @@
     </p:custDataLst>
     <p:extLst>
       <p:ext uri="{BB962C8B-B14F-4D97-AF65-F5344CB8AC3E}">
-        <p14:creationId xmlns:p14="http://schemas.microsoft.com/office/powerpoint/2010/main" val="133242557"/>
+        <p14:creationId xmlns:p14="http://schemas.microsoft.com/office/powerpoint/2010/main" val="1925532343"/>
       </p:ext>
     </p:extLst>
   </p:cSld>
   <p:clrMapOvr>
     <a:masterClrMapping/>
   </p:clrMapOvr>
+  <p:timing>
+    <p:tnLst>
+      <p:par>
+        <p:cTn id="1" dur="indefinite" restart="never" nodeType="tmRoot"/>
+      </p:par>
+    </p:tnLst>
+  </p:timing>
 </p:sld>
 </file>
 
@@ -36534,7 +37483,7 @@
           <a:p>
             <a:r>
               <a:rPr lang="en-US" dirty="0" smtClean="0"/>
-              <a:t>Contact information</a:t>
+              <a:t>Dictionaries, in-a-nut-shell</a:t>
             </a:r>
             <a:endParaRPr lang="en-US" dirty="0"/>
           </a:p>
@@ -36542,18 +37491,14 @@
       </p:sp>
       <p:sp>
         <p:nvSpPr>
-          <p:cNvPr id="2" name="CONTACT INFORMATION ADDRESS"/>
+          <p:cNvPr id="7" name="pole tekstowe 1"/>
           <p:cNvSpPr txBox="1"/>
-          <p:nvPr>
-            <p:custDataLst>
-              <p:tags r:id="rId3"/>
-            </p:custDataLst>
-          </p:nvPr>
+          <p:nvPr/>
         </p:nvSpPr>
         <p:spPr>
           <a:xfrm>
-            <a:off x="557784" y="5359256"/>
-            <a:ext cx="8613775" cy="1301895"/>
+            <a:off x="873719" y="1947561"/>
+            <a:ext cx="3026481" cy="369332"/>
           </a:xfrm>
           <a:prstGeom prst="rect">
             <a:avLst/>
@@ -36561,45 +37506,351 @@
           <a:noFill/>
         </p:spPr>
         <p:txBody>
-          <a:bodyPr vert="horz" wrap="square" lIns="0" tIns="0" rIns="0" bIns="0" rtlCol="0" anchor="b">
+          <a:bodyPr wrap="square" rtlCol="0">
             <a:spAutoFit/>
           </a:bodyPr>
           <a:lstStyle/>
           <a:p>
-            <a:pPr>
-              <a:spcBef>
-                <a:spcPct val="0"/>
-              </a:spcBef>
-            </a:pPr>
-            <a:endParaRPr lang="en-US" sz="1000" b="1" dirty="0" smtClean="0"/>
-          </a:p>
-          <a:p>
-            <a:pPr>
-              <a:spcBef>
-                <a:spcPct val="0"/>
-              </a:spcBef>
-            </a:pPr>
-            <a:endParaRPr lang="en-US" sz="1000" dirty="0" smtClean="0"/>
-          </a:p>
-          <a:p>
-            <a:pPr>
-              <a:spcBef>
-                <a:spcPct val="280000"/>
-              </a:spcBef>
-            </a:pPr>
-            <a:r>
-              <a:rPr lang="en-US" sz="1000" dirty="0" smtClean="0"/>
-              <a:t>www.ubs.com</a:t>
-            </a:r>
-            <a:endParaRPr lang="en-US" sz="1000" dirty="0" smtClean="0"/>
-          </a:p>
-          <a:p>
-            <a:pPr>
-              <a:spcBef>
-                <a:spcPct val="280000"/>
-              </a:spcBef>
-            </a:pPr>
-            <a:endParaRPr lang="en-US" sz="700" dirty="0"/>
+            <a:r>
+              <a:rPr lang="en-US" dirty="0" err="1" smtClean="0"/>
+              <a:t>newDict</a:t>
+            </a:r>
+            <a:r>
+              <a:rPr lang="en-US" dirty="0" smtClean="0"/>
+              <a:t> = {key : value}</a:t>
+            </a:r>
+            <a:endParaRPr lang="en-GB" dirty="0"/>
+          </a:p>
+        </p:txBody>
+      </p:sp>
+      <p:sp>
+        <p:nvSpPr>
+          <p:cNvPr id="8" name="pole tekstowe 3"/>
+          <p:cNvSpPr txBox="1"/>
+          <p:nvPr/>
+        </p:nvSpPr>
+        <p:spPr>
+          <a:xfrm>
+            <a:off x="703071" y="2651209"/>
+            <a:ext cx="1657890" cy="369332"/>
+          </a:xfrm>
+          <a:prstGeom prst="rect">
+            <a:avLst/>
+          </a:prstGeom>
+          <a:noFill/>
+        </p:spPr>
+        <p:txBody>
+          <a:bodyPr wrap="none" rtlCol="0">
+            <a:spAutoFit/>
+          </a:bodyPr>
+          <a:lstStyle/>
+          <a:p>
+            <a:r>
+              <a:rPr lang="en-US" dirty="0" smtClean="0"/>
+              <a:t>Keys and values</a:t>
+            </a:r>
+            <a:endParaRPr lang="en-GB" dirty="0"/>
+          </a:p>
+        </p:txBody>
+      </p:sp>
+      <p:pic>
+        <p:nvPicPr>
+          <p:cNvPr id="9" name="Picture 2"/>
+          <p:cNvPicPr>
+            <a:picLocks noChangeAspect="1" noChangeArrowheads="1"/>
+          </p:cNvPicPr>
+          <p:nvPr/>
+        </p:nvPicPr>
+        <p:blipFill>
+          <a:blip r:embed="rId5">
+            <a:extLst>
+              <a:ext uri="{28A0092B-C50C-407E-A947-70E740481C1C}">
+                <a14:useLocalDpi xmlns:a14="http://schemas.microsoft.com/office/drawing/2010/main" val="0"/>
+              </a:ext>
+            </a:extLst>
+          </a:blip>
+          <a:srcRect/>
+          <a:stretch>
+            <a:fillRect/>
+          </a:stretch>
+        </p:blipFill>
+        <p:spPr bwMode="auto">
+          <a:xfrm>
+            <a:off x="772084" y="3147448"/>
+            <a:ext cx="7380820" cy="792088"/>
+          </a:xfrm>
+          <a:prstGeom prst="rect">
+            <a:avLst/>
+          </a:prstGeom>
+          <a:noFill/>
+          <a:ln>
+            <a:noFill/>
+          </a:ln>
+          <a:extLst>
+            <a:ext uri="{909E8E84-426E-40DD-AFC4-6F175D3DCCD1}">
+              <a14:hiddenFill xmlns:a14="http://schemas.microsoft.com/office/drawing/2010/main">
+                <a:solidFill>
+                  <a:schemeClr val="accent1"/>
+                </a:solidFill>
+              </a14:hiddenFill>
+            </a:ext>
+            <a:ext uri="{91240B29-F687-4F45-9708-019B960494DF}">
+              <a14:hiddenLine xmlns:a14="http://schemas.microsoft.com/office/drawing/2010/main" w="9525">
+                <a:solidFill>
+                  <a:schemeClr val="tx1"/>
+                </a:solidFill>
+                <a:miter lim="800000"/>
+                <a:headEnd/>
+                <a:tailEnd/>
+              </a14:hiddenLine>
+            </a:ext>
+          </a:extLst>
+        </p:spPr>
+      </p:pic>
+      <p:pic>
+        <p:nvPicPr>
+          <p:cNvPr id="10" name="Picture 3"/>
+          <p:cNvPicPr>
+            <a:picLocks noChangeAspect="1" noChangeArrowheads="1"/>
+          </p:cNvPicPr>
+          <p:nvPr/>
+        </p:nvPicPr>
+        <p:blipFill>
+          <a:blip r:embed="rId6">
+            <a:extLst>
+              <a:ext uri="{28A0092B-C50C-407E-A947-70E740481C1C}">
+                <a14:useLocalDpi xmlns:a14="http://schemas.microsoft.com/office/drawing/2010/main" val="0"/>
+              </a:ext>
+            </a:extLst>
+          </a:blip>
+          <a:srcRect/>
+          <a:stretch>
+            <a:fillRect/>
+          </a:stretch>
+        </p:blipFill>
+        <p:spPr bwMode="auto">
+          <a:xfrm>
+            <a:off x="772084" y="4336796"/>
+            <a:ext cx="1959375" cy="2225957"/>
+          </a:xfrm>
+          <a:prstGeom prst="rect">
+            <a:avLst/>
+          </a:prstGeom>
+          <a:noFill/>
+          <a:ln>
+            <a:noFill/>
+          </a:ln>
+          <a:extLst>
+            <a:ext uri="{909E8E84-426E-40DD-AFC4-6F175D3DCCD1}">
+              <a14:hiddenFill xmlns:a14="http://schemas.microsoft.com/office/drawing/2010/main">
+                <a:solidFill>
+                  <a:schemeClr val="accent1"/>
+                </a:solidFill>
+              </a14:hiddenFill>
+            </a:ext>
+            <a:ext uri="{91240B29-F687-4F45-9708-019B960494DF}">
+              <a14:hiddenLine xmlns:a14="http://schemas.microsoft.com/office/drawing/2010/main" w="9525">
+                <a:solidFill>
+                  <a:schemeClr val="tx1"/>
+                </a:solidFill>
+                <a:miter lim="800000"/>
+                <a:headEnd/>
+                <a:tailEnd/>
+              </a14:hiddenLine>
+            </a:ext>
+          </a:extLst>
+        </p:spPr>
+      </p:pic>
+      <p:sp>
+        <p:nvSpPr>
+          <p:cNvPr id="11" name="pole tekstowe 4"/>
+          <p:cNvSpPr txBox="1"/>
+          <p:nvPr/>
+        </p:nvSpPr>
+        <p:spPr>
+          <a:xfrm>
+            <a:off x="9490286" y="4259072"/>
+            <a:ext cx="3639287" cy="646331"/>
+          </a:xfrm>
+          <a:prstGeom prst="rect">
+            <a:avLst/>
+          </a:prstGeom>
+          <a:noFill/>
+        </p:spPr>
+        <p:txBody>
+          <a:bodyPr wrap="square" rtlCol="0">
+            <a:spAutoFit/>
+          </a:bodyPr>
+          <a:lstStyle/>
+          <a:p>
+            <a:r>
+              <a:rPr lang="en-US" dirty="0" smtClean="0"/>
+              <a:t>Any </a:t>
+            </a:r>
+            <a:r>
+              <a:rPr lang="en-US" dirty="0" err="1" smtClean="0"/>
+              <a:t>hashable</a:t>
+            </a:r>
+            <a:r>
+              <a:rPr lang="en-US" dirty="0" smtClean="0"/>
+              <a:t> type can be used as a dictionary key</a:t>
+            </a:r>
+            <a:endParaRPr lang="en-GB" dirty="0"/>
+          </a:p>
+        </p:txBody>
+      </p:sp>
+      <p:sp>
+        <p:nvSpPr>
+          <p:cNvPr id="2" name="TextBox 1"/>
+          <p:cNvSpPr txBox="1"/>
+          <p:nvPr/>
+        </p:nvSpPr>
+        <p:spPr>
+          <a:xfrm>
+            <a:off x="729070" y="1558194"/>
+            <a:ext cx="914400" cy="914400"/>
+          </a:xfrm>
+          <a:prstGeom prst="rect">
+            <a:avLst/>
+          </a:prstGeom>
+          <a:noFill/>
+        </p:spPr>
+        <p:txBody>
+          <a:bodyPr wrap="none" lIns="0" tIns="0" rIns="0" bIns="0" rtlCol="0">
+            <a:noAutofit/>
+          </a:bodyPr>
+          <a:lstStyle/>
+          <a:p>
+            <a:r>
+              <a:rPr lang="en-US" dirty="0" smtClean="0"/>
+              <a:t>Creating a new dictionary</a:t>
+            </a:r>
+            <a:endParaRPr lang="en-US" dirty="0"/>
+          </a:p>
+        </p:txBody>
+      </p:sp>
+      <p:pic>
+        <p:nvPicPr>
+          <p:cNvPr id="1026" name="Picture 2"/>
+          <p:cNvPicPr>
+            <a:picLocks noChangeAspect="1" noChangeArrowheads="1"/>
+          </p:cNvPicPr>
+          <p:nvPr/>
+        </p:nvPicPr>
+        <p:blipFill>
+          <a:blip r:embed="rId7">
+            <a:extLst>
+              <a:ext uri="{28A0092B-C50C-407E-A947-70E740481C1C}">
+                <a14:useLocalDpi xmlns:a14="http://schemas.microsoft.com/office/drawing/2010/main" val="0"/>
+              </a:ext>
+            </a:extLst>
+          </a:blip>
+          <a:srcRect/>
+          <a:stretch>
+            <a:fillRect/>
+          </a:stretch>
+        </p:blipFill>
+        <p:spPr bwMode="auto">
+          <a:xfrm>
+            <a:off x="7626639" y="4905403"/>
+            <a:ext cx="5295900" cy="1657350"/>
+          </a:xfrm>
+          <a:prstGeom prst="rect">
+            <a:avLst/>
+          </a:prstGeom>
+          <a:noFill/>
+          <a:ln>
+            <a:noFill/>
+          </a:ln>
+          <a:extLst>
+            <a:ext uri="{909E8E84-426E-40DD-AFC4-6F175D3DCCD1}">
+              <a14:hiddenFill xmlns:a14="http://schemas.microsoft.com/office/drawing/2010/main">
+                <a:solidFill>
+                  <a:schemeClr val="accent1"/>
+                </a:solidFill>
+              </a14:hiddenFill>
+            </a:ext>
+            <a:ext uri="{91240B29-F687-4F45-9708-019B960494DF}">
+              <a14:hiddenLine xmlns:a14="http://schemas.microsoft.com/office/drawing/2010/main" w="9525">
+                <a:solidFill>
+                  <a:schemeClr val="tx1"/>
+                </a:solidFill>
+                <a:miter lim="800000"/>
+                <a:headEnd/>
+                <a:tailEnd/>
+              </a14:hiddenLine>
+            </a:ext>
+          </a:extLst>
+        </p:spPr>
+      </p:pic>
+      <p:sp>
+        <p:nvSpPr>
+          <p:cNvPr id="5" name="TextBox 4"/>
+          <p:cNvSpPr txBox="1"/>
+          <p:nvPr/>
+        </p:nvSpPr>
+        <p:spPr>
+          <a:xfrm>
+            <a:off x="5072332" y="4992574"/>
+            <a:ext cx="2554307" cy="914400"/>
+          </a:xfrm>
+          <a:prstGeom prst="rect">
+            <a:avLst/>
+          </a:prstGeom>
+          <a:noFill/>
+        </p:spPr>
+        <p:txBody>
+          <a:bodyPr wrap="none" lIns="0" tIns="0" rIns="0" bIns="0" rtlCol="0">
+            <a:noAutofit/>
+          </a:bodyPr>
+          <a:lstStyle/>
+          <a:p>
+            <a:r>
+              <a:rPr lang="en-US" dirty="0" smtClean="0"/>
+              <a:t>Immutable: </a:t>
+            </a:r>
+            <a:r>
+              <a:rPr lang="en-US" dirty="0" err="1" smtClean="0"/>
+              <a:t>Hashable</a:t>
+            </a:r>
+            <a:endParaRPr lang="en-US" dirty="0" smtClean="0"/>
+          </a:p>
+        </p:txBody>
+      </p:sp>
+      <p:sp>
+        <p:nvSpPr>
+          <p:cNvPr id="12" name="TextBox 11"/>
+          <p:cNvSpPr txBox="1"/>
+          <p:nvPr/>
+        </p:nvSpPr>
+        <p:spPr>
+          <a:xfrm>
+            <a:off x="5072331" y="5906974"/>
+            <a:ext cx="2554307" cy="457200"/>
+          </a:xfrm>
+          <a:prstGeom prst="rect">
+            <a:avLst/>
+          </a:prstGeom>
+          <a:noFill/>
+        </p:spPr>
+        <p:txBody>
+          <a:bodyPr wrap="none" lIns="0" tIns="0" rIns="0" bIns="0" rtlCol="0">
+            <a:noAutofit/>
+          </a:bodyPr>
+          <a:lstStyle/>
+          <a:p>
+            <a:r>
+              <a:rPr lang="en-US" dirty="0"/>
+              <a:t>Mutable: Not </a:t>
+            </a:r>
+            <a:r>
+              <a:rPr lang="en-US" dirty="0" err="1"/>
+              <a:t>Hashable</a:t>
+            </a:r>
+            <a:endParaRPr lang="en-US" dirty="0"/>
+          </a:p>
+          <a:p>
+            <a:endParaRPr lang="en-US" dirty="0"/>
           </a:p>
         </p:txBody>
       </p:sp>
@@ -36609,13 +37860,1331 @@
     </p:custDataLst>
     <p:extLst>
       <p:ext uri="{BB962C8B-B14F-4D97-AF65-F5344CB8AC3E}">
-        <p14:creationId xmlns:p14="http://schemas.microsoft.com/office/powerpoint/2010/main" val="3395049926"/>
+        <p14:creationId xmlns:p14="http://schemas.microsoft.com/office/powerpoint/2010/main" val="855484396"/>
       </p:ext>
     </p:extLst>
   </p:cSld>
   <p:clrMapOvr>
     <a:masterClrMapping/>
   </p:clrMapOvr>
+  <p:timing>
+    <p:tnLst>
+      <p:par>
+        <p:cTn id="1" dur="indefinite" restart="never" nodeType="tmRoot"/>
+      </p:par>
+    </p:tnLst>
+  </p:timing>
+</p:sld>
+</file>
+
+<file path=ppt/slides/slide6.xml><?xml version="1.0" encoding="utf-8"?>
+<p:sld xmlns:a="http://schemas.openxmlformats.org/drawingml/2006/main" xmlns:r="http://schemas.openxmlformats.org/officeDocument/2006/relationships" xmlns:p="http://schemas.openxmlformats.org/presentationml/2006/main">
+  <p:cSld>
+    <p:spTree>
+      <p:nvGrpSpPr>
+        <p:cNvPr id="1" name=""/>
+        <p:cNvGrpSpPr/>
+        <p:nvPr/>
+      </p:nvGrpSpPr>
+      <p:grpSpPr>
+        <a:xfrm>
+          <a:off x="0" y="0"/>
+          <a:ext cx="0" cy="0"/>
+          <a:chOff x="0" y="0"/>
+          <a:chExt cx="0" cy="0"/>
+        </a:xfrm>
+      </p:grpSpPr>
+      <p:sp>
+        <p:nvSpPr>
+          <p:cNvPr id="3" name="PAGE HEADING"/>
+          <p:cNvSpPr>
+            <a:spLocks noGrp="1"/>
+          </p:cNvSpPr>
+          <p:nvPr>
+            <p:ph type="title"/>
+            <p:custDataLst>
+              <p:tags r:id="rId2"/>
+            </p:custDataLst>
+          </p:nvPr>
+        </p:nvSpPr>
+        <p:spPr/>
+        <p:txBody>
+          <a:bodyPr/>
+          <a:lstStyle/>
+          <a:p>
+            <a:r>
+              <a:rPr lang="en-US" dirty="0" smtClean="0"/>
+              <a:t>Playing around with Dictionaries</a:t>
+            </a:r>
+            <a:endParaRPr lang="en-US" dirty="0"/>
+          </a:p>
+        </p:txBody>
+      </p:sp>
+      <p:sp>
+        <p:nvSpPr>
+          <p:cNvPr id="9" name="pole tekstowe 2"/>
+          <p:cNvSpPr txBox="1"/>
+          <p:nvPr/>
+        </p:nvSpPr>
+        <p:spPr>
+          <a:xfrm>
+            <a:off x="534285" y="1408086"/>
+            <a:ext cx="3960440" cy="2862322"/>
+          </a:xfrm>
+          <a:prstGeom prst="rect">
+            <a:avLst/>
+          </a:prstGeom>
+          <a:noFill/>
+        </p:spPr>
+        <p:txBody>
+          <a:bodyPr wrap="square" numCol="2" rtlCol="0">
+            <a:spAutoFit/>
+          </a:bodyPr>
+          <a:lstStyle/>
+          <a:p>
+            <a:r>
+              <a:rPr lang="en-US" u="sng" dirty="0" smtClean="0"/>
+              <a:t>Methods:</a:t>
+            </a:r>
+          </a:p>
+          <a:p>
+            <a:endParaRPr lang="en-US" dirty="0" smtClean="0"/>
+          </a:p>
+          <a:p>
+            <a:pPr marL="285750" indent="-285750">
+              <a:buFont typeface="Arial" panose="020B0604020202020204" pitchFamily="34" charset="0"/>
+              <a:buChar char="•"/>
+            </a:pPr>
+            <a:r>
+              <a:rPr lang="en-US" dirty="0" smtClean="0"/>
+              <a:t>keys</a:t>
+            </a:r>
+          </a:p>
+          <a:p>
+            <a:pPr marL="285750" indent="-285750">
+              <a:buFont typeface="Arial" panose="020B0604020202020204" pitchFamily="34" charset="0"/>
+              <a:buChar char="•"/>
+            </a:pPr>
+            <a:r>
+              <a:rPr lang="en-US" dirty="0" smtClean="0"/>
+              <a:t>values</a:t>
+            </a:r>
+          </a:p>
+          <a:p>
+            <a:pPr marL="285750" indent="-285750">
+              <a:buFont typeface="Arial" panose="020B0604020202020204" pitchFamily="34" charset="0"/>
+              <a:buChar char="•"/>
+            </a:pPr>
+            <a:r>
+              <a:rPr lang="en-US" dirty="0" smtClean="0"/>
+              <a:t>items</a:t>
+            </a:r>
+          </a:p>
+          <a:p>
+            <a:pPr marL="285750" indent="-285750">
+              <a:buFont typeface="Arial" panose="020B0604020202020204" pitchFamily="34" charset="0"/>
+              <a:buChar char="•"/>
+            </a:pPr>
+            <a:r>
+              <a:rPr lang="en-US" dirty="0" smtClean="0"/>
+              <a:t>get</a:t>
+            </a:r>
+          </a:p>
+          <a:p>
+            <a:pPr marL="285750" indent="-285750">
+              <a:buFont typeface="Arial" panose="020B0604020202020204" pitchFamily="34" charset="0"/>
+              <a:buChar char="•"/>
+            </a:pPr>
+            <a:r>
+              <a:rPr lang="en-US" dirty="0" smtClean="0"/>
+              <a:t>copy</a:t>
+            </a:r>
+          </a:p>
+          <a:p>
+            <a:r>
+              <a:rPr lang="en-US" dirty="0" smtClean="0"/>
+              <a:t>						</a:t>
+            </a:r>
+          </a:p>
+          <a:p>
+            <a:endParaRPr lang="en-US" dirty="0"/>
+          </a:p>
+          <a:p>
+            <a:pPr marL="285750" indent="-285750">
+              <a:buFont typeface="Arial" panose="020B0604020202020204" pitchFamily="34" charset="0"/>
+              <a:buChar char="•"/>
+            </a:pPr>
+            <a:r>
+              <a:rPr lang="en-US" dirty="0" err="1" smtClean="0"/>
+              <a:t>fromkeys</a:t>
+            </a:r>
+            <a:endParaRPr lang="en-US" dirty="0" smtClean="0"/>
+          </a:p>
+          <a:p>
+            <a:pPr marL="285750" indent="-285750">
+              <a:buFont typeface="Arial" panose="020B0604020202020204" pitchFamily="34" charset="0"/>
+              <a:buChar char="•"/>
+            </a:pPr>
+            <a:r>
+              <a:rPr lang="en-US" dirty="0" err="1" smtClean="0"/>
+              <a:t>popitem</a:t>
+            </a:r>
+            <a:endParaRPr lang="en-US" dirty="0" smtClean="0"/>
+          </a:p>
+          <a:p>
+            <a:pPr marL="285750" indent="-285750">
+              <a:buFont typeface="Arial" panose="020B0604020202020204" pitchFamily="34" charset="0"/>
+              <a:buChar char="•"/>
+            </a:pPr>
+            <a:r>
+              <a:rPr lang="en-US" dirty="0" err="1" smtClean="0"/>
+              <a:t>setdefault</a:t>
+            </a:r>
+            <a:endParaRPr lang="en-US" dirty="0" smtClean="0"/>
+          </a:p>
+          <a:p>
+            <a:pPr marL="285750" indent="-285750">
+              <a:buFont typeface="Arial" panose="020B0604020202020204" pitchFamily="34" charset="0"/>
+              <a:buChar char="•"/>
+            </a:pPr>
+            <a:r>
+              <a:rPr lang="en-US" dirty="0" smtClean="0"/>
+              <a:t>pop</a:t>
+            </a:r>
+          </a:p>
+          <a:p>
+            <a:pPr marL="285750" indent="-285750">
+              <a:buFont typeface="Arial" panose="020B0604020202020204" pitchFamily="34" charset="0"/>
+              <a:buChar char="•"/>
+            </a:pPr>
+            <a:r>
+              <a:rPr lang="en-US" dirty="0" smtClean="0"/>
+              <a:t>Update</a:t>
+            </a:r>
+          </a:p>
+          <a:p>
+            <a:pPr marL="285750" indent="-285750">
+              <a:buFont typeface="Arial" panose="020B0604020202020204" pitchFamily="34" charset="0"/>
+              <a:buChar char="•"/>
+            </a:pPr>
+            <a:r>
+              <a:rPr lang="en-US" dirty="0" smtClean="0"/>
+              <a:t>clear</a:t>
+            </a:r>
+          </a:p>
+          <a:p>
+            <a:r>
+              <a:rPr lang="en-US" dirty="0" smtClean="0"/>
+              <a:t>		</a:t>
+            </a:r>
+          </a:p>
+          <a:p>
+            <a:r>
+              <a:rPr lang="en-US" dirty="0" smtClean="0"/>
+              <a:t>	</a:t>
+            </a:r>
+            <a:endParaRPr lang="en-GB" dirty="0"/>
+          </a:p>
+        </p:txBody>
+      </p:sp>
+      <p:pic>
+        <p:nvPicPr>
+          <p:cNvPr id="10" name="Picture 2"/>
+          <p:cNvPicPr>
+            <a:picLocks noChangeAspect="1" noChangeArrowheads="1"/>
+          </p:cNvPicPr>
+          <p:nvPr/>
+        </p:nvPicPr>
+        <p:blipFill>
+          <a:blip r:embed="rId5">
+            <a:extLst>
+              <a:ext uri="{28A0092B-C50C-407E-A947-70E740481C1C}">
+                <a14:useLocalDpi xmlns:a14="http://schemas.microsoft.com/office/drawing/2010/main" val="0"/>
+              </a:ext>
+            </a:extLst>
+          </a:blip>
+          <a:srcRect/>
+          <a:stretch>
+            <a:fillRect/>
+          </a:stretch>
+        </p:blipFill>
+        <p:spPr bwMode="auto">
+          <a:xfrm>
+            <a:off x="858584" y="4896828"/>
+            <a:ext cx="3311842" cy="1504362"/>
+          </a:xfrm>
+          <a:prstGeom prst="rect">
+            <a:avLst/>
+          </a:prstGeom>
+          <a:noFill/>
+          <a:ln>
+            <a:noFill/>
+          </a:ln>
+          <a:extLst>
+            <a:ext uri="{909E8E84-426E-40DD-AFC4-6F175D3DCCD1}">
+              <a14:hiddenFill xmlns:a14="http://schemas.microsoft.com/office/drawing/2010/main">
+                <a:solidFill>
+                  <a:schemeClr val="accent1"/>
+                </a:solidFill>
+              </a14:hiddenFill>
+            </a:ext>
+            <a:ext uri="{91240B29-F687-4F45-9708-019B960494DF}">
+              <a14:hiddenLine xmlns:a14="http://schemas.microsoft.com/office/drawing/2010/main" w="9525">
+                <a:solidFill>
+                  <a:schemeClr val="tx1"/>
+                </a:solidFill>
+                <a:miter lim="800000"/>
+                <a:headEnd/>
+                <a:tailEnd/>
+              </a14:hiddenLine>
+            </a:ext>
+          </a:extLst>
+        </p:spPr>
+      </p:pic>
+      <p:pic>
+        <p:nvPicPr>
+          <p:cNvPr id="11" name="Picture 3"/>
+          <p:cNvPicPr>
+            <a:picLocks noChangeAspect="1" noChangeArrowheads="1"/>
+          </p:cNvPicPr>
+          <p:nvPr/>
+        </p:nvPicPr>
+        <p:blipFill>
+          <a:blip r:embed="rId6">
+            <a:extLst>
+              <a:ext uri="{28A0092B-C50C-407E-A947-70E740481C1C}">
+                <a14:useLocalDpi xmlns:a14="http://schemas.microsoft.com/office/drawing/2010/main" val="0"/>
+              </a:ext>
+            </a:extLst>
+          </a:blip>
+          <a:srcRect/>
+          <a:stretch>
+            <a:fillRect/>
+          </a:stretch>
+        </p:blipFill>
+        <p:spPr bwMode="auto">
+          <a:xfrm>
+            <a:off x="6150646" y="1606773"/>
+            <a:ext cx="2592288" cy="2663635"/>
+          </a:xfrm>
+          <a:prstGeom prst="rect">
+            <a:avLst/>
+          </a:prstGeom>
+          <a:noFill/>
+          <a:ln>
+            <a:noFill/>
+          </a:ln>
+          <a:extLst>
+            <a:ext uri="{909E8E84-426E-40DD-AFC4-6F175D3DCCD1}">
+              <a14:hiddenFill xmlns:a14="http://schemas.microsoft.com/office/drawing/2010/main">
+                <a:solidFill>
+                  <a:schemeClr val="accent1"/>
+                </a:solidFill>
+              </a14:hiddenFill>
+            </a:ext>
+            <a:ext uri="{91240B29-F687-4F45-9708-019B960494DF}">
+              <a14:hiddenLine xmlns:a14="http://schemas.microsoft.com/office/drawing/2010/main" w="9525">
+                <a:solidFill>
+                  <a:schemeClr val="tx1"/>
+                </a:solidFill>
+                <a:miter lim="800000"/>
+                <a:headEnd/>
+                <a:tailEnd/>
+              </a14:hiddenLine>
+            </a:ext>
+          </a:extLst>
+        </p:spPr>
+      </p:pic>
+    </p:spTree>
+    <p:custDataLst>
+      <p:tags r:id="rId1"/>
+    </p:custDataLst>
+    <p:extLst>
+      <p:ext uri="{BB962C8B-B14F-4D97-AF65-F5344CB8AC3E}">
+        <p14:creationId xmlns:p14="http://schemas.microsoft.com/office/powerpoint/2010/main" val="2627049247"/>
+      </p:ext>
+    </p:extLst>
+  </p:cSld>
+  <p:clrMapOvr>
+    <a:masterClrMapping/>
+  </p:clrMapOvr>
+  <p:timing>
+    <p:tnLst>
+      <p:par>
+        <p:cTn id="1" dur="indefinite" restart="never" nodeType="tmRoot"/>
+      </p:par>
+    </p:tnLst>
+  </p:timing>
+</p:sld>
+</file>
+
+<file path=ppt/slides/slide7.xml><?xml version="1.0" encoding="utf-8"?>
+<p:sld xmlns:a="http://schemas.openxmlformats.org/drawingml/2006/main" xmlns:r="http://schemas.openxmlformats.org/officeDocument/2006/relationships" xmlns:p="http://schemas.openxmlformats.org/presentationml/2006/main">
+  <p:cSld>
+    <p:spTree>
+      <p:nvGrpSpPr>
+        <p:cNvPr id="1" name=""/>
+        <p:cNvGrpSpPr/>
+        <p:nvPr/>
+      </p:nvGrpSpPr>
+      <p:grpSpPr>
+        <a:xfrm>
+          <a:off x="0" y="0"/>
+          <a:ext cx="0" cy="0"/>
+          <a:chOff x="0" y="0"/>
+          <a:chExt cx="0" cy="0"/>
+        </a:xfrm>
+      </p:grpSpPr>
+      <p:sp>
+        <p:nvSpPr>
+          <p:cNvPr id="3" name="PAGE HEADING"/>
+          <p:cNvSpPr>
+            <a:spLocks noGrp="1"/>
+          </p:cNvSpPr>
+          <p:nvPr>
+            <p:ph type="title"/>
+            <p:custDataLst>
+              <p:tags r:id="rId2"/>
+            </p:custDataLst>
+          </p:nvPr>
+        </p:nvSpPr>
+        <p:spPr/>
+        <p:txBody>
+          <a:bodyPr/>
+          <a:lstStyle/>
+          <a:p>
+            <a:r>
+              <a:rPr lang="en-US" dirty="0" smtClean="0"/>
+              <a:t>Tuples</a:t>
+            </a:r>
+            <a:endParaRPr lang="en-US" dirty="0"/>
+          </a:p>
+        </p:txBody>
+      </p:sp>
+      <p:sp>
+        <p:nvSpPr>
+          <p:cNvPr id="7" name="pole tekstowe 2"/>
+          <p:cNvSpPr txBox="1"/>
+          <p:nvPr/>
+        </p:nvSpPr>
+        <p:spPr>
+          <a:xfrm>
+            <a:off x="611559" y="1309410"/>
+            <a:ext cx="5156944" cy="3970318"/>
+          </a:xfrm>
+          <a:prstGeom prst="rect">
+            <a:avLst/>
+          </a:prstGeom>
+          <a:noFill/>
+        </p:spPr>
+        <p:txBody>
+          <a:bodyPr wrap="square" rtlCol="0">
+            <a:spAutoFit/>
+          </a:bodyPr>
+          <a:lstStyle/>
+          <a:p>
+            <a:r>
+              <a:rPr dirty="0" smtClean="0">
+                <a:solidFill>
+                  <a:prstClr val="black"/>
+                </a:solidFill>
+              </a:rPr>
+              <a:t>- ordered and immutable </a:t>
+            </a:r>
+            <a:r>
+              <a:rPr sz="1600" b="1" dirty="0" smtClean="0">
+                <a:solidFill>
+                  <a:prstClr val="black"/>
+                </a:solidFill>
+              </a:rPr>
+              <a:t>(unchangeable)</a:t>
+            </a:r>
+            <a:r>
+              <a:rPr sz="1600" dirty="0" smtClean="0">
+                <a:solidFill>
+                  <a:prstClr val="black"/>
+                </a:solidFill>
+              </a:rPr>
+              <a:t> </a:t>
+            </a:r>
+            <a:r>
+              <a:rPr dirty="0" smtClean="0">
+                <a:solidFill>
+                  <a:prstClr val="black"/>
+                </a:solidFill>
+              </a:rPr>
+              <a:t>collection of items </a:t>
+            </a:r>
+          </a:p>
+          <a:p>
+            <a:r>
+              <a:rPr dirty="0" smtClean="0">
+                <a:solidFill>
+                  <a:prstClr val="black"/>
+                </a:solidFill>
+              </a:rPr>
+              <a:t>- allows </a:t>
+            </a:r>
+            <a:r>
+              <a:rPr dirty="0">
+                <a:solidFill>
+                  <a:prstClr val="black"/>
+                </a:solidFill>
+              </a:rPr>
+              <a:t>duplicate </a:t>
+            </a:r>
+            <a:r>
+              <a:rPr dirty="0" smtClean="0">
+                <a:solidFill>
+                  <a:prstClr val="black"/>
+                </a:solidFill>
+              </a:rPr>
+              <a:t>members</a:t>
+            </a:r>
+          </a:p>
+          <a:p>
+            <a:r>
+              <a:rPr altLang="en-US" dirty="0" smtClean="0">
+                <a:solidFill>
+                  <a:prstClr val="black"/>
+                </a:solidFill>
+              </a:rPr>
+              <a:t>- to </a:t>
+            </a:r>
+            <a:r>
+              <a:rPr altLang="en-US" dirty="0">
+                <a:solidFill>
+                  <a:prstClr val="black"/>
+                </a:solidFill>
+              </a:rPr>
+              <a:t>add or remove items, you must </a:t>
+            </a:r>
+            <a:r>
+              <a:rPr altLang="en-US" dirty="0" err="1">
+                <a:solidFill>
+                  <a:prstClr val="black"/>
+                </a:solidFill>
+              </a:rPr>
+              <a:t>redeclare</a:t>
+            </a:r>
+            <a:endParaRPr altLang="en-US" dirty="0">
+              <a:solidFill>
+                <a:prstClr val="black"/>
+              </a:solidFill>
+            </a:endParaRPr>
+          </a:p>
+          <a:p>
+            <a:r>
+              <a:rPr dirty="0" smtClean="0">
+                <a:solidFill>
+                  <a:prstClr val="black"/>
+                </a:solidFill>
+              </a:rPr>
+              <a:t>-</a:t>
+            </a:r>
+            <a:r>
+              <a:rPr altLang="en-US" dirty="0">
+                <a:solidFill>
+                  <a:prstClr val="black"/>
+                </a:solidFill>
+              </a:rPr>
+              <a:t>Example uses of tuples</a:t>
+            </a:r>
+          </a:p>
+          <a:p>
+            <a:pPr marL="895060" lvl="1" indent="-285750">
+              <a:buFont typeface="Wingdings" panose="05000000000000000000" pitchFamily="2" charset="2"/>
+              <a:buChar char="Ø"/>
+            </a:pPr>
+            <a:r>
+              <a:rPr lang="en-US" altLang="en-US" dirty="0" smtClean="0">
+                <a:solidFill>
+                  <a:prstClr val="black"/>
+                </a:solidFill>
+              </a:rPr>
+              <a:t>Country </a:t>
+            </a:r>
+            <a:r>
+              <a:rPr lang="en-US" altLang="en-US" dirty="0">
+                <a:solidFill>
+                  <a:prstClr val="black"/>
+                </a:solidFill>
+              </a:rPr>
+              <a:t>Names</a:t>
+            </a:r>
+          </a:p>
+          <a:p>
+            <a:pPr marL="895060" lvl="1" indent="-285750">
+              <a:buFont typeface="Wingdings" panose="05000000000000000000" pitchFamily="2" charset="2"/>
+              <a:buChar char="Ø"/>
+            </a:pPr>
+            <a:r>
+              <a:rPr lang="en-US" altLang="en-US" dirty="0" smtClean="0">
+                <a:solidFill>
+                  <a:prstClr val="black"/>
+                </a:solidFill>
+              </a:rPr>
+              <a:t>Mountain Peaks</a:t>
+            </a:r>
+            <a:endParaRPr lang="en-US" altLang="en-US" dirty="0">
+              <a:solidFill>
+                <a:prstClr val="black"/>
+              </a:solidFill>
+            </a:endParaRPr>
+          </a:p>
+          <a:p>
+            <a:pPr marL="895060" lvl="1" indent="-285750">
+              <a:buFont typeface="Wingdings" panose="05000000000000000000" pitchFamily="2" charset="2"/>
+              <a:buChar char="Ø"/>
+            </a:pPr>
+            <a:r>
+              <a:rPr lang="en-US" altLang="en-US" dirty="0">
+                <a:solidFill>
+                  <a:prstClr val="black"/>
+                </a:solidFill>
+              </a:rPr>
+              <a:t>Ordered set of functions </a:t>
+            </a:r>
+          </a:p>
+          <a:p>
+            <a:endParaRPr dirty="0" smtClean="0">
+              <a:solidFill>
+                <a:prstClr val="black"/>
+              </a:solidFill>
+            </a:endParaRPr>
+          </a:p>
+          <a:p>
+            <a:r>
+              <a:rPr dirty="0" smtClean="0">
+                <a:solidFill>
+                  <a:prstClr val="black"/>
+                </a:solidFill>
+              </a:rPr>
+              <a:t> </a:t>
+            </a:r>
+            <a:endParaRPr lang="en-GB" dirty="0">
+              <a:solidFill>
+                <a:prstClr val="black"/>
+              </a:solidFill>
+            </a:endParaRPr>
+          </a:p>
+        </p:txBody>
+      </p:sp>
+      <p:pic>
+        <p:nvPicPr>
+          <p:cNvPr id="8" name="Picture 4"/>
+          <p:cNvPicPr>
+            <a:picLocks noChangeAspect="1" noChangeArrowheads="1"/>
+          </p:cNvPicPr>
+          <p:nvPr/>
+        </p:nvPicPr>
+        <p:blipFill>
+          <a:blip r:embed="rId4">
+            <a:extLst>
+              <a:ext uri="{28A0092B-C50C-407E-A947-70E740481C1C}">
+                <a14:useLocalDpi xmlns:a14="http://schemas.microsoft.com/office/drawing/2010/main" val="0"/>
+              </a:ext>
+            </a:extLst>
+          </a:blip>
+          <a:srcRect/>
+          <a:stretch>
+            <a:fillRect/>
+          </a:stretch>
+        </p:blipFill>
+        <p:spPr bwMode="auto">
+          <a:xfrm>
+            <a:off x="8001208" y="1309410"/>
+            <a:ext cx="2738184" cy="2233587"/>
+          </a:xfrm>
+          <a:prstGeom prst="rect">
+            <a:avLst/>
+          </a:prstGeom>
+          <a:noFill/>
+          <a:ln>
+            <a:noFill/>
+          </a:ln>
+          <a:extLst>
+            <a:ext uri="{909E8E84-426E-40DD-AFC4-6F175D3DCCD1}">
+              <a14:hiddenFill xmlns:a14="http://schemas.microsoft.com/office/drawing/2010/main">
+                <a:solidFill>
+                  <a:schemeClr val="accent1"/>
+                </a:solidFill>
+              </a14:hiddenFill>
+            </a:ext>
+            <a:ext uri="{91240B29-F687-4F45-9708-019B960494DF}">
+              <a14:hiddenLine xmlns:a14="http://schemas.microsoft.com/office/drawing/2010/main" w="9525">
+                <a:solidFill>
+                  <a:schemeClr val="tx1"/>
+                </a:solidFill>
+                <a:miter lim="800000"/>
+                <a:headEnd/>
+                <a:tailEnd/>
+              </a14:hiddenLine>
+            </a:ext>
+          </a:extLst>
+        </p:spPr>
+      </p:pic>
+      <p:pic>
+        <p:nvPicPr>
+          <p:cNvPr id="9" name="Picture 5"/>
+          <p:cNvPicPr>
+            <a:picLocks noChangeAspect="1" noChangeArrowheads="1"/>
+          </p:cNvPicPr>
+          <p:nvPr/>
+        </p:nvPicPr>
+        <p:blipFill>
+          <a:blip r:embed="rId5">
+            <a:extLst>
+              <a:ext uri="{28A0092B-C50C-407E-A947-70E740481C1C}">
+                <a14:useLocalDpi xmlns:a14="http://schemas.microsoft.com/office/drawing/2010/main" val="0"/>
+              </a:ext>
+            </a:extLst>
+          </a:blip>
+          <a:srcRect/>
+          <a:stretch>
+            <a:fillRect/>
+          </a:stretch>
+        </p:blipFill>
+        <p:spPr bwMode="auto">
+          <a:xfrm>
+            <a:off x="6484454" y="4115181"/>
+            <a:ext cx="5952200" cy="747867"/>
+          </a:xfrm>
+          <a:prstGeom prst="rect">
+            <a:avLst/>
+          </a:prstGeom>
+          <a:noFill/>
+          <a:ln>
+            <a:noFill/>
+          </a:ln>
+          <a:extLst>
+            <a:ext uri="{909E8E84-426E-40DD-AFC4-6F175D3DCCD1}">
+              <a14:hiddenFill xmlns:a14="http://schemas.microsoft.com/office/drawing/2010/main">
+                <a:solidFill>
+                  <a:schemeClr val="accent1"/>
+                </a:solidFill>
+              </a14:hiddenFill>
+            </a:ext>
+            <a:ext uri="{91240B29-F687-4F45-9708-019B960494DF}">
+              <a14:hiddenLine xmlns:a14="http://schemas.microsoft.com/office/drawing/2010/main" w="9525">
+                <a:solidFill>
+                  <a:schemeClr val="tx1"/>
+                </a:solidFill>
+                <a:miter lim="800000"/>
+                <a:headEnd/>
+                <a:tailEnd/>
+              </a14:hiddenLine>
+            </a:ext>
+          </a:extLst>
+        </p:spPr>
+      </p:pic>
+      <p:pic>
+        <p:nvPicPr>
+          <p:cNvPr id="11" name="Picture 6"/>
+          <p:cNvPicPr>
+            <a:picLocks noChangeAspect="1" noChangeArrowheads="1"/>
+          </p:cNvPicPr>
+          <p:nvPr/>
+        </p:nvPicPr>
+        <p:blipFill>
+          <a:blip r:embed="rId6">
+            <a:extLst>
+              <a:ext uri="{28A0092B-C50C-407E-A947-70E740481C1C}">
+                <a14:useLocalDpi xmlns:a14="http://schemas.microsoft.com/office/drawing/2010/main" val="0"/>
+              </a:ext>
+            </a:extLst>
+          </a:blip>
+          <a:srcRect/>
+          <a:stretch>
+            <a:fillRect/>
+          </a:stretch>
+        </p:blipFill>
+        <p:spPr bwMode="auto">
+          <a:xfrm>
+            <a:off x="8638218" y="5117716"/>
+            <a:ext cx="1234102" cy="568760"/>
+          </a:xfrm>
+          <a:prstGeom prst="rect">
+            <a:avLst/>
+          </a:prstGeom>
+          <a:noFill/>
+          <a:ln>
+            <a:noFill/>
+          </a:ln>
+          <a:extLst>
+            <a:ext uri="{909E8E84-426E-40DD-AFC4-6F175D3DCCD1}">
+              <a14:hiddenFill xmlns:a14="http://schemas.microsoft.com/office/drawing/2010/main">
+                <a:solidFill>
+                  <a:schemeClr val="accent1"/>
+                </a:solidFill>
+              </a14:hiddenFill>
+            </a:ext>
+            <a:ext uri="{91240B29-F687-4F45-9708-019B960494DF}">
+              <a14:hiddenLine xmlns:a14="http://schemas.microsoft.com/office/drawing/2010/main" w="9525">
+                <a:solidFill>
+                  <a:schemeClr val="tx1"/>
+                </a:solidFill>
+                <a:miter lim="800000"/>
+                <a:headEnd/>
+                <a:tailEnd/>
+              </a14:hiddenLine>
+            </a:ext>
+          </a:extLst>
+        </p:spPr>
+      </p:pic>
+      <p:sp>
+        <p:nvSpPr>
+          <p:cNvPr id="14" name="TextBox 13"/>
+          <p:cNvSpPr txBox="1"/>
+          <p:nvPr/>
+        </p:nvSpPr>
+        <p:spPr>
+          <a:xfrm>
+            <a:off x="6484454" y="5117716"/>
+            <a:ext cx="2435810" cy="457200"/>
+          </a:xfrm>
+          <a:prstGeom prst="rect">
+            <a:avLst/>
+          </a:prstGeom>
+          <a:noFill/>
+        </p:spPr>
+        <p:txBody>
+          <a:bodyPr wrap="none" lIns="0" tIns="0" rIns="0" bIns="0" rtlCol="0">
+            <a:noAutofit/>
+          </a:bodyPr>
+          <a:lstStyle/>
+          <a:p>
+            <a:r>
+              <a:rPr dirty="0" smtClean="0">
+                <a:solidFill>
+                  <a:prstClr val="black"/>
+                </a:solidFill>
+              </a:rPr>
+              <a:t>Accessing elements</a:t>
+            </a:r>
+            <a:endParaRPr dirty="0">
+              <a:solidFill>
+                <a:prstClr val="black"/>
+              </a:solidFill>
+            </a:endParaRPr>
+          </a:p>
+        </p:txBody>
+      </p:sp>
+      <p:sp>
+        <p:nvSpPr>
+          <p:cNvPr id="16" name="Rounded Rectangle 15"/>
+          <p:cNvSpPr/>
+          <p:nvPr/>
+        </p:nvSpPr>
+        <p:spPr>
+          <a:xfrm>
+            <a:off x="929959" y="5076473"/>
+            <a:ext cx="3389121" cy="891670"/>
+          </a:xfrm>
+          <a:prstGeom prst="roundRect">
+            <a:avLst/>
+          </a:prstGeom>
+        </p:spPr>
+        <p:style>
+          <a:lnRef idx="2">
+            <a:schemeClr val="accent6"/>
+          </a:lnRef>
+          <a:fillRef idx="1">
+            <a:schemeClr val="lt1"/>
+          </a:fillRef>
+          <a:effectRef idx="0">
+            <a:schemeClr val="accent6"/>
+          </a:effectRef>
+          <a:fontRef idx="minor">
+            <a:schemeClr val="dk1"/>
+          </a:fontRef>
+        </p:style>
+        <p:txBody>
+          <a:bodyPr rtlCol="0" anchor="ctr"/>
+          <a:lstStyle/>
+          <a:p>
+            <a:pPr>
+              <a:lnSpc>
+                <a:spcPct val="90000"/>
+              </a:lnSpc>
+            </a:pPr>
+            <a:r>
+              <a:rPr altLang="en-US" sz="1400" dirty="0" err="1">
+                <a:solidFill>
+                  <a:prstClr val="black"/>
+                </a:solidFill>
+                <a:latin typeface="Courier New" pitchFamily="49" charset="0"/>
+                <a:cs typeface="Courier New" pitchFamily="49" charset="0"/>
+              </a:rPr>
+              <a:t>var</a:t>
+            </a:r>
+            <a:r>
+              <a:rPr altLang="en-US" sz="1400" dirty="0">
+                <a:solidFill>
+                  <a:prstClr val="black"/>
+                </a:solidFill>
+                <a:latin typeface="Courier New" pitchFamily="49" charset="0"/>
+                <a:cs typeface="Courier New" pitchFamily="49" charset="0"/>
+              </a:rPr>
+              <a:t> = (‘one’, 2, ‘three</a:t>
+            </a:r>
+            <a:r>
+              <a:rPr altLang="en-US" sz="1400" dirty="0" smtClean="0">
+                <a:solidFill>
+                  <a:prstClr val="black"/>
+                </a:solidFill>
+                <a:latin typeface="Courier New" pitchFamily="49" charset="0"/>
+                <a:cs typeface="Courier New" pitchFamily="49" charset="0"/>
+              </a:rPr>
+              <a:t>’, ‘</a:t>
+            </a:r>
+            <a:r>
+              <a:rPr altLang="en-US" sz="1400" dirty="0">
+                <a:solidFill>
+                  <a:prstClr val="black"/>
+                </a:solidFill>
+                <a:latin typeface="Courier New" pitchFamily="49" charset="0"/>
+                <a:cs typeface="Courier New" pitchFamily="49" charset="0"/>
+              </a:rPr>
+              <a:t>banana’)</a:t>
+            </a:r>
+            <a:endParaRPr altLang="en-US" sz="1600" dirty="0">
+              <a:solidFill>
+                <a:prstClr val="black"/>
+              </a:solidFill>
+              <a:latin typeface="Courier New" pitchFamily="49" charset="0"/>
+              <a:cs typeface="Courier New" pitchFamily="49" charset="0"/>
+            </a:endParaRPr>
+          </a:p>
+        </p:txBody>
+      </p:sp>
+    </p:spTree>
+    <p:custDataLst>
+      <p:tags r:id="rId1"/>
+    </p:custDataLst>
+    <p:extLst>
+      <p:ext uri="{BB962C8B-B14F-4D97-AF65-F5344CB8AC3E}">
+        <p14:creationId xmlns:p14="http://schemas.microsoft.com/office/powerpoint/2010/main" val="532911006"/>
+      </p:ext>
+    </p:extLst>
+  </p:cSld>
+  <p:clrMapOvr>
+    <a:masterClrMapping/>
+  </p:clrMapOvr>
+  <p:timing>
+    <p:tnLst>
+      <p:par>
+        <p:cTn id="1" dur="indefinite" restart="never" nodeType="tmRoot"/>
+      </p:par>
+    </p:tnLst>
+  </p:timing>
+</p:sld>
+</file>
+
+<file path=ppt/slides/slide8.xml><?xml version="1.0" encoding="utf-8"?>
+<p:sld xmlns:a="http://schemas.openxmlformats.org/drawingml/2006/main" xmlns:r="http://schemas.openxmlformats.org/officeDocument/2006/relationships" xmlns:p="http://schemas.openxmlformats.org/presentationml/2006/main">
+  <p:cSld>
+    <p:spTree>
+      <p:nvGrpSpPr>
+        <p:cNvPr id="1" name=""/>
+        <p:cNvGrpSpPr/>
+        <p:nvPr/>
+      </p:nvGrpSpPr>
+      <p:grpSpPr>
+        <a:xfrm>
+          <a:off x="0" y="0"/>
+          <a:ext cx="0" cy="0"/>
+          <a:chOff x="0" y="0"/>
+          <a:chExt cx="0" cy="0"/>
+        </a:xfrm>
+      </p:grpSpPr>
+      <p:sp>
+        <p:nvSpPr>
+          <p:cNvPr id="3" name="PAGE HEADING"/>
+          <p:cNvSpPr>
+            <a:spLocks noGrp="1"/>
+          </p:cNvSpPr>
+          <p:nvPr>
+            <p:ph type="title"/>
+            <p:custDataLst>
+              <p:tags r:id="rId2"/>
+            </p:custDataLst>
+          </p:nvPr>
+        </p:nvSpPr>
+        <p:spPr/>
+        <p:txBody>
+          <a:bodyPr/>
+          <a:lstStyle/>
+          <a:p>
+            <a:r>
+              <a:rPr lang="en-US" dirty="0" smtClean="0"/>
+              <a:t>Tuples Operations</a:t>
+            </a:r>
+            <a:endParaRPr lang="en-US" dirty="0"/>
+          </a:p>
+        </p:txBody>
+      </p:sp>
+      <p:sp>
+        <p:nvSpPr>
+          <p:cNvPr id="12" name="pole tekstowe 5"/>
+          <p:cNvSpPr txBox="1"/>
+          <p:nvPr/>
+        </p:nvSpPr>
+        <p:spPr>
+          <a:xfrm>
+            <a:off x="627840" y="6204305"/>
+            <a:ext cx="9761300" cy="276999"/>
+          </a:xfrm>
+          <a:prstGeom prst="rect">
+            <a:avLst/>
+          </a:prstGeom>
+          <a:noFill/>
+        </p:spPr>
+        <p:txBody>
+          <a:bodyPr wrap="square" rtlCol="0">
+            <a:spAutoFit/>
+          </a:bodyPr>
+          <a:lstStyle/>
+          <a:p>
+            <a:r>
+              <a:rPr sz="1200" dirty="0" smtClean="0">
+                <a:solidFill>
+                  <a:prstClr val="black"/>
+                </a:solidFill>
+              </a:rPr>
+              <a:t>*Operations which cause potential changes to a tuple are not permissible; reinforce the idea of immutability</a:t>
+            </a:r>
+            <a:endParaRPr lang="en-GB" sz="1200" dirty="0">
+              <a:solidFill>
+                <a:prstClr val="black"/>
+              </a:solidFill>
+            </a:endParaRPr>
+          </a:p>
+        </p:txBody>
+      </p:sp>
+      <p:sp>
+        <p:nvSpPr>
+          <p:cNvPr id="13" name="TextBox 12"/>
+          <p:cNvSpPr txBox="1"/>
+          <p:nvPr/>
+        </p:nvSpPr>
+        <p:spPr>
+          <a:xfrm>
+            <a:off x="627840" y="1538606"/>
+            <a:ext cx="8652347" cy="4618066"/>
+          </a:xfrm>
+          <a:prstGeom prst="rect">
+            <a:avLst/>
+          </a:prstGeom>
+          <a:noFill/>
+        </p:spPr>
+        <p:txBody>
+          <a:bodyPr wrap="none" lIns="0" tIns="0" rIns="0" bIns="0" rtlCol="0">
+            <a:noAutofit/>
+          </a:bodyPr>
+          <a:lstStyle/>
+          <a:p>
+            <a:r>
+              <a:rPr u="sng" dirty="0" smtClean="0">
+                <a:solidFill>
+                  <a:prstClr val="black"/>
+                </a:solidFill>
+              </a:rPr>
+              <a:t>Methods*</a:t>
+            </a:r>
+            <a:r>
+              <a:rPr dirty="0" smtClean="0">
+                <a:solidFill>
+                  <a:prstClr val="black"/>
+                </a:solidFill>
+              </a:rPr>
+              <a:t>:</a:t>
+            </a:r>
+            <a:endParaRPr dirty="0">
+              <a:solidFill>
+                <a:prstClr val="black"/>
+              </a:solidFill>
+            </a:endParaRPr>
+          </a:p>
+          <a:p>
+            <a:pPr marL="285750" indent="-285750">
+              <a:lnSpc>
+                <a:spcPct val="150000"/>
+              </a:lnSpc>
+              <a:buFont typeface="Arial" panose="020B0604020202020204" pitchFamily="34" charset="0"/>
+              <a:buChar char="•"/>
+            </a:pPr>
+            <a:r>
+              <a:rPr dirty="0" smtClean="0">
+                <a:solidFill>
+                  <a:prstClr val="black"/>
+                </a:solidFill>
+              </a:rPr>
+              <a:t>count() : </a:t>
+            </a:r>
+            <a:r>
+              <a:rPr dirty="0">
+                <a:solidFill>
+                  <a:prstClr val="black"/>
+                </a:solidFill>
+              </a:rPr>
+              <a:t>returns the number of times a specified value appears in the tuple.</a:t>
+            </a:r>
+          </a:p>
+          <a:p>
+            <a:pPr marL="285750" indent="-285750">
+              <a:buFont typeface="Arial" panose="020B0604020202020204" pitchFamily="34" charset="0"/>
+              <a:buChar char="•"/>
+            </a:pPr>
+            <a:endParaRPr dirty="0" smtClean="0">
+              <a:solidFill>
+                <a:prstClr val="black"/>
+              </a:solidFill>
+            </a:endParaRPr>
+          </a:p>
+          <a:p>
+            <a:pPr marL="285750" indent="-285750">
+              <a:buFont typeface="Arial" panose="020B0604020202020204" pitchFamily="34" charset="0"/>
+              <a:buChar char="•"/>
+            </a:pPr>
+            <a:endParaRPr dirty="0">
+              <a:solidFill>
+                <a:prstClr val="black"/>
+              </a:solidFill>
+            </a:endParaRPr>
+          </a:p>
+          <a:p>
+            <a:pPr marL="285750" indent="-285750">
+              <a:buFont typeface="Arial" panose="020B0604020202020204" pitchFamily="34" charset="0"/>
+              <a:buChar char="•"/>
+            </a:pPr>
+            <a:endParaRPr dirty="0" smtClean="0">
+              <a:solidFill>
+                <a:prstClr val="black"/>
+              </a:solidFill>
+            </a:endParaRPr>
+          </a:p>
+          <a:p>
+            <a:pPr marL="285750" indent="-285750">
+              <a:buFont typeface="Arial" panose="020B0604020202020204" pitchFamily="34" charset="0"/>
+              <a:buChar char="•"/>
+            </a:pPr>
+            <a:r>
+              <a:rPr dirty="0" smtClean="0">
+                <a:solidFill>
+                  <a:prstClr val="black"/>
+                </a:solidFill>
+              </a:rPr>
+              <a:t>index(): </a:t>
+            </a:r>
+          </a:p>
+          <a:p>
+            <a:pPr>
+              <a:spcBef>
+                <a:spcPts val="600"/>
+              </a:spcBef>
+            </a:pPr>
+            <a:r>
+              <a:rPr dirty="0">
+                <a:solidFill>
+                  <a:prstClr val="black"/>
+                </a:solidFill>
+              </a:rPr>
+              <a:t>	</a:t>
+            </a:r>
+            <a:r>
+              <a:rPr dirty="0" smtClean="0">
+                <a:solidFill>
+                  <a:prstClr val="black"/>
+                </a:solidFill>
+              </a:rPr>
+              <a:t>- finds </a:t>
+            </a:r>
+            <a:r>
+              <a:rPr dirty="0">
+                <a:solidFill>
+                  <a:prstClr val="black"/>
+                </a:solidFill>
+              </a:rPr>
+              <a:t>the first occurrence of the specified </a:t>
+            </a:r>
+            <a:r>
+              <a:rPr dirty="0" smtClean="0">
+                <a:solidFill>
+                  <a:prstClr val="black"/>
+                </a:solidFill>
+              </a:rPr>
+              <a:t>value</a:t>
+            </a:r>
+          </a:p>
+          <a:p>
+            <a:pPr>
+              <a:spcBef>
+                <a:spcPts val="600"/>
+              </a:spcBef>
+            </a:pPr>
+            <a:r>
+              <a:rPr dirty="0">
+                <a:solidFill>
+                  <a:prstClr val="black"/>
+                </a:solidFill>
+              </a:rPr>
+              <a:t>	</a:t>
+            </a:r>
+            <a:r>
+              <a:rPr dirty="0" smtClean="0">
+                <a:solidFill>
+                  <a:prstClr val="black"/>
+                </a:solidFill>
+              </a:rPr>
+              <a:t>- raises </a:t>
+            </a:r>
+            <a:r>
+              <a:rPr dirty="0">
+                <a:solidFill>
+                  <a:prstClr val="black"/>
+                </a:solidFill>
+              </a:rPr>
+              <a:t>an exception if the value is not found.</a:t>
+            </a:r>
+          </a:p>
+          <a:p>
+            <a:endParaRPr dirty="0">
+              <a:solidFill>
+                <a:prstClr val="black"/>
+              </a:solidFill>
+            </a:endParaRPr>
+          </a:p>
+        </p:txBody>
+      </p:sp>
+      <p:pic>
+        <p:nvPicPr>
+          <p:cNvPr id="1026" name="Picture 2"/>
+          <p:cNvPicPr>
+            <a:picLocks noChangeAspect="1" noChangeArrowheads="1"/>
+          </p:cNvPicPr>
+          <p:nvPr/>
+        </p:nvPicPr>
+        <p:blipFill>
+          <a:blip r:embed="rId4">
+            <a:extLst>
+              <a:ext uri="{28A0092B-C50C-407E-A947-70E740481C1C}">
+                <a14:useLocalDpi xmlns:a14="http://schemas.microsoft.com/office/drawing/2010/main" val="0"/>
+              </a:ext>
+            </a:extLst>
+          </a:blip>
+          <a:srcRect/>
+          <a:stretch>
+            <a:fillRect/>
+          </a:stretch>
+        </p:blipFill>
+        <p:spPr bwMode="auto">
+          <a:xfrm>
+            <a:off x="1084869" y="2571994"/>
+            <a:ext cx="4581525" cy="819150"/>
+          </a:xfrm>
+          <a:prstGeom prst="rect">
+            <a:avLst/>
+          </a:prstGeom>
+          <a:noFill/>
+          <a:ln>
+            <a:noFill/>
+          </a:ln>
+          <a:extLst>
+            <a:ext uri="{909E8E84-426E-40DD-AFC4-6F175D3DCCD1}">
+              <a14:hiddenFill xmlns:a14="http://schemas.microsoft.com/office/drawing/2010/main">
+                <a:solidFill>
+                  <a:schemeClr val="accent1"/>
+                </a:solidFill>
+              </a14:hiddenFill>
+            </a:ext>
+            <a:ext uri="{91240B29-F687-4F45-9708-019B960494DF}">
+              <a14:hiddenLine xmlns:a14="http://schemas.microsoft.com/office/drawing/2010/main" w="9525">
+                <a:solidFill>
+                  <a:schemeClr val="tx1"/>
+                </a:solidFill>
+                <a:miter lim="800000"/>
+                <a:headEnd/>
+                <a:tailEnd/>
+              </a14:hiddenLine>
+            </a:ext>
+          </a:extLst>
+        </p:spPr>
+      </p:pic>
+      <p:pic>
+        <p:nvPicPr>
+          <p:cNvPr id="1027" name="Picture 3"/>
+          <p:cNvPicPr>
+            <a:picLocks noChangeAspect="1" noChangeArrowheads="1"/>
+          </p:cNvPicPr>
+          <p:nvPr/>
+        </p:nvPicPr>
+        <p:blipFill>
+          <a:blip r:embed="rId5">
+            <a:extLst>
+              <a:ext uri="{28A0092B-C50C-407E-A947-70E740481C1C}">
+                <a14:useLocalDpi xmlns:a14="http://schemas.microsoft.com/office/drawing/2010/main" val="0"/>
+              </a:ext>
+            </a:extLst>
+          </a:blip>
+          <a:srcRect/>
+          <a:stretch>
+            <a:fillRect/>
+          </a:stretch>
+        </p:blipFill>
+        <p:spPr bwMode="auto">
+          <a:xfrm>
+            <a:off x="1084869" y="4851062"/>
+            <a:ext cx="4667250" cy="857250"/>
+          </a:xfrm>
+          <a:prstGeom prst="rect">
+            <a:avLst/>
+          </a:prstGeom>
+          <a:noFill/>
+          <a:ln>
+            <a:noFill/>
+          </a:ln>
+          <a:extLst>
+            <a:ext uri="{909E8E84-426E-40DD-AFC4-6F175D3DCCD1}">
+              <a14:hiddenFill xmlns:a14="http://schemas.microsoft.com/office/drawing/2010/main">
+                <a:solidFill>
+                  <a:schemeClr val="accent1"/>
+                </a:solidFill>
+              </a14:hiddenFill>
+            </a:ext>
+            <a:ext uri="{91240B29-F687-4F45-9708-019B960494DF}">
+              <a14:hiddenLine xmlns:a14="http://schemas.microsoft.com/office/drawing/2010/main" w="9525">
+                <a:solidFill>
+                  <a:schemeClr val="tx1"/>
+                </a:solidFill>
+                <a:miter lim="800000"/>
+                <a:headEnd/>
+                <a:tailEnd/>
+              </a14:hiddenLine>
+            </a:ext>
+          </a:extLst>
+        </p:spPr>
+      </p:pic>
+    </p:spTree>
+    <p:custDataLst>
+      <p:tags r:id="rId1"/>
+    </p:custDataLst>
+    <p:extLst>
+      <p:ext uri="{BB962C8B-B14F-4D97-AF65-F5344CB8AC3E}">
+        <p14:creationId xmlns:p14="http://schemas.microsoft.com/office/powerpoint/2010/main" val="682690664"/>
+      </p:ext>
+    </p:extLst>
+  </p:cSld>
+  <p:clrMapOvr>
+    <a:masterClrMapping/>
+  </p:clrMapOvr>
+  <p:timing>
+    <p:tnLst>
+      <p:par>
+        <p:cTn id="1" dur="indefinite" restart="never" nodeType="tmRoot"/>
+      </p:par>
+    </p:tnLst>
+  </p:timing>
 </p:sld>
 </file>
 
@@ -38293,14 +40862,14 @@
 
 <file path=ppt/tags/tag278.xml><?xml version="1.0" encoding="utf-8"?>
 <p:tagLst xmlns:a="http://schemas.openxmlformats.org/drawingml/2006/main" xmlns:r="http://schemas.openxmlformats.org/officeDocument/2006/relationships" xmlns:p="http://schemas.openxmlformats.org/presentationml/2006/main">
-  <p:tag name="SLIDE_TYPE" val="TOC"/>
+  <p:tag name="SLIDE_SUB_TYPE" val="SECTION"/>
+  <p:tag name="SLIDE_TYPE" val="DIVIDER"/>
 </p:tagLst>
 </file>
 
 <file path=ppt/tags/tag279.xml><?xml version="1.0" encoding="utf-8"?>
 <p:tagLst xmlns:a="http://schemas.openxmlformats.org/drawingml/2006/main" xmlns:r="http://schemas.openxmlformats.org/officeDocument/2006/relationships" xmlns:p="http://schemas.openxmlformats.org/presentationml/2006/main">
-  <p:tag name="TEXT_TYPE" val="TOC TITLE"/>
-  <p:tag name="FONT STYLE" val="SANS SERIF"/>
+  <p:tag name="TEXT_TYPE" val="DIVIDER TITLE"/>
 </p:tagLst>
 </file>
 
@@ -38314,58 +40883,51 @@
 
 <file path=ppt/tags/tag280.xml><?xml version="1.0" encoding="utf-8"?>
 <p:tagLst xmlns:a="http://schemas.openxmlformats.org/drawingml/2006/main" xmlns:r="http://schemas.openxmlformats.org/officeDocument/2006/relationships" xmlns:p="http://schemas.openxmlformats.org/presentationml/2006/main">
-  <p:tag name="TEXT_TYPE" val="TOC BODY"/>
-  <p:tag name="FONT STYLE" val="SANS SERIF"/>
+  <p:tag name="TEXT_TYPE" val="DIVIDER NUMBER"/>
 </p:tagLst>
 </file>
 
 <file path=ppt/tags/tag281.xml><?xml version="1.0" encoding="utf-8"?>
 <p:tagLst xmlns:a="http://schemas.openxmlformats.org/drawingml/2006/main" xmlns:r="http://schemas.openxmlformats.org/officeDocument/2006/relationships" xmlns:p="http://schemas.openxmlformats.org/presentationml/2006/main">
-  <p:tag name="SLIDE_TYPE" val="DIVIDER"/>
-  <p:tag name="SLIDE_SUB_TYPE" val="SECTION"/>
+  <p:tag name="SLIDE_TYPE" val="BODY"/>
 </p:tagLst>
 </file>
 
 <file path=ppt/tags/tag282.xml><?xml version="1.0" encoding="utf-8"?>
-<p:tagLst xmlns:a="http://schemas.openxmlformats.org/drawingml/2006/main" xmlns:r="http://schemas.openxmlformats.org/officeDocument/2006/relationships" xmlns:p="http://schemas.openxmlformats.org/presentationml/2006/main">
-  <p:tag name="TEXT_TYPE" val="DIVIDER TITLE"/>
-</p:tagLst>
-</file>
-
-<file path=ppt/tags/tag283.xml><?xml version="1.0" encoding="utf-8"?>
-<p:tagLst xmlns:a="http://schemas.openxmlformats.org/drawingml/2006/main" xmlns:r="http://schemas.openxmlformats.org/officeDocument/2006/relationships" xmlns:p="http://schemas.openxmlformats.org/presentationml/2006/main">
-  <p:tag name="TEXT_TYPE" val="DIVIDER NUMBER"/>
-</p:tagLst>
-</file>
-
-<file path=ppt/tags/tag284.xml><?xml version="1.0" encoding="utf-8"?>
-<p:tagLst xmlns:a="http://schemas.openxmlformats.org/drawingml/2006/main" xmlns:r="http://schemas.openxmlformats.org/officeDocument/2006/relationships" xmlns:p="http://schemas.openxmlformats.org/presentationml/2006/main">
-  <p:tag name="SLIDE_TYPE" val="BODY"/>
-</p:tagLst>
-</file>
-
-<file path=ppt/tags/tag285.xml><?xml version="1.0" encoding="utf-8"?>
 <p:tagLst xmlns:a="http://schemas.openxmlformats.org/drawingml/2006/main" xmlns:r="http://schemas.openxmlformats.org/officeDocument/2006/relationships" xmlns:p="http://schemas.openxmlformats.org/presentationml/2006/main">
   <p:tag name="FONT STYLE" val="SANS SERIF"/>
   <p:tag name="TEXT_TYPE" val="PAGE HEADING"/>
 </p:tagLst>
 </file>
 
+<file path=ppt/tags/tag283.xml><?xml version="1.0" encoding="utf-8"?>
+<p:tagLst xmlns:a="http://schemas.openxmlformats.org/drawingml/2006/main" xmlns:r="http://schemas.openxmlformats.org/officeDocument/2006/relationships" xmlns:p="http://schemas.openxmlformats.org/presentationml/2006/main">
+  <p:tag name="SLIDE_TYPE" val="BODY CONTINUED"/>
+</p:tagLst>
+</file>
+
+<file path=ppt/tags/tag284.xml><?xml version="1.0" encoding="utf-8"?>
+<p:tagLst xmlns:a="http://schemas.openxmlformats.org/drawingml/2006/main" xmlns:r="http://schemas.openxmlformats.org/officeDocument/2006/relationships" xmlns:p="http://schemas.openxmlformats.org/presentationml/2006/main">
+  <p:tag name="TEXT_TYPE" val="PAGE HEADING CONTINUED"/>
+</p:tagLst>
+</file>
+
+<file path=ppt/tags/tag285.xml><?xml version="1.0" encoding="utf-8"?>
+<p:tagLst xmlns:a="http://schemas.openxmlformats.org/drawingml/2006/main" xmlns:r="http://schemas.openxmlformats.org/officeDocument/2006/relationships" xmlns:p="http://schemas.openxmlformats.org/presentationml/2006/main">
+  <p:tag name="SLIDE_TYPE" val="BODY"/>
+</p:tagLst>
+</file>
+
 <file path=ppt/tags/tag286.xml><?xml version="1.0" encoding="utf-8"?>
 <p:tagLst xmlns:a="http://schemas.openxmlformats.org/drawingml/2006/main" xmlns:r="http://schemas.openxmlformats.org/officeDocument/2006/relationships" xmlns:p="http://schemas.openxmlformats.org/presentationml/2006/main">
-  <p:tag name="FONT STYLE" val="SERIF FONT"/>
-  <p:tag name="TEXT_TYPE" val="MESSAGE TEXT"/>
-  <p:tag name="ISLOCKED" val="TRUE"/>
-  <p:tag name="TOP" val="882500000000000E-13"/>
-  <p:tag name="LEFT" val="439199981689453E-13"/>
-  <p:tag name="HEIGHT" val="216000003814697E-13"/>
-  <p:tag name="WIDTH" val="964799987792969E-12"/>
+  <p:tag name="TEXT_TYPE" val="PAGE HEADING"/>
+  <p:tag name="FONT STYLE" val="SANS SERIF"/>
 </p:tagLst>
 </file>
 
 <file path=ppt/tags/tag287.xml><?xml version="1.0" encoding="utf-8"?>
 <p:tagLst xmlns:a="http://schemas.openxmlformats.org/drawingml/2006/main" xmlns:r="http://schemas.openxmlformats.org/officeDocument/2006/relationships" xmlns:p="http://schemas.openxmlformats.org/presentationml/2006/main">
-  <p:tag name="SLIDE_TYPE" val="CONTACT"/>
+  <p:tag name="SLIDE_TYPE" val="BODY"/>
 </p:tagLst>
 </file>
 
@@ -38378,16 +40940,31 @@
 
 <file path=ppt/tags/tag289.xml><?xml version="1.0" encoding="utf-8"?>
 <p:tagLst xmlns:a="http://schemas.openxmlformats.org/drawingml/2006/main" xmlns:r="http://schemas.openxmlformats.org/officeDocument/2006/relationships" xmlns:p="http://schemas.openxmlformats.org/presentationml/2006/main">
-  <p:tag name="FONT STYLE" val="SANS SERIF FONT"/>
-  <p:tag name="ISLOCKED" val="TRUE"/>
-  <p:tag name="TOP" val="421988647460938E-12"/>
-  <p:tag name="LEFT" val="439199981689453E-13"/>
-  <p:tag name="HEIGHT" val="102511413574219E-12"/>
-  <p:tag name="WIDTH" val="678250000000000E-12"/>
+  <p:tag name="SLIDE_TYPE" val="BODY"/>
 </p:tagLst>
 </file>
 
 <file path=ppt/tags/tag29.xml><?xml version="1.0" encoding="utf-8"?>
+<p:tagLst xmlns:a="http://schemas.openxmlformats.org/drawingml/2006/main" xmlns:r="http://schemas.openxmlformats.org/officeDocument/2006/relationships" xmlns:p="http://schemas.openxmlformats.org/presentationml/2006/main">
+  <p:tag name="TEXT_TYPE" val="PAGE HEADING"/>
+  <p:tag name="FONT STYLE" val="SANS SERIF"/>
+</p:tagLst>
+</file>
+
+<file path=ppt/tags/tag290.xml><?xml version="1.0" encoding="utf-8"?>
+<p:tagLst xmlns:a="http://schemas.openxmlformats.org/drawingml/2006/main" xmlns:r="http://schemas.openxmlformats.org/officeDocument/2006/relationships" xmlns:p="http://schemas.openxmlformats.org/presentationml/2006/main">
+  <p:tag name="TEXT_TYPE" val="PAGE HEADING"/>
+  <p:tag name="FONT STYLE" val="SANS SERIF"/>
+</p:tagLst>
+</file>
+
+<file path=ppt/tags/tag291.xml><?xml version="1.0" encoding="utf-8"?>
+<p:tagLst xmlns:a="http://schemas.openxmlformats.org/drawingml/2006/main" xmlns:r="http://schemas.openxmlformats.org/officeDocument/2006/relationships" xmlns:p="http://schemas.openxmlformats.org/presentationml/2006/main">
+  <p:tag name="SLIDE_TYPE" val="BODY"/>
+</p:tagLst>
+</file>
+
+<file path=ppt/tags/tag292.xml><?xml version="1.0" encoding="utf-8"?>
 <p:tagLst xmlns:a="http://schemas.openxmlformats.org/drawingml/2006/main" xmlns:r="http://schemas.openxmlformats.org/officeDocument/2006/relationships" xmlns:p="http://schemas.openxmlformats.org/presentationml/2006/main">
   <p:tag name="TEXT_TYPE" val="PAGE HEADING"/>
   <p:tag name="FONT STYLE" val="SANS SERIF"/>
@@ -39046,6 +41623,316 @@
 </file>
 
 <file path=ppt/theme/theme1.xml><?xml version="1.0" encoding="utf-8"?>
+<a:theme xmlns:a="http://schemas.openxmlformats.org/drawingml/2006/main" name="1_PresXpress_OnScreen_Theme">
+  <a:themeElements>
+    <a:clrScheme name="UBSNewColorsV2">
+      <a:dk1>
+        <a:sysClr val="windowText" lastClr="000000"/>
+      </a:dk1>
+      <a:lt1>
+        <a:sysClr val="window" lastClr="FFFFFF"/>
+      </a:lt1>
+      <a:dk2>
+        <a:srgbClr val="E60000"/>
+      </a:dk2>
+      <a:lt2>
+        <a:srgbClr val="FFFFFF"/>
+      </a:lt2>
+      <a:accent1>
+        <a:srgbClr val="4D3C2F"/>
+      </a:accent1>
+      <a:accent2>
+        <a:srgbClr val="CFBD9B"/>
+      </a:accent2>
+      <a:accent3>
+        <a:srgbClr val="C07156"/>
+      </a:accent3>
+      <a:accent4>
+        <a:srgbClr val="E8C767"/>
+      </a:accent4>
+      <a:accent5>
+        <a:srgbClr val="AEB0B3"/>
+      </a:accent5>
+      <a:accent6>
+        <a:srgbClr val="A43725"/>
+      </a:accent6>
+      <a:hlink>
+        <a:srgbClr val="0000FF"/>
+      </a:hlink>
+      <a:folHlink>
+        <a:srgbClr val="800080"/>
+      </a:folHlink>
+    </a:clrScheme>
+    <a:fontScheme name="UBS OnScreen Fontset">
+      <a:majorFont>
+        <a:latin typeface="UBSHeadline"/>
+        <a:ea typeface="MS PGothic"/>
+        <a:cs typeface=""/>
+      </a:majorFont>
+      <a:minorFont>
+        <a:latin typeface="Frutiger 55 Roman"/>
+        <a:ea typeface="MS PGothic"/>
+        <a:cs typeface=""/>
+      </a:minorFont>
+    </a:fontScheme>
+    <a:fmtScheme name="Office">
+      <a:fillStyleLst>
+        <a:solidFill>
+          <a:schemeClr val="phClr"/>
+        </a:solidFill>
+        <a:gradFill rotWithShape="1">
+          <a:gsLst>
+            <a:gs pos="0">
+              <a:schemeClr val="phClr">
+                <a:tint val="50000"/>
+                <a:satMod val="300000"/>
+              </a:schemeClr>
+            </a:gs>
+            <a:gs pos="35000">
+              <a:schemeClr val="phClr">
+                <a:tint val="37000"/>
+                <a:satMod val="300000"/>
+              </a:schemeClr>
+            </a:gs>
+            <a:gs pos="100000">
+              <a:schemeClr val="phClr">
+                <a:tint val="15000"/>
+                <a:satMod val="350000"/>
+              </a:schemeClr>
+            </a:gs>
+          </a:gsLst>
+          <a:lin ang="16200000" scaled="1"/>
+        </a:gradFill>
+        <a:gradFill rotWithShape="1">
+          <a:gsLst>
+            <a:gs pos="0">
+              <a:schemeClr val="phClr">
+                <a:shade val="51000"/>
+                <a:satMod val="130000"/>
+              </a:schemeClr>
+            </a:gs>
+            <a:gs pos="80000">
+              <a:schemeClr val="phClr">
+                <a:shade val="93000"/>
+                <a:satMod val="130000"/>
+              </a:schemeClr>
+            </a:gs>
+            <a:gs pos="100000">
+              <a:schemeClr val="phClr">
+                <a:shade val="94000"/>
+                <a:satMod val="135000"/>
+              </a:schemeClr>
+            </a:gs>
+          </a:gsLst>
+          <a:lin ang="16200000" scaled="0"/>
+        </a:gradFill>
+      </a:fillStyleLst>
+      <a:lnStyleLst>
+        <a:ln w="9525" cap="flat" cmpd="sng" algn="ctr">
+          <a:solidFill>
+            <a:schemeClr val="phClr">
+              <a:shade val="95000"/>
+              <a:satMod val="105000"/>
+            </a:schemeClr>
+          </a:solidFill>
+          <a:prstDash val="solid"/>
+        </a:ln>
+        <a:ln w="25400" cap="flat" cmpd="sng" algn="ctr">
+          <a:solidFill>
+            <a:schemeClr val="phClr"/>
+          </a:solidFill>
+          <a:prstDash val="solid"/>
+        </a:ln>
+        <a:ln w="38100" cap="flat" cmpd="sng" algn="ctr">
+          <a:solidFill>
+            <a:schemeClr val="phClr"/>
+          </a:solidFill>
+          <a:prstDash val="solid"/>
+        </a:ln>
+      </a:lnStyleLst>
+      <a:effectStyleLst>
+        <a:effectStyle>
+          <a:effectLst>
+            <a:outerShdw blurRad="40000" dist="20000" dir="5400000" rotWithShape="0">
+              <a:srgbClr val="000000">
+                <a:alpha val="38000"/>
+              </a:srgbClr>
+            </a:outerShdw>
+          </a:effectLst>
+        </a:effectStyle>
+        <a:effectStyle>
+          <a:effectLst>
+            <a:outerShdw blurRad="40000" dist="23000" dir="5400000" rotWithShape="0">
+              <a:srgbClr val="000000">
+                <a:alpha val="35000"/>
+              </a:srgbClr>
+            </a:outerShdw>
+          </a:effectLst>
+        </a:effectStyle>
+        <a:effectStyle>
+          <a:effectLst>
+            <a:outerShdw blurRad="40000" dist="23000" dir="5400000" rotWithShape="0">
+              <a:srgbClr val="000000">
+                <a:alpha val="35000"/>
+              </a:srgbClr>
+            </a:outerShdw>
+          </a:effectLst>
+          <a:scene3d>
+            <a:camera prst="orthographicFront">
+              <a:rot lat="0" lon="0" rev="0"/>
+            </a:camera>
+            <a:lightRig rig="threePt" dir="t">
+              <a:rot lat="0" lon="0" rev="1200000"/>
+            </a:lightRig>
+          </a:scene3d>
+          <a:sp3d>
+            <a:bevelT w="63500" h="25400"/>
+          </a:sp3d>
+        </a:effectStyle>
+      </a:effectStyleLst>
+      <a:bgFillStyleLst>
+        <a:solidFill>
+          <a:schemeClr val="phClr"/>
+        </a:solidFill>
+        <a:gradFill rotWithShape="1">
+          <a:gsLst>
+            <a:gs pos="0">
+              <a:schemeClr val="phClr">
+                <a:tint val="40000"/>
+                <a:satMod val="350000"/>
+              </a:schemeClr>
+            </a:gs>
+            <a:gs pos="40000">
+              <a:schemeClr val="phClr">
+                <a:tint val="45000"/>
+                <a:shade val="99000"/>
+                <a:satMod val="350000"/>
+              </a:schemeClr>
+            </a:gs>
+            <a:gs pos="100000">
+              <a:schemeClr val="phClr">
+                <a:shade val="20000"/>
+                <a:satMod val="255000"/>
+              </a:schemeClr>
+            </a:gs>
+          </a:gsLst>
+          <a:path path="circle">
+            <a:fillToRect l="50000" t="-80000" r="50000" b="180000"/>
+          </a:path>
+        </a:gradFill>
+        <a:gradFill rotWithShape="1">
+          <a:gsLst>
+            <a:gs pos="0">
+              <a:schemeClr val="phClr">
+                <a:tint val="80000"/>
+                <a:satMod val="300000"/>
+              </a:schemeClr>
+            </a:gs>
+            <a:gs pos="100000">
+              <a:schemeClr val="phClr">
+                <a:shade val="30000"/>
+                <a:satMod val="200000"/>
+              </a:schemeClr>
+            </a:gs>
+          </a:gsLst>
+          <a:path path="circle">
+            <a:fillToRect l="50000" t="50000" r="50000" b="50000"/>
+          </a:path>
+        </a:gradFill>
+      </a:bgFillStyleLst>
+    </a:fmtScheme>
+  </a:themeElements>
+  <a:objectDefaults>
+    <a:spDef>
+      <a:spPr>
+        <a:noFill/>
+        <a:ln w="19050">
+          <a:solidFill>
+            <a:srgbClr val="7B7D80"/>
+          </a:solidFill>
+        </a:ln>
+      </a:spPr>
+      <a:bodyPr rot="0" spcFirstLastPara="0" vertOverflow="overflow" horzOverflow="overflow" vert="horz" wrap="square" lIns="0" tIns="0" rIns="0" bIns="0" numCol="1" spcCol="0" rtlCol="0" fromWordArt="0" anchor="ctr" anchorCtr="0" forceAA="0" compatLnSpc="1">
+        <a:prstTxWarp prst="textNoShape">
+          <a:avLst/>
+        </a:prstTxWarp>
+        <a:noAutofit/>
+      </a:bodyPr>
+      <a:lstStyle>
+        <a:defPPr algn="ctr">
+          <a:defRPr dirty="0" smtClean="0">
+            <a:solidFill>
+              <a:schemeClr val="tx1"/>
+            </a:solidFill>
+          </a:defRPr>
+        </a:defPPr>
+      </a:lstStyle>
+      <a:style>
+        <a:lnRef idx="2">
+          <a:schemeClr val="accent1">
+            <a:shade val="50000"/>
+          </a:schemeClr>
+        </a:lnRef>
+        <a:fillRef idx="1">
+          <a:schemeClr val="accent1"/>
+        </a:fillRef>
+        <a:effectRef idx="0">
+          <a:schemeClr val="accent1"/>
+        </a:effectRef>
+        <a:fontRef idx="minor">
+          <a:schemeClr val="lt1"/>
+        </a:fontRef>
+      </a:style>
+    </a:spDef>
+    <a:lnDef>
+      <a:spPr>
+        <a:ln w="19050">
+          <a:solidFill>
+            <a:srgbClr val="7B7D80"/>
+          </a:solidFill>
+        </a:ln>
+      </a:spPr>
+      <a:bodyPr/>
+      <a:lstStyle/>
+      <a:style>
+        <a:lnRef idx="1">
+          <a:schemeClr val="accent1"/>
+        </a:lnRef>
+        <a:fillRef idx="0">
+          <a:schemeClr val="accent1"/>
+        </a:fillRef>
+        <a:effectRef idx="0">
+          <a:schemeClr val="accent1"/>
+        </a:effectRef>
+        <a:fontRef idx="minor">
+          <a:schemeClr val="tx1"/>
+        </a:fontRef>
+      </a:style>
+    </a:lnDef>
+    <a:txDef>
+      <a:spPr>
+        <a:noFill/>
+      </a:spPr>
+      <a:bodyPr wrap="square" lIns="0" tIns="0" rIns="0" bIns="0" rtlCol="0">
+        <a:noAutofit/>
+      </a:bodyPr>
+      <a:lstStyle>
+        <a:defPPr>
+          <a:defRPr dirty="0"/>
+        </a:defPPr>
+      </a:lstStyle>
+    </a:txDef>
+  </a:objectDefaults>
+  <a:extraClrSchemeLst/>
+  <a:extLst>
+    <a:ext uri="{05A4C25C-085E-4340-85A3-A5531E510DB2}">
+      <thm15:themeFamily xmlns="" xmlns:thm15="http://schemas.microsoft.com/office/thememl/2012/main" name="PresPrintOnScreen.potx" id="{B1CF8AA8-D6A7-41EF-9E90-0F39E6846CD9}" vid="{374E0768-1711-4036-89AA-A65302BE1F55}"/>
+    </a:ext>
+  </a:extLst>
+</a:theme>
+</file>
+
+<file path=ppt/theme/theme2.xml><?xml version="1.0" encoding="utf-8"?>
 <a:theme xmlns:a="http://schemas.openxmlformats.org/drawingml/2006/main" name="PresXpress_OnScreen_Theme">
   <a:themeElements>
     <a:clrScheme name="UBSNewColorsV2">
@@ -39349,317 +42236,7 @@
   <a:extraClrSchemeLst/>
   <a:extLst>
     <a:ext uri="{05A4C25C-085E-4340-85A3-A5531E510DB2}">
-      <thm15:themeFamily xmlns:thm15="http://schemas.microsoft.com/office/thememl/2012/main" xmlns="" name="PresPrintOnScreen.potx" id="{B1CF8AA8-D6A7-41EF-9E90-0F39E6846CD9}" vid="{374E0768-1711-4036-89AA-A65302BE1F55}"/>
-    </a:ext>
-  </a:extLst>
-</a:theme>
-</file>
-
-<file path=ppt/theme/theme2.xml><?xml version="1.0" encoding="utf-8"?>
-<a:theme xmlns:a="http://schemas.openxmlformats.org/drawingml/2006/main" name="1_PresXpress_OnScreen_Theme">
-  <a:themeElements>
-    <a:clrScheme name="UBSNewColorsV2">
-      <a:dk1>
-        <a:sysClr val="windowText" lastClr="000000"/>
-      </a:dk1>
-      <a:lt1>
-        <a:sysClr val="window" lastClr="FFFFFF"/>
-      </a:lt1>
-      <a:dk2>
-        <a:srgbClr val="E60000"/>
-      </a:dk2>
-      <a:lt2>
-        <a:srgbClr val="FFFFFF"/>
-      </a:lt2>
-      <a:accent1>
-        <a:srgbClr val="4D3C2F"/>
-      </a:accent1>
-      <a:accent2>
-        <a:srgbClr val="CFBD9B"/>
-      </a:accent2>
-      <a:accent3>
-        <a:srgbClr val="C07156"/>
-      </a:accent3>
-      <a:accent4>
-        <a:srgbClr val="E8C767"/>
-      </a:accent4>
-      <a:accent5>
-        <a:srgbClr val="AEB0B3"/>
-      </a:accent5>
-      <a:accent6>
-        <a:srgbClr val="A43725"/>
-      </a:accent6>
-      <a:hlink>
-        <a:srgbClr val="0000FF"/>
-      </a:hlink>
-      <a:folHlink>
-        <a:srgbClr val="800080"/>
-      </a:folHlink>
-    </a:clrScheme>
-    <a:fontScheme name="UBS OnScreen Fontset">
-      <a:majorFont>
-        <a:latin typeface="UBSHeadline"/>
-        <a:ea typeface="MS PGothic"/>
-        <a:cs typeface=""/>
-      </a:majorFont>
-      <a:minorFont>
-        <a:latin typeface="Frutiger 55 Roman"/>
-        <a:ea typeface="MS PGothic"/>
-        <a:cs typeface=""/>
-      </a:minorFont>
-    </a:fontScheme>
-    <a:fmtScheme name="Office">
-      <a:fillStyleLst>
-        <a:solidFill>
-          <a:schemeClr val="phClr"/>
-        </a:solidFill>
-        <a:gradFill rotWithShape="1">
-          <a:gsLst>
-            <a:gs pos="0">
-              <a:schemeClr val="phClr">
-                <a:tint val="50000"/>
-                <a:satMod val="300000"/>
-              </a:schemeClr>
-            </a:gs>
-            <a:gs pos="35000">
-              <a:schemeClr val="phClr">
-                <a:tint val="37000"/>
-                <a:satMod val="300000"/>
-              </a:schemeClr>
-            </a:gs>
-            <a:gs pos="100000">
-              <a:schemeClr val="phClr">
-                <a:tint val="15000"/>
-                <a:satMod val="350000"/>
-              </a:schemeClr>
-            </a:gs>
-          </a:gsLst>
-          <a:lin ang="16200000" scaled="1"/>
-        </a:gradFill>
-        <a:gradFill rotWithShape="1">
-          <a:gsLst>
-            <a:gs pos="0">
-              <a:schemeClr val="phClr">
-                <a:shade val="51000"/>
-                <a:satMod val="130000"/>
-              </a:schemeClr>
-            </a:gs>
-            <a:gs pos="80000">
-              <a:schemeClr val="phClr">
-                <a:shade val="93000"/>
-                <a:satMod val="130000"/>
-              </a:schemeClr>
-            </a:gs>
-            <a:gs pos="100000">
-              <a:schemeClr val="phClr">
-                <a:shade val="94000"/>
-                <a:satMod val="135000"/>
-              </a:schemeClr>
-            </a:gs>
-          </a:gsLst>
-          <a:lin ang="16200000" scaled="0"/>
-        </a:gradFill>
-      </a:fillStyleLst>
-      <a:lnStyleLst>
-        <a:ln w="9525" cap="flat" cmpd="sng" algn="ctr">
-          <a:solidFill>
-            <a:schemeClr val="phClr">
-              <a:shade val="95000"/>
-              <a:satMod val="105000"/>
-            </a:schemeClr>
-          </a:solidFill>
-          <a:prstDash val="solid"/>
-        </a:ln>
-        <a:ln w="25400" cap="flat" cmpd="sng" algn="ctr">
-          <a:solidFill>
-            <a:schemeClr val="phClr"/>
-          </a:solidFill>
-          <a:prstDash val="solid"/>
-        </a:ln>
-        <a:ln w="38100" cap="flat" cmpd="sng" algn="ctr">
-          <a:solidFill>
-            <a:schemeClr val="phClr"/>
-          </a:solidFill>
-          <a:prstDash val="solid"/>
-        </a:ln>
-      </a:lnStyleLst>
-      <a:effectStyleLst>
-        <a:effectStyle>
-          <a:effectLst>
-            <a:outerShdw blurRad="40000" dist="20000" dir="5400000" rotWithShape="0">
-              <a:srgbClr val="000000">
-                <a:alpha val="38000"/>
-              </a:srgbClr>
-            </a:outerShdw>
-          </a:effectLst>
-        </a:effectStyle>
-        <a:effectStyle>
-          <a:effectLst>
-            <a:outerShdw blurRad="40000" dist="23000" dir="5400000" rotWithShape="0">
-              <a:srgbClr val="000000">
-                <a:alpha val="35000"/>
-              </a:srgbClr>
-            </a:outerShdw>
-          </a:effectLst>
-        </a:effectStyle>
-        <a:effectStyle>
-          <a:effectLst>
-            <a:outerShdw blurRad="40000" dist="23000" dir="5400000" rotWithShape="0">
-              <a:srgbClr val="000000">
-                <a:alpha val="35000"/>
-              </a:srgbClr>
-            </a:outerShdw>
-          </a:effectLst>
-          <a:scene3d>
-            <a:camera prst="orthographicFront">
-              <a:rot lat="0" lon="0" rev="0"/>
-            </a:camera>
-            <a:lightRig rig="threePt" dir="t">
-              <a:rot lat="0" lon="0" rev="1200000"/>
-            </a:lightRig>
-          </a:scene3d>
-          <a:sp3d>
-            <a:bevelT w="63500" h="25400"/>
-          </a:sp3d>
-        </a:effectStyle>
-      </a:effectStyleLst>
-      <a:bgFillStyleLst>
-        <a:solidFill>
-          <a:schemeClr val="phClr"/>
-        </a:solidFill>
-        <a:gradFill rotWithShape="1">
-          <a:gsLst>
-            <a:gs pos="0">
-              <a:schemeClr val="phClr">
-                <a:tint val="40000"/>
-                <a:satMod val="350000"/>
-              </a:schemeClr>
-            </a:gs>
-            <a:gs pos="40000">
-              <a:schemeClr val="phClr">
-                <a:tint val="45000"/>
-                <a:shade val="99000"/>
-                <a:satMod val="350000"/>
-              </a:schemeClr>
-            </a:gs>
-            <a:gs pos="100000">
-              <a:schemeClr val="phClr">
-                <a:shade val="20000"/>
-                <a:satMod val="255000"/>
-              </a:schemeClr>
-            </a:gs>
-          </a:gsLst>
-          <a:path path="circle">
-            <a:fillToRect l="50000" t="-80000" r="50000" b="180000"/>
-          </a:path>
-        </a:gradFill>
-        <a:gradFill rotWithShape="1">
-          <a:gsLst>
-            <a:gs pos="0">
-              <a:schemeClr val="phClr">
-                <a:tint val="80000"/>
-                <a:satMod val="300000"/>
-              </a:schemeClr>
-            </a:gs>
-            <a:gs pos="100000">
-              <a:schemeClr val="phClr">
-                <a:shade val="30000"/>
-                <a:satMod val="200000"/>
-              </a:schemeClr>
-            </a:gs>
-          </a:gsLst>
-          <a:path path="circle">
-            <a:fillToRect l="50000" t="50000" r="50000" b="50000"/>
-          </a:path>
-        </a:gradFill>
-      </a:bgFillStyleLst>
-    </a:fmtScheme>
-  </a:themeElements>
-  <a:objectDefaults>
-    <a:spDef>
-      <a:spPr>
-        <a:noFill/>
-        <a:ln w="19050">
-          <a:solidFill>
-            <a:srgbClr val="7B7D80"/>
-          </a:solidFill>
-        </a:ln>
-      </a:spPr>
-      <a:bodyPr rot="0" spcFirstLastPara="0" vertOverflow="overflow" horzOverflow="overflow" vert="horz" wrap="square" lIns="0" tIns="0" rIns="0" bIns="0" numCol="1" spcCol="0" rtlCol="0" fromWordArt="0" anchor="ctr" anchorCtr="0" forceAA="0" compatLnSpc="1">
-        <a:prstTxWarp prst="textNoShape">
-          <a:avLst/>
-        </a:prstTxWarp>
-        <a:noAutofit/>
-      </a:bodyPr>
-      <a:lstStyle>
-        <a:defPPr algn="ctr">
-          <a:defRPr dirty="0" smtClean="0">
-            <a:solidFill>
-              <a:schemeClr val="tx1"/>
-            </a:solidFill>
-          </a:defRPr>
-        </a:defPPr>
-      </a:lstStyle>
-      <a:style>
-        <a:lnRef idx="2">
-          <a:schemeClr val="accent1">
-            <a:shade val="50000"/>
-          </a:schemeClr>
-        </a:lnRef>
-        <a:fillRef idx="1">
-          <a:schemeClr val="accent1"/>
-        </a:fillRef>
-        <a:effectRef idx="0">
-          <a:schemeClr val="accent1"/>
-        </a:effectRef>
-        <a:fontRef idx="minor">
-          <a:schemeClr val="lt1"/>
-        </a:fontRef>
-      </a:style>
-    </a:spDef>
-    <a:lnDef>
-      <a:spPr>
-        <a:ln w="19050">
-          <a:solidFill>
-            <a:srgbClr val="7B7D80"/>
-          </a:solidFill>
-        </a:ln>
-      </a:spPr>
-      <a:bodyPr/>
-      <a:lstStyle/>
-      <a:style>
-        <a:lnRef idx="1">
-          <a:schemeClr val="accent1"/>
-        </a:lnRef>
-        <a:fillRef idx="0">
-          <a:schemeClr val="accent1"/>
-        </a:fillRef>
-        <a:effectRef idx="0">
-          <a:schemeClr val="accent1"/>
-        </a:effectRef>
-        <a:fontRef idx="minor">
-          <a:schemeClr val="tx1"/>
-        </a:fontRef>
-      </a:style>
-    </a:lnDef>
-    <a:txDef>
-      <a:spPr>
-        <a:noFill/>
-      </a:spPr>
-      <a:bodyPr wrap="square" lIns="0" tIns="0" rIns="0" bIns="0" rtlCol="0">
-        <a:noAutofit/>
-      </a:bodyPr>
-      <a:lstStyle>
-        <a:defPPr>
-          <a:defRPr dirty="0"/>
-        </a:defPPr>
-      </a:lstStyle>
-    </a:txDef>
-  </a:objectDefaults>
-  <a:extraClrSchemeLst/>
-  <a:extLst>
-    <a:ext uri="{05A4C25C-085E-4340-85A3-A5531E510DB2}">
-      <thm15:themeFamily xmlns:thm15="http://schemas.microsoft.com/office/thememl/2012/main" xmlns="" name="PresPrintOnScreen.potx" id="{B1CF8AA8-D6A7-41EF-9E90-0F39E6846CD9}" vid="{374E0768-1711-4036-89AA-A65302BE1F55}"/>
+      <thm15:themeFamily xmlns="" xmlns:thm15="http://schemas.microsoft.com/office/thememl/2012/main" name="PresPrintOnScreen.potx" id="{B1CF8AA8-D6A7-41EF-9E90-0F39E6846CD9}" vid="{374E0768-1711-4036-89AA-A65302BE1F55}"/>
     </a:ext>
   </a:extLst>
 </a:theme>

--- a/Day 4/Day 4.pptx
+++ b/Day 4/Day 4.pptx
@@ -6,25 +6,29 @@
     <p:sldMasterId id="2147484215" r:id="rId3"/>
   </p:sldMasterIdLst>
   <p:notesMasterIdLst>
-    <p:notesMasterId r:id="rId12"/>
+    <p:notesMasterId r:id="rId16"/>
   </p:notesMasterIdLst>
   <p:handoutMasterIdLst>
-    <p:handoutMasterId r:id="rId13"/>
+    <p:handoutMasterId r:id="rId17"/>
   </p:handoutMasterIdLst>
   <p:sldIdLst>
-    <p:sldId id="267" r:id="rId4"/>
-    <p:sldId id="269" r:id="rId5"/>
-    <p:sldId id="270" r:id="rId6"/>
-    <p:sldId id="271" r:id="rId7"/>
-    <p:sldId id="272" r:id="rId8"/>
-    <p:sldId id="273" r:id="rId9"/>
-    <p:sldId id="274" r:id="rId10"/>
-    <p:sldId id="275" r:id="rId11"/>
+    <p:sldId id="280" r:id="rId4"/>
+    <p:sldId id="267" r:id="rId5"/>
+    <p:sldId id="269" r:id="rId6"/>
+    <p:sldId id="270" r:id="rId7"/>
+    <p:sldId id="274" r:id="rId8"/>
+    <p:sldId id="275" r:id="rId9"/>
+    <p:sldId id="277" r:id="rId10"/>
+    <p:sldId id="278" r:id="rId11"/>
+    <p:sldId id="271" r:id="rId12"/>
+    <p:sldId id="272" r:id="rId13"/>
+    <p:sldId id="273" r:id="rId14"/>
+    <p:sldId id="279" r:id="rId15"/>
   </p:sldIdLst>
   <p:sldSz cx="13404850" cy="7543800"/>
   <p:notesSz cx="6996113" cy="9282113"/>
   <p:custDataLst>
-    <p:tags r:id="rId14"/>
+    <p:tags r:id="rId18"/>
   </p:custDataLst>
   <p:defaultTextStyle>
     <a:defPPr>
@@ -156,14 +160,18 @@
       <p14:sectionLst xmlns:p14="http://schemas.microsoft.com/office/powerpoint/2010/main">
         <p14:section name="Untitled Section" id="{1030C549-4C55-4C9A-8619-56AC5A5EDCB9}">
           <p14:sldIdLst>
+            <p14:sldId id="280"/>
             <p14:sldId id="267"/>
             <p14:sldId id="269"/>
             <p14:sldId id="270"/>
+            <p14:sldId id="274"/>
+            <p14:sldId id="275"/>
+            <p14:sldId id="277"/>
+            <p14:sldId id="278"/>
             <p14:sldId id="271"/>
             <p14:sldId id="272"/>
             <p14:sldId id="273"/>
-            <p14:sldId id="274"/>
-            <p14:sldId id="275"/>
+            <p14:sldId id="279"/>
           </p14:sldIdLst>
         </p14:section>
         <p14:section name="Untitled Section" id="{B84B32C3-02CE-4382-A6AF-5E9B2CF4795D}">
@@ -175,7 +183,7 @@
       </p14:sectionLst>
     </p:ext>
     <p:ext uri="{EFAFB233-063F-42B5-8137-9DF3F51BA10A}">
-      <p15:sldGuideLst xmlns="" xmlns:p15="http://schemas.microsoft.com/office/powerpoint/2012/main">
+      <p15:sldGuideLst xmlns:p15="http://schemas.microsoft.com/office/powerpoint/2012/main" xmlns="">
         <p15:guide id="1" orient="horz" pos="4579" userDrawn="1">
           <p15:clr>
             <a:srgbClr val="A4A3A4"/>
@@ -239,7 +247,7 @@
       </p15:sldGuideLst>
     </p:ext>
     <p:ext uri="{2D200454-40CA-4A62-9FC3-DE9A4176ACB9}">
-      <p15:notesGuideLst xmlns="" xmlns:p15="http://schemas.microsoft.com/office/powerpoint/2012/main">
+      <p15:notesGuideLst xmlns:p15="http://schemas.microsoft.com/office/powerpoint/2012/main" xmlns="">
         <p15:guide id="1" orient="horz" pos="2923">
           <p15:clr>
             <a:srgbClr val="A4A3A4"/>
@@ -253,7 +261,7 @@
       </p15:notesGuideLst>
     </p:ext>
     <p:ext uri="{50385BFA-195E-4E9F-9E8A-86900EEC6D5D}">
-      <p14:sectionPr xmlns="" xmlns:p14="http://schemas.microsoft.com/office/powerpoint/2007/7/12/main">
+      <p14:sectionPr xmlns:p14="http://schemas.microsoft.com/office/powerpoint/2007/7/12/main" xmlns="">
         <p14:section name="Default Section" slideIdLst="263 258" id="{F3A50AD0-1C96-4FFB-A588-4C2E07833EC5}"/>
         <p14:section name="Untitled Section" slideIdLst="259 260" id="{731A7D92-B090-44AE-BDF3-5EDBB7844CCD}"/>
         <p14:section name="Untitled Section" slideIdLst="261 262" id="{8A1131A8-562D-483F-B678-EACC5503E90B}"/>
@@ -941,7 +949,193 @@
     </p:spTree>
     <p:extLst>
       <p:ext uri="{BB962C8B-B14F-4D97-AF65-F5344CB8AC3E}">
-        <p14:creationId xmlns:p14="http://schemas.microsoft.com/office/powerpoint/2010/main" val="237473708"/>
+        <p14:creationId xmlns:p14="http://schemas.microsoft.com/office/powerpoint/2010/main" val="3516102724"/>
+      </p:ext>
+    </p:extLst>
+  </p:cSld>
+  <p:clrMapOvr>
+    <a:masterClrMapping/>
+  </p:clrMapOvr>
+</p:notes>
+</file>
+
+<file path=ppt/notesSlides/notesSlide10.xml><?xml version="1.0" encoding="utf-8"?>
+<p:notes xmlns:a="http://schemas.openxmlformats.org/drawingml/2006/main" xmlns:r="http://schemas.openxmlformats.org/officeDocument/2006/relationships" xmlns:p="http://schemas.openxmlformats.org/presentationml/2006/main">
+  <p:cSld>
+    <p:spTree>
+      <p:nvGrpSpPr>
+        <p:cNvPr id="1" name=""/>
+        <p:cNvGrpSpPr/>
+        <p:nvPr/>
+      </p:nvGrpSpPr>
+      <p:grpSpPr>
+        <a:xfrm>
+          <a:off x="0" y="0"/>
+          <a:ext cx="0" cy="0"/>
+          <a:chOff x="0" y="0"/>
+          <a:chExt cx="0" cy="0"/>
+        </a:xfrm>
+      </p:grpSpPr>
+      <p:sp>
+        <p:nvSpPr>
+          <p:cNvPr id="2" name="Slide Image Placeholder 1"/>
+          <p:cNvSpPr>
+            <a:spLocks noGrp="1" noRot="1" noChangeAspect="1"/>
+          </p:cNvSpPr>
+          <p:nvPr>
+            <p:ph type="sldImg"/>
+          </p:nvPr>
+        </p:nvSpPr>
+        <p:spPr/>
+      </p:sp>
+      <p:sp>
+        <p:nvSpPr>
+          <p:cNvPr id="3" name="Notes Placeholder 2"/>
+          <p:cNvSpPr>
+            <a:spLocks noGrp="1"/>
+          </p:cNvSpPr>
+          <p:nvPr>
+            <p:ph type="body" idx="1"/>
+          </p:nvPr>
+        </p:nvSpPr>
+        <p:spPr/>
+        <p:txBody>
+          <a:bodyPr/>
+          <a:lstStyle/>
+          <a:p>
+            <a:endParaRPr lang="en-US" dirty="0"/>
+          </a:p>
+        </p:txBody>
+      </p:sp>
+      <p:sp>
+        <p:nvSpPr>
+          <p:cNvPr id="4" name="Slide Number Placeholder 3"/>
+          <p:cNvSpPr>
+            <a:spLocks noGrp="1"/>
+          </p:cNvSpPr>
+          <p:nvPr>
+            <p:ph type="sldNum" sz="quarter" idx="10"/>
+          </p:nvPr>
+        </p:nvSpPr>
+        <p:spPr/>
+        <p:txBody>
+          <a:bodyPr/>
+          <a:lstStyle/>
+          <a:p>
+            <a:fld id="{2A45EEF0-2412-4E74-8042-71FA5C916756}" type="slidenum">
+              <a:rPr lang="zh-TW" altLang="en-US" smtClean="0">
+                <a:solidFill>
+                  <a:prstClr val="black"/>
+                </a:solidFill>
+              </a:rPr>
+              <a:pPr/>
+              <a:t>10</a:t>
+            </a:fld>
+            <a:endParaRPr altLang="zh-TW" dirty="0">
+              <a:solidFill>
+                <a:prstClr val="black"/>
+              </a:solidFill>
+            </a:endParaRPr>
+          </a:p>
+        </p:txBody>
+      </p:sp>
+    </p:spTree>
+    <p:extLst>
+      <p:ext uri="{BB962C8B-B14F-4D97-AF65-F5344CB8AC3E}">
+        <p14:creationId xmlns:p14="http://schemas.microsoft.com/office/powerpoint/2010/main" val="1721401234"/>
+      </p:ext>
+    </p:extLst>
+  </p:cSld>
+  <p:clrMapOvr>
+    <a:masterClrMapping/>
+  </p:clrMapOvr>
+</p:notes>
+</file>
+
+<file path=ppt/notesSlides/notesSlide11.xml><?xml version="1.0" encoding="utf-8"?>
+<p:notes xmlns:a="http://schemas.openxmlformats.org/drawingml/2006/main" xmlns:r="http://schemas.openxmlformats.org/officeDocument/2006/relationships" xmlns:p="http://schemas.openxmlformats.org/presentationml/2006/main">
+  <p:cSld>
+    <p:spTree>
+      <p:nvGrpSpPr>
+        <p:cNvPr id="1" name=""/>
+        <p:cNvGrpSpPr/>
+        <p:nvPr/>
+      </p:nvGrpSpPr>
+      <p:grpSpPr>
+        <a:xfrm>
+          <a:off x="0" y="0"/>
+          <a:ext cx="0" cy="0"/>
+          <a:chOff x="0" y="0"/>
+          <a:chExt cx="0" cy="0"/>
+        </a:xfrm>
+      </p:grpSpPr>
+      <p:sp>
+        <p:nvSpPr>
+          <p:cNvPr id="2" name="Slide Image Placeholder 1"/>
+          <p:cNvSpPr>
+            <a:spLocks noGrp="1" noRot="1" noChangeAspect="1"/>
+          </p:cNvSpPr>
+          <p:nvPr>
+            <p:ph type="sldImg"/>
+          </p:nvPr>
+        </p:nvSpPr>
+        <p:spPr/>
+      </p:sp>
+      <p:sp>
+        <p:nvSpPr>
+          <p:cNvPr id="3" name="Notes Placeholder 2"/>
+          <p:cNvSpPr>
+            <a:spLocks noGrp="1"/>
+          </p:cNvSpPr>
+          <p:nvPr>
+            <p:ph type="body" idx="1"/>
+          </p:nvPr>
+        </p:nvSpPr>
+        <p:spPr/>
+        <p:txBody>
+          <a:bodyPr/>
+          <a:lstStyle/>
+          <a:p>
+            <a:endParaRPr lang="en-US" dirty="0"/>
+          </a:p>
+        </p:txBody>
+      </p:sp>
+      <p:sp>
+        <p:nvSpPr>
+          <p:cNvPr id="4" name="Slide Number Placeholder 3"/>
+          <p:cNvSpPr>
+            <a:spLocks noGrp="1"/>
+          </p:cNvSpPr>
+          <p:nvPr>
+            <p:ph type="sldNum" sz="quarter" idx="10"/>
+          </p:nvPr>
+        </p:nvSpPr>
+        <p:spPr/>
+        <p:txBody>
+          <a:bodyPr/>
+          <a:lstStyle/>
+          <a:p>
+            <a:fld id="{2A45EEF0-2412-4E74-8042-71FA5C916756}" type="slidenum">
+              <a:rPr lang="zh-TW" altLang="en-US" smtClean="0">
+                <a:solidFill>
+                  <a:prstClr val="black"/>
+                </a:solidFill>
+              </a:rPr>
+              <a:pPr/>
+              <a:t>11</a:t>
+            </a:fld>
+            <a:endParaRPr altLang="zh-TW" dirty="0">
+              <a:solidFill>
+                <a:prstClr val="black"/>
+              </a:solidFill>
+            </a:endParaRPr>
+          </a:p>
+        </p:txBody>
+      </p:sp>
+    </p:spTree>
+    <p:extLst>
+      <p:ext uri="{BB962C8B-B14F-4D97-AF65-F5344CB8AC3E}">
+        <p14:creationId xmlns:p14="http://schemas.microsoft.com/office/powerpoint/2010/main" val="1721401234"/>
       </p:ext>
     </p:extLst>
   </p:cSld>
@@ -1034,7 +1228,7 @@
     </p:spTree>
     <p:extLst>
       <p:ext uri="{BB962C8B-B14F-4D97-AF65-F5344CB8AC3E}">
-        <p14:creationId xmlns:p14="http://schemas.microsoft.com/office/powerpoint/2010/main" val="548757771"/>
+        <p14:creationId xmlns:p14="http://schemas.microsoft.com/office/powerpoint/2010/main" val="237473708"/>
       </p:ext>
     </p:extLst>
   </p:cSld>
@@ -1127,7 +1321,7 @@
     </p:spTree>
     <p:extLst>
       <p:ext uri="{BB962C8B-B14F-4D97-AF65-F5344CB8AC3E}">
-        <p14:creationId xmlns:p14="http://schemas.microsoft.com/office/powerpoint/2010/main" val="3516102724"/>
+        <p14:creationId xmlns:p14="http://schemas.microsoft.com/office/powerpoint/2010/main" val="548757771"/>
       </p:ext>
     </p:extLst>
   </p:cSld>
@@ -1201,13 +1395,13 @@
           <a:lstStyle/>
           <a:p>
             <a:fld id="{2A45EEF0-2412-4E74-8042-71FA5C916756}" type="slidenum">
-              <a:rPr lang="zh-TW" altLang="en-US" smtClean="0">
+              <a:rPr altLang="zh-TW" smtClean="0">
                 <a:solidFill>
                   <a:prstClr val="black"/>
                 </a:solidFill>
               </a:rPr>
               <a:pPr/>
-              <a:t>4</a:t>
+              <a:t>3</a:t>
             </a:fld>
             <a:endParaRPr altLang="zh-TW" dirty="0">
               <a:solidFill>
@@ -1220,7 +1414,7 @@
     </p:spTree>
     <p:extLst>
       <p:ext uri="{BB962C8B-B14F-4D97-AF65-F5344CB8AC3E}">
-        <p14:creationId xmlns:p14="http://schemas.microsoft.com/office/powerpoint/2010/main" val="3706060435"/>
+        <p14:creationId xmlns:p14="http://schemas.microsoft.com/office/powerpoint/2010/main" val="3516102724"/>
       </p:ext>
     </p:extLst>
   </p:cSld>
@@ -1294,7 +1488,100 @@
           <a:lstStyle/>
           <a:p>
             <a:fld id="{2A45EEF0-2412-4E74-8042-71FA5C916756}" type="slidenum">
-              <a:rPr lang="zh-TW" altLang="en-US" smtClean="0">
+              <a:rPr altLang="zh-TW" smtClean="0">
+                <a:solidFill>
+                  <a:prstClr val="black"/>
+                </a:solidFill>
+              </a:rPr>
+              <a:pPr/>
+              <a:t>4</a:t>
+            </a:fld>
+            <a:endParaRPr altLang="zh-TW" dirty="0">
+              <a:solidFill>
+                <a:prstClr val="black"/>
+              </a:solidFill>
+            </a:endParaRPr>
+          </a:p>
+        </p:txBody>
+      </p:sp>
+    </p:spTree>
+    <p:extLst>
+      <p:ext uri="{BB962C8B-B14F-4D97-AF65-F5344CB8AC3E}">
+        <p14:creationId xmlns:p14="http://schemas.microsoft.com/office/powerpoint/2010/main" val="3516102724"/>
+      </p:ext>
+    </p:extLst>
+  </p:cSld>
+  <p:clrMapOvr>
+    <a:masterClrMapping/>
+  </p:clrMapOvr>
+</p:notes>
+</file>
+
+<file path=ppt/notesSlides/notesSlide6.xml><?xml version="1.0" encoding="utf-8"?>
+<p:notes xmlns:a="http://schemas.openxmlformats.org/drawingml/2006/main" xmlns:r="http://schemas.openxmlformats.org/officeDocument/2006/relationships" xmlns:p="http://schemas.openxmlformats.org/presentationml/2006/main">
+  <p:cSld>
+    <p:spTree>
+      <p:nvGrpSpPr>
+        <p:cNvPr id="1" name=""/>
+        <p:cNvGrpSpPr/>
+        <p:nvPr/>
+      </p:nvGrpSpPr>
+      <p:grpSpPr>
+        <a:xfrm>
+          <a:off x="0" y="0"/>
+          <a:ext cx="0" cy="0"/>
+          <a:chOff x="0" y="0"/>
+          <a:chExt cx="0" cy="0"/>
+        </a:xfrm>
+      </p:grpSpPr>
+      <p:sp>
+        <p:nvSpPr>
+          <p:cNvPr id="2" name="Slide Image Placeholder 1"/>
+          <p:cNvSpPr>
+            <a:spLocks noGrp="1" noRot="1" noChangeAspect="1"/>
+          </p:cNvSpPr>
+          <p:nvPr>
+            <p:ph type="sldImg"/>
+          </p:nvPr>
+        </p:nvSpPr>
+        <p:spPr/>
+      </p:sp>
+      <p:sp>
+        <p:nvSpPr>
+          <p:cNvPr id="3" name="Notes Placeholder 2"/>
+          <p:cNvSpPr>
+            <a:spLocks noGrp="1"/>
+          </p:cNvSpPr>
+          <p:nvPr>
+            <p:ph type="body" idx="1"/>
+          </p:nvPr>
+        </p:nvSpPr>
+        <p:spPr/>
+        <p:txBody>
+          <a:bodyPr/>
+          <a:lstStyle/>
+          <a:p>
+            <a:endParaRPr lang="en-US" dirty="0"/>
+          </a:p>
+        </p:txBody>
+      </p:sp>
+      <p:sp>
+        <p:nvSpPr>
+          <p:cNvPr id="4" name="Slide Number Placeholder 3"/>
+          <p:cNvSpPr>
+            <a:spLocks noGrp="1"/>
+          </p:cNvSpPr>
+          <p:nvPr>
+            <p:ph type="sldNum" sz="quarter" idx="10"/>
+          </p:nvPr>
+        </p:nvSpPr>
+        <p:spPr/>
+        <p:txBody>
+          <a:bodyPr/>
+          <a:lstStyle/>
+          <a:p>
+            <a:fld id="{2A45EEF0-2412-4E74-8042-71FA5C916756}" type="slidenum">
+              <a:rPr altLang="zh-TW" smtClean="0">
                 <a:solidFill>
                   <a:prstClr val="black"/>
                 </a:solidFill>
@@ -1313,7 +1600,286 @@
     </p:spTree>
     <p:extLst>
       <p:ext uri="{BB962C8B-B14F-4D97-AF65-F5344CB8AC3E}">
-        <p14:creationId xmlns:p14="http://schemas.microsoft.com/office/powerpoint/2010/main" val="1721401234"/>
+        <p14:creationId xmlns:p14="http://schemas.microsoft.com/office/powerpoint/2010/main" val="3516102724"/>
+      </p:ext>
+    </p:extLst>
+  </p:cSld>
+  <p:clrMapOvr>
+    <a:masterClrMapping/>
+  </p:clrMapOvr>
+</p:notes>
+</file>
+
+<file path=ppt/notesSlides/notesSlide7.xml><?xml version="1.0" encoding="utf-8"?>
+<p:notes xmlns:a="http://schemas.openxmlformats.org/drawingml/2006/main" xmlns:r="http://schemas.openxmlformats.org/officeDocument/2006/relationships" xmlns:p="http://schemas.openxmlformats.org/presentationml/2006/main">
+  <p:cSld>
+    <p:spTree>
+      <p:nvGrpSpPr>
+        <p:cNvPr id="1" name=""/>
+        <p:cNvGrpSpPr/>
+        <p:nvPr/>
+      </p:nvGrpSpPr>
+      <p:grpSpPr>
+        <a:xfrm>
+          <a:off x="0" y="0"/>
+          <a:ext cx="0" cy="0"/>
+          <a:chOff x="0" y="0"/>
+          <a:chExt cx="0" cy="0"/>
+        </a:xfrm>
+      </p:grpSpPr>
+      <p:sp>
+        <p:nvSpPr>
+          <p:cNvPr id="2" name="Slide Image Placeholder 1"/>
+          <p:cNvSpPr>
+            <a:spLocks noGrp="1" noRot="1" noChangeAspect="1"/>
+          </p:cNvSpPr>
+          <p:nvPr>
+            <p:ph type="sldImg"/>
+          </p:nvPr>
+        </p:nvSpPr>
+        <p:spPr/>
+      </p:sp>
+      <p:sp>
+        <p:nvSpPr>
+          <p:cNvPr id="3" name="Notes Placeholder 2"/>
+          <p:cNvSpPr>
+            <a:spLocks noGrp="1"/>
+          </p:cNvSpPr>
+          <p:nvPr>
+            <p:ph type="body" idx="1"/>
+          </p:nvPr>
+        </p:nvSpPr>
+        <p:spPr/>
+        <p:txBody>
+          <a:bodyPr/>
+          <a:lstStyle/>
+          <a:p>
+            <a:endParaRPr lang="en-US" dirty="0"/>
+          </a:p>
+        </p:txBody>
+      </p:sp>
+      <p:sp>
+        <p:nvSpPr>
+          <p:cNvPr id="4" name="Slide Number Placeholder 3"/>
+          <p:cNvSpPr>
+            <a:spLocks noGrp="1"/>
+          </p:cNvSpPr>
+          <p:nvPr>
+            <p:ph type="sldNum" sz="quarter" idx="10"/>
+          </p:nvPr>
+        </p:nvSpPr>
+        <p:spPr/>
+        <p:txBody>
+          <a:bodyPr/>
+          <a:lstStyle/>
+          <a:p>
+            <a:fld id="{2A45EEF0-2412-4E74-8042-71FA5C916756}" type="slidenum">
+              <a:rPr altLang="zh-TW" smtClean="0">
+                <a:solidFill>
+                  <a:prstClr val="black"/>
+                </a:solidFill>
+              </a:rPr>
+              <a:pPr/>
+              <a:t>6</a:t>
+            </a:fld>
+            <a:endParaRPr altLang="zh-TW" dirty="0">
+              <a:solidFill>
+                <a:prstClr val="black"/>
+              </a:solidFill>
+            </a:endParaRPr>
+          </a:p>
+        </p:txBody>
+      </p:sp>
+    </p:spTree>
+    <p:extLst>
+      <p:ext uri="{BB962C8B-B14F-4D97-AF65-F5344CB8AC3E}">
+        <p14:creationId xmlns:p14="http://schemas.microsoft.com/office/powerpoint/2010/main" val="3516102724"/>
+      </p:ext>
+    </p:extLst>
+  </p:cSld>
+  <p:clrMapOvr>
+    <a:masterClrMapping/>
+  </p:clrMapOvr>
+</p:notes>
+</file>
+
+<file path=ppt/notesSlides/notesSlide8.xml><?xml version="1.0" encoding="utf-8"?>
+<p:notes xmlns:a="http://schemas.openxmlformats.org/drawingml/2006/main" xmlns:r="http://schemas.openxmlformats.org/officeDocument/2006/relationships" xmlns:p="http://schemas.openxmlformats.org/presentationml/2006/main">
+  <p:cSld>
+    <p:spTree>
+      <p:nvGrpSpPr>
+        <p:cNvPr id="1" name=""/>
+        <p:cNvGrpSpPr/>
+        <p:nvPr/>
+      </p:nvGrpSpPr>
+      <p:grpSpPr>
+        <a:xfrm>
+          <a:off x="0" y="0"/>
+          <a:ext cx="0" cy="0"/>
+          <a:chOff x="0" y="0"/>
+          <a:chExt cx="0" cy="0"/>
+        </a:xfrm>
+      </p:grpSpPr>
+      <p:sp>
+        <p:nvSpPr>
+          <p:cNvPr id="2" name="Slide Image Placeholder 1"/>
+          <p:cNvSpPr>
+            <a:spLocks noGrp="1" noRot="1" noChangeAspect="1"/>
+          </p:cNvSpPr>
+          <p:nvPr>
+            <p:ph type="sldImg"/>
+          </p:nvPr>
+        </p:nvSpPr>
+        <p:spPr/>
+      </p:sp>
+      <p:sp>
+        <p:nvSpPr>
+          <p:cNvPr id="3" name="Notes Placeholder 2"/>
+          <p:cNvSpPr>
+            <a:spLocks noGrp="1"/>
+          </p:cNvSpPr>
+          <p:nvPr>
+            <p:ph type="body" idx="1"/>
+          </p:nvPr>
+        </p:nvSpPr>
+        <p:spPr/>
+        <p:txBody>
+          <a:bodyPr/>
+          <a:lstStyle/>
+          <a:p>
+            <a:endParaRPr lang="en-US" dirty="0"/>
+          </a:p>
+        </p:txBody>
+      </p:sp>
+      <p:sp>
+        <p:nvSpPr>
+          <p:cNvPr id="4" name="Slide Number Placeholder 3"/>
+          <p:cNvSpPr>
+            <a:spLocks noGrp="1"/>
+          </p:cNvSpPr>
+          <p:nvPr>
+            <p:ph type="sldNum" sz="quarter" idx="10"/>
+          </p:nvPr>
+        </p:nvSpPr>
+        <p:spPr/>
+        <p:txBody>
+          <a:bodyPr/>
+          <a:lstStyle/>
+          <a:p>
+            <a:fld id="{2A45EEF0-2412-4E74-8042-71FA5C916756}" type="slidenum">
+              <a:rPr altLang="zh-TW" smtClean="0">
+                <a:solidFill>
+                  <a:prstClr val="black"/>
+                </a:solidFill>
+              </a:rPr>
+              <a:pPr/>
+              <a:t>7</a:t>
+            </a:fld>
+            <a:endParaRPr altLang="zh-TW" dirty="0">
+              <a:solidFill>
+                <a:prstClr val="black"/>
+              </a:solidFill>
+            </a:endParaRPr>
+          </a:p>
+        </p:txBody>
+      </p:sp>
+    </p:spTree>
+    <p:extLst>
+      <p:ext uri="{BB962C8B-B14F-4D97-AF65-F5344CB8AC3E}">
+        <p14:creationId xmlns:p14="http://schemas.microsoft.com/office/powerpoint/2010/main" val="3516102724"/>
+      </p:ext>
+    </p:extLst>
+  </p:cSld>
+  <p:clrMapOvr>
+    <a:masterClrMapping/>
+  </p:clrMapOvr>
+</p:notes>
+</file>
+
+<file path=ppt/notesSlides/notesSlide9.xml><?xml version="1.0" encoding="utf-8"?>
+<p:notes xmlns:a="http://schemas.openxmlformats.org/drawingml/2006/main" xmlns:r="http://schemas.openxmlformats.org/officeDocument/2006/relationships" xmlns:p="http://schemas.openxmlformats.org/presentationml/2006/main">
+  <p:cSld>
+    <p:spTree>
+      <p:nvGrpSpPr>
+        <p:cNvPr id="1" name=""/>
+        <p:cNvGrpSpPr/>
+        <p:nvPr/>
+      </p:nvGrpSpPr>
+      <p:grpSpPr>
+        <a:xfrm>
+          <a:off x="0" y="0"/>
+          <a:ext cx="0" cy="0"/>
+          <a:chOff x="0" y="0"/>
+          <a:chExt cx="0" cy="0"/>
+        </a:xfrm>
+      </p:grpSpPr>
+      <p:sp>
+        <p:nvSpPr>
+          <p:cNvPr id="2" name="Slide Image Placeholder 1"/>
+          <p:cNvSpPr>
+            <a:spLocks noGrp="1" noRot="1" noChangeAspect="1"/>
+          </p:cNvSpPr>
+          <p:nvPr>
+            <p:ph type="sldImg"/>
+          </p:nvPr>
+        </p:nvSpPr>
+        <p:spPr/>
+      </p:sp>
+      <p:sp>
+        <p:nvSpPr>
+          <p:cNvPr id="3" name="Notes Placeholder 2"/>
+          <p:cNvSpPr>
+            <a:spLocks noGrp="1"/>
+          </p:cNvSpPr>
+          <p:nvPr>
+            <p:ph type="body" idx="1"/>
+          </p:nvPr>
+        </p:nvSpPr>
+        <p:spPr/>
+        <p:txBody>
+          <a:bodyPr/>
+          <a:lstStyle/>
+          <a:p>
+            <a:endParaRPr lang="en-US" dirty="0"/>
+          </a:p>
+        </p:txBody>
+      </p:sp>
+      <p:sp>
+        <p:nvSpPr>
+          <p:cNvPr id="4" name="Slide Number Placeholder 3"/>
+          <p:cNvSpPr>
+            <a:spLocks noGrp="1"/>
+          </p:cNvSpPr>
+          <p:nvPr>
+            <p:ph type="sldNum" sz="quarter" idx="10"/>
+          </p:nvPr>
+        </p:nvSpPr>
+        <p:spPr/>
+        <p:txBody>
+          <a:bodyPr/>
+          <a:lstStyle/>
+          <a:p>
+            <a:fld id="{2A45EEF0-2412-4E74-8042-71FA5C916756}" type="slidenum">
+              <a:rPr lang="zh-TW" altLang="en-US" smtClean="0">
+                <a:solidFill>
+                  <a:prstClr val="black"/>
+                </a:solidFill>
+              </a:rPr>
+              <a:pPr/>
+              <a:t>9</a:t>
+            </a:fld>
+            <a:endParaRPr altLang="zh-TW" dirty="0">
+              <a:solidFill>
+                <a:prstClr val="black"/>
+              </a:solidFill>
+            </a:endParaRPr>
+          </a:p>
+        </p:txBody>
+      </p:sp>
+    </p:spTree>
+    <p:extLst>
+      <p:ext uri="{BB962C8B-B14F-4D97-AF65-F5344CB8AC3E}">
+        <p14:creationId xmlns:p14="http://schemas.microsoft.com/office/powerpoint/2010/main" val="3706060435"/>
       </p:ext>
     </p:extLst>
   </p:cSld>
@@ -3186,8 +3752,9 @@
           <a:p>
             <a:r>
               <a:rPr lang="en-US" dirty="0" smtClean="0"/>
-              <a:t>UBSPROD\t608113 [printed: ____] [saved: May 14, 2019 10:03 AM] \\UBSPROD.MSAD.UBS.NET\UserData\T608113\Home\Documents\Teaching\Day 1.pptx </a:t>
-            </a:r>
+              <a:t>UBSPROD\t608113 [printed: ____] [saved: May 23, 2019 3:02 PM] P:\Documents\Teaching\CodeRedPythonPune-master\CodeRedPythonPune-master\Day 4\Day 4.pptx </a:t>
+            </a:r>
+            <a:endParaRPr lang="en-US" dirty="0" smtClean="0"/>
           </a:p>
         </p:txBody>
       </p:sp>
@@ -4705,8 +5272,9 @@
           <a:p>
             <a:r>
               <a:rPr lang="en-US" dirty="0" smtClean="0"/>
-              <a:t>UBSPROD\t608113 [printed: ____] [saved: May 14, 2019 10:03 AM] \\UBSPROD.MSAD.UBS.NET\UserData\T608113\Home\Documents\Teaching\Day 1.pptx </a:t>
-            </a:r>
+              <a:t>UBSPROD\t608113 [printed: ____] [saved: May 23, 2019 3:02 PM] P:\Documents\Teaching\CodeRedPythonPune-master\CodeRedPythonPune-master\Day 4\Day 4.pptx </a:t>
+            </a:r>
+            <a:endParaRPr lang="en-US" dirty="0" smtClean="0"/>
           </a:p>
         </p:txBody>
       </p:sp>
@@ -6224,8 +6792,9 @@
           <a:p>
             <a:r>
               <a:rPr lang="en-US" dirty="0" smtClean="0"/>
-              <a:t>UBSPROD\t608113 [printed: ____] [saved: May 14, 2019 10:03 AM] \\UBSPROD.MSAD.UBS.NET\UserData\T608113\Home\Documents\Teaching\Day 1.pptx </a:t>
-            </a:r>
+              <a:t>UBSPROD\t608113 [printed: ____] [saved: May 23, 2019 3:02 PM] P:\Documents\Teaching\CodeRedPythonPune-master\CodeRedPythonPune-master\Day 4\Day 4.pptx </a:t>
+            </a:r>
+            <a:endParaRPr lang="en-US" dirty="0" smtClean="0"/>
           </a:p>
         </p:txBody>
       </p:sp>
@@ -8501,8 +9070,9 @@
           <a:p>
             <a:r>
               <a:rPr lang="en-US" dirty="0" smtClean="0"/>
-              <a:t>UBSPROD\t608113 [printed: ____] [saved: May 14, 2019 10:03 AM] \\UBSPROD.MSAD.UBS.NET\UserData\T608113\Home\Documents\Teaching\Day 1.pptx </a:t>
-            </a:r>
+              <a:t>UBSPROD\t608113 [printed: ____] [saved: May 23, 2019 3:02 PM] P:\Documents\Teaching\CodeRedPythonPune-master\CodeRedPythonPune-master\Day 4\Day 4.pptx </a:t>
+            </a:r>
+            <a:endParaRPr lang="en-US" dirty="0" smtClean="0"/>
           </a:p>
         </p:txBody>
       </p:sp>
@@ -9222,8 +9792,9 @@
           <a:p>
             <a:r>
               <a:rPr lang="en-US" dirty="0" smtClean="0"/>
-              <a:t>UBSPROD\t608113 [printed: ____] [saved: May 14, 2019 10:03 AM] \\UBSPROD.MSAD.UBS.NET\UserData\T608113\Home\Documents\Teaching\Day 1.pptx </a:t>
-            </a:r>
+              <a:t>UBSPROD\t608113 [printed: ____] [saved: May 23, 2019 3:02 PM] P:\Documents\Teaching\CodeRedPythonPune-master\CodeRedPythonPune-master\Day 4\Day 4.pptx </a:t>
+            </a:r>
+            <a:endParaRPr lang="en-US" dirty="0" smtClean="0"/>
           </a:p>
         </p:txBody>
       </p:sp>
@@ -9976,8 +10547,9 @@
           <a:p>
             <a:r>
               <a:rPr lang="en-US" dirty="0" smtClean="0"/>
-              <a:t>UBSPROD\t608113 [printed: ____] [saved: May 14, 2019 10:03 AM] \\UBSPROD.MSAD.UBS.NET\UserData\T608113\Home\Documents\Teaching\Day 1.pptx </a:t>
-            </a:r>
+              <a:t>UBSPROD\t608113 [printed: ____] [saved: May 23, 2019 3:02 PM] P:\Documents\Teaching\CodeRedPythonPune-master\CodeRedPythonPune-master\Day 4\Day 4.pptx </a:t>
+            </a:r>
+            <a:endParaRPr lang="en-US" dirty="0" smtClean="0"/>
           </a:p>
         </p:txBody>
       </p:sp>
@@ -27176,8 +27748,9 @@
           <a:p>
             <a:r>
               <a:rPr lang="en-US" dirty="0" smtClean="0"/>
-              <a:t>UBSPROD\t608113 [printed: ____] [saved: May 14, 2019 10:03 AM] \\UBSPROD.MSAD.UBS.NET\UserData\T608113\Home\Documents\Teaching\Day 1.pptx </a:t>
-            </a:r>
+              <a:t>UBSPROD\t608113 [printed: ____] [saved: May 23, 2019 3:02 PM] P:\Documents\Teaching\CodeRedPythonPune-master\CodeRedPythonPune-master\Day 4\Day 4.pptx </a:t>
+            </a:r>
+            <a:endParaRPr lang="en-US" dirty="0" smtClean="0"/>
           </a:p>
         </p:txBody>
       </p:sp>
@@ -28787,8 +29360,9 @@
           <a:p>
             <a:r>
               <a:rPr lang="en-US" dirty="0" smtClean="0"/>
-              <a:t>UBSPROD\t608113 [printed: ____] [saved: May 14, 2019 10:03 AM] \\UBSPROD.MSAD.UBS.NET\UserData\T608113\Home\Documents\Teaching\Day 1.pptx </a:t>
-            </a:r>
+              <a:t>UBSPROD\t608113 [printed: ____] [saved: May 23, 2019 3:02 PM] P:\Documents\Teaching\CodeRedPythonPune-master\CodeRedPythonPune-master\Day 4\Day 4.pptx </a:t>
+            </a:r>
+            <a:endParaRPr lang="en-US" dirty="0" smtClean="0"/>
           </a:p>
         </p:txBody>
       </p:sp>
@@ -29546,8 +30120,9 @@
           <a:p>
             <a:r>
               <a:rPr lang="en-US" dirty="0" smtClean="0"/>
-              <a:t>UBSPROD\t608113 [printed: ____] [saved: May 14, 2019 10:03 AM] \\UBSPROD.MSAD.UBS.NET\UserData\T608113\Home\Documents\Teaching\Day 1.pptx </a:t>
-            </a:r>
+              <a:t>UBSPROD\t608113 [printed: ____] [saved: May 23, 2019 3:02 PM] P:\Documents\Teaching\CodeRedPythonPune-master\CodeRedPythonPune-master\Day 4\Day 4.pptx </a:t>
+            </a:r>
+            <a:endParaRPr lang="en-US" dirty="0" smtClean="0"/>
           </a:p>
         </p:txBody>
       </p:sp>
@@ -30558,8 +31133,9 @@
           <a:p>
             <a:r>
               <a:rPr lang="en-US" dirty="0" smtClean="0"/>
-              <a:t>UBSPROD\t608113 [printed: ____] [saved: May 14, 2019 10:03 AM] \\UBSPROD.MSAD.UBS.NET\UserData\T608113\Home\Documents\Teaching\Day 1.pptx </a:t>
-            </a:r>
+              <a:t>UBSPROD\t608113 [printed: ____] [saved: May 23, 2019 3:02 PM] P:\Documents\Teaching\CodeRedPythonPune-master\CodeRedPythonPune-master\Day 4\Day 4.pptx </a:t>
+            </a:r>
+            <a:endParaRPr lang="en-US" dirty="0" smtClean="0"/>
           </a:p>
         </p:txBody>
       </p:sp>
@@ -31823,8 +32399,9 @@
           <a:p>
             <a:r>
               <a:rPr lang="en-US" dirty="0" smtClean="0"/>
-              <a:t>UBSPROD\t608113 [printed: ____] [saved: May 14, 2019 10:03 AM] \\UBSPROD.MSAD.UBS.NET\UserData\T608113\Home\Documents\Teaching\Day 1.pptx </a:t>
-            </a:r>
+              <a:t>UBSPROD\t608113 [printed: ____] [saved: May 23, 2019 3:02 PM] P:\Documents\Teaching\CodeRedPythonPune-master\CodeRedPythonPune-master\Day 4\Day 4.pptx </a:t>
+            </a:r>
+            <a:endParaRPr lang="en-US" dirty="0" smtClean="0"/>
           </a:p>
         </p:txBody>
       </p:sp>
@@ -33090,8 +33667,9 @@
           <a:p>
             <a:r>
               <a:rPr lang="en-US" dirty="0" smtClean="0"/>
-              <a:t>UBSPROD\t608113 [printed: ____] [saved: May 14, 2019 10:03 AM] \\UBSPROD.MSAD.UBS.NET\UserData\T608113\Home\Documents\Teaching\Day 1.pptx </a:t>
-            </a:r>
+              <a:t>UBSPROD\t608113 [printed: ____] [saved: May 23, 2019 3:02 PM] P:\Documents\Teaching\CodeRedPythonPune-master\CodeRedPythonPune-master\Day 4\Day 4.pptx </a:t>
+            </a:r>
+            <a:endParaRPr lang="en-US" dirty="0" smtClean="0"/>
           </a:p>
         </p:txBody>
       </p:sp>
@@ -34611,8 +35189,9 @@
           <a:p>
             <a:r>
               <a:rPr lang="en-US" dirty="0" smtClean="0"/>
-              <a:t>UBSPROD\t608113 [printed: ____] [saved: May 14, 2019 10:03 AM] \\UBSPROD.MSAD.UBS.NET\UserData\T608113\Home\Documents\Teaching\Day 1.pptx </a:t>
-            </a:r>
+              <a:t>UBSPROD\t608113 [printed: ____] [saved: May 23, 2019 3:02 PM] P:\Documents\Teaching\CodeRedPythonPune-master\CodeRedPythonPune-master\Day 4\Day 4.pptx </a:t>
+            </a:r>
+            <a:endParaRPr lang="en-US" dirty="0" smtClean="0"/>
           </a:p>
         </p:txBody>
       </p:sp>
@@ -36022,6 +36601,1349 @@
       </p:grpSpPr>
       <p:sp>
         <p:nvSpPr>
+          <p:cNvPr id="4" name="PAGE HEADING"/>
+          <p:cNvSpPr>
+            <a:spLocks noGrp="1"/>
+          </p:cNvSpPr>
+          <p:nvPr>
+            <p:ph type="title"/>
+            <p:custDataLst>
+              <p:tags r:id="rId2"/>
+            </p:custDataLst>
+          </p:nvPr>
+        </p:nvSpPr>
+        <p:spPr/>
+        <p:txBody>
+          <a:bodyPr>
+            <a:normAutofit/>
+          </a:bodyPr>
+          <a:lstStyle/>
+          <a:p>
+            <a:r>
+              <a:rPr lang="en-US" dirty="0" smtClean="0"/>
+              <a:t>Home Assignment 3</a:t>
+            </a:r>
+            <a:endParaRPr lang="en-US" dirty="0"/>
+          </a:p>
+        </p:txBody>
+      </p:sp>
+      <p:sp>
+        <p:nvSpPr>
+          <p:cNvPr id="2" name="Rectangle 1"/>
+          <p:cNvSpPr/>
+          <p:nvPr/>
+        </p:nvSpPr>
+        <p:spPr>
+          <a:xfrm>
+            <a:off x="608012" y="1248133"/>
+            <a:ext cx="6123527" cy="3370153"/>
+          </a:xfrm>
+          <a:prstGeom prst="rect">
+            <a:avLst/>
+          </a:prstGeom>
+        </p:spPr>
+        <p:txBody>
+          <a:bodyPr wrap="square">
+            <a:spAutoFit/>
+          </a:bodyPr>
+          <a:lstStyle/>
+          <a:p>
+            <a:r>
+              <a:rPr lang="en-US" sz="1200" dirty="0"/>
+              <a:t>#Q1. Write a python program to concatenate only the last three </a:t>
+            </a:r>
+            <a:r>
+              <a:rPr lang="en-US" sz="1200" dirty="0" err="1"/>
+              <a:t>charachters</a:t>
+            </a:r>
+            <a:r>
+              <a:rPr lang="en-US" sz="1200" dirty="0"/>
+              <a:t> of both strings and print the output.</a:t>
+            </a:r>
+          </a:p>
+          <a:p>
+            <a:r>
+              <a:rPr lang="en-US" sz="1200" dirty="0"/>
+              <a:t> </a:t>
+            </a:r>
+          </a:p>
+          <a:p>
+            <a:r>
+              <a:rPr lang="en-US" sz="1200" dirty="0"/>
+              <a:t>string_1 = "London"</a:t>
+            </a:r>
+          </a:p>
+          <a:p>
+            <a:r>
+              <a:rPr lang="en-US" sz="1200" dirty="0"/>
+              <a:t>string_1 = "Tokyo</a:t>
+            </a:r>
+            <a:r>
+              <a:rPr lang="en-US" sz="1200" dirty="0" smtClean="0"/>
+              <a:t>"</a:t>
+            </a:r>
+          </a:p>
+          <a:p>
+            <a:endParaRPr lang="en-US" sz="1200" dirty="0"/>
+          </a:p>
+          <a:p>
+            <a:r>
+              <a:rPr lang="en-US" sz="1200" dirty="0"/>
+              <a:t>#</a:t>
+            </a:r>
+            <a:r>
+              <a:rPr lang="en-US" sz="1200" dirty="0" err="1"/>
+              <a:t>expectedoutput</a:t>
+            </a:r>
+            <a:r>
+              <a:rPr lang="en-US" sz="1200" dirty="0"/>
+              <a:t>: </a:t>
+            </a:r>
+            <a:r>
+              <a:rPr lang="en-US" sz="1200" dirty="0" err="1" smtClean="0"/>
+              <a:t>donkyo</a:t>
+            </a:r>
+            <a:endParaRPr lang="en-US" sz="1200" dirty="0" smtClean="0"/>
+          </a:p>
+          <a:p>
+            <a:r>
+              <a:rPr lang="en-US" sz="1200" dirty="0" smtClean="0">
+                <a:solidFill>
+                  <a:schemeClr val="tx1">
+                    <a:lumMod val="65000"/>
+                    <a:lumOff val="35000"/>
+                  </a:schemeClr>
+                </a:solidFill>
+              </a:rPr>
+              <a:t>string_1 </a:t>
+            </a:r>
+            <a:r>
+              <a:rPr lang="en-US" sz="1200" dirty="0">
+                <a:solidFill>
+                  <a:schemeClr val="tx1">
+                    <a:lumMod val="65000"/>
+                    <a:lumOff val="35000"/>
+                  </a:schemeClr>
+                </a:solidFill>
+              </a:rPr>
+              <a:t>= "London"</a:t>
+            </a:r>
+          </a:p>
+          <a:p>
+            <a:r>
+              <a:rPr lang="en-US" sz="1200" dirty="0">
+                <a:solidFill>
+                  <a:schemeClr val="tx1">
+                    <a:lumMod val="65000"/>
+                    <a:lumOff val="35000"/>
+                  </a:schemeClr>
+                </a:solidFill>
+              </a:rPr>
+              <a:t>string_2 = "Tokyo"</a:t>
+            </a:r>
+          </a:p>
+          <a:p>
+            <a:r>
+              <a:rPr lang="en-US" sz="1200" dirty="0">
+                <a:solidFill>
+                  <a:schemeClr val="tx1">
+                    <a:lumMod val="65000"/>
+                    <a:lumOff val="35000"/>
+                  </a:schemeClr>
+                </a:solidFill>
+              </a:rPr>
+              <a:t>string_3 = string_1[-3:] + string_2[-3:]</a:t>
+            </a:r>
+          </a:p>
+          <a:p>
+            <a:r>
+              <a:rPr lang="en-US" sz="1200" dirty="0">
+                <a:solidFill>
+                  <a:schemeClr val="tx1">
+                    <a:lumMod val="65000"/>
+                    <a:lumOff val="35000"/>
+                  </a:schemeClr>
+                </a:solidFill>
+              </a:rPr>
+              <a:t>print(string_3)</a:t>
+            </a:r>
+          </a:p>
+          <a:p>
+            <a:r>
+              <a:rPr lang="en-US" sz="1600" dirty="0">
+                <a:solidFill>
+                  <a:schemeClr val="tx1">
+                    <a:lumMod val="65000"/>
+                    <a:lumOff val="35000"/>
+                  </a:schemeClr>
+                </a:solidFill>
+              </a:rPr>
+              <a:t> </a:t>
+            </a:r>
+          </a:p>
+        </p:txBody>
+      </p:sp>
+      <p:sp>
+        <p:nvSpPr>
+          <p:cNvPr id="3" name="TextBox 2"/>
+          <p:cNvSpPr txBox="1"/>
+          <p:nvPr/>
+        </p:nvSpPr>
+        <p:spPr>
+          <a:xfrm>
+            <a:off x="6731540" y="1280308"/>
+            <a:ext cx="6381346" cy="5619595"/>
+          </a:xfrm>
+          <a:prstGeom prst="rect">
+            <a:avLst/>
+          </a:prstGeom>
+          <a:noFill/>
+        </p:spPr>
+        <p:txBody>
+          <a:bodyPr wrap="none" lIns="0" tIns="0" rIns="0" bIns="0" rtlCol="0">
+            <a:noAutofit/>
+          </a:bodyPr>
+          <a:lstStyle/>
+          <a:p>
+            <a:r>
+              <a:rPr lang="en-US" sz="1200" dirty="0"/>
+              <a:t>#Q2. Write a python program to create a list with values </a:t>
+            </a:r>
+            <a:r>
+              <a:rPr lang="en-US" sz="1200" dirty="0" err="1"/>
+              <a:t>apple,mango,banana</a:t>
+            </a:r>
+            <a:r>
+              <a:rPr lang="en-US" sz="1200" dirty="0" smtClean="0"/>
+              <a:t>,</a:t>
+            </a:r>
+          </a:p>
+          <a:p>
+            <a:r>
+              <a:rPr lang="en-US" sz="1200" dirty="0" err="1" smtClean="0"/>
+              <a:t>blueberry,orange</a:t>
+            </a:r>
+            <a:r>
+              <a:rPr lang="en-US" sz="1200" dirty="0" smtClean="0"/>
+              <a:t> </a:t>
+            </a:r>
+            <a:r>
+              <a:rPr lang="en-US" sz="1200" dirty="0"/>
+              <a:t>and then print only the first two values from the following List </a:t>
+            </a:r>
+          </a:p>
+          <a:p>
+            <a:r>
+              <a:rPr lang="en-US" sz="1200" dirty="0"/>
+              <a:t> </a:t>
+            </a:r>
+          </a:p>
+          <a:p>
+            <a:r>
+              <a:rPr lang="en-US" sz="1200" dirty="0">
+                <a:solidFill>
+                  <a:schemeClr val="tx1">
+                    <a:lumMod val="65000"/>
+                    <a:lumOff val="35000"/>
+                  </a:schemeClr>
+                </a:solidFill>
+              </a:rPr>
+              <a:t>fruits = ["</a:t>
+            </a:r>
+            <a:r>
+              <a:rPr lang="en-US" sz="1200" dirty="0" err="1">
+                <a:solidFill>
+                  <a:schemeClr val="tx1">
+                    <a:lumMod val="65000"/>
+                    <a:lumOff val="35000"/>
+                  </a:schemeClr>
+                </a:solidFill>
+              </a:rPr>
+              <a:t>apple","mango","banana","blueberry","orange</a:t>
+            </a:r>
+            <a:r>
+              <a:rPr lang="en-US" sz="1200" dirty="0">
+                <a:solidFill>
+                  <a:schemeClr val="tx1">
+                    <a:lumMod val="65000"/>
+                    <a:lumOff val="35000"/>
+                  </a:schemeClr>
+                </a:solidFill>
+              </a:rPr>
+              <a:t>"]</a:t>
+            </a:r>
+          </a:p>
+          <a:p>
+            <a:r>
+              <a:rPr lang="en-US" sz="1200" dirty="0">
+                <a:solidFill>
+                  <a:schemeClr val="tx1">
+                    <a:lumMod val="65000"/>
+                    <a:lumOff val="35000"/>
+                  </a:schemeClr>
+                </a:solidFill>
+              </a:rPr>
+              <a:t>print(fruits[:2])</a:t>
+            </a:r>
+          </a:p>
+          <a:p>
+            <a:r>
+              <a:rPr lang="en-US" sz="1200" dirty="0">
+                <a:solidFill>
+                  <a:schemeClr val="tx1">
+                    <a:lumMod val="65000"/>
+                    <a:lumOff val="35000"/>
+                  </a:schemeClr>
+                </a:solidFill>
+              </a:rPr>
+              <a:t> </a:t>
+            </a:r>
+          </a:p>
+          <a:p>
+            <a:r>
+              <a:rPr lang="en-US" sz="1200" dirty="0"/>
+              <a:t> </a:t>
+            </a:r>
+          </a:p>
+          <a:p>
+            <a:r>
+              <a:rPr lang="en-US" sz="1200" dirty="0"/>
+              <a:t>#Q3. Write a python program to remove the value "apple" and insert value </a:t>
+            </a:r>
+            <a:endParaRPr lang="en-US" sz="1200" dirty="0" smtClean="0"/>
+          </a:p>
+          <a:p>
+            <a:r>
+              <a:rPr lang="en-US" sz="1200" dirty="0" smtClean="0"/>
+              <a:t>"</a:t>
+            </a:r>
+            <a:r>
+              <a:rPr lang="en-US" sz="1200" dirty="0"/>
+              <a:t>pineapple" at the same index in the above list. Print the list once modified</a:t>
+            </a:r>
+          </a:p>
+          <a:p>
+            <a:r>
+              <a:rPr lang="en-US" sz="1200" dirty="0"/>
+              <a:t> </a:t>
+            </a:r>
+          </a:p>
+          <a:p>
+            <a:r>
+              <a:rPr lang="en-US" sz="1200" dirty="0" err="1" smtClean="0">
+                <a:solidFill>
+                  <a:schemeClr val="tx1">
+                    <a:lumMod val="65000"/>
+                    <a:lumOff val="35000"/>
+                  </a:schemeClr>
+                </a:solidFill>
+              </a:rPr>
+              <a:t>fruits.remove</a:t>
+            </a:r>
+            <a:r>
+              <a:rPr lang="en-US" sz="1200" dirty="0">
+                <a:solidFill>
+                  <a:schemeClr val="tx1">
+                    <a:lumMod val="65000"/>
+                    <a:lumOff val="35000"/>
+                  </a:schemeClr>
+                </a:solidFill>
+              </a:rPr>
+              <a:t>("apple")</a:t>
+            </a:r>
+          </a:p>
+          <a:p>
+            <a:r>
+              <a:rPr lang="en-US" sz="1200" dirty="0" err="1">
+                <a:solidFill>
+                  <a:schemeClr val="tx1">
+                    <a:lumMod val="65000"/>
+                    <a:lumOff val="35000"/>
+                  </a:schemeClr>
+                </a:solidFill>
+              </a:rPr>
+              <a:t>fruits.insert</a:t>
+            </a:r>
+            <a:r>
+              <a:rPr lang="en-US" sz="1200" dirty="0">
+                <a:solidFill>
+                  <a:schemeClr val="tx1">
+                    <a:lumMod val="65000"/>
+                    <a:lumOff val="35000"/>
+                  </a:schemeClr>
+                </a:solidFill>
+              </a:rPr>
+              <a:t>(0,"pineapple")</a:t>
+            </a:r>
+          </a:p>
+          <a:p>
+            <a:r>
+              <a:rPr lang="en-US" sz="1200" dirty="0">
+                <a:solidFill>
+                  <a:schemeClr val="tx1">
+                    <a:lumMod val="65000"/>
+                    <a:lumOff val="35000"/>
+                  </a:schemeClr>
+                </a:solidFill>
+              </a:rPr>
+              <a:t>print(fruits</a:t>
+            </a:r>
+            <a:r>
+              <a:rPr lang="en-US" sz="1200" dirty="0" smtClean="0">
+                <a:solidFill>
+                  <a:schemeClr val="tx1">
+                    <a:lumMod val="65000"/>
+                    <a:lumOff val="35000"/>
+                  </a:schemeClr>
+                </a:solidFill>
+              </a:rPr>
+              <a:t>)</a:t>
+            </a:r>
+            <a:endParaRPr lang="en-US" sz="1200" dirty="0">
+              <a:solidFill>
+                <a:schemeClr val="tx1">
+                  <a:lumMod val="65000"/>
+                  <a:lumOff val="35000"/>
+                </a:schemeClr>
+              </a:solidFill>
+            </a:endParaRPr>
+          </a:p>
+        </p:txBody>
+      </p:sp>
+    </p:spTree>
+    <p:custDataLst>
+      <p:tags r:id="rId1"/>
+    </p:custDataLst>
+    <p:extLst>
+      <p:ext uri="{BB962C8B-B14F-4D97-AF65-F5344CB8AC3E}">
+        <p14:creationId xmlns:p14="http://schemas.microsoft.com/office/powerpoint/2010/main" val="2014144829"/>
+      </p:ext>
+    </p:extLst>
+  </p:cSld>
+  <p:clrMapOvr>
+    <a:masterClrMapping/>
+  </p:clrMapOvr>
+  <p:timing>
+    <p:tnLst>
+      <p:par>
+        <p:cTn id="1" dur="indefinite" restart="never" nodeType="tmRoot"/>
+      </p:par>
+    </p:tnLst>
+  </p:timing>
+</p:sld>
+</file>
+
+<file path=ppt/slides/slide10.xml><?xml version="1.0" encoding="utf-8"?>
+<p:sld xmlns:a="http://schemas.openxmlformats.org/drawingml/2006/main" xmlns:r="http://schemas.openxmlformats.org/officeDocument/2006/relationships" xmlns:p="http://schemas.openxmlformats.org/presentationml/2006/main">
+  <p:cSld>
+    <p:spTree>
+      <p:nvGrpSpPr>
+        <p:cNvPr id="1" name=""/>
+        <p:cNvGrpSpPr/>
+        <p:nvPr/>
+      </p:nvGrpSpPr>
+      <p:grpSpPr>
+        <a:xfrm>
+          <a:off x="0" y="0"/>
+          <a:ext cx="0" cy="0"/>
+          <a:chOff x="0" y="0"/>
+          <a:chExt cx="0" cy="0"/>
+        </a:xfrm>
+      </p:grpSpPr>
+      <p:sp>
+        <p:nvSpPr>
+          <p:cNvPr id="3" name="PAGE HEADING"/>
+          <p:cNvSpPr>
+            <a:spLocks noGrp="1"/>
+          </p:cNvSpPr>
+          <p:nvPr>
+            <p:ph type="title"/>
+            <p:custDataLst>
+              <p:tags r:id="rId2"/>
+            </p:custDataLst>
+          </p:nvPr>
+        </p:nvSpPr>
+        <p:spPr/>
+        <p:txBody>
+          <a:bodyPr/>
+          <a:lstStyle/>
+          <a:p>
+            <a:r>
+              <a:rPr lang="en-US" dirty="0" smtClean="0"/>
+              <a:t>Dictionaries, in-a-nut-shell</a:t>
+            </a:r>
+            <a:endParaRPr lang="en-US" dirty="0"/>
+          </a:p>
+        </p:txBody>
+      </p:sp>
+      <p:sp>
+        <p:nvSpPr>
+          <p:cNvPr id="7" name="pole tekstowe 1"/>
+          <p:cNvSpPr txBox="1"/>
+          <p:nvPr/>
+        </p:nvSpPr>
+        <p:spPr>
+          <a:xfrm>
+            <a:off x="873719" y="1947561"/>
+            <a:ext cx="3026481" cy="369332"/>
+          </a:xfrm>
+          <a:prstGeom prst="rect">
+            <a:avLst/>
+          </a:prstGeom>
+          <a:noFill/>
+        </p:spPr>
+        <p:txBody>
+          <a:bodyPr wrap="square" rtlCol="0">
+            <a:spAutoFit/>
+          </a:bodyPr>
+          <a:lstStyle/>
+          <a:p>
+            <a:r>
+              <a:rPr lang="en-US" dirty="0" err="1" smtClean="0"/>
+              <a:t>newDict</a:t>
+            </a:r>
+            <a:r>
+              <a:rPr lang="en-US" dirty="0" smtClean="0"/>
+              <a:t> = {key : value}</a:t>
+            </a:r>
+            <a:endParaRPr lang="en-GB" dirty="0"/>
+          </a:p>
+        </p:txBody>
+      </p:sp>
+      <p:sp>
+        <p:nvSpPr>
+          <p:cNvPr id="8" name="pole tekstowe 3"/>
+          <p:cNvSpPr txBox="1"/>
+          <p:nvPr/>
+        </p:nvSpPr>
+        <p:spPr>
+          <a:xfrm>
+            <a:off x="703071" y="2651209"/>
+            <a:ext cx="1657890" cy="369332"/>
+          </a:xfrm>
+          <a:prstGeom prst="rect">
+            <a:avLst/>
+          </a:prstGeom>
+          <a:noFill/>
+        </p:spPr>
+        <p:txBody>
+          <a:bodyPr wrap="none" rtlCol="0">
+            <a:spAutoFit/>
+          </a:bodyPr>
+          <a:lstStyle/>
+          <a:p>
+            <a:r>
+              <a:rPr lang="en-US" dirty="0" smtClean="0"/>
+              <a:t>Keys and values</a:t>
+            </a:r>
+            <a:endParaRPr lang="en-GB" dirty="0"/>
+          </a:p>
+        </p:txBody>
+      </p:sp>
+      <p:pic>
+        <p:nvPicPr>
+          <p:cNvPr id="9" name="Picture 2"/>
+          <p:cNvPicPr>
+            <a:picLocks noChangeAspect="1" noChangeArrowheads="1"/>
+          </p:cNvPicPr>
+          <p:nvPr/>
+        </p:nvPicPr>
+        <p:blipFill>
+          <a:blip r:embed="rId5">
+            <a:extLst>
+              <a:ext uri="{28A0092B-C50C-407E-A947-70E740481C1C}">
+                <a14:useLocalDpi xmlns:a14="http://schemas.microsoft.com/office/drawing/2010/main" val="0"/>
+              </a:ext>
+            </a:extLst>
+          </a:blip>
+          <a:srcRect/>
+          <a:stretch>
+            <a:fillRect/>
+          </a:stretch>
+        </p:blipFill>
+        <p:spPr bwMode="auto">
+          <a:xfrm>
+            <a:off x="772084" y="3147448"/>
+            <a:ext cx="7380820" cy="792088"/>
+          </a:xfrm>
+          <a:prstGeom prst="rect">
+            <a:avLst/>
+          </a:prstGeom>
+          <a:noFill/>
+          <a:ln>
+            <a:noFill/>
+          </a:ln>
+          <a:extLst>
+            <a:ext uri="{909E8E84-426E-40DD-AFC4-6F175D3DCCD1}">
+              <a14:hiddenFill xmlns:a14="http://schemas.microsoft.com/office/drawing/2010/main">
+                <a:solidFill>
+                  <a:schemeClr val="accent1"/>
+                </a:solidFill>
+              </a14:hiddenFill>
+            </a:ext>
+            <a:ext uri="{91240B29-F687-4F45-9708-019B960494DF}">
+              <a14:hiddenLine xmlns:a14="http://schemas.microsoft.com/office/drawing/2010/main" w="9525">
+                <a:solidFill>
+                  <a:schemeClr val="tx1"/>
+                </a:solidFill>
+                <a:miter lim="800000"/>
+                <a:headEnd/>
+                <a:tailEnd/>
+              </a14:hiddenLine>
+            </a:ext>
+          </a:extLst>
+        </p:spPr>
+      </p:pic>
+      <p:pic>
+        <p:nvPicPr>
+          <p:cNvPr id="10" name="Picture 3"/>
+          <p:cNvPicPr>
+            <a:picLocks noChangeAspect="1" noChangeArrowheads="1"/>
+          </p:cNvPicPr>
+          <p:nvPr/>
+        </p:nvPicPr>
+        <p:blipFill>
+          <a:blip r:embed="rId6">
+            <a:extLst>
+              <a:ext uri="{28A0092B-C50C-407E-A947-70E740481C1C}">
+                <a14:useLocalDpi xmlns:a14="http://schemas.microsoft.com/office/drawing/2010/main" val="0"/>
+              </a:ext>
+            </a:extLst>
+          </a:blip>
+          <a:srcRect/>
+          <a:stretch>
+            <a:fillRect/>
+          </a:stretch>
+        </p:blipFill>
+        <p:spPr bwMode="auto">
+          <a:xfrm>
+            <a:off x="772084" y="4336796"/>
+            <a:ext cx="1959375" cy="2225957"/>
+          </a:xfrm>
+          <a:prstGeom prst="rect">
+            <a:avLst/>
+          </a:prstGeom>
+          <a:noFill/>
+          <a:ln>
+            <a:noFill/>
+          </a:ln>
+          <a:extLst>
+            <a:ext uri="{909E8E84-426E-40DD-AFC4-6F175D3DCCD1}">
+              <a14:hiddenFill xmlns:a14="http://schemas.microsoft.com/office/drawing/2010/main">
+                <a:solidFill>
+                  <a:schemeClr val="accent1"/>
+                </a:solidFill>
+              </a14:hiddenFill>
+            </a:ext>
+            <a:ext uri="{91240B29-F687-4F45-9708-019B960494DF}">
+              <a14:hiddenLine xmlns:a14="http://schemas.microsoft.com/office/drawing/2010/main" w="9525">
+                <a:solidFill>
+                  <a:schemeClr val="tx1"/>
+                </a:solidFill>
+                <a:miter lim="800000"/>
+                <a:headEnd/>
+                <a:tailEnd/>
+              </a14:hiddenLine>
+            </a:ext>
+          </a:extLst>
+        </p:spPr>
+      </p:pic>
+      <p:sp>
+        <p:nvSpPr>
+          <p:cNvPr id="11" name="pole tekstowe 4"/>
+          <p:cNvSpPr txBox="1"/>
+          <p:nvPr/>
+        </p:nvSpPr>
+        <p:spPr>
+          <a:xfrm>
+            <a:off x="9490286" y="4259072"/>
+            <a:ext cx="3639287" cy="646331"/>
+          </a:xfrm>
+          <a:prstGeom prst="rect">
+            <a:avLst/>
+          </a:prstGeom>
+          <a:noFill/>
+        </p:spPr>
+        <p:txBody>
+          <a:bodyPr wrap="square" rtlCol="0">
+            <a:spAutoFit/>
+          </a:bodyPr>
+          <a:lstStyle/>
+          <a:p>
+            <a:r>
+              <a:rPr lang="en-US" dirty="0" smtClean="0"/>
+              <a:t>Any </a:t>
+            </a:r>
+            <a:r>
+              <a:rPr lang="en-US" dirty="0" err="1" smtClean="0"/>
+              <a:t>hashable</a:t>
+            </a:r>
+            <a:r>
+              <a:rPr lang="en-US" dirty="0" smtClean="0"/>
+              <a:t> type can be used as a dictionary key</a:t>
+            </a:r>
+            <a:endParaRPr lang="en-GB" dirty="0"/>
+          </a:p>
+        </p:txBody>
+      </p:sp>
+      <p:sp>
+        <p:nvSpPr>
+          <p:cNvPr id="2" name="TextBox 1"/>
+          <p:cNvSpPr txBox="1"/>
+          <p:nvPr/>
+        </p:nvSpPr>
+        <p:spPr>
+          <a:xfrm>
+            <a:off x="729070" y="1558194"/>
+            <a:ext cx="914400" cy="914400"/>
+          </a:xfrm>
+          <a:prstGeom prst="rect">
+            <a:avLst/>
+          </a:prstGeom>
+          <a:noFill/>
+        </p:spPr>
+        <p:txBody>
+          <a:bodyPr wrap="none" lIns="0" tIns="0" rIns="0" bIns="0" rtlCol="0">
+            <a:noAutofit/>
+          </a:bodyPr>
+          <a:lstStyle/>
+          <a:p>
+            <a:r>
+              <a:rPr lang="en-US" dirty="0" smtClean="0"/>
+              <a:t>Creating a new dictionary</a:t>
+            </a:r>
+            <a:endParaRPr lang="en-US" dirty="0"/>
+          </a:p>
+        </p:txBody>
+      </p:sp>
+      <p:pic>
+        <p:nvPicPr>
+          <p:cNvPr id="1026" name="Picture 2"/>
+          <p:cNvPicPr>
+            <a:picLocks noChangeAspect="1" noChangeArrowheads="1"/>
+          </p:cNvPicPr>
+          <p:nvPr/>
+        </p:nvPicPr>
+        <p:blipFill>
+          <a:blip r:embed="rId7">
+            <a:extLst>
+              <a:ext uri="{28A0092B-C50C-407E-A947-70E740481C1C}">
+                <a14:useLocalDpi xmlns:a14="http://schemas.microsoft.com/office/drawing/2010/main" val="0"/>
+              </a:ext>
+            </a:extLst>
+          </a:blip>
+          <a:srcRect/>
+          <a:stretch>
+            <a:fillRect/>
+          </a:stretch>
+        </p:blipFill>
+        <p:spPr bwMode="auto">
+          <a:xfrm>
+            <a:off x="7626639" y="4905403"/>
+            <a:ext cx="5295900" cy="1657350"/>
+          </a:xfrm>
+          <a:prstGeom prst="rect">
+            <a:avLst/>
+          </a:prstGeom>
+          <a:noFill/>
+          <a:ln>
+            <a:noFill/>
+          </a:ln>
+          <a:extLst>
+            <a:ext uri="{909E8E84-426E-40DD-AFC4-6F175D3DCCD1}">
+              <a14:hiddenFill xmlns:a14="http://schemas.microsoft.com/office/drawing/2010/main">
+                <a:solidFill>
+                  <a:schemeClr val="accent1"/>
+                </a:solidFill>
+              </a14:hiddenFill>
+            </a:ext>
+            <a:ext uri="{91240B29-F687-4F45-9708-019B960494DF}">
+              <a14:hiddenLine xmlns:a14="http://schemas.microsoft.com/office/drawing/2010/main" w="9525">
+                <a:solidFill>
+                  <a:schemeClr val="tx1"/>
+                </a:solidFill>
+                <a:miter lim="800000"/>
+                <a:headEnd/>
+                <a:tailEnd/>
+              </a14:hiddenLine>
+            </a:ext>
+          </a:extLst>
+        </p:spPr>
+      </p:pic>
+      <p:sp>
+        <p:nvSpPr>
+          <p:cNvPr id="5" name="TextBox 4"/>
+          <p:cNvSpPr txBox="1"/>
+          <p:nvPr/>
+        </p:nvSpPr>
+        <p:spPr>
+          <a:xfrm>
+            <a:off x="5072332" y="4992574"/>
+            <a:ext cx="2554307" cy="914400"/>
+          </a:xfrm>
+          <a:prstGeom prst="rect">
+            <a:avLst/>
+          </a:prstGeom>
+          <a:noFill/>
+        </p:spPr>
+        <p:txBody>
+          <a:bodyPr wrap="none" lIns="0" tIns="0" rIns="0" bIns="0" rtlCol="0">
+            <a:noAutofit/>
+          </a:bodyPr>
+          <a:lstStyle/>
+          <a:p>
+            <a:r>
+              <a:rPr lang="en-US" dirty="0" smtClean="0"/>
+              <a:t>Immutable: </a:t>
+            </a:r>
+            <a:r>
+              <a:rPr lang="en-US" dirty="0" err="1" smtClean="0"/>
+              <a:t>Hashable</a:t>
+            </a:r>
+            <a:endParaRPr lang="en-US" dirty="0" smtClean="0"/>
+          </a:p>
+        </p:txBody>
+      </p:sp>
+      <p:sp>
+        <p:nvSpPr>
+          <p:cNvPr id="12" name="TextBox 11"/>
+          <p:cNvSpPr txBox="1"/>
+          <p:nvPr/>
+        </p:nvSpPr>
+        <p:spPr>
+          <a:xfrm>
+            <a:off x="5072331" y="5906974"/>
+            <a:ext cx="2554307" cy="457200"/>
+          </a:xfrm>
+          <a:prstGeom prst="rect">
+            <a:avLst/>
+          </a:prstGeom>
+          <a:noFill/>
+        </p:spPr>
+        <p:txBody>
+          <a:bodyPr wrap="none" lIns="0" tIns="0" rIns="0" bIns="0" rtlCol="0">
+            <a:noAutofit/>
+          </a:bodyPr>
+          <a:lstStyle/>
+          <a:p>
+            <a:r>
+              <a:rPr lang="en-US" dirty="0"/>
+              <a:t>Mutable: Not </a:t>
+            </a:r>
+            <a:r>
+              <a:rPr lang="en-US" dirty="0" err="1"/>
+              <a:t>Hashable</a:t>
+            </a:r>
+            <a:endParaRPr lang="en-US" dirty="0"/>
+          </a:p>
+          <a:p>
+            <a:endParaRPr lang="en-US" dirty="0"/>
+          </a:p>
+        </p:txBody>
+      </p:sp>
+    </p:spTree>
+    <p:custDataLst>
+      <p:tags r:id="rId1"/>
+    </p:custDataLst>
+    <p:extLst>
+      <p:ext uri="{BB962C8B-B14F-4D97-AF65-F5344CB8AC3E}">
+        <p14:creationId xmlns:p14="http://schemas.microsoft.com/office/powerpoint/2010/main" val="855484396"/>
+      </p:ext>
+    </p:extLst>
+  </p:cSld>
+  <p:clrMapOvr>
+    <a:masterClrMapping/>
+  </p:clrMapOvr>
+  <p:timing>
+    <p:tnLst>
+      <p:par>
+        <p:cTn id="1" dur="indefinite" restart="never" nodeType="tmRoot"/>
+      </p:par>
+    </p:tnLst>
+  </p:timing>
+</p:sld>
+</file>
+
+<file path=ppt/slides/slide11.xml><?xml version="1.0" encoding="utf-8"?>
+<p:sld xmlns:a="http://schemas.openxmlformats.org/drawingml/2006/main" xmlns:r="http://schemas.openxmlformats.org/officeDocument/2006/relationships" xmlns:p="http://schemas.openxmlformats.org/presentationml/2006/main">
+  <p:cSld>
+    <p:spTree>
+      <p:nvGrpSpPr>
+        <p:cNvPr id="1" name=""/>
+        <p:cNvGrpSpPr/>
+        <p:nvPr/>
+      </p:nvGrpSpPr>
+      <p:grpSpPr>
+        <a:xfrm>
+          <a:off x="0" y="0"/>
+          <a:ext cx="0" cy="0"/>
+          <a:chOff x="0" y="0"/>
+          <a:chExt cx="0" cy="0"/>
+        </a:xfrm>
+      </p:grpSpPr>
+      <p:sp>
+        <p:nvSpPr>
+          <p:cNvPr id="3" name="PAGE HEADING"/>
+          <p:cNvSpPr>
+            <a:spLocks noGrp="1"/>
+          </p:cNvSpPr>
+          <p:nvPr>
+            <p:ph type="title"/>
+            <p:custDataLst>
+              <p:tags r:id="rId2"/>
+            </p:custDataLst>
+          </p:nvPr>
+        </p:nvSpPr>
+        <p:spPr/>
+        <p:txBody>
+          <a:bodyPr/>
+          <a:lstStyle/>
+          <a:p>
+            <a:r>
+              <a:rPr lang="en-US" dirty="0" smtClean="0"/>
+              <a:t>Playing around with Dictionaries</a:t>
+            </a:r>
+            <a:endParaRPr lang="en-US" dirty="0"/>
+          </a:p>
+        </p:txBody>
+      </p:sp>
+      <p:sp>
+        <p:nvSpPr>
+          <p:cNvPr id="9" name="pole tekstowe 2"/>
+          <p:cNvSpPr txBox="1"/>
+          <p:nvPr/>
+        </p:nvSpPr>
+        <p:spPr>
+          <a:xfrm>
+            <a:off x="534285" y="1408086"/>
+            <a:ext cx="3960440" cy="2862322"/>
+          </a:xfrm>
+          <a:prstGeom prst="rect">
+            <a:avLst/>
+          </a:prstGeom>
+          <a:noFill/>
+        </p:spPr>
+        <p:txBody>
+          <a:bodyPr wrap="square" numCol="2" rtlCol="0">
+            <a:spAutoFit/>
+          </a:bodyPr>
+          <a:lstStyle/>
+          <a:p>
+            <a:r>
+              <a:rPr lang="en-US" u="sng" dirty="0" smtClean="0"/>
+              <a:t>Methods:</a:t>
+            </a:r>
+          </a:p>
+          <a:p>
+            <a:endParaRPr lang="en-US" dirty="0" smtClean="0"/>
+          </a:p>
+          <a:p>
+            <a:pPr marL="285750" indent="-285750">
+              <a:buFont typeface="Arial" panose="020B0604020202020204" pitchFamily="34" charset="0"/>
+              <a:buChar char="•"/>
+            </a:pPr>
+            <a:r>
+              <a:rPr lang="en-US" dirty="0" smtClean="0"/>
+              <a:t>keys</a:t>
+            </a:r>
+          </a:p>
+          <a:p>
+            <a:pPr marL="285750" indent="-285750">
+              <a:buFont typeface="Arial" panose="020B0604020202020204" pitchFamily="34" charset="0"/>
+              <a:buChar char="•"/>
+            </a:pPr>
+            <a:r>
+              <a:rPr lang="en-US" dirty="0" smtClean="0"/>
+              <a:t>values</a:t>
+            </a:r>
+          </a:p>
+          <a:p>
+            <a:pPr marL="285750" indent="-285750">
+              <a:buFont typeface="Arial" panose="020B0604020202020204" pitchFamily="34" charset="0"/>
+              <a:buChar char="•"/>
+            </a:pPr>
+            <a:r>
+              <a:rPr lang="en-US" dirty="0" smtClean="0"/>
+              <a:t>items</a:t>
+            </a:r>
+          </a:p>
+          <a:p>
+            <a:pPr marL="285750" indent="-285750">
+              <a:buFont typeface="Arial" panose="020B0604020202020204" pitchFamily="34" charset="0"/>
+              <a:buChar char="•"/>
+            </a:pPr>
+            <a:r>
+              <a:rPr lang="en-US" dirty="0" smtClean="0"/>
+              <a:t>get</a:t>
+            </a:r>
+          </a:p>
+          <a:p>
+            <a:pPr marL="285750" indent="-285750">
+              <a:buFont typeface="Arial" panose="020B0604020202020204" pitchFamily="34" charset="0"/>
+              <a:buChar char="•"/>
+            </a:pPr>
+            <a:r>
+              <a:rPr lang="en-US" dirty="0" smtClean="0"/>
+              <a:t>copy</a:t>
+            </a:r>
+          </a:p>
+          <a:p>
+            <a:r>
+              <a:rPr lang="en-US" dirty="0" smtClean="0"/>
+              <a:t>						</a:t>
+            </a:r>
+          </a:p>
+          <a:p>
+            <a:endParaRPr lang="en-US" dirty="0"/>
+          </a:p>
+          <a:p>
+            <a:pPr marL="285750" indent="-285750">
+              <a:buFont typeface="Arial" panose="020B0604020202020204" pitchFamily="34" charset="0"/>
+              <a:buChar char="•"/>
+            </a:pPr>
+            <a:r>
+              <a:rPr lang="en-US" dirty="0" err="1" smtClean="0"/>
+              <a:t>fromkeys</a:t>
+            </a:r>
+            <a:endParaRPr lang="en-US" dirty="0" smtClean="0"/>
+          </a:p>
+          <a:p>
+            <a:pPr marL="285750" indent="-285750">
+              <a:buFont typeface="Arial" panose="020B0604020202020204" pitchFamily="34" charset="0"/>
+              <a:buChar char="•"/>
+            </a:pPr>
+            <a:r>
+              <a:rPr lang="en-US" dirty="0" err="1" smtClean="0"/>
+              <a:t>popitem</a:t>
+            </a:r>
+            <a:endParaRPr lang="en-US" dirty="0" smtClean="0"/>
+          </a:p>
+          <a:p>
+            <a:pPr marL="285750" indent="-285750">
+              <a:buFont typeface="Arial" panose="020B0604020202020204" pitchFamily="34" charset="0"/>
+              <a:buChar char="•"/>
+            </a:pPr>
+            <a:r>
+              <a:rPr lang="en-US" dirty="0" err="1" smtClean="0"/>
+              <a:t>setdefault</a:t>
+            </a:r>
+            <a:endParaRPr lang="en-US" dirty="0" smtClean="0"/>
+          </a:p>
+          <a:p>
+            <a:pPr marL="285750" indent="-285750">
+              <a:buFont typeface="Arial" panose="020B0604020202020204" pitchFamily="34" charset="0"/>
+              <a:buChar char="•"/>
+            </a:pPr>
+            <a:r>
+              <a:rPr lang="en-US" dirty="0" smtClean="0"/>
+              <a:t>pop</a:t>
+            </a:r>
+          </a:p>
+          <a:p>
+            <a:pPr marL="285750" indent="-285750">
+              <a:buFont typeface="Arial" panose="020B0604020202020204" pitchFamily="34" charset="0"/>
+              <a:buChar char="•"/>
+            </a:pPr>
+            <a:r>
+              <a:rPr lang="en-US" dirty="0" smtClean="0"/>
+              <a:t>Update</a:t>
+            </a:r>
+          </a:p>
+          <a:p>
+            <a:pPr marL="285750" indent="-285750">
+              <a:buFont typeface="Arial" panose="020B0604020202020204" pitchFamily="34" charset="0"/>
+              <a:buChar char="•"/>
+            </a:pPr>
+            <a:r>
+              <a:rPr lang="en-US" dirty="0" smtClean="0"/>
+              <a:t>clear</a:t>
+            </a:r>
+          </a:p>
+          <a:p>
+            <a:r>
+              <a:rPr lang="en-US" dirty="0" smtClean="0"/>
+              <a:t>		</a:t>
+            </a:r>
+          </a:p>
+          <a:p>
+            <a:r>
+              <a:rPr lang="en-US" dirty="0" smtClean="0"/>
+              <a:t>	</a:t>
+            </a:r>
+            <a:endParaRPr lang="en-GB" dirty="0"/>
+          </a:p>
+        </p:txBody>
+      </p:sp>
+      <p:pic>
+        <p:nvPicPr>
+          <p:cNvPr id="10" name="Picture 2"/>
+          <p:cNvPicPr>
+            <a:picLocks noChangeAspect="1" noChangeArrowheads="1"/>
+          </p:cNvPicPr>
+          <p:nvPr/>
+        </p:nvPicPr>
+        <p:blipFill>
+          <a:blip r:embed="rId5">
+            <a:extLst>
+              <a:ext uri="{28A0092B-C50C-407E-A947-70E740481C1C}">
+                <a14:useLocalDpi xmlns:a14="http://schemas.microsoft.com/office/drawing/2010/main" val="0"/>
+              </a:ext>
+            </a:extLst>
+          </a:blip>
+          <a:srcRect/>
+          <a:stretch>
+            <a:fillRect/>
+          </a:stretch>
+        </p:blipFill>
+        <p:spPr bwMode="auto">
+          <a:xfrm>
+            <a:off x="858584" y="4896828"/>
+            <a:ext cx="3311842" cy="1504362"/>
+          </a:xfrm>
+          <a:prstGeom prst="rect">
+            <a:avLst/>
+          </a:prstGeom>
+          <a:noFill/>
+          <a:ln>
+            <a:noFill/>
+          </a:ln>
+          <a:extLst>
+            <a:ext uri="{909E8E84-426E-40DD-AFC4-6F175D3DCCD1}">
+              <a14:hiddenFill xmlns:a14="http://schemas.microsoft.com/office/drawing/2010/main">
+                <a:solidFill>
+                  <a:schemeClr val="accent1"/>
+                </a:solidFill>
+              </a14:hiddenFill>
+            </a:ext>
+            <a:ext uri="{91240B29-F687-4F45-9708-019B960494DF}">
+              <a14:hiddenLine xmlns:a14="http://schemas.microsoft.com/office/drawing/2010/main" w="9525">
+                <a:solidFill>
+                  <a:schemeClr val="tx1"/>
+                </a:solidFill>
+                <a:miter lim="800000"/>
+                <a:headEnd/>
+                <a:tailEnd/>
+              </a14:hiddenLine>
+            </a:ext>
+          </a:extLst>
+        </p:spPr>
+      </p:pic>
+      <p:pic>
+        <p:nvPicPr>
+          <p:cNvPr id="11" name="Picture 3"/>
+          <p:cNvPicPr>
+            <a:picLocks noChangeAspect="1" noChangeArrowheads="1"/>
+          </p:cNvPicPr>
+          <p:nvPr/>
+        </p:nvPicPr>
+        <p:blipFill>
+          <a:blip r:embed="rId6">
+            <a:extLst>
+              <a:ext uri="{28A0092B-C50C-407E-A947-70E740481C1C}">
+                <a14:useLocalDpi xmlns:a14="http://schemas.microsoft.com/office/drawing/2010/main" val="0"/>
+              </a:ext>
+            </a:extLst>
+          </a:blip>
+          <a:srcRect/>
+          <a:stretch>
+            <a:fillRect/>
+          </a:stretch>
+        </p:blipFill>
+        <p:spPr bwMode="auto">
+          <a:xfrm>
+            <a:off x="6150646" y="1606773"/>
+            <a:ext cx="2592288" cy="2663635"/>
+          </a:xfrm>
+          <a:prstGeom prst="rect">
+            <a:avLst/>
+          </a:prstGeom>
+          <a:noFill/>
+          <a:ln>
+            <a:noFill/>
+          </a:ln>
+          <a:extLst>
+            <a:ext uri="{909E8E84-426E-40DD-AFC4-6F175D3DCCD1}">
+              <a14:hiddenFill xmlns:a14="http://schemas.microsoft.com/office/drawing/2010/main">
+                <a:solidFill>
+                  <a:schemeClr val="accent1"/>
+                </a:solidFill>
+              </a14:hiddenFill>
+            </a:ext>
+            <a:ext uri="{91240B29-F687-4F45-9708-019B960494DF}">
+              <a14:hiddenLine xmlns:a14="http://schemas.microsoft.com/office/drawing/2010/main" w="9525">
+                <a:solidFill>
+                  <a:schemeClr val="tx1"/>
+                </a:solidFill>
+                <a:miter lim="800000"/>
+                <a:headEnd/>
+                <a:tailEnd/>
+              </a14:hiddenLine>
+            </a:ext>
+          </a:extLst>
+        </p:spPr>
+      </p:pic>
+    </p:spTree>
+    <p:custDataLst>
+      <p:tags r:id="rId1"/>
+    </p:custDataLst>
+    <p:extLst>
+      <p:ext uri="{BB962C8B-B14F-4D97-AF65-F5344CB8AC3E}">
+        <p14:creationId xmlns:p14="http://schemas.microsoft.com/office/powerpoint/2010/main" val="2627049247"/>
+      </p:ext>
+    </p:extLst>
+  </p:cSld>
+  <p:clrMapOvr>
+    <a:masterClrMapping/>
+  </p:clrMapOvr>
+  <p:timing>
+    <p:tnLst>
+      <p:par>
+        <p:cTn id="1" dur="indefinite" restart="never" nodeType="tmRoot"/>
+      </p:par>
+    </p:tnLst>
+  </p:timing>
+</p:sld>
+</file>
+
+<file path=ppt/slides/slide12.xml><?xml version="1.0" encoding="utf-8"?>
+<p:sld xmlns:a="http://schemas.openxmlformats.org/drawingml/2006/main" xmlns:r="http://schemas.openxmlformats.org/officeDocument/2006/relationships" xmlns:p="http://schemas.openxmlformats.org/presentationml/2006/main">
+  <p:cSld>
+    <p:spTree>
+      <p:nvGrpSpPr>
+        <p:cNvPr id="1" name=""/>
+        <p:cNvGrpSpPr/>
+        <p:nvPr/>
+      </p:nvGrpSpPr>
+      <p:grpSpPr>
+        <a:xfrm>
+          <a:off x="0" y="0"/>
+          <a:ext cx="0" cy="0"/>
+          <a:chOff x="0" y="0"/>
+          <a:chExt cx="0" cy="0"/>
+        </a:xfrm>
+      </p:grpSpPr>
+      <p:sp>
+        <p:nvSpPr>
+          <p:cNvPr id="3" name="PAGE HEADING"/>
+          <p:cNvSpPr>
+            <a:spLocks noGrp="1"/>
+          </p:cNvSpPr>
+          <p:nvPr>
+            <p:ph type="title"/>
+            <p:custDataLst>
+              <p:tags r:id="rId2"/>
+            </p:custDataLst>
+          </p:nvPr>
+        </p:nvSpPr>
+        <p:spPr/>
+        <p:txBody>
+          <a:bodyPr/>
+          <a:lstStyle/>
+          <a:p>
+            <a:r>
+              <a:rPr lang="en-US" dirty="0" smtClean="0"/>
+              <a:t>Methods for Dictionaries</a:t>
+            </a:r>
+            <a:endParaRPr lang="en-US" dirty="0"/>
+          </a:p>
+        </p:txBody>
+      </p:sp>
+      <p:pic>
+        <p:nvPicPr>
+          <p:cNvPr id="6146" name="Picture 2"/>
+          <p:cNvPicPr>
+            <a:picLocks noChangeAspect="1" noChangeArrowheads="1"/>
+          </p:cNvPicPr>
+          <p:nvPr/>
+        </p:nvPicPr>
+        <p:blipFill>
+          <a:blip r:embed="rId5">
+            <a:extLst>
+              <a:ext uri="{28A0092B-C50C-407E-A947-70E740481C1C}">
+                <a14:useLocalDpi xmlns:a14="http://schemas.microsoft.com/office/drawing/2010/main" val="0"/>
+              </a:ext>
+            </a:extLst>
+          </a:blip>
+          <a:srcRect/>
+          <a:stretch>
+            <a:fillRect/>
+          </a:stretch>
+        </p:blipFill>
+        <p:spPr bwMode="auto">
+          <a:xfrm>
+            <a:off x="511480" y="1258010"/>
+            <a:ext cx="10125075" cy="5553075"/>
+          </a:xfrm>
+          <a:prstGeom prst="rect">
+            <a:avLst/>
+          </a:prstGeom>
+          <a:noFill/>
+          <a:ln>
+            <a:noFill/>
+          </a:ln>
+          <a:extLst>
+            <a:ext uri="{909E8E84-426E-40DD-AFC4-6F175D3DCCD1}">
+              <a14:hiddenFill xmlns:a14="http://schemas.microsoft.com/office/drawing/2010/main">
+                <a:solidFill>
+                  <a:schemeClr val="accent1"/>
+                </a:solidFill>
+              </a14:hiddenFill>
+            </a:ext>
+            <a:ext uri="{91240B29-F687-4F45-9708-019B960494DF}">
+              <a14:hiddenLine xmlns:a14="http://schemas.microsoft.com/office/drawing/2010/main" w="9525">
+                <a:solidFill>
+                  <a:schemeClr val="tx1"/>
+                </a:solidFill>
+                <a:miter lim="800000"/>
+                <a:headEnd/>
+                <a:tailEnd/>
+              </a14:hiddenLine>
+            </a:ext>
+          </a:extLst>
+        </p:spPr>
+      </p:pic>
+    </p:spTree>
+    <p:custDataLst>
+      <p:tags r:id="rId1"/>
+    </p:custDataLst>
+    <p:extLst>
+      <p:ext uri="{BB962C8B-B14F-4D97-AF65-F5344CB8AC3E}">
+        <p14:creationId xmlns:p14="http://schemas.microsoft.com/office/powerpoint/2010/main" val="451030480"/>
+      </p:ext>
+    </p:extLst>
+  </p:cSld>
+  <p:clrMapOvr>
+    <a:masterClrMapping/>
+  </p:clrMapOvr>
+  <p:timing>
+    <p:tnLst>
+      <p:par>
+        <p:cTn id="1" dur="indefinite" restart="never" nodeType="tmRoot"/>
+      </p:par>
+    </p:tnLst>
+  </p:timing>
+</p:sld>
+</file>
+
+<file path=ppt/slides/slide2.xml><?xml version="1.0" encoding="utf-8"?>
+<p:sld xmlns:a="http://schemas.openxmlformats.org/drawingml/2006/main" xmlns:r="http://schemas.openxmlformats.org/officeDocument/2006/relationships" xmlns:p="http://schemas.openxmlformats.org/presentationml/2006/main">
+  <p:cSld>
+    <p:spTree>
+      <p:nvGrpSpPr>
+        <p:cNvPr id="1" name=""/>
+        <p:cNvGrpSpPr/>
+        <p:nvPr/>
+      </p:nvGrpSpPr>
+      <p:grpSpPr>
+        <a:xfrm>
+          <a:off x="0" y="0"/>
+          <a:ext cx="0" cy="0"/>
+          <a:chOff x="0" y="0"/>
+          <a:chExt cx="0" cy="0"/>
+        </a:xfrm>
+      </p:grpSpPr>
+      <p:sp>
+        <p:nvSpPr>
           <p:cNvPr id="6" name="CREATE DATE"/>
           <p:cNvSpPr>
             <a:spLocks noGrp="1"/>
@@ -36066,7 +37988,7 @@
         </p:nvSpPr>
         <p:spPr>
           <a:xfrm>
-            <a:off x="548098" y="5385816"/>
+            <a:off x="548097" y="5806050"/>
             <a:ext cx="6663229" cy="274320"/>
           </a:xfrm>
         </p:spPr>
@@ -36119,7 +38041,17 @@
           <a:p>
             <a:r>
               <a:rPr lang="en-US" dirty="0" smtClean="0"/>
-              <a:t>Prathmesh Palande</a:t>
+              <a:t>Ashish Pimple</a:t>
+            </a:r>
+          </a:p>
+          <a:p>
+            <a:r>
+              <a:rPr lang="en-US" dirty="0" smtClean="0"/>
+              <a:t>Prathmesh </a:t>
+            </a:r>
+            <a:r>
+              <a:rPr lang="en-US" dirty="0" smtClean="0"/>
+              <a:t>Palande</a:t>
             </a:r>
           </a:p>
           <a:p>
@@ -36177,15 +38109,7 @@
           <a:p>
             <a:r>
               <a:rPr lang="en-US" dirty="0" smtClean="0"/>
-              <a:t>A mother identifies her twin </a:t>
-            </a:r>
-            <a:r>
-              <a:rPr lang="en-US" dirty="0" smtClean="0"/>
-              <a:t>off-springs </a:t>
-            </a:r>
-            <a:r>
-              <a:rPr lang="en-US" dirty="0" smtClean="0"/>
-              <a:t>uniquely; not-so-naïve?</a:t>
+              <a:t>A mother identifies her twin off-springs uniquely; not-so-naïve?</a:t>
             </a:r>
             <a:endParaRPr lang="en-US" dirty="0"/>
           </a:p>
@@ -36244,7 +38168,7 @@
 </p:sld>
 </file>
 
-<file path=ppt/slides/slide2.xml><?xml version="1.0" encoding="utf-8"?>
+<file path=ppt/slides/slide3.xml><?xml version="1.0" encoding="utf-8"?>
 <p:sld xmlns:a="http://schemas.openxmlformats.org/drawingml/2006/main" xmlns:r="http://schemas.openxmlformats.org/officeDocument/2006/relationships" xmlns:p="http://schemas.openxmlformats.org/presentationml/2006/main">
   <p:cSld>
     <p:spTree>
@@ -36283,7 +38207,6 @@
               <a:rPr lang="en-US" dirty="0"/>
               <a:t>Set, Dictionary, Membership</a:t>
             </a:r>
-            <a:endParaRPr lang="en-US" dirty="0"/>
           </a:p>
         </p:txBody>
       </p:sp>
@@ -36336,7 +38259,7 @@
 </p:sld>
 </file>
 
-<file path=ppt/slides/slide3.xml><?xml version="1.0" encoding="utf-8"?>
+<file path=ppt/slides/slide4.xml><?xml version="1.0" encoding="utf-8"?>
 <p:sld xmlns:a="http://schemas.openxmlformats.org/drawingml/2006/main" xmlns:r="http://schemas.openxmlformats.org/officeDocument/2006/relationships" xmlns:p="http://schemas.openxmlformats.org/presentationml/2006/main">
   <p:cSld>
     <p:spTree>
@@ -36419,7 +38342,7 @@
         </p:nvSpPr>
         <p:spPr>
           <a:xfrm>
-            <a:off x="7315201" y="1149024"/>
+            <a:off x="7315201" y="1268760"/>
             <a:ext cx="5525310" cy="4939814"/>
           </a:xfrm>
           <a:prstGeom prst="rect">
@@ -36439,15 +38362,7 @@
                   <a:prstClr val="black"/>
                 </a:solidFill>
               </a:rPr>
-              <a:t>Sample Methods</a:t>
-            </a:r>
-            <a:r>
-              <a:rPr u="sng" dirty="0" smtClean="0">
-                <a:solidFill>
-                  <a:prstClr val="black"/>
-                </a:solidFill>
-              </a:rPr>
-              <a:t>:</a:t>
+              <a:t>Sample Methods:</a:t>
             </a:r>
             <a:endParaRPr dirty="0" smtClean="0">
               <a:solidFill>
@@ -36949,7 +38864,902 @@
 </p:sld>
 </file>
 
-<file path=ppt/slides/slide4.xml><?xml version="1.0" encoding="utf-8"?>
+<file path=ppt/slides/slide5.xml><?xml version="1.0" encoding="utf-8"?>
+<p:sld xmlns:a="http://schemas.openxmlformats.org/drawingml/2006/main" xmlns:r="http://schemas.openxmlformats.org/officeDocument/2006/relationships" xmlns:p="http://schemas.openxmlformats.org/presentationml/2006/main">
+  <p:cSld>
+    <p:spTree>
+      <p:nvGrpSpPr>
+        <p:cNvPr id="1" name=""/>
+        <p:cNvGrpSpPr/>
+        <p:nvPr/>
+      </p:nvGrpSpPr>
+      <p:grpSpPr>
+        <a:xfrm>
+          <a:off x="0" y="0"/>
+          <a:ext cx="0" cy="0"/>
+          <a:chOff x="0" y="0"/>
+          <a:chExt cx="0" cy="0"/>
+        </a:xfrm>
+      </p:grpSpPr>
+      <p:sp>
+        <p:nvSpPr>
+          <p:cNvPr id="4" name="PAGE HEADING"/>
+          <p:cNvSpPr>
+            <a:spLocks noGrp="1"/>
+          </p:cNvSpPr>
+          <p:nvPr>
+            <p:ph type="title"/>
+            <p:custDataLst>
+              <p:tags r:id="rId2"/>
+            </p:custDataLst>
+          </p:nvPr>
+        </p:nvSpPr>
+        <p:spPr/>
+        <p:txBody>
+          <a:bodyPr>
+            <a:normAutofit/>
+          </a:bodyPr>
+          <a:lstStyle/>
+          <a:p>
+            <a:r>
+              <a:rPr lang="en-US" dirty="0" smtClean="0"/>
+              <a:t>Sets</a:t>
+            </a:r>
+            <a:endParaRPr lang="en-US" dirty="0"/>
+          </a:p>
+        </p:txBody>
+      </p:sp>
+      <p:pic>
+        <p:nvPicPr>
+          <p:cNvPr id="1026" name="Picture 2"/>
+          <p:cNvPicPr>
+            <a:picLocks noChangeAspect="1" noChangeArrowheads="1"/>
+          </p:cNvPicPr>
+          <p:nvPr/>
+        </p:nvPicPr>
+        <p:blipFill>
+          <a:blip r:embed="rId5">
+            <a:extLst>
+              <a:ext uri="{28A0092B-C50C-407E-A947-70E740481C1C}">
+                <a14:useLocalDpi xmlns:a14="http://schemas.microsoft.com/office/drawing/2010/main" val="0"/>
+              </a:ext>
+            </a:extLst>
+          </a:blip>
+          <a:srcRect/>
+          <a:stretch>
+            <a:fillRect/>
+          </a:stretch>
+        </p:blipFill>
+        <p:spPr bwMode="auto">
+          <a:xfrm>
+            <a:off x="552153" y="1288915"/>
+            <a:ext cx="8623490" cy="3098260"/>
+          </a:xfrm>
+          <a:prstGeom prst="rect">
+            <a:avLst/>
+          </a:prstGeom>
+          <a:noFill/>
+          <a:ln>
+            <a:noFill/>
+          </a:ln>
+          <a:extLst>
+            <a:ext uri="{909E8E84-426E-40DD-AFC4-6F175D3DCCD1}">
+              <a14:hiddenFill xmlns:a14="http://schemas.microsoft.com/office/drawing/2010/main">
+                <a:solidFill>
+                  <a:schemeClr val="accent1"/>
+                </a:solidFill>
+              </a14:hiddenFill>
+            </a:ext>
+            <a:ext uri="{91240B29-F687-4F45-9708-019B960494DF}">
+              <a14:hiddenLine xmlns:a14="http://schemas.microsoft.com/office/drawing/2010/main" w="9525">
+                <a:solidFill>
+                  <a:schemeClr val="tx1"/>
+                </a:solidFill>
+                <a:miter lim="800000"/>
+                <a:headEnd/>
+                <a:tailEnd/>
+              </a14:hiddenLine>
+            </a:ext>
+          </a:extLst>
+        </p:spPr>
+      </p:pic>
+      <p:pic>
+        <p:nvPicPr>
+          <p:cNvPr id="1027" name="Picture 3"/>
+          <p:cNvPicPr>
+            <a:picLocks noChangeAspect="1" noChangeArrowheads="1"/>
+          </p:cNvPicPr>
+          <p:nvPr/>
+        </p:nvPicPr>
+        <p:blipFill>
+          <a:blip r:embed="rId6">
+            <a:extLst>
+              <a:ext uri="{28A0092B-C50C-407E-A947-70E740481C1C}">
+                <a14:useLocalDpi xmlns:a14="http://schemas.microsoft.com/office/drawing/2010/main" val="0"/>
+              </a:ext>
+            </a:extLst>
+          </a:blip>
+          <a:srcRect/>
+          <a:stretch>
+            <a:fillRect/>
+          </a:stretch>
+        </p:blipFill>
+        <p:spPr bwMode="auto">
+          <a:xfrm>
+            <a:off x="552153" y="4387175"/>
+            <a:ext cx="3733800" cy="1905000"/>
+          </a:xfrm>
+          <a:prstGeom prst="rect">
+            <a:avLst/>
+          </a:prstGeom>
+          <a:noFill/>
+          <a:ln>
+            <a:noFill/>
+          </a:ln>
+          <a:extLst>
+            <a:ext uri="{909E8E84-426E-40DD-AFC4-6F175D3DCCD1}">
+              <a14:hiddenFill xmlns:a14="http://schemas.microsoft.com/office/drawing/2010/main">
+                <a:solidFill>
+                  <a:schemeClr val="accent1"/>
+                </a:solidFill>
+              </a14:hiddenFill>
+            </a:ext>
+            <a:ext uri="{91240B29-F687-4F45-9708-019B960494DF}">
+              <a14:hiddenLine xmlns:a14="http://schemas.microsoft.com/office/drawing/2010/main" w="9525">
+                <a:solidFill>
+                  <a:schemeClr val="tx1"/>
+                </a:solidFill>
+                <a:miter lim="800000"/>
+                <a:headEnd/>
+                <a:tailEnd/>
+              </a14:hiddenLine>
+            </a:ext>
+          </a:extLst>
+        </p:spPr>
+      </p:pic>
+    </p:spTree>
+    <p:custDataLst>
+      <p:tags r:id="rId1"/>
+    </p:custDataLst>
+    <p:extLst>
+      <p:ext uri="{BB962C8B-B14F-4D97-AF65-F5344CB8AC3E}">
+        <p14:creationId xmlns:p14="http://schemas.microsoft.com/office/powerpoint/2010/main" val="2915273617"/>
+      </p:ext>
+    </p:extLst>
+  </p:cSld>
+  <p:clrMapOvr>
+    <a:masterClrMapping/>
+  </p:clrMapOvr>
+  <p:timing>
+    <p:tnLst>
+      <p:par>
+        <p:cTn id="1" dur="indefinite" restart="never" nodeType="tmRoot"/>
+      </p:par>
+    </p:tnLst>
+  </p:timing>
+</p:sld>
+</file>
+
+<file path=ppt/slides/slide6.xml><?xml version="1.0" encoding="utf-8"?>
+<p:sld xmlns:a="http://schemas.openxmlformats.org/drawingml/2006/main" xmlns:r="http://schemas.openxmlformats.org/officeDocument/2006/relationships" xmlns:p="http://schemas.openxmlformats.org/presentationml/2006/main">
+  <p:cSld>
+    <p:spTree>
+      <p:nvGrpSpPr>
+        <p:cNvPr id="1" name=""/>
+        <p:cNvGrpSpPr/>
+        <p:nvPr/>
+      </p:nvGrpSpPr>
+      <p:grpSpPr>
+        <a:xfrm>
+          <a:off x="0" y="0"/>
+          <a:ext cx="0" cy="0"/>
+          <a:chOff x="0" y="0"/>
+          <a:chExt cx="0" cy="0"/>
+        </a:xfrm>
+      </p:grpSpPr>
+      <p:sp>
+        <p:nvSpPr>
+          <p:cNvPr id="4" name="PAGE HEADING"/>
+          <p:cNvSpPr>
+            <a:spLocks noGrp="1"/>
+          </p:cNvSpPr>
+          <p:nvPr>
+            <p:ph type="title"/>
+            <p:custDataLst>
+              <p:tags r:id="rId2"/>
+            </p:custDataLst>
+          </p:nvPr>
+        </p:nvSpPr>
+        <p:spPr/>
+        <p:txBody>
+          <a:bodyPr>
+            <a:normAutofit/>
+          </a:bodyPr>
+          <a:lstStyle/>
+          <a:p>
+            <a:r>
+              <a:rPr lang="en-US" dirty="0" smtClean="0"/>
+              <a:t>Sets</a:t>
+            </a:r>
+            <a:endParaRPr lang="en-US" dirty="0"/>
+          </a:p>
+        </p:txBody>
+      </p:sp>
+      <p:pic>
+        <p:nvPicPr>
+          <p:cNvPr id="2050" name="Picture 2"/>
+          <p:cNvPicPr>
+            <a:picLocks noChangeAspect="1" noChangeArrowheads="1"/>
+          </p:cNvPicPr>
+          <p:nvPr/>
+        </p:nvPicPr>
+        <p:blipFill>
+          <a:blip r:embed="rId5">
+            <a:extLst>
+              <a:ext uri="{28A0092B-C50C-407E-A947-70E740481C1C}">
+                <a14:useLocalDpi xmlns:a14="http://schemas.microsoft.com/office/drawing/2010/main" val="0"/>
+              </a:ext>
+            </a:extLst>
+          </a:blip>
+          <a:srcRect/>
+          <a:stretch>
+            <a:fillRect/>
+          </a:stretch>
+        </p:blipFill>
+        <p:spPr bwMode="auto">
+          <a:xfrm>
+            <a:off x="547045" y="1281821"/>
+            <a:ext cx="4781550" cy="3676650"/>
+          </a:xfrm>
+          <a:prstGeom prst="rect">
+            <a:avLst/>
+          </a:prstGeom>
+          <a:noFill/>
+          <a:ln>
+            <a:noFill/>
+          </a:ln>
+          <a:extLst>
+            <a:ext uri="{909E8E84-426E-40DD-AFC4-6F175D3DCCD1}">
+              <a14:hiddenFill xmlns:a14="http://schemas.microsoft.com/office/drawing/2010/main">
+                <a:solidFill>
+                  <a:schemeClr val="accent1"/>
+                </a:solidFill>
+              </a14:hiddenFill>
+            </a:ext>
+            <a:ext uri="{91240B29-F687-4F45-9708-019B960494DF}">
+              <a14:hiddenLine xmlns:a14="http://schemas.microsoft.com/office/drawing/2010/main" w="9525">
+                <a:solidFill>
+                  <a:schemeClr val="tx1"/>
+                </a:solidFill>
+                <a:miter lim="800000"/>
+                <a:headEnd/>
+                <a:tailEnd/>
+              </a14:hiddenLine>
+            </a:ext>
+          </a:extLst>
+        </p:spPr>
+      </p:pic>
+      <p:pic>
+        <p:nvPicPr>
+          <p:cNvPr id="2051" name="Picture 3"/>
+          <p:cNvPicPr>
+            <a:picLocks noChangeAspect="1" noChangeArrowheads="1"/>
+          </p:cNvPicPr>
+          <p:nvPr/>
+        </p:nvPicPr>
+        <p:blipFill>
+          <a:blip r:embed="rId6">
+            <a:extLst>
+              <a:ext uri="{28A0092B-C50C-407E-A947-70E740481C1C}">
+                <a14:useLocalDpi xmlns:a14="http://schemas.microsoft.com/office/drawing/2010/main" val="0"/>
+              </a:ext>
+            </a:extLst>
+          </a:blip>
+          <a:srcRect/>
+          <a:stretch>
+            <a:fillRect/>
+          </a:stretch>
+        </p:blipFill>
+        <p:spPr bwMode="auto">
+          <a:xfrm>
+            <a:off x="5328595" y="2539121"/>
+            <a:ext cx="4505325" cy="2419350"/>
+          </a:xfrm>
+          <a:prstGeom prst="rect">
+            <a:avLst/>
+          </a:prstGeom>
+          <a:noFill/>
+          <a:ln>
+            <a:noFill/>
+          </a:ln>
+          <a:extLst>
+            <a:ext uri="{909E8E84-426E-40DD-AFC4-6F175D3DCCD1}">
+              <a14:hiddenFill xmlns:a14="http://schemas.microsoft.com/office/drawing/2010/main">
+                <a:solidFill>
+                  <a:schemeClr val="accent1"/>
+                </a:solidFill>
+              </a14:hiddenFill>
+            </a:ext>
+            <a:ext uri="{91240B29-F687-4F45-9708-019B960494DF}">
+              <a14:hiddenLine xmlns:a14="http://schemas.microsoft.com/office/drawing/2010/main" w="9525">
+                <a:solidFill>
+                  <a:schemeClr val="tx1"/>
+                </a:solidFill>
+                <a:miter lim="800000"/>
+                <a:headEnd/>
+                <a:tailEnd/>
+              </a14:hiddenLine>
+            </a:ext>
+          </a:extLst>
+        </p:spPr>
+      </p:pic>
+    </p:spTree>
+    <p:custDataLst>
+      <p:tags r:id="rId1"/>
+    </p:custDataLst>
+    <p:extLst>
+      <p:ext uri="{BB962C8B-B14F-4D97-AF65-F5344CB8AC3E}">
+        <p14:creationId xmlns:p14="http://schemas.microsoft.com/office/powerpoint/2010/main" val="2666670549"/>
+      </p:ext>
+    </p:extLst>
+  </p:cSld>
+  <p:clrMapOvr>
+    <a:masterClrMapping/>
+  </p:clrMapOvr>
+  <p:timing>
+    <p:tnLst>
+      <p:par>
+        <p:cTn id="1" dur="indefinite" restart="never" nodeType="tmRoot"/>
+      </p:par>
+    </p:tnLst>
+  </p:timing>
+</p:sld>
+</file>
+
+<file path=ppt/slides/slide7.xml><?xml version="1.0" encoding="utf-8"?>
+<p:sld xmlns:a="http://schemas.openxmlformats.org/drawingml/2006/main" xmlns:r="http://schemas.openxmlformats.org/officeDocument/2006/relationships" xmlns:p="http://schemas.openxmlformats.org/presentationml/2006/main">
+  <p:cSld>
+    <p:spTree>
+      <p:nvGrpSpPr>
+        <p:cNvPr id="1" name=""/>
+        <p:cNvGrpSpPr/>
+        <p:nvPr/>
+      </p:nvGrpSpPr>
+      <p:grpSpPr>
+        <a:xfrm>
+          <a:off x="0" y="0"/>
+          <a:ext cx="0" cy="0"/>
+          <a:chOff x="0" y="0"/>
+          <a:chExt cx="0" cy="0"/>
+        </a:xfrm>
+      </p:grpSpPr>
+      <p:sp>
+        <p:nvSpPr>
+          <p:cNvPr id="4" name="PAGE HEADING"/>
+          <p:cNvSpPr>
+            <a:spLocks noGrp="1"/>
+          </p:cNvSpPr>
+          <p:nvPr>
+            <p:ph type="title"/>
+            <p:custDataLst>
+              <p:tags r:id="rId2"/>
+            </p:custDataLst>
+          </p:nvPr>
+        </p:nvSpPr>
+        <p:spPr/>
+        <p:txBody>
+          <a:bodyPr>
+            <a:normAutofit/>
+          </a:bodyPr>
+          <a:lstStyle/>
+          <a:p>
+            <a:r>
+              <a:rPr lang="en-US" dirty="0" smtClean="0"/>
+              <a:t>Sets</a:t>
+            </a:r>
+            <a:endParaRPr lang="en-US" dirty="0"/>
+          </a:p>
+        </p:txBody>
+      </p:sp>
+      <p:pic>
+        <p:nvPicPr>
+          <p:cNvPr id="3074" name="Picture 2"/>
+          <p:cNvPicPr>
+            <a:picLocks noChangeAspect="1" noChangeArrowheads="1"/>
+          </p:cNvPicPr>
+          <p:nvPr/>
+        </p:nvPicPr>
+        <p:blipFill>
+          <a:blip r:embed="rId5">
+            <a:extLst>
+              <a:ext uri="{28A0092B-C50C-407E-A947-70E740481C1C}">
+                <a14:useLocalDpi xmlns:a14="http://schemas.microsoft.com/office/drawing/2010/main" val="0"/>
+              </a:ext>
+            </a:extLst>
+          </a:blip>
+          <a:srcRect/>
+          <a:stretch>
+            <a:fillRect/>
+          </a:stretch>
+        </p:blipFill>
+        <p:spPr bwMode="auto">
+          <a:xfrm>
+            <a:off x="514316" y="1253652"/>
+            <a:ext cx="4905375" cy="2857500"/>
+          </a:xfrm>
+          <a:prstGeom prst="rect">
+            <a:avLst/>
+          </a:prstGeom>
+          <a:noFill/>
+          <a:ln>
+            <a:noFill/>
+          </a:ln>
+          <a:extLst>
+            <a:ext uri="{909E8E84-426E-40DD-AFC4-6F175D3DCCD1}">
+              <a14:hiddenFill xmlns:a14="http://schemas.microsoft.com/office/drawing/2010/main">
+                <a:solidFill>
+                  <a:schemeClr val="accent1"/>
+                </a:solidFill>
+              </a14:hiddenFill>
+            </a:ext>
+            <a:ext uri="{91240B29-F687-4F45-9708-019B960494DF}">
+              <a14:hiddenLine xmlns:a14="http://schemas.microsoft.com/office/drawing/2010/main" w="9525">
+                <a:solidFill>
+                  <a:schemeClr val="tx1"/>
+                </a:solidFill>
+                <a:miter lim="800000"/>
+                <a:headEnd/>
+                <a:tailEnd/>
+              </a14:hiddenLine>
+            </a:ext>
+          </a:extLst>
+        </p:spPr>
+      </p:pic>
+      <p:pic>
+        <p:nvPicPr>
+          <p:cNvPr id="3075" name="Picture 3"/>
+          <p:cNvPicPr>
+            <a:picLocks noChangeAspect="1" noChangeArrowheads="1"/>
+          </p:cNvPicPr>
+          <p:nvPr/>
+        </p:nvPicPr>
+        <p:blipFill>
+          <a:blip r:embed="rId6">
+            <a:extLst>
+              <a:ext uri="{28A0092B-C50C-407E-A947-70E740481C1C}">
+                <a14:useLocalDpi xmlns:a14="http://schemas.microsoft.com/office/drawing/2010/main" val="0"/>
+              </a:ext>
+            </a:extLst>
+          </a:blip>
+          <a:srcRect/>
+          <a:stretch>
+            <a:fillRect/>
+          </a:stretch>
+        </p:blipFill>
+        <p:spPr bwMode="auto">
+          <a:xfrm>
+            <a:off x="5405403" y="1253652"/>
+            <a:ext cx="5648325" cy="3333750"/>
+          </a:xfrm>
+          <a:prstGeom prst="rect">
+            <a:avLst/>
+          </a:prstGeom>
+          <a:noFill/>
+          <a:ln>
+            <a:noFill/>
+          </a:ln>
+          <a:extLst>
+            <a:ext uri="{909E8E84-426E-40DD-AFC4-6F175D3DCCD1}">
+              <a14:hiddenFill xmlns:a14="http://schemas.microsoft.com/office/drawing/2010/main">
+                <a:solidFill>
+                  <a:schemeClr val="accent1"/>
+                </a:solidFill>
+              </a14:hiddenFill>
+            </a:ext>
+            <a:ext uri="{91240B29-F687-4F45-9708-019B960494DF}">
+              <a14:hiddenLine xmlns:a14="http://schemas.microsoft.com/office/drawing/2010/main" w="9525">
+                <a:solidFill>
+                  <a:schemeClr val="tx1"/>
+                </a:solidFill>
+                <a:miter lim="800000"/>
+                <a:headEnd/>
+                <a:tailEnd/>
+              </a14:hiddenLine>
+            </a:ext>
+          </a:extLst>
+        </p:spPr>
+      </p:pic>
+      <p:pic>
+        <p:nvPicPr>
+          <p:cNvPr id="4098" name="Picture 2"/>
+          <p:cNvPicPr>
+            <a:picLocks noChangeAspect="1" noChangeArrowheads="1"/>
+          </p:cNvPicPr>
+          <p:nvPr/>
+        </p:nvPicPr>
+        <p:blipFill>
+          <a:blip r:embed="rId7">
+            <a:extLst>
+              <a:ext uri="{28A0092B-C50C-407E-A947-70E740481C1C}">
+                <a14:useLocalDpi xmlns:a14="http://schemas.microsoft.com/office/drawing/2010/main" val="0"/>
+              </a:ext>
+            </a:extLst>
+          </a:blip>
+          <a:srcRect/>
+          <a:stretch>
+            <a:fillRect/>
+          </a:stretch>
+        </p:blipFill>
+        <p:spPr bwMode="auto">
+          <a:xfrm>
+            <a:off x="5376828" y="4602297"/>
+            <a:ext cx="5676900" cy="638175"/>
+          </a:xfrm>
+          <a:prstGeom prst="rect">
+            <a:avLst/>
+          </a:prstGeom>
+          <a:noFill/>
+          <a:ln>
+            <a:noFill/>
+          </a:ln>
+          <a:extLst>
+            <a:ext uri="{909E8E84-426E-40DD-AFC4-6F175D3DCCD1}">
+              <a14:hiddenFill xmlns:a14="http://schemas.microsoft.com/office/drawing/2010/main">
+                <a:solidFill>
+                  <a:schemeClr val="accent1"/>
+                </a:solidFill>
+              </a14:hiddenFill>
+            </a:ext>
+            <a:ext uri="{91240B29-F687-4F45-9708-019B960494DF}">
+              <a14:hiddenLine xmlns:a14="http://schemas.microsoft.com/office/drawing/2010/main" w="9525">
+                <a:solidFill>
+                  <a:schemeClr val="tx1"/>
+                </a:solidFill>
+                <a:miter lim="800000"/>
+                <a:headEnd/>
+                <a:tailEnd/>
+              </a14:hiddenLine>
+            </a:ext>
+          </a:extLst>
+        </p:spPr>
+      </p:pic>
+      <p:pic>
+        <p:nvPicPr>
+          <p:cNvPr id="4100" name="Picture 4"/>
+          <p:cNvPicPr>
+            <a:picLocks noChangeAspect="1" noChangeArrowheads="1"/>
+          </p:cNvPicPr>
+          <p:nvPr/>
+        </p:nvPicPr>
+        <p:blipFill>
+          <a:blip r:embed="rId8">
+            <a:extLst>
+              <a:ext uri="{28A0092B-C50C-407E-A947-70E740481C1C}">
+                <a14:useLocalDpi xmlns:a14="http://schemas.microsoft.com/office/drawing/2010/main" val="0"/>
+              </a:ext>
+            </a:extLst>
+          </a:blip>
+          <a:srcRect/>
+          <a:stretch>
+            <a:fillRect/>
+          </a:stretch>
+        </p:blipFill>
+        <p:spPr bwMode="auto">
+          <a:xfrm>
+            <a:off x="1233453" y="4111152"/>
+            <a:ext cx="4143375" cy="2409825"/>
+          </a:xfrm>
+          <a:prstGeom prst="rect">
+            <a:avLst/>
+          </a:prstGeom>
+          <a:noFill/>
+          <a:ln>
+            <a:noFill/>
+          </a:ln>
+          <a:extLst>
+            <a:ext uri="{909E8E84-426E-40DD-AFC4-6F175D3DCCD1}">
+              <a14:hiddenFill xmlns:a14="http://schemas.microsoft.com/office/drawing/2010/main">
+                <a:solidFill>
+                  <a:schemeClr val="accent1"/>
+                </a:solidFill>
+              </a14:hiddenFill>
+            </a:ext>
+            <a:ext uri="{91240B29-F687-4F45-9708-019B960494DF}">
+              <a14:hiddenLine xmlns:a14="http://schemas.microsoft.com/office/drawing/2010/main" w="9525">
+                <a:solidFill>
+                  <a:schemeClr val="tx1"/>
+                </a:solidFill>
+                <a:miter lim="800000"/>
+                <a:headEnd/>
+                <a:tailEnd/>
+              </a14:hiddenLine>
+            </a:ext>
+          </a:extLst>
+        </p:spPr>
+      </p:pic>
+      <p:pic>
+        <p:nvPicPr>
+          <p:cNvPr id="4101" name="Picture 5"/>
+          <p:cNvPicPr>
+            <a:picLocks noChangeAspect="1" noChangeArrowheads="1"/>
+          </p:cNvPicPr>
+          <p:nvPr/>
+        </p:nvPicPr>
+        <p:blipFill>
+          <a:blip r:embed="rId9">
+            <a:extLst>
+              <a:ext uri="{28A0092B-C50C-407E-A947-70E740481C1C}">
+                <a14:useLocalDpi xmlns:a14="http://schemas.microsoft.com/office/drawing/2010/main" val="0"/>
+              </a:ext>
+            </a:extLst>
+          </a:blip>
+          <a:srcRect/>
+          <a:stretch>
+            <a:fillRect/>
+          </a:stretch>
+        </p:blipFill>
+        <p:spPr bwMode="auto">
+          <a:xfrm>
+            <a:off x="5376828" y="5240472"/>
+            <a:ext cx="6219825" cy="609600"/>
+          </a:xfrm>
+          <a:prstGeom prst="rect">
+            <a:avLst/>
+          </a:prstGeom>
+          <a:noFill/>
+          <a:ln>
+            <a:noFill/>
+          </a:ln>
+          <a:extLst>
+            <a:ext uri="{909E8E84-426E-40DD-AFC4-6F175D3DCCD1}">
+              <a14:hiddenFill xmlns:a14="http://schemas.microsoft.com/office/drawing/2010/main">
+                <a:solidFill>
+                  <a:schemeClr val="accent1"/>
+                </a:solidFill>
+              </a14:hiddenFill>
+            </a:ext>
+            <a:ext uri="{91240B29-F687-4F45-9708-019B960494DF}">
+              <a14:hiddenLine xmlns:a14="http://schemas.microsoft.com/office/drawing/2010/main" w="9525">
+                <a:solidFill>
+                  <a:schemeClr val="tx1"/>
+                </a:solidFill>
+                <a:miter lim="800000"/>
+                <a:headEnd/>
+                <a:tailEnd/>
+              </a14:hiddenLine>
+            </a:ext>
+          </a:extLst>
+        </p:spPr>
+      </p:pic>
+    </p:spTree>
+    <p:custDataLst>
+      <p:tags r:id="rId1"/>
+    </p:custDataLst>
+    <p:extLst>
+      <p:ext uri="{BB962C8B-B14F-4D97-AF65-F5344CB8AC3E}">
+        <p14:creationId xmlns:p14="http://schemas.microsoft.com/office/powerpoint/2010/main" val="1749032593"/>
+      </p:ext>
+    </p:extLst>
+  </p:cSld>
+  <p:clrMapOvr>
+    <a:masterClrMapping/>
+  </p:clrMapOvr>
+  <p:timing>
+    <p:tnLst>
+      <p:par>
+        <p:cTn id="1" dur="indefinite" restart="never" nodeType="tmRoot"/>
+      </p:par>
+    </p:tnLst>
+  </p:timing>
+</p:sld>
+</file>
+
+<file path=ppt/slides/slide8.xml><?xml version="1.0" encoding="utf-8"?>
+<p:sld xmlns:a="http://schemas.openxmlformats.org/drawingml/2006/main" xmlns:r="http://schemas.openxmlformats.org/officeDocument/2006/relationships" xmlns:p="http://schemas.openxmlformats.org/presentationml/2006/main">
+  <p:cSld>
+    <p:spTree>
+      <p:nvGrpSpPr>
+        <p:cNvPr id="1" name=""/>
+        <p:cNvGrpSpPr/>
+        <p:nvPr/>
+      </p:nvGrpSpPr>
+      <p:grpSpPr>
+        <a:xfrm>
+          <a:off x="0" y="0"/>
+          <a:ext cx="0" cy="0"/>
+          <a:chOff x="0" y="0"/>
+          <a:chExt cx="0" cy="0"/>
+        </a:xfrm>
+      </p:grpSpPr>
+      <p:sp>
+        <p:nvSpPr>
+          <p:cNvPr id="4" name="PAGE HEADING"/>
+          <p:cNvSpPr>
+            <a:spLocks noGrp="1"/>
+          </p:cNvSpPr>
+          <p:nvPr>
+            <p:ph type="title"/>
+            <p:custDataLst>
+              <p:tags r:id="rId2"/>
+            </p:custDataLst>
+          </p:nvPr>
+        </p:nvSpPr>
+        <p:spPr/>
+        <p:txBody>
+          <a:bodyPr>
+            <a:normAutofit/>
+          </a:bodyPr>
+          <a:lstStyle/>
+          <a:p>
+            <a:r>
+              <a:rPr lang="en-US" dirty="0" smtClean="0"/>
+              <a:t>Sets</a:t>
+            </a:r>
+            <a:endParaRPr lang="en-US" dirty="0"/>
+          </a:p>
+        </p:txBody>
+      </p:sp>
+      <p:pic>
+        <p:nvPicPr>
+          <p:cNvPr id="5122" name="Picture 2"/>
+          <p:cNvPicPr>
+            <a:picLocks noChangeAspect="1" noChangeArrowheads="1"/>
+          </p:cNvPicPr>
+          <p:nvPr/>
+        </p:nvPicPr>
+        <p:blipFill>
+          <a:blip r:embed="rId5">
+            <a:extLst>
+              <a:ext uri="{28A0092B-C50C-407E-A947-70E740481C1C}">
+                <a14:useLocalDpi xmlns:a14="http://schemas.microsoft.com/office/drawing/2010/main" val="0"/>
+              </a:ext>
+            </a:extLst>
+          </a:blip>
+          <a:srcRect/>
+          <a:stretch>
+            <a:fillRect/>
+          </a:stretch>
+        </p:blipFill>
+        <p:spPr bwMode="auto">
+          <a:xfrm>
+            <a:off x="533974" y="1224469"/>
+            <a:ext cx="4010025" cy="2857500"/>
+          </a:xfrm>
+          <a:prstGeom prst="rect">
+            <a:avLst/>
+          </a:prstGeom>
+          <a:noFill/>
+          <a:ln>
+            <a:noFill/>
+          </a:ln>
+          <a:extLst>
+            <a:ext uri="{909E8E84-426E-40DD-AFC4-6F175D3DCCD1}">
+              <a14:hiddenFill xmlns:a14="http://schemas.microsoft.com/office/drawing/2010/main">
+                <a:solidFill>
+                  <a:schemeClr val="accent1"/>
+                </a:solidFill>
+              </a14:hiddenFill>
+            </a:ext>
+            <a:ext uri="{91240B29-F687-4F45-9708-019B960494DF}">
+              <a14:hiddenLine xmlns:a14="http://schemas.microsoft.com/office/drawing/2010/main" w="9525">
+                <a:solidFill>
+                  <a:schemeClr val="tx1"/>
+                </a:solidFill>
+                <a:miter lim="800000"/>
+                <a:headEnd/>
+                <a:tailEnd/>
+              </a14:hiddenLine>
+            </a:ext>
+          </a:extLst>
+        </p:spPr>
+      </p:pic>
+      <p:pic>
+        <p:nvPicPr>
+          <p:cNvPr id="5123" name="Picture 3"/>
+          <p:cNvPicPr>
+            <a:picLocks noChangeAspect="1" noChangeArrowheads="1"/>
+          </p:cNvPicPr>
+          <p:nvPr/>
+        </p:nvPicPr>
+        <p:blipFill>
+          <a:blip r:embed="rId6">
+            <a:extLst>
+              <a:ext uri="{28A0092B-C50C-407E-A947-70E740481C1C}">
+                <a14:useLocalDpi xmlns:a14="http://schemas.microsoft.com/office/drawing/2010/main" val="0"/>
+              </a:ext>
+            </a:extLst>
+          </a:blip>
+          <a:srcRect/>
+          <a:stretch>
+            <a:fillRect/>
+          </a:stretch>
+        </p:blipFill>
+        <p:spPr bwMode="auto">
+          <a:xfrm>
+            <a:off x="4543999" y="1224469"/>
+            <a:ext cx="8131514" cy="4986046"/>
+          </a:xfrm>
+          <a:prstGeom prst="rect">
+            <a:avLst/>
+          </a:prstGeom>
+          <a:noFill/>
+          <a:ln>
+            <a:noFill/>
+          </a:ln>
+          <a:extLst>
+            <a:ext uri="{909E8E84-426E-40DD-AFC4-6F175D3DCCD1}">
+              <a14:hiddenFill xmlns:a14="http://schemas.microsoft.com/office/drawing/2010/main">
+                <a:solidFill>
+                  <a:schemeClr val="accent1"/>
+                </a:solidFill>
+              </a14:hiddenFill>
+            </a:ext>
+            <a:ext uri="{91240B29-F687-4F45-9708-019B960494DF}">
+              <a14:hiddenLine xmlns:a14="http://schemas.microsoft.com/office/drawing/2010/main" w="9525">
+                <a:solidFill>
+                  <a:schemeClr val="tx1"/>
+                </a:solidFill>
+                <a:miter lim="800000"/>
+                <a:headEnd/>
+                <a:tailEnd/>
+              </a14:hiddenLine>
+            </a:ext>
+          </a:extLst>
+        </p:spPr>
+      </p:pic>
+      <p:sp>
+        <p:nvSpPr>
+          <p:cNvPr id="2" name="TextBox 1"/>
+          <p:cNvSpPr txBox="1"/>
+          <p:nvPr/>
+        </p:nvSpPr>
+        <p:spPr>
+          <a:xfrm>
+            <a:off x="4621821" y="6205056"/>
+            <a:ext cx="2625286" cy="311285"/>
+          </a:xfrm>
+          <a:prstGeom prst="rect">
+            <a:avLst/>
+          </a:prstGeom>
+          <a:noFill/>
+        </p:spPr>
+        <p:txBody>
+          <a:bodyPr wrap="none" lIns="0" tIns="0" rIns="0" bIns="0" rtlCol="0">
+            <a:noAutofit/>
+          </a:bodyPr>
+          <a:lstStyle/>
+          <a:p>
+            <a:r>
+              <a:rPr lang="en-US" sz="1400" dirty="0" smtClean="0"/>
+              <a:t>All the methods for Sets</a:t>
+            </a:r>
+          </a:p>
+        </p:txBody>
+      </p:sp>
+    </p:spTree>
+    <p:custDataLst>
+      <p:tags r:id="rId1"/>
+    </p:custDataLst>
+    <p:extLst>
+      <p:ext uri="{BB962C8B-B14F-4D97-AF65-F5344CB8AC3E}">
+        <p14:creationId xmlns:p14="http://schemas.microsoft.com/office/powerpoint/2010/main" val="3249894287"/>
+      </p:ext>
+    </p:extLst>
+  </p:cSld>
+  <p:clrMapOvr>
+    <a:masterClrMapping/>
+  </p:clrMapOvr>
+  <p:timing>
+    <p:tnLst>
+      <p:par>
+        <p:cTn id="1" dur="indefinite" restart="never" nodeType="tmRoot"/>
+      </p:par>
+    </p:tnLst>
+  </p:timing>
+</p:sld>
+</file>
+
+<file path=ppt/slides/slide9.xml><?xml version="1.0" encoding="utf-8"?>
 <p:sld xmlns:a="http://schemas.openxmlformats.org/drawingml/2006/main" xmlns:r="http://schemas.openxmlformats.org/officeDocument/2006/relationships" xmlns:p="http://schemas.openxmlformats.org/presentationml/2006/main">
   <p:cSld>
     <p:spTree>
@@ -37446,1748 +40256,6 @@
 </p:sld>
 </file>
 
-<file path=ppt/slides/slide5.xml><?xml version="1.0" encoding="utf-8"?>
-<p:sld xmlns:a="http://schemas.openxmlformats.org/drawingml/2006/main" xmlns:r="http://schemas.openxmlformats.org/officeDocument/2006/relationships" xmlns:p="http://schemas.openxmlformats.org/presentationml/2006/main">
-  <p:cSld>
-    <p:spTree>
-      <p:nvGrpSpPr>
-        <p:cNvPr id="1" name=""/>
-        <p:cNvGrpSpPr/>
-        <p:nvPr/>
-      </p:nvGrpSpPr>
-      <p:grpSpPr>
-        <a:xfrm>
-          <a:off x="0" y="0"/>
-          <a:ext cx="0" cy="0"/>
-          <a:chOff x="0" y="0"/>
-          <a:chExt cx="0" cy="0"/>
-        </a:xfrm>
-      </p:grpSpPr>
-      <p:sp>
-        <p:nvSpPr>
-          <p:cNvPr id="3" name="PAGE HEADING"/>
-          <p:cNvSpPr>
-            <a:spLocks noGrp="1"/>
-          </p:cNvSpPr>
-          <p:nvPr>
-            <p:ph type="title"/>
-            <p:custDataLst>
-              <p:tags r:id="rId2"/>
-            </p:custDataLst>
-          </p:nvPr>
-        </p:nvSpPr>
-        <p:spPr/>
-        <p:txBody>
-          <a:bodyPr/>
-          <a:lstStyle/>
-          <a:p>
-            <a:r>
-              <a:rPr lang="en-US" dirty="0" smtClean="0"/>
-              <a:t>Dictionaries, in-a-nut-shell</a:t>
-            </a:r>
-            <a:endParaRPr lang="en-US" dirty="0"/>
-          </a:p>
-        </p:txBody>
-      </p:sp>
-      <p:sp>
-        <p:nvSpPr>
-          <p:cNvPr id="7" name="pole tekstowe 1"/>
-          <p:cNvSpPr txBox="1"/>
-          <p:nvPr/>
-        </p:nvSpPr>
-        <p:spPr>
-          <a:xfrm>
-            <a:off x="873719" y="1947561"/>
-            <a:ext cx="3026481" cy="369332"/>
-          </a:xfrm>
-          <a:prstGeom prst="rect">
-            <a:avLst/>
-          </a:prstGeom>
-          <a:noFill/>
-        </p:spPr>
-        <p:txBody>
-          <a:bodyPr wrap="square" rtlCol="0">
-            <a:spAutoFit/>
-          </a:bodyPr>
-          <a:lstStyle/>
-          <a:p>
-            <a:r>
-              <a:rPr lang="en-US" dirty="0" err="1" smtClean="0"/>
-              <a:t>newDict</a:t>
-            </a:r>
-            <a:r>
-              <a:rPr lang="en-US" dirty="0" smtClean="0"/>
-              <a:t> = {key : value}</a:t>
-            </a:r>
-            <a:endParaRPr lang="en-GB" dirty="0"/>
-          </a:p>
-        </p:txBody>
-      </p:sp>
-      <p:sp>
-        <p:nvSpPr>
-          <p:cNvPr id="8" name="pole tekstowe 3"/>
-          <p:cNvSpPr txBox="1"/>
-          <p:nvPr/>
-        </p:nvSpPr>
-        <p:spPr>
-          <a:xfrm>
-            <a:off x="703071" y="2651209"/>
-            <a:ext cx="1657890" cy="369332"/>
-          </a:xfrm>
-          <a:prstGeom prst="rect">
-            <a:avLst/>
-          </a:prstGeom>
-          <a:noFill/>
-        </p:spPr>
-        <p:txBody>
-          <a:bodyPr wrap="none" rtlCol="0">
-            <a:spAutoFit/>
-          </a:bodyPr>
-          <a:lstStyle/>
-          <a:p>
-            <a:r>
-              <a:rPr lang="en-US" dirty="0" smtClean="0"/>
-              <a:t>Keys and values</a:t>
-            </a:r>
-            <a:endParaRPr lang="en-GB" dirty="0"/>
-          </a:p>
-        </p:txBody>
-      </p:sp>
-      <p:pic>
-        <p:nvPicPr>
-          <p:cNvPr id="9" name="Picture 2"/>
-          <p:cNvPicPr>
-            <a:picLocks noChangeAspect="1" noChangeArrowheads="1"/>
-          </p:cNvPicPr>
-          <p:nvPr/>
-        </p:nvPicPr>
-        <p:blipFill>
-          <a:blip r:embed="rId5">
-            <a:extLst>
-              <a:ext uri="{28A0092B-C50C-407E-A947-70E740481C1C}">
-                <a14:useLocalDpi xmlns:a14="http://schemas.microsoft.com/office/drawing/2010/main" val="0"/>
-              </a:ext>
-            </a:extLst>
-          </a:blip>
-          <a:srcRect/>
-          <a:stretch>
-            <a:fillRect/>
-          </a:stretch>
-        </p:blipFill>
-        <p:spPr bwMode="auto">
-          <a:xfrm>
-            <a:off x="772084" y="3147448"/>
-            <a:ext cx="7380820" cy="792088"/>
-          </a:xfrm>
-          <a:prstGeom prst="rect">
-            <a:avLst/>
-          </a:prstGeom>
-          <a:noFill/>
-          <a:ln>
-            <a:noFill/>
-          </a:ln>
-          <a:extLst>
-            <a:ext uri="{909E8E84-426E-40DD-AFC4-6F175D3DCCD1}">
-              <a14:hiddenFill xmlns:a14="http://schemas.microsoft.com/office/drawing/2010/main">
-                <a:solidFill>
-                  <a:schemeClr val="accent1"/>
-                </a:solidFill>
-              </a14:hiddenFill>
-            </a:ext>
-            <a:ext uri="{91240B29-F687-4F45-9708-019B960494DF}">
-              <a14:hiddenLine xmlns:a14="http://schemas.microsoft.com/office/drawing/2010/main" w="9525">
-                <a:solidFill>
-                  <a:schemeClr val="tx1"/>
-                </a:solidFill>
-                <a:miter lim="800000"/>
-                <a:headEnd/>
-                <a:tailEnd/>
-              </a14:hiddenLine>
-            </a:ext>
-          </a:extLst>
-        </p:spPr>
-      </p:pic>
-      <p:pic>
-        <p:nvPicPr>
-          <p:cNvPr id="10" name="Picture 3"/>
-          <p:cNvPicPr>
-            <a:picLocks noChangeAspect="1" noChangeArrowheads="1"/>
-          </p:cNvPicPr>
-          <p:nvPr/>
-        </p:nvPicPr>
-        <p:blipFill>
-          <a:blip r:embed="rId6">
-            <a:extLst>
-              <a:ext uri="{28A0092B-C50C-407E-A947-70E740481C1C}">
-                <a14:useLocalDpi xmlns:a14="http://schemas.microsoft.com/office/drawing/2010/main" val="0"/>
-              </a:ext>
-            </a:extLst>
-          </a:blip>
-          <a:srcRect/>
-          <a:stretch>
-            <a:fillRect/>
-          </a:stretch>
-        </p:blipFill>
-        <p:spPr bwMode="auto">
-          <a:xfrm>
-            <a:off x="772084" y="4336796"/>
-            <a:ext cx="1959375" cy="2225957"/>
-          </a:xfrm>
-          <a:prstGeom prst="rect">
-            <a:avLst/>
-          </a:prstGeom>
-          <a:noFill/>
-          <a:ln>
-            <a:noFill/>
-          </a:ln>
-          <a:extLst>
-            <a:ext uri="{909E8E84-426E-40DD-AFC4-6F175D3DCCD1}">
-              <a14:hiddenFill xmlns:a14="http://schemas.microsoft.com/office/drawing/2010/main">
-                <a:solidFill>
-                  <a:schemeClr val="accent1"/>
-                </a:solidFill>
-              </a14:hiddenFill>
-            </a:ext>
-            <a:ext uri="{91240B29-F687-4F45-9708-019B960494DF}">
-              <a14:hiddenLine xmlns:a14="http://schemas.microsoft.com/office/drawing/2010/main" w="9525">
-                <a:solidFill>
-                  <a:schemeClr val="tx1"/>
-                </a:solidFill>
-                <a:miter lim="800000"/>
-                <a:headEnd/>
-                <a:tailEnd/>
-              </a14:hiddenLine>
-            </a:ext>
-          </a:extLst>
-        </p:spPr>
-      </p:pic>
-      <p:sp>
-        <p:nvSpPr>
-          <p:cNvPr id="11" name="pole tekstowe 4"/>
-          <p:cNvSpPr txBox="1"/>
-          <p:nvPr/>
-        </p:nvSpPr>
-        <p:spPr>
-          <a:xfrm>
-            <a:off x="9490286" y="4259072"/>
-            <a:ext cx="3639287" cy="646331"/>
-          </a:xfrm>
-          <a:prstGeom prst="rect">
-            <a:avLst/>
-          </a:prstGeom>
-          <a:noFill/>
-        </p:spPr>
-        <p:txBody>
-          <a:bodyPr wrap="square" rtlCol="0">
-            <a:spAutoFit/>
-          </a:bodyPr>
-          <a:lstStyle/>
-          <a:p>
-            <a:r>
-              <a:rPr lang="en-US" dirty="0" smtClean="0"/>
-              <a:t>Any </a:t>
-            </a:r>
-            <a:r>
-              <a:rPr lang="en-US" dirty="0" err="1" smtClean="0"/>
-              <a:t>hashable</a:t>
-            </a:r>
-            <a:r>
-              <a:rPr lang="en-US" dirty="0" smtClean="0"/>
-              <a:t> type can be used as a dictionary key</a:t>
-            </a:r>
-            <a:endParaRPr lang="en-GB" dirty="0"/>
-          </a:p>
-        </p:txBody>
-      </p:sp>
-      <p:sp>
-        <p:nvSpPr>
-          <p:cNvPr id="2" name="TextBox 1"/>
-          <p:cNvSpPr txBox="1"/>
-          <p:nvPr/>
-        </p:nvSpPr>
-        <p:spPr>
-          <a:xfrm>
-            <a:off x="729070" y="1558194"/>
-            <a:ext cx="914400" cy="914400"/>
-          </a:xfrm>
-          <a:prstGeom prst="rect">
-            <a:avLst/>
-          </a:prstGeom>
-          <a:noFill/>
-        </p:spPr>
-        <p:txBody>
-          <a:bodyPr wrap="none" lIns="0" tIns="0" rIns="0" bIns="0" rtlCol="0">
-            <a:noAutofit/>
-          </a:bodyPr>
-          <a:lstStyle/>
-          <a:p>
-            <a:r>
-              <a:rPr lang="en-US" dirty="0" smtClean="0"/>
-              <a:t>Creating a new dictionary</a:t>
-            </a:r>
-            <a:endParaRPr lang="en-US" dirty="0"/>
-          </a:p>
-        </p:txBody>
-      </p:sp>
-      <p:pic>
-        <p:nvPicPr>
-          <p:cNvPr id="1026" name="Picture 2"/>
-          <p:cNvPicPr>
-            <a:picLocks noChangeAspect="1" noChangeArrowheads="1"/>
-          </p:cNvPicPr>
-          <p:nvPr/>
-        </p:nvPicPr>
-        <p:blipFill>
-          <a:blip r:embed="rId7">
-            <a:extLst>
-              <a:ext uri="{28A0092B-C50C-407E-A947-70E740481C1C}">
-                <a14:useLocalDpi xmlns:a14="http://schemas.microsoft.com/office/drawing/2010/main" val="0"/>
-              </a:ext>
-            </a:extLst>
-          </a:blip>
-          <a:srcRect/>
-          <a:stretch>
-            <a:fillRect/>
-          </a:stretch>
-        </p:blipFill>
-        <p:spPr bwMode="auto">
-          <a:xfrm>
-            <a:off x="7626639" y="4905403"/>
-            <a:ext cx="5295900" cy="1657350"/>
-          </a:xfrm>
-          <a:prstGeom prst="rect">
-            <a:avLst/>
-          </a:prstGeom>
-          <a:noFill/>
-          <a:ln>
-            <a:noFill/>
-          </a:ln>
-          <a:extLst>
-            <a:ext uri="{909E8E84-426E-40DD-AFC4-6F175D3DCCD1}">
-              <a14:hiddenFill xmlns:a14="http://schemas.microsoft.com/office/drawing/2010/main">
-                <a:solidFill>
-                  <a:schemeClr val="accent1"/>
-                </a:solidFill>
-              </a14:hiddenFill>
-            </a:ext>
-            <a:ext uri="{91240B29-F687-4F45-9708-019B960494DF}">
-              <a14:hiddenLine xmlns:a14="http://schemas.microsoft.com/office/drawing/2010/main" w="9525">
-                <a:solidFill>
-                  <a:schemeClr val="tx1"/>
-                </a:solidFill>
-                <a:miter lim="800000"/>
-                <a:headEnd/>
-                <a:tailEnd/>
-              </a14:hiddenLine>
-            </a:ext>
-          </a:extLst>
-        </p:spPr>
-      </p:pic>
-      <p:sp>
-        <p:nvSpPr>
-          <p:cNvPr id="5" name="TextBox 4"/>
-          <p:cNvSpPr txBox="1"/>
-          <p:nvPr/>
-        </p:nvSpPr>
-        <p:spPr>
-          <a:xfrm>
-            <a:off x="5072332" y="4992574"/>
-            <a:ext cx="2554307" cy="914400"/>
-          </a:xfrm>
-          <a:prstGeom prst="rect">
-            <a:avLst/>
-          </a:prstGeom>
-          <a:noFill/>
-        </p:spPr>
-        <p:txBody>
-          <a:bodyPr wrap="none" lIns="0" tIns="0" rIns="0" bIns="0" rtlCol="0">
-            <a:noAutofit/>
-          </a:bodyPr>
-          <a:lstStyle/>
-          <a:p>
-            <a:r>
-              <a:rPr lang="en-US" dirty="0" smtClean="0"/>
-              <a:t>Immutable: </a:t>
-            </a:r>
-            <a:r>
-              <a:rPr lang="en-US" dirty="0" err="1" smtClean="0"/>
-              <a:t>Hashable</a:t>
-            </a:r>
-            <a:endParaRPr lang="en-US" dirty="0" smtClean="0"/>
-          </a:p>
-        </p:txBody>
-      </p:sp>
-      <p:sp>
-        <p:nvSpPr>
-          <p:cNvPr id="12" name="TextBox 11"/>
-          <p:cNvSpPr txBox="1"/>
-          <p:nvPr/>
-        </p:nvSpPr>
-        <p:spPr>
-          <a:xfrm>
-            <a:off x="5072331" y="5906974"/>
-            <a:ext cx="2554307" cy="457200"/>
-          </a:xfrm>
-          <a:prstGeom prst="rect">
-            <a:avLst/>
-          </a:prstGeom>
-          <a:noFill/>
-        </p:spPr>
-        <p:txBody>
-          <a:bodyPr wrap="none" lIns="0" tIns="0" rIns="0" bIns="0" rtlCol="0">
-            <a:noAutofit/>
-          </a:bodyPr>
-          <a:lstStyle/>
-          <a:p>
-            <a:r>
-              <a:rPr lang="en-US" dirty="0"/>
-              <a:t>Mutable: Not </a:t>
-            </a:r>
-            <a:r>
-              <a:rPr lang="en-US" dirty="0" err="1"/>
-              <a:t>Hashable</a:t>
-            </a:r>
-            <a:endParaRPr lang="en-US" dirty="0"/>
-          </a:p>
-          <a:p>
-            <a:endParaRPr lang="en-US" dirty="0"/>
-          </a:p>
-        </p:txBody>
-      </p:sp>
-    </p:spTree>
-    <p:custDataLst>
-      <p:tags r:id="rId1"/>
-    </p:custDataLst>
-    <p:extLst>
-      <p:ext uri="{BB962C8B-B14F-4D97-AF65-F5344CB8AC3E}">
-        <p14:creationId xmlns:p14="http://schemas.microsoft.com/office/powerpoint/2010/main" val="855484396"/>
-      </p:ext>
-    </p:extLst>
-  </p:cSld>
-  <p:clrMapOvr>
-    <a:masterClrMapping/>
-  </p:clrMapOvr>
-  <p:timing>
-    <p:tnLst>
-      <p:par>
-        <p:cTn id="1" dur="indefinite" restart="never" nodeType="tmRoot"/>
-      </p:par>
-    </p:tnLst>
-  </p:timing>
-</p:sld>
-</file>
-
-<file path=ppt/slides/slide6.xml><?xml version="1.0" encoding="utf-8"?>
-<p:sld xmlns:a="http://schemas.openxmlformats.org/drawingml/2006/main" xmlns:r="http://schemas.openxmlformats.org/officeDocument/2006/relationships" xmlns:p="http://schemas.openxmlformats.org/presentationml/2006/main">
-  <p:cSld>
-    <p:spTree>
-      <p:nvGrpSpPr>
-        <p:cNvPr id="1" name=""/>
-        <p:cNvGrpSpPr/>
-        <p:nvPr/>
-      </p:nvGrpSpPr>
-      <p:grpSpPr>
-        <a:xfrm>
-          <a:off x="0" y="0"/>
-          <a:ext cx="0" cy="0"/>
-          <a:chOff x="0" y="0"/>
-          <a:chExt cx="0" cy="0"/>
-        </a:xfrm>
-      </p:grpSpPr>
-      <p:sp>
-        <p:nvSpPr>
-          <p:cNvPr id="3" name="PAGE HEADING"/>
-          <p:cNvSpPr>
-            <a:spLocks noGrp="1"/>
-          </p:cNvSpPr>
-          <p:nvPr>
-            <p:ph type="title"/>
-            <p:custDataLst>
-              <p:tags r:id="rId2"/>
-            </p:custDataLst>
-          </p:nvPr>
-        </p:nvSpPr>
-        <p:spPr/>
-        <p:txBody>
-          <a:bodyPr/>
-          <a:lstStyle/>
-          <a:p>
-            <a:r>
-              <a:rPr lang="en-US" dirty="0" smtClean="0"/>
-              <a:t>Playing around with Dictionaries</a:t>
-            </a:r>
-            <a:endParaRPr lang="en-US" dirty="0"/>
-          </a:p>
-        </p:txBody>
-      </p:sp>
-      <p:sp>
-        <p:nvSpPr>
-          <p:cNvPr id="9" name="pole tekstowe 2"/>
-          <p:cNvSpPr txBox="1"/>
-          <p:nvPr/>
-        </p:nvSpPr>
-        <p:spPr>
-          <a:xfrm>
-            <a:off x="534285" y="1408086"/>
-            <a:ext cx="3960440" cy="2862322"/>
-          </a:xfrm>
-          <a:prstGeom prst="rect">
-            <a:avLst/>
-          </a:prstGeom>
-          <a:noFill/>
-        </p:spPr>
-        <p:txBody>
-          <a:bodyPr wrap="square" numCol="2" rtlCol="0">
-            <a:spAutoFit/>
-          </a:bodyPr>
-          <a:lstStyle/>
-          <a:p>
-            <a:r>
-              <a:rPr lang="en-US" u="sng" dirty="0" smtClean="0"/>
-              <a:t>Methods:</a:t>
-            </a:r>
-          </a:p>
-          <a:p>
-            <a:endParaRPr lang="en-US" dirty="0" smtClean="0"/>
-          </a:p>
-          <a:p>
-            <a:pPr marL="285750" indent="-285750">
-              <a:buFont typeface="Arial" panose="020B0604020202020204" pitchFamily="34" charset="0"/>
-              <a:buChar char="•"/>
-            </a:pPr>
-            <a:r>
-              <a:rPr lang="en-US" dirty="0" smtClean="0"/>
-              <a:t>keys</a:t>
-            </a:r>
-          </a:p>
-          <a:p>
-            <a:pPr marL="285750" indent="-285750">
-              <a:buFont typeface="Arial" panose="020B0604020202020204" pitchFamily="34" charset="0"/>
-              <a:buChar char="•"/>
-            </a:pPr>
-            <a:r>
-              <a:rPr lang="en-US" dirty="0" smtClean="0"/>
-              <a:t>values</a:t>
-            </a:r>
-          </a:p>
-          <a:p>
-            <a:pPr marL="285750" indent="-285750">
-              <a:buFont typeface="Arial" panose="020B0604020202020204" pitchFamily="34" charset="0"/>
-              <a:buChar char="•"/>
-            </a:pPr>
-            <a:r>
-              <a:rPr lang="en-US" dirty="0" smtClean="0"/>
-              <a:t>items</a:t>
-            </a:r>
-          </a:p>
-          <a:p>
-            <a:pPr marL="285750" indent="-285750">
-              <a:buFont typeface="Arial" panose="020B0604020202020204" pitchFamily="34" charset="0"/>
-              <a:buChar char="•"/>
-            </a:pPr>
-            <a:r>
-              <a:rPr lang="en-US" dirty="0" smtClean="0"/>
-              <a:t>get</a:t>
-            </a:r>
-          </a:p>
-          <a:p>
-            <a:pPr marL="285750" indent="-285750">
-              <a:buFont typeface="Arial" panose="020B0604020202020204" pitchFamily="34" charset="0"/>
-              <a:buChar char="•"/>
-            </a:pPr>
-            <a:r>
-              <a:rPr lang="en-US" dirty="0" smtClean="0"/>
-              <a:t>copy</a:t>
-            </a:r>
-          </a:p>
-          <a:p>
-            <a:r>
-              <a:rPr lang="en-US" dirty="0" smtClean="0"/>
-              <a:t>						</a:t>
-            </a:r>
-          </a:p>
-          <a:p>
-            <a:endParaRPr lang="en-US" dirty="0"/>
-          </a:p>
-          <a:p>
-            <a:pPr marL="285750" indent="-285750">
-              <a:buFont typeface="Arial" panose="020B0604020202020204" pitchFamily="34" charset="0"/>
-              <a:buChar char="•"/>
-            </a:pPr>
-            <a:r>
-              <a:rPr lang="en-US" dirty="0" err="1" smtClean="0"/>
-              <a:t>fromkeys</a:t>
-            </a:r>
-            <a:endParaRPr lang="en-US" dirty="0" smtClean="0"/>
-          </a:p>
-          <a:p>
-            <a:pPr marL="285750" indent="-285750">
-              <a:buFont typeface="Arial" panose="020B0604020202020204" pitchFamily="34" charset="0"/>
-              <a:buChar char="•"/>
-            </a:pPr>
-            <a:r>
-              <a:rPr lang="en-US" dirty="0" err="1" smtClean="0"/>
-              <a:t>popitem</a:t>
-            </a:r>
-            <a:endParaRPr lang="en-US" dirty="0" smtClean="0"/>
-          </a:p>
-          <a:p>
-            <a:pPr marL="285750" indent="-285750">
-              <a:buFont typeface="Arial" panose="020B0604020202020204" pitchFamily="34" charset="0"/>
-              <a:buChar char="•"/>
-            </a:pPr>
-            <a:r>
-              <a:rPr lang="en-US" dirty="0" err="1" smtClean="0"/>
-              <a:t>setdefault</a:t>
-            </a:r>
-            <a:endParaRPr lang="en-US" dirty="0" smtClean="0"/>
-          </a:p>
-          <a:p>
-            <a:pPr marL="285750" indent="-285750">
-              <a:buFont typeface="Arial" panose="020B0604020202020204" pitchFamily="34" charset="0"/>
-              <a:buChar char="•"/>
-            </a:pPr>
-            <a:r>
-              <a:rPr lang="en-US" dirty="0" smtClean="0"/>
-              <a:t>pop</a:t>
-            </a:r>
-          </a:p>
-          <a:p>
-            <a:pPr marL="285750" indent="-285750">
-              <a:buFont typeface="Arial" panose="020B0604020202020204" pitchFamily="34" charset="0"/>
-              <a:buChar char="•"/>
-            </a:pPr>
-            <a:r>
-              <a:rPr lang="en-US" dirty="0" smtClean="0"/>
-              <a:t>Update</a:t>
-            </a:r>
-          </a:p>
-          <a:p>
-            <a:pPr marL="285750" indent="-285750">
-              <a:buFont typeface="Arial" panose="020B0604020202020204" pitchFamily="34" charset="0"/>
-              <a:buChar char="•"/>
-            </a:pPr>
-            <a:r>
-              <a:rPr lang="en-US" dirty="0" smtClean="0"/>
-              <a:t>clear</a:t>
-            </a:r>
-          </a:p>
-          <a:p>
-            <a:r>
-              <a:rPr lang="en-US" dirty="0" smtClean="0"/>
-              <a:t>		</a:t>
-            </a:r>
-          </a:p>
-          <a:p>
-            <a:r>
-              <a:rPr lang="en-US" dirty="0" smtClean="0"/>
-              <a:t>	</a:t>
-            </a:r>
-            <a:endParaRPr lang="en-GB" dirty="0"/>
-          </a:p>
-        </p:txBody>
-      </p:sp>
-      <p:pic>
-        <p:nvPicPr>
-          <p:cNvPr id="10" name="Picture 2"/>
-          <p:cNvPicPr>
-            <a:picLocks noChangeAspect="1" noChangeArrowheads="1"/>
-          </p:cNvPicPr>
-          <p:nvPr/>
-        </p:nvPicPr>
-        <p:blipFill>
-          <a:blip r:embed="rId5">
-            <a:extLst>
-              <a:ext uri="{28A0092B-C50C-407E-A947-70E740481C1C}">
-                <a14:useLocalDpi xmlns:a14="http://schemas.microsoft.com/office/drawing/2010/main" val="0"/>
-              </a:ext>
-            </a:extLst>
-          </a:blip>
-          <a:srcRect/>
-          <a:stretch>
-            <a:fillRect/>
-          </a:stretch>
-        </p:blipFill>
-        <p:spPr bwMode="auto">
-          <a:xfrm>
-            <a:off x="858584" y="4896828"/>
-            <a:ext cx="3311842" cy="1504362"/>
-          </a:xfrm>
-          <a:prstGeom prst="rect">
-            <a:avLst/>
-          </a:prstGeom>
-          <a:noFill/>
-          <a:ln>
-            <a:noFill/>
-          </a:ln>
-          <a:extLst>
-            <a:ext uri="{909E8E84-426E-40DD-AFC4-6F175D3DCCD1}">
-              <a14:hiddenFill xmlns:a14="http://schemas.microsoft.com/office/drawing/2010/main">
-                <a:solidFill>
-                  <a:schemeClr val="accent1"/>
-                </a:solidFill>
-              </a14:hiddenFill>
-            </a:ext>
-            <a:ext uri="{91240B29-F687-4F45-9708-019B960494DF}">
-              <a14:hiddenLine xmlns:a14="http://schemas.microsoft.com/office/drawing/2010/main" w="9525">
-                <a:solidFill>
-                  <a:schemeClr val="tx1"/>
-                </a:solidFill>
-                <a:miter lim="800000"/>
-                <a:headEnd/>
-                <a:tailEnd/>
-              </a14:hiddenLine>
-            </a:ext>
-          </a:extLst>
-        </p:spPr>
-      </p:pic>
-      <p:pic>
-        <p:nvPicPr>
-          <p:cNvPr id="11" name="Picture 3"/>
-          <p:cNvPicPr>
-            <a:picLocks noChangeAspect="1" noChangeArrowheads="1"/>
-          </p:cNvPicPr>
-          <p:nvPr/>
-        </p:nvPicPr>
-        <p:blipFill>
-          <a:blip r:embed="rId6">
-            <a:extLst>
-              <a:ext uri="{28A0092B-C50C-407E-A947-70E740481C1C}">
-                <a14:useLocalDpi xmlns:a14="http://schemas.microsoft.com/office/drawing/2010/main" val="0"/>
-              </a:ext>
-            </a:extLst>
-          </a:blip>
-          <a:srcRect/>
-          <a:stretch>
-            <a:fillRect/>
-          </a:stretch>
-        </p:blipFill>
-        <p:spPr bwMode="auto">
-          <a:xfrm>
-            <a:off x="6150646" y="1606773"/>
-            <a:ext cx="2592288" cy="2663635"/>
-          </a:xfrm>
-          <a:prstGeom prst="rect">
-            <a:avLst/>
-          </a:prstGeom>
-          <a:noFill/>
-          <a:ln>
-            <a:noFill/>
-          </a:ln>
-          <a:extLst>
-            <a:ext uri="{909E8E84-426E-40DD-AFC4-6F175D3DCCD1}">
-              <a14:hiddenFill xmlns:a14="http://schemas.microsoft.com/office/drawing/2010/main">
-                <a:solidFill>
-                  <a:schemeClr val="accent1"/>
-                </a:solidFill>
-              </a14:hiddenFill>
-            </a:ext>
-            <a:ext uri="{91240B29-F687-4F45-9708-019B960494DF}">
-              <a14:hiddenLine xmlns:a14="http://schemas.microsoft.com/office/drawing/2010/main" w="9525">
-                <a:solidFill>
-                  <a:schemeClr val="tx1"/>
-                </a:solidFill>
-                <a:miter lim="800000"/>
-                <a:headEnd/>
-                <a:tailEnd/>
-              </a14:hiddenLine>
-            </a:ext>
-          </a:extLst>
-        </p:spPr>
-      </p:pic>
-    </p:spTree>
-    <p:custDataLst>
-      <p:tags r:id="rId1"/>
-    </p:custDataLst>
-    <p:extLst>
-      <p:ext uri="{BB962C8B-B14F-4D97-AF65-F5344CB8AC3E}">
-        <p14:creationId xmlns:p14="http://schemas.microsoft.com/office/powerpoint/2010/main" val="2627049247"/>
-      </p:ext>
-    </p:extLst>
-  </p:cSld>
-  <p:clrMapOvr>
-    <a:masterClrMapping/>
-  </p:clrMapOvr>
-  <p:timing>
-    <p:tnLst>
-      <p:par>
-        <p:cTn id="1" dur="indefinite" restart="never" nodeType="tmRoot"/>
-      </p:par>
-    </p:tnLst>
-  </p:timing>
-</p:sld>
-</file>
-
-<file path=ppt/slides/slide7.xml><?xml version="1.0" encoding="utf-8"?>
-<p:sld xmlns:a="http://schemas.openxmlformats.org/drawingml/2006/main" xmlns:r="http://schemas.openxmlformats.org/officeDocument/2006/relationships" xmlns:p="http://schemas.openxmlformats.org/presentationml/2006/main">
-  <p:cSld>
-    <p:spTree>
-      <p:nvGrpSpPr>
-        <p:cNvPr id="1" name=""/>
-        <p:cNvGrpSpPr/>
-        <p:nvPr/>
-      </p:nvGrpSpPr>
-      <p:grpSpPr>
-        <a:xfrm>
-          <a:off x="0" y="0"/>
-          <a:ext cx="0" cy="0"/>
-          <a:chOff x="0" y="0"/>
-          <a:chExt cx="0" cy="0"/>
-        </a:xfrm>
-      </p:grpSpPr>
-      <p:sp>
-        <p:nvSpPr>
-          <p:cNvPr id="3" name="PAGE HEADING"/>
-          <p:cNvSpPr>
-            <a:spLocks noGrp="1"/>
-          </p:cNvSpPr>
-          <p:nvPr>
-            <p:ph type="title"/>
-            <p:custDataLst>
-              <p:tags r:id="rId2"/>
-            </p:custDataLst>
-          </p:nvPr>
-        </p:nvSpPr>
-        <p:spPr/>
-        <p:txBody>
-          <a:bodyPr/>
-          <a:lstStyle/>
-          <a:p>
-            <a:r>
-              <a:rPr lang="en-US" dirty="0" smtClean="0"/>
-              <a:t>Tuples</a:t>
-            </a:r>
-            <a:endParaRPr lang="en-US" dirty="0"/>
-          </a:p>
-        </p:txBody>
-      </p:sp>
-      <p:sp>
-        <p:nvSpPr>
-          <p:cNvPr id="7" name="pole tekstowe 2"/>
-          <p:cNvSpPr txBox="1"/>
-          <p:nvPr/>
-        </p:nvSpPr>
-        <p:spPr>
-          <a:xfrm>
-            <a:off x="611559" y="1309410"/>
-            <a:ext cx="5156944" cy="3970318"/>
-          </a:xfrm>
-          <a:prstGeom prst="rect">
-            <a:avLst/>
-          </a:prstGeom>
-          <a:noFill/>
-        </p:spPr>
-        <p:txBody>
-          <a:bodyPr wrap="square" rtlCol="0">
-            <a:spAutoFit/>
-          </a:bodyPr>
-          <a:lstStyle/>
-          <a:p>
-            <a:r>
-              <a:rPr dirty="0" smtClean="0">
-                <a:solidFill>
-                  <a:prstClr val="black"/>
-                </a:solidFill>
-              </a:rPr>
-              <a:t>- ordered and immutable </a:t>
-            </a:r>
-            <a:r>
-              <a:rPr sz="1600" b="1" dirty="0" smtClean="0">
-                <a:solidFill>
-                  <a:prstClr val="black"/>
-                </a:solidFill>
-              </a:rPr>
-              <a:t>(unchangeable)</a:t>
-            </a:r>
-            <a:r>
-              <a:rPr sz="1600" dirty="0" smtClean="0">
-                <a:solidFill>
-                  <a:prstClr val="black"/>
-                </a:solidFill>
-              </a:rPr>
-              <a:t> </a:t>
-            </a:r>
-            <a:r>
-              <a:rPr dirty="0" smtClean="0">
-                <a:solidFill>
-                  <a:prstClr val="black"/>
-                </a:solidFill>
-              </a:rPr>
-              <a:t>collection of items </a:t>
-            </a:r>
-          </a:p>
-          <a:p>
-            <a:r>
-              <a:rPr dirty="0" smtClean="0">
-                <a:solidFill>
-                  <a:prstClr val="black"/>
-                </a:solidFill>
-              </a:rPr>
-              <a:t>- allows </a:t>
-            </a:r>
-            <a:r>
-              <a:rPr dirty="0">
-                <a:solidFill>
-                  <a:prstClr val="black"/>
-                </a:solidFill>
-              </a:rPr>
-              <a:t>duplicate </a:t>
-            </a:r>
-            <a:r>
-              <a:rPr dirty="0" smtClean="0">
-                <a:solidFill>
-                  <a:prstClr val="black"/>
-                </a:solidFill>
-              </a:rPr>
-              <a:t>members</a:t>
-            </a:r>
-          </a:p>
-          <a:p>
-            <a:r>
-              <a:rPr altLang="en-US" dirty="0" smtClean="0">
-                <a:solidFill>
-                  <a:prstClr val="black"/>
-                </a:solidFill>
-              </a:rPr>
-              <a:t>- to </a:t>
-            </a:r>
-            <a:r>
-              <a:rPr altLang="en-US" dirty="0">
-                <a:solidFill>
-                  <a:prstClr val="black"/>
-                </a:solidFill>
-              </a:rPr>
-              <a:t>add or remove items, you must </a:t>
-            </a:r>
-            <a:r>
-              <a:rPr altLang="en-US" dirty="0" err="1">
-                <a:solidFill>
-                  <a:prstClr val="black"/>
-                </a:solidFill>
-              </a:rPr>
-              <a:t>redeclare</a:t>
-            </a:r>
-            <a:endParaRPr altLang="en-US" dirty="0">
-              <a:solidFill>
-                <a:prstClr val="black"/>
-              </a:solidFill>
-            </a:endParaRPr>
-          </a:p>
-          <a:p>
-            <a:r>
-              <a:rPr dirty="0" smtClean="0">
-                <a:solidFill>
-                  <a:prstClr val="black"/>
-                </a:solidFill>
-              </a:rPr>
-              <a:t>-</a:t>
-            </a:r>
-            <a:r>
-              <a:rPr altLang="en-US" dirty="0">
-                <a:solidFill>
-                  <a:prstClr val="black"/>
-                </a:solidFill>
-              </a:rPr>
-              <a:t>Example uses of tuples</a:t>
-            </a:r>
-          </a:p>
-          <a:p>
-            <a:pPr marL="895060" lvl="1" indent="-285750">
-              <a:buFont typeface="Wingdings" panose="05000000000000000000" pitchFamily="2" charset="2"/>
-              <a:buChar char="Ø"/>
-            </a:pPr>
-            <a:r>
-              <a:rPr lang="en-US" altLang="en-US" dirty="0" smtClean="0">
-                <a:solidFill>
-                  <a:prstClr val="black"/>
-                </a:solidFill>
-              </a:rPr>
-              <a:t>Country </a:t>
-            </a:r>
-            <a:r>
-              <a:rPr lang="en-US" altLang="en-US" dirty="0">
-                <a:solidFill>
-                  <a:prstClr val="black"/>
-                </a:solidFill>
-              </a:rPr>
-              <a:t>Names</a:t>
-            </a:r>
-          </a:p>
-          <a:p>
-            <a:pPr marL="895060" lvl="1" indent="-285750">
-              <a:buFont typeface="Wingdings" panose="05000000000000000000" pitchFamily="2" charset="2"/>
-              <a:buChar char="Ø"/>
-            </a:pPr>
-            <a:r>
-              <a:rPr lang="en-US" altLang="en-US" dirty="0" smtClean="0">
-                <a:solidFill>
-                  <a:prstClr val="black"/>
-                </a:solidFill>
-              </a:rPr>
-              <a:t>Mountain Peaks</a:t>
-            </a:r>
-            <a:endParaRPr lang="en-US" altLang="en-US" dirty="0">
-              <a:solidFill>
-                <a:prstClr val="black"/>
-              </a:solidFill>
-            </a:endParaRPr>
-          </a:p>
-          <a:p>
-            <a:pPr marL="895060" lvl="1" indent="-285750">
-              <a:buFont typeface="Wingdings" panose="05000000000000000000" pitchFamily="2" charset="2"/>
-              <a:buChar char="Ø"/>
-            </a:pPr>
-            <a:r>
-              <a:rPr lang="en-US" altLang="en-US" dirty="0">
-                <a:solidFill>
-                  <a:prstClr val="black"/>
-                </a:solidFill>
-              </a:rPr>
-              <a:t>Ordered set of functions </a:t>
-            </a:r>
-          </a:p>
-          <a:p>
-            <a:endParaRPr dirty="0" smtClean="0">
-              <a:solidFill>
-                <a:prstClr val="black"/>
-              </a:solidFill>
-            </a:endParaRPr>
-          </a:p>
-          <a:p>
-            <a:r>
-              <a:rPr dirty="0" smtClean="0">
-                <a:solidFill>
-                  <a:prstClr val="black"/>
-                </a:solidFill>
-              </a:rPr>
-              <a:t> </a:t>
-            </a:r>
-            <a:endParaRPr lang="en-GB" dirty="0">
-              <a:solidFill>
-                <a:prstClr val="black"/>
-              </a:solidFill>
-            </a:endParaRPr>
-          </a:p>
-        </p:txBody>
-      </p:sp>
-      <p:pic>
-        <p:nvPicPr>
-          <p:cNvPr id="8" name="Picture 4"/>
-          <p:cNvPicPr>
-            <a:picLocks noChangeAspect="1" noChangeArrowheads="1"/>
-          </p:cNvPicPr>
-          <p:nvPr/>
-        </p:nvPicPr>
-        <p:blipFill>
-          <a:blip r:embed="rId4">
-            <a:extLst>
-              <a:ext uri="{28A0092B-C50C-407E-A947-70E740481C1C}">
-                <a14:useLocalDpi xmlns:a14="http://schemas.microsoft.com/office/drawing/2010/main" val="0"/>
-              </a:ext>
-            </a:extLst>
-          </a:blip>
-          <a:srcRect/>
-          <a:stretch>
-            <a:fillRect/>
-          </a:stretch>
-        </p:blipFill>
-        <p:spPr bwMode="auto">
-          <a:xfrm>
-            <a:off x="8001208" y="1309410"/>
-            <a:ext cx="2738184" cy="2233587"/>
-          </a:xfrm>
-          <a:prstGeom prst="rect">
-            <a:avLst/>
-          </a:prstGeom>
-          <a:noFill/>
-          <a:ln>
-            <a:noFill/>
-          </a:ln>
-          <a:extLst>
-            <a:ext uri="{909E8E84-426E-40DD-AFC4-6F175D3DCCD1}">
-              <a14:hiddenFill xmlns:a14="http://schemas.microsoft.com/office/drawing/2010/main">
-                <a:solidFill>
-                  <a:schemeClr val="accent1"/>
-                </a:solidFill>
-              </a14:hiddenFill>
-            </a:ext>
-            <a:ext uri="{91240B29-F687-4F45-9708-019B960494DF}">
-              <a14:hiddenLine xmlns:a14="http://schemas.microsoft.com/office/drawing/2010/main" w="9525">
-                <a:solidFill>
-                  <a:schemeClr val="tx1"/>
-                </a:solidFill>
-                <a:miter lim="800000"/>
-                <a:headEnd/>
-                <a:tailEnd/>
-              </a14:hiddenLine>
-            </a:ext>
-          </a:extLst>
-        </p:spPr>
-      </p:pic>
-      <p:pic>
-        <p:nvPicPr>
-          <p:cNvPr id="9" name="Picture 5"/>
-          <p:cNvPicPr>
-            <a:picLocks noChangeAspect="1" noChangeArrowheads="1"/>
-          </p:cNvPicPr>
-          <p:nvPr/>
-        </p:nvPicPr>
-        <p:blipFill>
-          <a:blip r:embed="rId5">
-            <a:extLst>
-              <a:ext uri="{28A0092B-C50C-407E-A947-70E740481C1C}">
-                <a14:useLocalDpi xmlns:a14="http://schemas.microsoft.com/office/drawing/2010/main" val="0"/>
-              </a:ext>
-            </a:extLst>
-          </a:blip>
-          <a:srcRect/>
-          <a:stretch>
-            <a:fillRect/>
-          </a:stretch>
-        </p:blipFill>
-        <p:spPr bwMode="auto">
-          <a:xfrm>
-            <a:off x="6484454" y="4115181"/>
-            <a:ext cx="5952200" cy="747867"/>
-          </a:xfrm>
-          <a:prstGeom prst="rect">
-            <a:avLst/>
-          </a:prstGeom>
-          <a:noFill/>
-          <a:ln>
-            <a:noFill/>
-          </a:ln>
-          <a:extLst>
-            <a:ext uri="{909E8E84-426E-40DD-AFC4-6F175D3DCCD1}">
-              <a14:hiddenFill xmlns:a14="http://schemas.microsoft.com/office/drawing/2010/main">
-                <a:solidFill>
-                  <a:schemeClr val="accent1"/>
-                </a:solidFill>
-              </a14:hiddenFill>
-            </a:ext>
-            <a:ext uri="{91240B29-F687-4F45-9708-019B960494DF}">
-              <a14:hiddenLine xmlns:a14="http://schemas.microsoft.com/office/drawing/2010/main" w="9525">
-                <a:solidFill>
-                  <a:schemeClr val="tx1"/>
-                </a:solidFill>
-                <a:miter lim="800000"/>
-                <a:headEnd/>
-                <a:tailEnd/>
-              </a14:hiddenLine>
-            </a:ext>
-          </a:extLst>
-        </p:spPr>
-      </p:pic>
-      <p:pic>
-        <p:nvPicPr>
-          <p:cNvPr id="11" name="Picture 6"/>
-          <p:cNvPicPr>
-            <a:picLocks noChangeAspect="1" noChangeArrowheads="1"/>
-          </p:cNvPicPr>
-          <p:nvPr/>
-        </p:nvPicPr>
-        <p:blipFill>
-          <a:blip r:embed="rId6">
-            <a:extLst>
-              <a:ext uri="{28A0092B-C50C-407E-A947-70E740481C1C}">
-                <a14:useLocalDpi xmlns:a14="http://schemas.microsoft.com/office/drawing/2010/main" val="0"/>
-              </a:ext>
-            </a:extLst>
-          </a:blip>
-          <a:srcRect/>
-          <a:stretch>
-            <a:fillRect/>
-          </a:stretch>
-        </p:blipFill>
-        <p:spPr bwMode="auto">
-          <a:xfrm>
-            <a:off x="8638218" y="5117716"/>
-            <a:ext cx="1234102" cy="568760"/>
-          </a:xfrm>
-          <a:prstGeom prst="rect">
-            <a:avLst/>
-          </a:prstGeom>
-          <a:noFill/>
-          <a:ln>
-            <a:noFill/>
-          </a:ln>
-          <a:extLst>
-            <a:ext uri="{909E8E84-426E-40DD-AFC4-6F175D3DCCD1}">
-              <a14:hiddenFill xmlns:a14="http://schemas.microsoft.com/office/drawing/2010/main">
-                <a:solidFill>
-                  <a:schemeClr val="accent1"/>
-                </a:solidFill>
-              </a14:hiddenFill>
-            </a:ext>
-            <a:ext uri="{91240B29-F687-4F45-9708-019B960494DF}">
-              <a14:hiddenLine xmlns:a14="http://schemas.microsoft.com/office/drawing/2010/main" w="9525">
-                <a:solidFill>
-                  <a:schemeClr val="tx1"/>
-                </a:solidFill>
-                <a:miter lim="800000"/>
-                <a:headEnd/>
-                <a:tailEnd/>
-              </a14:hiddenLine>
-            </a:ext>
-          </a:extLst>
-        </p:spPr>
-      </p:pic>
-      <p:sp>
-        <p:nvSpPr>
-          <p:cNvPr id="14" name="TextBox 13"/>
-          <p:cNvSpPr txBox="1"/>
-          <p:nvPr/>
-        </p:nvSpPr>
-        <p:spPr>
-          <a:xfrm>
-            <a:off x="6484454" y="5117716"/>
-            <a:ext cx="2435810" cy="457200"/>
-          </a:xfrm>
-          <a:prstGeom prst="rect">
-            <a:avLst/>
-          </a:prstGeom>
-          <a:noFill/>
-        </p:spPr>
-        <p:txBody>
-          <a:bodyPr wrap="none" lIns="0" tIns="0" rIns="0" bIns="0" rtlCol="0">
-            <a:noAutofit/>
-          </a:bodyPr>
-          <a:lstStyle/>
-          <a:p>
-            <a:r>
-              <a:rPr dirty="0" smtClean="0">
-                <a:solidFill>
-                  <a:prstClr val="black"/>
-                </a:solidFill>
-              </a:rPr>
-              <a:t>Accessing elements</a:t>
-            </a:r>
-            <a:endParaRPr dirty="0">
-              <a:solidFill>
-                <a:prstClr val="black"/>
-              </a:solidFill>
-            </a:endParaRPr>
-          </a:p>
-        </p:txBody>
-      </p:sp>
-      <p:sp>
-        <p:nvSpPr>
-          <p:cNvPr id="16" name="Rounded Rectangle 15"/>
-          <p:cNvSpPr/>
-          <p:nvPr/>
-        </p:nvSpPr>
-        <p:spPr>
-          <a:xfrm>
-            <a:off x="929959" y="5076473"/>
-            <a:ext cx="3389121" cy="891670"/>
-          </a:xfrm>
-          <a:prstGeom prst="roundRect">
-            <a:avLst/>
-          </a:prstGeom>
-        </p:spPr>
-        <p:style>
-          <a:lnRef idx="2">
-            <a:schemeClr val="accent6"/>
-          </a:lnRef>
-          <a:fillRef idx="1">
-            <a:schemeClr val="lt1"/>
-          </a:fillRef>
-          <a:effectRef idx="0">
-            <a:schemeClr val="accent6"/>
-          </a:effectRef>
-          <a:fontRef idx="minor">
-            <a:schemeClr val="dk1"/>
-          </a:fontRef>
-        </p:style>
-        <p:txBody>
-          <a:bodyPr rtlCol="0" anchor="ctr"/>
-          <a:lstStyle/>
-          <a:p>
-            <a:pPr>
-              <a:lnSpc>
-                <a:spcPct val="90000"/>
-              </a:lnSpc>
-            </a:pPr>
-            <a:r>
-              <a:rPr altLang="en-US" sz="1400" dirty="0" err="1">
-                <a:solidFill>
-                  <a:prstClr val="black"/>
-                </a:solidFill>
-                <a:latin typeface="Courier New" pitchFamily="49" charset="0"/>
-                <a:cs typeface="Courier New" pitchFamily="49" charset="0"/>
-              </a:rPr>
-              <a:t>var</a:t>
-            </a:r>
-            <a:r>
-              <a:rPr altLang="en-US" sz="1400" dirty="0">
-                <a:solidFill>
-                  <a:prstClr val="black"/>
-                </a:solidFill>
-                <a:latin typeface="Courier New" pitchFamily="49" charset="0"/>
-                <a:cs typeface="Courier New" pitchFamily="49" charset="0"/>
-              </a:rPr>
-              <a:t> = (‘one’, 2, ‘three</a:t>
-            </a:r>
-            <a:r>
-              <a:rPr altLang="en-US" sz="1400" dirty="0" smtClean="0">
-                <a:solidFill>
-                  <a:prstClr val="black"/>
-                </a:solidFill>
-                <a:latin typeface="Courier New" pitchFamily="49" charset="0"/>
-                <a:cs typeface="Courier New" pitchFamily="49" charset="0"/>
-              </a:rPr>
-              <a:t>’, ‘</a:t>
-            </a:r>
-            <a:r>
-              <a:rPr altLang="en-US" sz="1400" dirty="0">
-                <a:solidFill>
-                  <a:prstClr val="black"/>
-                </a:solidFill>
-                <a:latin typeface="Courier New" pitchFamily="49" charset="0"/>
-                <a:cs typeface="Courier New" pitchFamily="49" charset="0"/>
-              </a:rPr>
-              <a:t>banana’)</a:t>
-            </a:r>
-            <a:endParaRPr altLang="en-US" sz="1600" dirty="0">
-              <a:solidFill>
-                <a:prstClr val="black"/>
-              </a:solidFill>
-              <a:latin typeface="Courier New" pitchFamily="49" charset="0"/>
-              <a:cs typeface="Courier New" pitchFamily="49" charset="0"/>
-            </a:endParaRPr>
-          </a:p>
-        </p:txBody>
-      </p:sp>
-    </p:spTree>
-    <p:custDataLst>
-      <p:tags r:id="rId1"/>
-    </p:custDataLst>
-    <p:extLst>
-      <p:ext uri="{BB962C8B-B14F-4D97-AF65-F5344CB8AC3E}">
-        <p14:creationId xmlns:p14="http://schemas.microsoft.com/office/powerpoint/2010/main" val="532911006"/>
-      </p:ext>
-    </p:extLst>
-  </p:cSld>
-  <p:clrMapOvr>
-    <a:masterClrMapping/>
-  </p:clrMapOvr>
-  <p:timing>
-    <p:tnLst>
-      <p:par>
-        <p:cTn id="1" dur="indefinite" restart="never" nodeType="tmRoot"/>
-      </p:par>
-    </p:tnLst>
-  </p:timing>
-</p:sld>
-</file>
-
-<file path=ppt/slides/slide8.xml><?xml version="1.0" encoding="utf-8"?>
-<p:sld xmlns:a="http://schemas.openxmlformats.org/drawingml/2006/main" xmlns:r="http://schemas.openxmlformats.org/officeDocument/2006/relationships" xmlns:p="http://schemas.openxmlformats.org/presentationml/2006/main">
-  <p:cSld>
-    <p:spTree>
-      <p:nvGrpSpPr>
-        <p:cNvPr id="1" name=""/>
-        <p:cNvGrpSpPr/>
-        <p:nvPr/>
-      </p:nvGrpSpPr>
-      <p:grpSpPr>
-        <a:xfrm>
-          <a:off x="0" y="0"/>
-          <a:ext cx="0" cy="0"/>
-          <a:chOff x="0" y="0"/>
-          <a:chExt cx="0" cy="0"/>
-        </a:xfrm>
-      </p:grpSpPr>
-      <p:sp>
-        <p:nvSpPr>
-          <p:cNvPr id="3" name="PAGE HEADING"/>
-          <p:cNvSpPr>
-            <a:spLocks noGrp="1"/>
-          </p:cNvSpPr>
-          <p:nvPr>
-            <p:ph type="title"/>
-            <p:custDataLst>
-              <p:tags r:id="rId2"/>
-            </p:custDataLst>
-          </p:nvPr>
-        </p:nvSpPr>
-        <p:spPr/>
-        <p:txBody>
-          <a:bodyPr/>
-          <a:lstStyle/>
-          <a:p>
-            <a:r>
-              <a:rPr lang="en-US" dirty="0" smtClean="0"/>
-              <a:t>Tuples Operations</a:t>
-            </a:r>
-            <a:endParaRPr lang="en-US" dirty="0"/>
-          </a:p>
-        </p:txBody>
-      </p:sp>
-      <p:sp>
-        <p:nvSpPr>
-          <p:cNvPr id="12" name="pole tekstowe 5"/>
-          <p:cNvSpPr txBox="1"/>
-          <p:nvPr/>
-        </p:nvSpPr>
-        <p:spPr>
-          <a:xfrm>
-            <a:off x="627840" y="6204305"/>
-            <a:ext cx="9761300" cy="276999"/>
-          </a:xfrm>
-          <a:prstGeom prst="rect">
-            <a:avLst/>
-          </a:prstGeom>
-          <a:noFill/>
-        </p:spPr>
-        <p:txBody>
-          <a:bodyPr wrap="square" rtlCol="0">
-            <a:spAutoFit/>
-          </a:bodyPr>
-          <a:lstStyle/>
-          <a:p>
-            <a:r>
-              <a:rPr sz="1200" dirty="0" smtClean="0">
-                <a:solidFill>
-                  <a:prstClr val="black"/>
-                </a:solidFill>
-              </a:rPr>
-              <a:t>*Operations which cause potential changes to a tuple are not permissible; reinforce the idea of immutability</a:t>
-            </a:r>
-            <a:endParaRPr lang="en-GB" sz="1200" dirty="0">
-              <a:solidFill>
-                <a:prstClr val="black"/>
-              </a:solidFill>
-            </a:endParaRPr>
-          </a:p>
-        </p:txBody>
-      </p:sp>
-      <p:sp>
-        <p:nvSpPr>
-          <p:cNvPr id="13" name="TextBox 12"/>
-          <p:cNvSpPr txBox="1"/>
-          <p:nvPr/>
-        </p:nvSpPr>
-        <p:spPr>
-          <a:xfrm>
-            <a:off x="627840" y="1538606"/>
-            <a:ext cx="8652347" cy="4618066"/>
-          </a:xfrm>
-          <a:prstGeom prst="rect">
-            <a:avLst/>
-          </a:prstGeom>
-          <a:noFill/>
-        </p:spPr>
-        <p:txBody>
-          <a:bodyPr wrap="none" lIns="0" tIns="0" rIns="0" bIns="0" rtlCol="0">
-            <a:noAutofit/>
-          </a:bodyPr>
-          <a:lstStyle/>
-          <a:p>
-            <a:r>
-              <a:rPr u="sng" dirty="0" smtClean="0">
-                <a:solidFill>
-                  <a:prstClr val="black"/>
-                </a:solidFill>
-              </a:rPr>
-              <a:t>Methods*</a:t>
-            </a:r>
-            <a:r>
-              <a:rPr dirty="0" smtClean="0">
-                <a:solidFill>
-                  <a:prstClr val="black"/>
-                </a:solidFill>
-              </a:rPr>
-              <a:t>:</a:t>
-            </a:r>
-            <a:endParaRPr dirty="0">
-              <a:solidFill>
-                <a:prstClr val="black"/>
-              </a:solidFill>
-            </a:endParaRPr>
-          </a:p>
-          <a:p>
-            <a:pPr marL="285750" indent="-285750">
-              <a:lnSpc>
-                <a:spcPct val="150000"/>
-              </a:lnSpc>
-              <a:buFont typeface="Arial" panose="020B0604020202020204" pitchFamily="34" charset="0"/>
-              <a:buChar char="•"/>
-            </a:pPr>
-            <a:r>
-              <a:rPr dirty="0" smtClean="0">
-                <a:solidFill>
-                  <a:prstClr val="black"/>
-                </a:solidFill>
-              </a:rPr>
-              <a:t>count() : </a:t>
-            </a:r>
-            <a:r>
-              <a:rPr dirty="0">
-                <a:solidFill>
-                  <a:prstClr val="black"/>
-                </a:solidFill>
-              </a:rPr>
-              <a:t>returns the number of times a specified value appears in the tuple.</a:t>
-            </a:r>
-          </a:p>
-          <a:p>
-            <a:pPr marL="285750" indent="-285750">
-              <a:buFont typeface="Arial" panose="020B0604020202020204" pitchFamily="34" charset="0"/>
-              <a:buChar char="•"/>
-            </a:pPr>
-            <a:endParaRPr dirty="0" smtClean="0">
-              <a:solidFill>
-                <a:prstClr val="black"/>
-              </a:solidFill>
-            </a:endParaRPr>
-          </a:p>
-          <a:p>
-            <a:pPr marL="285750" indent="-285750">
-              <a:buFont typeface="Arial" panose="020B0604020202020204" pitchFamily="34" charset="0"/>
-              <a:buChar char="•"/>
-            </a:pPr>
-            <a:endParaRPr dirty="0">
-              <a:solidFill>
-                <a:prstClr val="black"/>
-              </a:solidFill>
-            </a:endParaRPr>
-          </a:p>
-          <a:p>
-            <a:pPr marL="285750" indent="-285750">
-              <a:buFont typeface="Arial" panose="020B0604020202020204" pitchFamily="34" charset="0"/>
-              <a:buChar char="•"/>
-            </a:pPr>
-            <a:endParaRPr dirty="0" smtClean="0">
-              <a:solidFill>
-                <a:prstClr val="black"/>
-              </a:solidFill>
-            </a:endParaRPr>
-          </a:p>
-          <a:p>
-            <a:pPr marL="285750" indent="-285750">
-              <a:buFont typeface="Arial" panose="020B0604020202020204" pitchFamily="34" charset="0"/>
-              <a:buChar char="•"/>
-            </a:pPr>
-            <a:r>
-              <a:rPr dirty="0" smtClean="0">
-                <a:solidFill>
-                  <a:prstClr val="black"/>
-                </a:solidFill>
-              </a:rPr>
-              <a:t>index(): </a:t>
-            </a:r>
-          </a:p>
-          <a:p>
-            <a:pPr>
-              <a:spcBef>
-                <a:spcPts val="600"/>
-              </a:spcBef>
-            </a:pPr>
-            <a:r>
-              <a:rPr dirty="0">
-                <a:solidFill>
-                  <a:prstClr val="black"/>
-                </a:solidFill>
-              </a:rPr>
-              <a:t>	</a:t>
-            </a:r>
-            <a:r>
-              <a:rPr dirty="0" smtClean="0">
-                <a:solidFill>
-                  <a:prstClr val="black"/>
-                </a:solidFill>
-              </a:rPr>
-              <a:t>- finds </a:t>
-            </a:r>
-            <a:r>
-              <a:rPr dirty="0">
-                <a:solidFill>
-                  <a:prstClr val="black"/>
-                </a:solidFill>
-              </a:rPr>
-              <a:t>the first occurrence of the specified </a:t>
-            </a:r>
-            <a:r>
-              <a:rPr dirty="0" smtClean="0">
-                <a:solidFill>
-                  <a:prstClr val="black"/>
-                </a:solidFill>
-              </a:rPr>
-              <a:t>value</a:t>
-            </a:r>
-          </a:p>
-          <a:p>
-            <a:pPr>
-              <a:spcBef>
-                <a:spcPts val="600"/>
-              </a:spcBef>
-            </a:pPr>
-            <a:r>
-              <a:rPr dirty="0">
-                <a:solidFill>
-                  <a:prstClr val="black"/>
-                </a:solidFill>
-              </a:rPr>
-              <a:t>	</a:t>
-            </a:r>
-            <a:r>
-              <a:rPr dirty="0" smtClean="0">
-                <a:solidFill>
-                  <a:prstClr val="black"/>
-                </a:solidFill>
-              </a:rPr>
-              <a:t>- raises </a:t>
-            </a:r>
-            <a:r>
-              <a:rPr dirty="0">
-                <a:solidFill>
-                  <a:prstClr val="black"/>
-                </a:solidFill>
-              </a:rPr>
-              <a:t>an exception if the value is not found.</a:t>
-            </a:r>
-          </a:p>
-          <a:p>
-            <a:endParaRPr dirty="0">
-              <a:solidFill>
-                <a:prstClr val="black"/>
-              </a:solidFill>
-            </a:endParaRPr>
-          </a:p>
-        </p:txBody>
-      </p:sp>
-      <p:pic>
-        <p:nvPicPr>
-          <p:cNvPr id="1026" name="Picture 2"/>
-          <p:cNvPicPr>
-            <a:picLocks noChangeAspect="1" noChangeArrowheads="1"/>
-          </p:cNvPicPr>
-          <p:nvPr/>
-        </p:nvPicPr>
-        <p:blipFill>
-          <a:blip r:embed="rId4">
-            <a:extLst>
-              <a:ext uri="{28A0092B-C50C-407E-A947-70E740481C1C}">
-                <a14:useLocalDpi xmlns:a14="http://schemas.microsoft.com/office/drawing/2010/main" val="0"/>
-              </a:ext>
-            </a:extLst>
-          </a:blip>
-          <a:srcRect/>
-          <a:stretch>
-            <a:fillRect/>
-          </a:stretch>
-        </p:blipFill>
-        <p:spPr bwMode="auto">
-          <a:xfrm>
-            <a:off x="1084869" y="2571994"/>
-            <a:ext cx="4581525" cy="819150"/>
-          </a:xfrm>
-          <a:prstGeom prst="rect">
-            <a:avLst/>
-          </a:prstGeom>
-          <a:noFill/>
-          <a:ln>
-            <a:noFill/>
-          </a:ln>
-          <a:extLst>
-            <a:ext uri="{909E8E84-426E-40DD-AFC4-6F175D3DCCD1}">
-              <a14:hiddenFill xmlns:a14="http://schemas.microsoft.com/office/drawing/2010/main">
-                <a:solidFill>
-                  <a:schemeClr val="accent1"/>
-                </a:solidFill>
-              </a14:hiddenFill>
-            </a:ext>
-            <a:ext uri="{91240B29-F687-4F45-9708-019B960494DF}">
-              <a14:hiddenLine xmlns:a14="http://schemas.microsoft.com/office/drawing/2010/main" w="9525">
-                <a:solidFill>
-                  <a:schemeClr val="tx1"/>
-                </a:solidFill>
-                <a:miter lim="800000"/>
-                <a:headEnd/>
-                <a:tailEnd/>
-              </a14:hiddenLine>
-            </a:ext>
-          </a:extLst>
-        </p:spPr>
-      </p:pic>
-      <p:pic>
-        <p:nvPicPr>
-          <p:cNvPr id="1027" name="Picture 3"/>
-          <p:cNvPicPr>
-            <a:picLocks noChangeAspect="1" noChangeArrowheads="1"/>
-          </p:cNvPicPr>
-          <p:nvPr/>
-        </p:nvPicPr>
-        <p:blipFill>
-          <a:blip r:embed="rId5">
-            <a:extLst>
-              <a:ext uri="{28A0092B-C50C-407E-A947-70E740481C1C}">
-                <a14:useLocalDpi xmlns:a14="http://schemas.microsoft.com/office/drawing/2010/main" val="0"/>
-              </a:ext>
-            </a:extLst>
-          </a:blip>
-          <a:srcRect/>
-          <a:stretch>
-            <a:fillRect/>
-          </a:stretch>
-        </p:blipFill>
-        <p:spPr bwMode="auto">
-          <a:xfrm>
-            <a:off x="1084869" y="4851062"/>
-            <a:ext cx="4667250" cy="857250"/>
-          </a:xfrm>
-          <a:prstGeom prst="rect">
-            <a:avLst/>
-          </a:prstGeom>
-          <a:noFill/>
-          <a:ln>
-            <a:noFill/>
-          </a:ln>
-          <a:extLst>
-            <a:ext uri="{909E8E84-426E-40DD-AFC4-6F175D3DCCD1}">
-              <a14:hiddenFill xmlns:a14="http://schemas.microsoft.com/office/drawing/2010/main">
-                <a:solidFill>
-                  <a:schemeClr val="accent1"/>
-                </a:solidFill>
-              </a14:hiddenFill>
-            </a:ext>
-            <a:ext uri="{91240B29-F687-4F45-9708-019B960494DF}">
-              <a14:hiddenLine xmlns:a14="http://schemas.microsoft.com/office/drawing/2010/main" w="9525">
-                <a:solidFill>
-                  <a:schemeClr val="tx1"/>
-                </a:solidFill>
-                <a:miter lim="800000"/>
-                <a:headEnd/>
-                <a:tailEnd/>
-              </a14:hiddenLine>
-            </a:ext>
-          </a:extLst>
-        </p:spPr>
-      </p:pic>
-    </p:spTree>
-    <p:custDataLst>
-      <p:tags r:id="rId1"/>
-    </p:custDataLst>
-    <p:extLst>
-      <p:ext uri="{BB962C8B-B14F-4D97-AF65-F5344CB8AC3E}">
-        <p14:creationId xmlns:p14="http://schemas.microsoft.com/office/powerpoint/2010/main" val="682690664"/>
-      </p:ext>
-    </p:extLst>
-  </p:cSld>
-  <p:clrMapOvr>
-    <a:masterClrMapping/>
-  </p:clrMapOvr>
-  <p:timing>
-    <p:tnLst>
-      <p:par>
-        <p:cTn id="1" dur="indefinite" restart="never" nodeType="tmRoot"/>
-      </p:par>
-    </p:tnLst>
-  </p:timing>
-</p:sld>
-</file>
-
 <file path=ppt/tags/tag1.xml><?xml version="1.0" encoding="utf-8"?>
 <p:tagLst xmlns:a="http://schemas.openxmlformats.org/drawingml/2006/main" xmlns:r="http://schemas.openxmlformats.org/officeDocument/2006/relationships" xmlns:p="http://schemas.openxmlformats.org/presentationml/2006/main">
   <p:tag name="FULLPATHNAME" val=" "/>
@@ -39196,8 +40264,6 @@
   <p:tag name="SERIF FONT" val="UBSHeadline"/>
   <p:tag name="SANS SERIF FONT" val="Frutiger 55 Roman"/>
   <p:tag name="LANGUAGE ID" val="1033"/>
-  <p:tag name="ASIANSANS SERIF FONT" val="DFPHei Std W3"/>
-  <p:tag name="ASIANSERIF FONT" val="MSung PRC Medium"/>
   <p:tag name="MOST RECENT UPGRADE" val="0"/>
 </p:tagLst>
 </file>
@@ -40822,54 +41888,54 @@
 
 <file path=ppt/tags/tag272.xml><?xml version="1.0" encoding="utf-8"?>
 <p:tagLst xmlns:a="http://schemas.openxmlformats.org/drawingml/2006/main" xmlns:r="http://schemas.openxmlformats.org/officeDocument/2006/relationships" xmlns:p="http://schemas.openxmlformats.org/presentationml/2006/main">
-  <p:tag name="SLIDE_TYPE" val="COVER"/>
+  <p:tag name="SLIDE_TYPE" val="BODY"/>
 </p:tagLst>
 </file>
 
 <file path=ppt/tags/tag273.xml><?xml version="1.0" encoding="utf-8"?>
 <p:tagLst xmlns:a="http://schemas.openxmlformats.org/drawingml/2006/main" xmlns:r="http://schemas.openxmlformats.org/officeDocument/2006/relationships" xmlns:p="http://schemas.openxmlformats.org/presentationml/2006/main">
+  <p:tag name="FONT STYLE" val="SANS SERIF"/>
+  <p:tag name="TEXT_TYPE" val="PAGE HEADING"/>
+</p:tagLst>
+</file>
+
+<file path=ppt/tags/tag274.xml><?xml version="1.0" encoding="utf-8"?>
+<p:tagLst xmlns:a="http://schemas.openxmlformats.org/drawingml/2006/main" xmlns:r="http://schemas.openxmlformats.org/officeDocument/2006/relationships" xmlns:p="http://schemas.openxmlformats.org/presentationml/2006/main">
+  <p:tag name="SLIDE_TYPE" val="COVER"/>
+</p:tagLst>
+</file>
+
+<file path=ppt/tags/tag275.xml><?xml version="1.0" encoding="utf-8"?>
+<p:tagLst xmlns:a="http://schemas.openxmlformats.org/drawingml/2006/main" xmlns:r="http://schemas.openxmlformats.org/officeDocument/2006/relationships" xmlns:p="http://schemas.openxmlformats.org/presentationml/2006/main">
   <p:tag name="TEXT_TYPE" val="CREATE DATE"/>
 </p:tagLst>
 </file>
 
-<file path=ppt/tags/tag274.xml><?xml version="1.0" encoding="utf-8"?>
+<file path=ppt/tags/tag276.xml><?xml version="1.0" encoding="utf-8"?>
 <p:tagLst xmlns:a="http://schemas.openxmlformats.org/drawingml/2006/main" xmlns:r="http://schemas.openxmlformats.org/officeDocument/2006/relationships" xmlns:p="http://schemas.openxmlformats.org/presentationml/2006/main">
   <p:tag name="TEXT_TYPE" val="PRESENTATION PRESENTER FUNCTION"/>
   <p:tag name="FONT STYLE" val="SANS SERIF"/>
 </p:tagLst>
 </file>
 
-<file path=ppt/tags/tag275.xml><?xml version="1.0" encoding="utf-8"?>
+<file path=ppt/tags/tag277.xml><?xml version="1.0" encoding="utf-8"?>
 <p:tagLst xmlns:a="http://schemas.openxmlformats.org/drawingml/2006/main" xmlns:r="http://schemas.openxmlformats.org/officeDocument/2006/relationships" xmlns:p="http://schemas.openxmlformats.org/presentationml/2006/main">
   <p:tag name="TEXT_TYPE" val="PRESENTATION PRESENTER"/>
   <p:tag name="FONT STYLE" val="SANS SERIF"/>
 </p:tagLst>
 </file>
 
-<file path=ppt/tags/tag276.xml><?xml version="1.0" encoding="utf-8"?>
+<file path=ppt/tags/tag278.xml><?xml version="1.0" encoding="utf-8"?>
 <p:tagLst xmlns:a="http://schemas.openxmlformats.org/drawingml/2006/main" xmlns:r="http://schemas.openxmlformats.org/officeDocument/2006/relationships" xmlns:p="http://schemas.openxmlformats.org/presentationml/2006/main">
   <p:tag name="TEXT_TYPE" val="PRESENTATION TITLE"/>
   <p:tag name="FONT STYLE" val="SANS SERIF"/>
 </p:tagLst>
 </file>
 
-<file path=ppt/tags/tag277.xml><?xml version="1.0" encoding="utf-8"?>
+<file path=ppt/tags/tag279.xml><?xml version="1.0" encoding="utf-8"?>
 <p:tagLst xmlns:a="http://schemas.openxmlformats.org/drawingml/2006/main" xmlns:r="http://schemas.openxmlformats.org/officeDocument/2006/relationships" xmlns:p="http://schemas.openxmlformats.org/presentationml/2006/main">
   <p:tag name="FONT STYLE" val="SERIF"/>
   <p:tag name="TEXT_TYPE" val="PRESENTATION INFOLINE"/>
-</p:tagLst>
-</file>
-
-<file path=ppt/tags/tag278.xml><?xml version="1.0" encoding="utf-8"?>
-<p:tagLst xmlns:a="http://schemas.openxmlformats.org/drawingml/2006/main" xmlns:r="http://schemas.openxmlformats.org/officeDocument/2006/relationships" xmlns:p="http://schemas.openxmlformats.org/presentationml/2006/main">
-  <p:tag name="SLIDE_SUB_TYPE" val="SECTION"/>
-  <p:tag name="SLIDE_TYPE" val="DIVIDER"/>
-</p:tagLst>
-</file>
-
-<file path=ppt/tags/tag279.xml><?xml version="1.0" encoding="utf-8"?>
-<p:tagLst xmlns:a="http://schemas.openxmlformats.org/drawingml/2006/main" xmlns:r="http://schemas.openxmlformats.org/officeDocument/2006/relationships" xmlns:p="http://schemas.openxmlformats.org/presentationml/2006/main">
-  <p:tag name="TEXT_TYPE" val="DIVIDER TITLE"/>
 </p:tagLst>
 </file>
 
@@ -40883,32 +41949,33 @@
 
 <file path=ppt/tags/tag280.xml><?xml version="1.0" encoding="utf-8"?>
 <p:tagLst xmlns:a="http://schemas.openxmlformats.org/drawingml/2006/main" xmlns:r="http://schemas.openxmlformats.org/officeDocument/2006/relationships" xmlns:p="http://schemas.openxmlformats.org/presentationml/2006/main">
-  <p:tag name="TEXT_TYPE" val="DIVIDER NUMBER"/>
+  <p:tag name="SLIDE_SUB_TYPE" val="SECTION"/>
+  <p:tag name="SLIDE_TYPE" val="DIVIDER"/>
 </p:tagLst>
 </file>
 
 <file path=ppt/tags/tag281.xml><?xml version="1.0" encoding="utf-8"?>
 <p:tagLst xmlns:a="http://schemas.openxmlformats.org/drawingml/2006/main" xmlns:r="http://schemas.openxmlformats.org/officeDocument/2006/relationships" xmlns:p="http://schemas.openxmlformats.org/presentationml/2006/main">
-  <p:tag name="SLIDE_TYPE" val="BODY"/>
+  <p:tag name="TEXT_TYPE" val="DIVIDER TITLE"/>
 </p:tagLst>
 </file>
 
 <file path=ppt/tags/tag282.xml><?xml version="1.0" encoding="utf-8"?>
 <p:tagLst xmlns:a="http://schemas.openxmlformats.org/drawingml/2006/main" xmlns:r="http://schemas.openxmlformats.org/officeDocument/2006/relationships" xmlns:p="http://schemas.openxmlformats.org/presentationml/2006/main">
-  <p:tag name="FONT STYLE" val="SANS SERIF"/>
-  <p:tag name="TEXT_TYPE" val="PAGE HEADING"/>
+  <p:tag name="TEXT_TYPE" val="DIVIDER NUMBER"/>
 </p:tagLst>
 </file>
 
 <file path=ppt/tags/tag283.xml><?xml version="1.0" encoding="utf-8"?>
 <p:tagLst xmlns:a="http://schemas.openxmlformats.org/drawingml/2006/main" xmlns:r="http://schemas.openxmlformats.org/officeDocument/2006/relationships" xmlns:p="http://schemas.openxmlformats.org/presentationml/2006/main">
-  <p:tag name="SLIDE_TYPE" val="BODY CONTINUED"/>
+  <p:tag name="SLIDE_TYPE" val="BODY"/>
 </p:tagLst>
 </file>
 
 <file path=ppt/tags/tag284.xml><?xml version="1.0" encoding="utf-8"?>
 <p:tagLst xmlns:a="http://schemas.openxmlformats.org/drawingml/2006/main" xmlns:r="http://schemas.openxmlformats.org/officeDocument/2006/relationships" xmlns:p="http://schemas.openxmlformats.org/presentationml/2006/main">
-  <p:tag name="TEXT_TYPE" val="PAGE HEADING CONTINUED"/>
+  <p:tag name="FONT STYLE" val="SANS SERIF"/>
+  <p:tag name="TEXT_TYPE" val="PAGE HEADING"/>
 </p:tagLst>
 </file>
 
@@ -40920,8 +41987,8 @@
 
 <file path=ppt/tags/tag286.xml><?xml version="1.0" encoding="utf-8"?>
 <p:tagLst xmlns:a="http://schemas.openxmlformats.org/drawingml/2006/main" xmlns:r="http://schemas.openxmlformats.org/officeDocument/2006/relationships" xmlns:p="http://schemas.openxmlformats.org/presentationml/2006/main">
+  <p:tag name="FONT STYLE" val="SANS SERIF"/>
   <p:tag name="TEXT_TYPE" val="PAGE HEADING"/>
-  <p:tag name="FONT STYLE" val="SANS SERIF"/>
 </p:tagLst>
 </file>
 
@@ -40933,8 +42000,8 @@
 
 <file path=ppt/tags/tag288.xml><?xml version="1.0" encoding="utf-8"?>
 <p:tagLst xmlns:a="http://schemas.openxmlformats.org/drawingml/2006/main" xmlns:r="http://schemas.openxmlformats.org/officeDocument/2006/relationships" xmlns:p="http://schemas.openxmlformats.org/presentationml/2006/main">
+  <p:tag name="FONT STYLE" val="SANS SERIF"/>
   <p:tag name="TEXT_TYPE" val="PAGE HEADING"/>
-  <p:tag name="FONT STYLE" val="SANS SERIF"/>
 </p:tagLst>
 </file>
 
@@ -40953,8 +42020,8 @@
 
 <file path=ppt/tags/tag290.xml><?xml version="1.0" encoding="utf-8"?>
 <p:tagLst xmlns:a="http://schemas.openxmlformats.org/drawingml/2006/main" xmlns:r="http://schemas.openxmlformats.org/officeDocument/2006/relationships" xmlns:p="http://schemas.openxmlformats.org/presentationml/2006/main">
+  <p:tag name="FONT STYLE" val="SANS SERIF"/>
   <p:tag name="TEXT_TYPE" val="PAGE HEADING"/>
-  <p:tag name="FONT STYLE" val="SANS SERIF"/>
 </p:tagLst>
 </file>
 
@@ -40966,8 +42033,52 @@
 
 <file path=ppt/tags/tag292.xml><?xml version="1.0" encoding="utf-8"?>
 <p:tagLst xmlns:a="http://schemas.openxmlformats.org/drawingml/2006/main" xmlns:r="http://schemas.openxmlformats.org/officeDocument/2006/relationships" xmlns:p="http://schemas.openxmlformats.org/presentationml/2006/main">
+  <p:tag name="FONT STYLE" val="SANS SERIF"/>
+  <p:tag name="TEXT_TYPE" val="PAGE HEADING"/>
+</p:tagLst>
+</file>
+
+<file path=ppt/tags/tag293.xml><?xml version="1.0" encoding="utf-8"?>
+<p:tagLst xmlns:a="http://schemas.openxmlformats.org/drawingml/2006/main" xmlns:r="http://schemas.openxmlformats.org/officeDocument/2006/relationships" xmlns:p="http://schemas.openxmlformats.org/presentationml/2006/main">
+  <p:tag name="SLIDE_TYPE" val="BODY CONTINUED"/>
+</p:tagLst>
+</file>
+
+<file path=ppt/tags/tag294.xml><?xml version="1.0" encoding="utf-8"?>
+<p:tagLst xmlns:a="http://schemas.openxmlformats.org/drawingml/2006/main" xmlns:r="http://schemas.openxmlformats.org/officeDocument/2006/relationships" xmlns:p="http://schemas.openxmlformats.org/presentationml/2006/main">
+  <p:tag name="TEXT_TYPE" val="PAGE HEADING CONTINUED"/>
+</p:tagLst>
+</file>
+
+<file path=ppt/tags/tag295.xml><?xml version="1.0" encoding="utf-8"?>
+<p:tagLst xmlns:a="http://schemas.openxmlformats.org/drawingml/2006/main" xmlns:r="http://schemas.openxmlformats.org/officeDocument/2006/relationships" xmlns:p="http://schemas.openxmlformats.org/presentationml/2006/main">
+  <p:tag name="SLIDE_TYPE" val="BODY"/>
+</p:tagLst>
+</file>
+
+<file path=ppt/tags/tag296.xml><?xml version="1.0" encoding="utf-8"?>
+<p:tagLst xmlns:a="http://schemas.openxmlformats.org/drawingml/2006/main" xmlns:r="http://schemas.openxmlformats.org/officeDocument/2006/relationships" xmlns:p="http://schemas.openxmlformats.org/presentationml/2006/main">
   <p:tag name="TEXT_TYPE" val="PAGE HEADING"/>
   <p:tag name="FONT STYLE" val="SANS SERIF"/>
+</p:tagLst>
+</file>
+
+<file path=ppt/tags/tag297.xml><?xml version="1.0" encoding="utf-8"?>
+<p:tagLst xmlns:a="http://schemas.openxmlformats.org/drawingml/2006/main" xmlns:r="http://schemas.openxmlformats.org/officeDocument/2006/relationships" xmlns:p="http://schemas.openxmlformats.org/presentationml/2006/main">
+  <p:tag name="SLIDE_TYPE" val="BODY"/>
+</p:tagLst>
+</file>
+
+<file path=ppt/tags/tag298.xml><?xml version="1.0" encoding="utf-8"?>
+<p:tagLst xmlns:a="http://schemas.openxmlformats.org/drawingml/2006/main" xmlns:r="http://schemas.openxmlformats.org/officeDocument/2006/relationships" xmlns:p="http://schemas.openxmlformats.org/presentationml/2006/main">
+  <p:tag name="TEXT_TYPE" val="PAGE HEADING"/>
+  <p:tag name="FONT STYLE" val="SANS SERIF"/>
+</p:tagLst>
+</file>
+
+<file path=ppt/tags/tag299.xml><?xml version="1.0" encoding="utf-8"?>
+<p:tagLst xmlns:a="http://schemas.openxmlformats.org/drawingml/2006/main" xmlns:r="http://schemas.openxmlformats.org/officeDocument/2006/relationships" xmlns:p="http://schemas.openxmlformats.org/presentationml/2006/main">
+  <p:tag name="SLIDE_TYPE" val="BODY"/>
 </p:tagLst>
 </file>
 
@@ -40981,6 +42092,13 @@
 <file path=ppt/tags/tag30.xml><?xml version="1.0" encoding="utf-8"?>
 <p:tagLst xmlns:a="http://schemas.openxmlformats.org/drawingml/2006/main" xmlns:r="http://schemas.openxmlformats.org/officeDocument/2006/relationships" xmlns:p="http://schemas.openxmlformats.org/presentationml/2006/main">
   <p:tag name="TEXT_TYPE" val="DOCUMENT ID"/>
+</p:tagLst>
+</file>
+
+<file path=ppt/tags/tag300.xml><?xml version="1.0" encoding="utf-8"?>
+<p:tagLst xmlns:a="http://schemas.openxmlformats.org/drawingml/2006/main" xmlns:r="http://schemas.openxmlformats.org/officeDocument/2006/relationships" xmlns:p="http://schemas.openxmlformats.org/presentationml/2006/main">
+  <p:tag name="TEXT_TYPE" val="PAGE HEADING"/>
+  <p:tag name="FONT STYLE" val="SANS SERIF"/>
 </p:tagLst>
 </file>
 
@@ -41926,7 +43044,7 @@
   <a:extraClrSchemeLst/>
   <a:extLst>
     <a:ext uri="{05A4C25C-085E-4340-85A3-A5531E510DB2}">
-      <thm15:themeFamily xmlns="" xmlns:thm15="http://schemas.microsoft.com/office/thememl/2012/main" name="PresPrintOnScreen.potx" id="{B1CF8AA8-D6A7-41EF-9E90-0F39E6846CD9}" vid="{374E0768-1711-4036-89AA-A65302BE1F55}"/>
+      <thm15:themeFamily xmlns:thm15="http://schemas.microsoft.com/office/thememl/2012/main" xmlns="" name="PresPrintOnScreen.potx" id="{B1CF8AA8-D6A7-41EF-9E90-0F39E6846CD9}" vid="{374E0768-1711-4036-89AA-A65302BE1F55}"/>
     </a:ext>
   </a:extLst>
 </a:theme>
@@ -42236,7 +43354,7 @@
   <a:extraClrSchemeLst/>
   <a:extLst>
     <a:ext uri="{05A4C25C-085E-4340-85A3-A5531E510DB2}">
-      <thm15:themeFamily xmlns="" xmlns:thm15="http://schemas.microsoft.com/office/thememl/2012/main" name="PresPrintOnScreen.potx" id="{B1CF8AA8-D6A7-41EF-9E90-0F39E6846CD9}" vid="{374E0768-1711-4036-89AA-A65302BE1F55}"/>
+      <thm15:themeFamily xmlns:thm15="http://schemas.microsoft.com/office/thememl/2012/main" xmlns="" name="PresPrintOnScreen.potx" id="{B1CF8AA8-D6A7-41EF-9E90-0F39E6846CD9}" vid="{374E0768-1711-4036-89AA-A65302BE1F55}"/>
     </a:ext>
   </a:extLst>
 </a:theme>
